--- a/Slides-RPR/2019-H1-DAA-L23-Greedy-Algo-JobScheduling.pptx
+++ b/Slides-RPR/2019-H1-DAA-L23-Greedy-Algo-JobScheduling.pptx
@@ -26,16 +26,6 @@
     <p:sldId id="271" r:id="rId23"/>
     <p:sldId id="272" r:id="rId24"/>
     <p:sldId id="273" r:id="rId25"/>
-    <p:sldId id="274" r:id="rId26"/>
-    <p:sldId id="275" r:id="rId27"/>
-    <p:sldId id="276" r:id="rId28"/>
-    <p:sldId id="277" r:id="rId29"/>
-    <p:sldId id="278" r:id="rId30"/>
-    <p:sldId id="279" r:id="rId31"/>
-    <p:sldId id="280" r:id="rId32"/>
-    <p:sldId id="281" r:id="rId33"/>
-    <p:sldId id="282" r:id="rId34"/>
-    <p:sldId id="283" r:id="rId35"/>
   </p:sldIdLst>
   <p:sldSz cx="10160000" cy="7620000"/>
   <p:notesSz cx="6858000" cy="9144000"/>
@@ -10645,7 +10635,7 @@
       </p:grpSpPr>
       <p:sp>
         <p:nvSpPr>
-          <p:cNvPr id="144" name="Union-Find Approach"/>
+          <p:cNvPr id="144" name="Fast Job Scheduling (Union-Find)"/>
           <p:cNvSpPr txBox="1"/>
           <p:nvPr>
             <p:ph type="title"/>
@@ -10662,14 +10652,14 @@
           <a:p>
             <a:pPr/>
             <a:r>
-              <a:t>Union-Find Approach</a:t>
+              <a:t>Fast Job Scheduling (Union-Find)</a:t>
             </a:r>
           </a:p>
         </p:txBody>
       </p:sp>
       <p:sp>
         <p:nvSpPr>
-          <p:cNvPr id="145" name="Using set based Union-Find approach…"/>
+          <p:cNvPr id="145" name="Let i denote the timeslot i…"/>
           <p:cNvSpPr txBox="1"/>
           <p:nvPr>
             <p:ph type="body" idx="1"/>
@@ -10684,102 +10674,9 @@
           <a:bodyPr/>
           <a:lstStyle/>
           <a:p>
-            <a:pPr>
-              <a:spcBef>
-                <a:spcPts val="500"/>
-              </a:spcBef>
-            </a:pPr>
-            <a:r>
-              <a:t>Using set based Union-Find approach</a:t>
-            </a:r>
-          </a:p>
-          <a:p>
-            <a:pPr lvl="1">
-              <a:spcBef>
-                <a:spcPts val="500"/>
-              </a:spcBef>
-            </a:pPr>
-            <a:r>
-              <a:t>It is almost O(n)</a:t>
-            </a:r>
-          </a:p>
-          <a:p>
-            <a:pPr>
-              <a:spcBef>
-                <a:spcPts val="500"/>
-              </a:spcBef>
-            </a:pPr>
-            <a:r>
-              <a:t>Union-Find approach</a:t>
-            </a:r>
-          </a:p>
-          <a:p>
-            <a:pPr>
-              <a:spcBef>
-                <a:spcPts val="500"/>
-              </a:spcBef>
-            </a:pPr>
-            <a:r>
-              <a:t>Consider the set of </a:t>
-            </a:r>
-            <a:r>
-              <a:rPr>
-                <a:latin typeface="Courier New"/>
-                <a:ea typeface="Courier New"/>
-                <a:cs typeface="Courier New"/>
-                <a:sym typeface="Courier New"/>
-              </a:rPr>
-              <a:t>n</a:t>
-            </a:r>
-            <a:r>
-              <a:t> elements which are known.</a:t>
-            </a:r>
-          </a:p>
-          <a:p>
-            <a:pPr>
-              <a:spcBef>
-                <a:spcPts val="500"/>
-              </a:spcBef>
-            </a:pPr>
-            <a:r>
-              <a:t>All these elements put in an array and their id can be the array index i.e.</a:t>
-            </a:r>
-          </a:p>
-          <a:p>
-            <a:pPr lvl="1">
-              <a:spcBef>
-                <a:spcPts val="500"/>
-              </a:spcBef>
-            </a:pPr>
-            <a:r>
-              <a:rPr>
-                <a:latin typeface="Courier New"/>
-                <a:ea typeface="Courier New"/>
-                <a:cs typeface="Courier New"/>
-                <a:sym typeface="Courier New"/>
-              </a:rPr>
-              <a:t>a[i] = x</a:t>
-            </a:r>
-            <a:r>
-              <a:rPr baseline="-5999">
-                <a:latin typeface="Courier New"/>
-                <a:ea typeface="Courier New"/>
-                <a:cs typeface="Courier New"/>
-                <a:sym typeface="Courier New"/>
-              </a:rPr>
-              <a:t>i</a:t>
-            </a:r>
-            <a:r>
-              <a:rPr>
-                <a:latin typeface="Courier New"/>
-                <a:ea typeface="Courier New"/>
-                <a:cs typeface="Courier New"/>
-                <a:sym typeface="Courier New"/>
-              </a:rPr>
-              <a:t> </a:t>
-            </a:r>
-            <a:r>
-              <a:t># </a:t>
+            <a:pPr/>
+            <a:r>
+              <a:t>Let </a:t>
             </a:r>
             <a:r>
               <a:rPr>
@@ -10791,16 +10688,7 @@
               <a:t>i</a:t>
             </a:r>
             <a:r>
-              <a:rPr baseline="31999">
-                <a:latin typeface="Courier New"/>
-                <a:ea typeface="Courier New"/>
-                <a:cs typeface="Courier New"/>
-                <a:sym typeface="Courier New"/>
-              </a:rPr>
-              <a:t>th</a:t>
-            </a:r>
-            <a:r>
-              <a:t> element is </a:t>
+              <a:t> denote the timeslot </a:t>
             </a:r>
             <a:r>
               <a:rPr>
@@ -10809,10 +10697,88 @@
                 <a:cs typeface="Courier New"/>
                 <a:sym typeface="Courier New"/>
               </a:rPr>
-              <a:t>s</a:t>
-            </a:r>
-            <a:r>
-              <a:rPr baseline="-5999">
+              <a:t>i</a:t>
+            </a:r>
+          </a:p>
+          <a:p>
+            <a:pPr lvl="1"/>
+            <a:r>
+              <a:t>At the start time, each time slot is its own set</a:t>
+            </a:r>
+          </a:p>
+          <a:p>
+            <a:pPr/>
+            <a:r>
+              <a:t>There are m timeslots, where</a:t>
+            </a:r>
+          </a:p>
+          <a:p>
+            <a:pPr lvl="3" marL="0" indent="685800">
+              <a:spcBef>
+                <a:spcPts val="600"/>
+              </a:spcBef>
+              <a:buSzTx/>
+              <a:buNone/>
+              <a:defRPr sz="3000">
+                <a:latin typeface="Courier New"/>
+                <a:ea typeface="Courier New"/>
+                <a:cs typeface="Courier New"/>
+                <a:sym typeface="Courier New"/>
+              </a:defRPr>
+            </a:pPr>
+            <a:r>
+              <a:t>m = min(n, max(d</a:t>
+            </a:r>
+            <a:r>
+              <a:rPr baseline="-5999"/>
+              <a:t>i</a:t>
+            </a:r>
+            <a:r>
+              <a:t>))</a:t>
+            </a:r>
+          </a:p>
+          <a:p>
+            <a:pPr lvl="2">
+              <a:spcBef>
+                <a:spcPts val="600"/>
+              </a:spcBef>
+              <a:defRPr sz="3000"/>
+            </a:pPr>
+            <a:r>
+              <a:t>i.e. the latest deadline</a:t>
+            </a:r>
+          </a:p>
+          <a:p>
+            <a:pPr marL="362416" indent="-322729"/>
+            <a:r>
+              <a:t>Each set of </a:t>
+            </a:r>
+            <a:r>
+              <a:rPr>
+                <a:latin typeface="Courier New"/>
+                <a:ea typeface="Courier New"/>
+                <a:cs typeface="Courier New"/>
+                <a:sym typeface="Courier New"/>
+              </a:rPr>
+              <a:t>k</a:t>
+            </a:r>
+            <a:r>
+              <a:t> slots has a value </a:t>
+            </a:r>
+            <a:r>
+              <a:rPr>
+                <a:latin typeface="Courier New"/>
+                <a:ea typeface="Courier New"/>
+                <a:cs typeface="Courier New"/>
+                <a:sym typeface="Courier New"/>
+              </a:rPr>
+              <a:t>F(k)</a:t>
+            </a:r>
+            <a:r>
+              <a:t> for all slots </a:t>
+            </a:r>
+            <a:r>
+              <a:rPr>
                 <a:latin typeface="Courier New"/>
                 <a:ea typeface="Courier New"/>
                 <a:cs typeface="Courier New"/>
@@ -10821,61 +10787,56 @@
               <a:t>i</a:t>
             </a:r>
             <a:r>
-              <a:t>.</a:t>
-            </a:r>
-          </a:p>
-          <a:p>
-            <a:pPr>
-              <a:spcBef>
-                <a:spcPts val="500"/>
-              </a:spcBef>
+              <a:t> set </a:t>
+            </a:r>
+            <a:r>
+              <a:rPr>
+                <a:latin typeface="Courier New"/>
+                <a:ea typeface="Courier New"/>
+                <a:cs typeface="Courier New"/>
+                <a:sym typeface="Courier New"/>
+              </a:rPr>
+              <a:t>k</a:t>
+            </a:r>
+          </a:p>
+          <a:p>
+            <a:pPr lvl="1" marL="663178" indent="-267890">
+              <a:buChar char="•"/>
             </a:pPr>
             <a:r>
-              <a:t>Elements are divided into groups (sets)</a:t>
-            </a:r>
-          </a:p>
-          <a:p>
-            <a:pPr lvl="1">
-              <a:spcBef>
-                <a:spcPts val="500"/>
-              </a:spcBef>
+              <a:rPr>
+                <a:latin typeface="Courier New"/>
+                <a:ea typeface="Courier New"/>
+                <a:cs typeface="Courier New"/>
+                <a:sym typeface="Courier New"/>
+              </a:rPr>
+              <a:t>F(k):</a:t>
+            </a:r>
+            <a:r>
+              <a:t>Stores highest free timeslot before this time</a:t>
+            </a:r>
+          </a:p>
+          <a:p>
+            <a:pPr lvl="1" marL="663178" indent="-267890">
+              <a:buChar char="•"/>
             </a:pPr>
             <a:r>
-              <a:t>Initially, each element is a group by itself.</a:t>
-            </a:r>
-          </a:p>
-          <a:p>
-            <a:pPr>
-              <a:spcBef>
-                <a:spcPts val="500"/>
-              </a:spcBef>
-            </a:pPr>
-            <a:r>
-              <a:t>Two kinds of operations:</a:t>
-            </a:r>
-          </a:p>
-          <a:p>
-            <a:pPr lvl="1">
-              <a:spcBef>
-                <a:spcPts val="500"/>
-              </a:spcBef>
-              <a:buChar char="•"/>
-              <a:defRPr sz="3200"/>
-            </a:pPr>
-            <a:r>
-              <a:t>Find the group to which element belongs</a:t>
-            </a:r>
-          </a:p>
-          <a:p>
-            <a:pPr lvl="1">
-              <a:spcBef>
-                <a:spcPts val="500"/>
-              </a:spcBef>
-              <a:buChar char="•"/>
-              <a:defRPr sz="3200"/>
-            </a:pPr>
-            <a:r>
-              <a:t>Merge the two groups</a:t>
+              <a:rPr>
+                <a:latin typeface="Courier New"/>
+                <a:ea typeface="Courier New"/>
+                <a:cs typeface="Courier New"/>
+                <a:sym typeface="Courier New"/>
+              </a:rPr>
+              <a:t>F(k):</a:t>
+            </a:r>
+            <a:r>
+              <a:t>Defined only for root node in set</a:t>
+            </a:r>
+          </a:p>
+          <a:p>
+            <a:pPr marL="362416" indent="-322729"/>
+            <a:r>
+              <a:t>Initially all slots are free</a:t>
             </a:r>
           </a:p>
         </p:txBody>
@@ -10993,595 +10954,6 @@
     <a:masterClrMapping/>
   </p:clrMapOvr>
   <p:transition xmlns:p14="http://schemas.microsoft.com/office/powerpoint/2010/main" spd="med" advClick="1"/>
-  <p:timing>
-    <p:tnLst>
-      <p:par>
-        <p:cTn id="1" nodeType="tmRoot" restart="never" dur="indefinite" fill="hold">
-          <p:childTnLst>
-            <p:seq concurrent="1" prevAc="none" nextAc="seek">
-              <p:cTn id="2" nodeType="mainSeq" dur="indefinite" fill="hold">
-                <p:childTnLst>
-                  <p:par>
-                    <p:cTn id="3" fill="hold">
-                      <p:stCondLst>
-                        <p:cond delay="indefinite"/>
-                      </p:stCondLst>
-                      <p:childTnLst>
-                        <p:par>
-                          <p:cTn id="4" fill="hold">
-                            <p:stCondLst>
-                              <p:cond delay="0"/>
-                            </p:stCondLst>
-                            <p:childTnLst>
-                              <p:par>
-                                <p:cTn id="5" presetClass="entr" nodeType="clickEffect" presetSubtype="0" presetID="1" grpId="1" fill="hold">
-                                  <p:stCondLst>
-                                    <p:cond delay="0"/>
-                                  </p:stCondLst>
-                                  <p:iterate type="el" backwards="0">
-                                    <p:tmAbs val="0"/>
-                                  </p:iterate>
-                                  <p:childTnLst>
-                                    <p:set>
-                                      <p:cBhvr>
-                                        <p:cTn id="6" fill="hold"/>
-                                        <p:tgtEl>
-                                          <p:spTgt spid="145">
-                                            <p:bg/>
-                                          </p:spTgt>
-                                        </p:tgtEl>
-                                        <p:attrNameLst>
-                                          <p:attrName>style.visibility</p:attrName>
-                                        </p:attrNameLst>
-                                      </p:cBhvr>
-                                      <p:to>
-                                        <p:strVal val="visible"/>
-                                      </p:to>
-                                    </p:set>
-                                  </p:childTnLst>
-                                </p:cTn>
-                              </p:par>
-                              <p:par>
-                                <p:cTn id="7" presetClass="entr" nodeType="withEffect" presetSubtype="0" presetID="1" grpId="1" fill="hold">
-                                  <p:stCondLst>
-                                    <p:cond delay="0"/>
-                                  </p:stCondLst>
-                                  <p:iterate type="el" backwards="0">
-                                    <p:tmAbs val="0"/>
-                                  </p:iterate>
-                                  <p:childTnLst>
-                                    <p:set>
-                                      <p:cBhvr>
-                                        <p:cTn id="8" fill="hold"/>
-                                        <p:tgtEl>
-                                          <p:spTgt spid="145">
-                                            <p:txEl>
-                                              <p:pRg st="0" end="0"/>
-                                            </p:txEl>
-                                          </p:spTgt>
-                                        </p:tgtEl>
-                                        <p:attrNameLst>
-                                          <p:attrName>style.visibility</p:attrName>
-                                        </p:attrNameLst>
-                                      </p:cBhvr>
-                                      <p:to>
-                                        <p:strVal val="visible"/>
-                                      </p:to>
-                                    </p:set>
-                                  </p:childTnLst>
-                                </p:cTn>
-                              </p:par>
-                            </p:childTnLst>
-                          </p:cTn>
-                        </p:par>
-                      </p:childTnLst>
-                    </p:cTn>
-                  </p:par>
-                  <p:par>
-                    <p:cTn id="9" fill="hold">
-                      <p:stCondLst>
-                        <p:cond delay="indefinite"/>
-                      </p:stCondLst>
-                      <p:childTnLst>
-                        <p:par>
-                          <p:cTn id="10" fill="hold">
-                            <p:stCondLst>
-                              <p:cond delay="0"/>
-                            </p:stCondLst>
-                            <p:childTnLst>
-                              <p:par>
-                                <p:cTn id="11" presetClass="entr" nodeType="clickEffect" presetSubtype="0" presetID="1" grpId="1" fill="hold">
-                                  <p:stCondLst>
-                                    <p:cond delay="0"/>
-                                  </p:stCondLst>
-                                  <p:iterate type="el" backwards="0">
-                                    <p:tmAbs val="0"/>
-                                  </p:iterate>
-                                  <p:childTnLst>
-                                    <p:set>
-                                      <p:cBhvr>
-                                        <p:cTn id="12" fill="hold"/>
-                                        <p:tgtEl>
-                                          <p:spTgt spid="145">
-                                            <p:txEl>
-                                              <p:pRg st="1" end="1"/>
-                                            </p:txEl>
-                                          </p:spTgt>
-                                        </p:tgtEl>
-                                        <p:attrNameLst>
-                                          <p:attrName>style.visibility</p:attrName>
-                                        </p:attrNameLst>
-                                      </p:cBhvr>
-                                      <p:to>
-                                        <p:strVal val="visible"/>
-                                      </p:to>
-                                    </p:set>
-                                  </p:childTnLst>
-                                </p:cTn>
-                              </p:par>
-                            </p:childTnLst>
-                          </p:cTn>
-                        </p:par>
-                      </p:childTnLst>
-                    </p:cTn>
-                  </p:par>
-                  <p:par>
-                    <p:cTn id="13" fill="hold">
-                      <p:stCondLst>
-                        <p:cond delay="indefinite"/>
-                      </p:stCondLst>
-                      <p:childTnLst>
-                        <p:par>
-                          <p:cTn id="14" fill="hold">
-                            <p:stCondLst>
-                              <p:cond delay="0"/>
-                            </p:stCondLst>
-                            <p:childTnLst>
-                              <p:par>
-                                <p:cTn id="15" presetClass="entr" nodeType="clickEffect" presetSubtype="0" presetID="1" grpId="1" fill="hold">
-                                  <p:stCondLst>
-                                    <p:cond delay="0"/>
-                                  </p:stCondLst>
-                                  <p:iterate type="el" backwards="0">
-                                    <p:tmAbs val="0"/>
-                                  </p:iterate>
-                                  <p:childTnLst>
-                                    <p:set>
-                                      <p:cBhvr>
-                                        <p:cTn id="16" fill="hold"/>
-                                        <p:tgtEl>
-                                          <p:spTgt spid="145">
-                                            <p:txEl>
-                                              <p:pRg st="2" end="2"/>
-                                            </p:txEl>
-                                          </p:spTgt>
-                                        </p:tgtEl>
-                                        <p:attrNameLst>
-                                          <p:attrName>style.visibility</p:attrName>
-                                        </p:attrNameLst>
-                                      </p:cBhvr>
-                                      <p:to>
-                                        <p:strVal val="visible"/>
-                                      </p:to>
-                                    </p:set>
-                                  </p:childTnLst>
-                                </p:cTn>
-                              </p:par>
-                            </p:childTnLst>
-                          </p:cTn>
-                        </p:par>
-                      </p:childTnLst>
-                    </p:cTn>
-                  </p:par>
-                  <p:par>
-                    <p:cTn id="17" fill="hold">
-                      <p:stCondLst>
-                        <p:cond delay="indefinite"/>
-                      </p:stCondLst>
-                      <p:childTnLst>
-                        <p:par>
-                          <p:cTn id="18" fill="hold">
-                            <p:stCondLst>
-                              <p:cond delay="0"/>
-                            </p:stCondLst>
-                            <p:childTnLst>
-                              <p:par>
-                                <p:cTn id="19" presetClass="entr" nodeType="clickEffect" presetSubtype="0" presetID="1" grpId="1" fill="hold">
-                                  <p:stCondLst>
-                                    <p:cond delay="0"/>
-                                  </p:stCondLst>
-                                  <p:iterate type="el" backwards="0">
-                                    <p:tmAbs val="0"/>
-                                  </p:iterate>
-                                  <p:childTnLst>
-                                    <p:set>
-                                      <p:cBhvr>
-                                        <p:cTn id="20" fill="hold"/>
-                                        <p:tgtEl>
-                                          <p:spTgt spid="145">
-                                            <p:txEl>
-                                              <p:pRg st="3" end="3"/>
-                                            </p:txEl>
-                                          </p:spTgt>
-                                        </p:tgtEl>
-                                        <p:attrNameLst>
-                                          <p:attrName>style.visibility</p:attrName>
-                                        </p:attrNameLst>
-                                      </p:cBhvr>
-                                      <p:to>
-                                        <p:strVal val="visible"/>
-                                      </p:to>
-                                    </p:set>
-                                  </p:childTnLst>
-                                </p:cTn>
-                              </p:par>
-                            </p:childTnLst>
-                          </p:cTn>
-                        </p:par>
-                      </p:childTnLst>
-                    </p:cTn>
-                  </p:par>
-                  <p:par>
-                    <p:cTn id="21" fill="hold">
-                      <p:stCondLst>
-                        <p:cond delay="indefinite"/>
-                      </p:stCondLst>
-                      <p:childTnLst>
-                        <p:par>
-                          <p:cTn id="22" fill="hold">
-                            <p:stCondLst>
-                              <p:cond delay="0"/>
-                            </p:stCondLst>
-                            <p:childTnLst>
-                              <p:par>
-                                <p:cTn id="23" presetClass="entr" nodeType="clickEffect" presetSubtype="0" presetID="1" grpId="1" fill="hold">
-                                  <p:stCondLst>
-                                    <p:cond delay="0"/>
-                                  </p:stCondLst>
-                                  <p:iterate type="el" backwards="0">
-                                    <p:tmAbs val="0"/>
-                                  </p:iterate>
-                                  <p:childTnLst>
-                                    <p:set>
-                                      <p:cBhvr>
-                                        <p:cTn id="24" fill="hold"/>
-                                        <p:tgtEl>
-                                          <p:spTgt spid="145">
-                                            <p:txEl>
-                                              <p:pRg st="4" end="4"/>
-                                            </p:txEl>
-                                          </p:spTgt>
-                                        </p:tgtEl>
-                                        <p:attrNameLst>
-                                          <p:attrName>style.visibility</p:attrName>
-                                        </p:attrNameLst>
-                                      </p:cBhvr>
-                                      <p:to>
-                                        <p:strVal val="visible"/>
-                                      </p:to>
-                                    </p:set>
-                                  </p:childTnLst>
-                                </p:cTn>
-                              </p:par>
-                            </p:childTnLst>
-                          </p:cTn>
-                        </p:par>
-                      </p:childTnLst>
-                    </p:cTn>
-                  </p:par>
-                  <p:par>
-                    <p:cTn id="25" fill="hold">
-                      <p:stCondLst>
-                        <p:cond delay="indefinite"/>
-                      </p:stCondLst>
-                      <p:childTnLst>
-                        <p:par>
-                          <p:cTn id="26" fill="hold">
-                            <p:stCondLst>
-                              <p:cond delay="0"/>
-                            </p:stCondLst>
-                            <p:childTnLst>
-                              <p:par>
-                                <p:cTn id="27" presetClass="entr" nodeType="clickEffect" presetSubtype="0" presetID="1" grpId="1" fill="hold">
-                                  <p:stCondLst>
-                                    <p:cond delay="0"/>
-                                  </p:stCondLst>
-                                  <p:iterate type="el" backwards="0">
-                                    <p:tmAbs val="0"/>
-                                  </p:iterate>
-                                  <p:childTnLst>
-                                    <p:set>
-                                      <p:cBhvr>
-                                        <p:cTn id="28" fill="hold"/>
-                                        <p:tgtEl>
-                                          <p:spTgt spid="145">
-                                            <p:txEl>
-                                              <p:pRg st="5" end="5"/>
-                                            </p:txEl>
-                                          </p:spTgt>
-                                        </p:tgtEl>
-                                        <p:attrNameLst>
-                                          <p:attrName>style.visibility</p:attrName>
-                                        </p:attrNameLst>
-                                      </p:cBhvr>
-                                      <p:to>
-                                        <p:strVal val="visible"/>
-                                      </p:to>
-                                    </p:set>
-                                  </p:childTnLst>
-                                </p:cTn>
-                              </p:par>
-                            </p:childTnLst>
-                          </p:cTn>
-                        </p:par>
-                      </p:childTnLst>
-                    </p:cTn>
-                  </p:par>
-                  <p:par>
-                    <p:cTn id="29" fill="hold">
-                      <p:stCondLst>
-                        <p:cond delay="indefinite"/>
-                      </p:stCondLst>
-                      <p:childTnLst>
-                        <p:par>
-                          <p:cTn id="30" fill="hold">
-                            <p:stCondLst>
-                              <p:cond delay="0"/>
-                            </p:stCondLst>
-                            <p:childTnLst>
-                              <p:par>
-                                <p:cTn id="31" presetClass="entr" nodeType="clickEffect" presetSubtype="0" presetID="1" grpId="1" fill="hold">
-                                  <p:stCondLst>
-                                    <p:cond delay="0"/>
-                                  </p:stCondLst>
-                                  <p:iterate type="el" backwards="0">
-                                    <p:tmAbs val="0"/>
-                                  </p:iterate>
-                                  <p:childTnLst>
-                                    <p:set>
-                                      <p:cBhvr>
-                                        <p:cTn id="32" fill="hold"/>
-                                        <p:tgtEl>
-                                          <p:spTgt spid="145">
-                                            <p:txEl>
-                                              <p:pRg st="6" end="6"/>
-                                            </p:txEl>
-                                          </p:spTgt>
-                                        </p:tgtEl>
-                                        <p:attrNameLst>
-                                          <p:attrName>style.visibility</p:attrName>
-                                        </p:attrNameLst>
-                                      </p:cBhvr>
-                                      <p:to>
-                                        <p:strVal val="visible"/>
-                                      </p:to>
-                                    </p:set>
-                                  </p:childTnLst>
-                                </p:cTn>
-                              </p:par>
-                            </p:childTnLst>
-                          </p:cTn>
-                        </p:par>
-                      </p:childTnLst>
-                    </p:cTn>
-                  </p:par>
-                  <p:par>
-                    <p:cTn id="33" fill="hold">
-                      <p:stCondLst>
-                        <p:cond delay="indefinite"/>
-                      </p:stCondLst>
-                      <p:childTnLst>
-                        <p:par>
-                          <p:cTn id="34" fill="hold">
-                            <p:stCondLst>
-                              <p:cond delay="0"/>
-                            </p:stCondLst>
-                            <p:childTnLst>
-                              <p:par>
-                                <p:cTn id="35" presetClass="entr" nodeType="clickEffect" presetSubtype="0" presetID="1" grpId="1" fill="hold">
-                                  <p:stCondLst>
-                                    <p:cond delay="0"/>
-                                  </p:stCondLst>
-                                  <p:iterate type="el" backwards="0">
-                                    <p:tmAbs val="0"/>
-                                  </p:iterate>
-                                  <p:childTnLst>
-                                    <p:set>
-                                      <p:cBhvr>
-                                        <p:cTn id="36" fill="hold"/>
-                                        <p:tgtEl>
-                                          <p:spTgt spid="145">
-                                            <p:txEl>
-                                              <p:pRg st="7" end="7"/>
-                                            </p:txEl>
-                                          </p:spTgt>
-                                        </p:tgtEl>
-                                        <p:attrNameLst>
-                                          <p:attrName>style.visibility</p:attrName>
-                                        </p:attrNameLst>
-                                      </p:cBhvr>
-                                      <p:to>
-                                        <p:strVal val="visible"/>
-                                      </p:to>
-                                    </p:set>
-                                  </p:childTnLst>
-                                </p:cTn>
-                              </p:par>
-                            </p:childTnLst>
-                          </p:cTn>
-                        </p:par>
-                      </p:childTnLst>
-                    </p:cTn>
-                  </p:par>
-                  <p:par>
-                    <p:cTn id="37" fill="hold">
-                      <p:stCondLst>
-                        <p:cond delay="indefinite"/>
-                      </p:stCondLst>
-                      <p:childTnLst>
-                        <p:par>
-                          <p:cTn id="38" fill="hold">
-                            <p:stCondLst>
-                              <p:cond delay="0"/>
-                            </p:stCondLst>
-                            <p:childTnLst>
-                              <p:par>
-                                <p:cTn id="39" presetClass="entr" nodeType="clickEffect" presetSubtype="0" presetID="1" grpId="1" fill="hold">
-                                  <p:stCondLst>
-                                    <p:cond delay="0"/>
-                                  </p:stCondLst>
-                                  <p:iterate type="el" backwards="0">
-                                    <p:tmAbs val="0"/>
-                                  </p:iterate>
-                                  <p:childTnLst>
-                                    <p:set>
-                                      <p:cBhvr>
-                                        <p:cTn id="40" fill="hold"/>
-                                        <p:tgtEl>
-                                          <p:spTgt spid="145">
-                                            <p:txEl>
-                                              <p:pRg st="8" end="8"/>
-                                            </p:txEl>
-                                          </p:spTgt>
-                                        </p:tgtEl>
-                                        <p:attrNameLst>
-                                          <p:attrName>style.visibility</p:attrName>
-                                        </p:attrNameLst>
-                                      </p:cBhvr>
-                                      <p:to>
-                                        <p:strVal val="visible"/>
-                                      </p:to>
-                                    </p:set>
-                                  </p:childTnLst>
-                                </p:cTn>
-                              </p:par>
-                            </p:childTnLst>
-                          </p:cTn>
-                        </p:par>
-                      </p:childTnLst>
-                    </p:cTn>
-                  </p:par>
-                  <p:par>
-                    <p:cTn id="41" fill="hold">
-                      <p:stCondLst>
-                        <p:cond delay="indefinite"/>
-                      </p:stCondLst>
-                      <p:childTnLst>
-                        <p:par>
-                          <p:cTn id="42" fill="hold">
-                            <p:stCondLst>
-                              <p:cond delay="0"/>
-                            </p:stCondLst>
-                            <p:childTnLst>
-                              <p:par>
-                                <p:cTn id="43" presetClass="entr" nodeType="clickEffect" presetSubtype="0" presetID="1" grpId="1" fill="hold">
-                                  <p:stCondLst>
-                                    <p:cond delay="0"/>
-                                  </p:stCondLst>
-                                  <p:iterate type="el" backwards="0">
-                                    <p:tmAbs val="0"/>
-                                  </p:iterate>
-                                  <p:childTnLst>
-                                    <p:set>
-                                      <p:cBhvr>
-                                        <p:cTn id="44" fill="hold"/>
-                                        <p:tgtEl>
-                                          <p:spTgt spid="145">
-                                            <p:txEl>
-                                              <p:pRg st="9" end="9"/>
-                                            </p:txEl>
-                                          </p:spTgt>
-                                        </p:tgtEl>
-                                        <p:attrNameLst>
-                                          <p:attrName>style.visibility</p:attrName>
-                                        </p:attrNameLst>
-                                      </p:cBhvr>
-                                      <p:to>
-                                        <p:strVal val="visible"/>
-                                      </p:to>
-                                    </p:set>
-                                  </p:childTnLst>
-                                </p:cTn>
-                              </p:par>
-                            </p:childTnLst>
-                          </p:cTn>
-                        </p:par>
-                      </p:childTnLst>
-                    </p:cTn>
-                  </p:par>
-                  <p:par>
-                    <p:cTn id="45" fill="hold">
-                      <p:stCondLst>
-                        <p:cond delay="indefinite"/>
-                      </p:stCondLst>
-                      <p:childTnLst>
-                        <p:par>
-                          <p:cTn id="46" fill="hold">
-                            <p:stCondLst>
-                              <p:cond delay="0"/>
-                            </p:stCondLst>
-                            <p:childTnLst>
-                              <p:par>
-                                <p:cTn id="47" presetClass="entr" nodeType="clickEffect" presetSubtype="0" presetID="1" grpId="1" fill="hold">
-                                  <p:stCondLst>
-                                    <p:cond delay="0"/>
-                                  </p:stCondLst>
-                                  <p:iterate type="el" backwards="0">
-                                    <p:tmAbs val="0"/>
-                                  </p:iterate>
-                                  <p:childTnLst>
-                                    <p:set>
-                                      <p:cBhvr>
-                                        <p:cTn id="48" fill="hold"/>
-                                        <p:tgtEl>
-                                          <p:spTgt spid="145">
-                                            <p:txEl>
-                                              <p:pRg st="10" end="10"/>
-                                            </p:txEl>
-                                          </p:spTgt>
-                                        </p:tgtEl>
-                                        <p:attrNameLst>
-                                          <p:attrName>style.visibility</p:attrName>
-                                        </p:attrNameLst>
-                                      </p:cBhvr>
-                                      <p:to>
-                                        <p:strVal val="visible"/>
-                                      </p:to>
-                                    </p:set>
-                                  </p:childTnLst>
-                                </p:cTn>
-                              </p:par>
-                            </p:childTnLst>
-                          </p:cTn>
-                        </p:par>
-                      </p:childTnLst>
-                    </p:cTn>
-                  </p:par>
-                </p:childTnLst>
-              </p:cTn>
-              <p:prevCondLst>
-                <p:cond evt="onPrev">
-                  <p:tgtEl>
-                    <p:sldTgt/>
-                  </p:tgtEl>
-                </p:cond>
-              </p:prevCondLst>
-              <p:nextCondLst>
-                <p:cond evt="onNext">
-                  <p:tgtEl>
-                    <p:sldTgt/>
-                  </p:tgtEl>
-                </p:cond>
-              </p:nextCondLst>
-            </p:seq>
-          </p:childTnLst>
-        </p:cTn>
-      </p:par>
-    </p:tnLst>
-    <p:bldLst>
-      <p:bldP build="p" bldLvl="5" animBg="1" rev="0" advAuto="0" spid="145" grpId="1"/>
-    </p:bldLst>
-  </p:timing>
 </p:sld>
 </file>
 
@@ -11604,7 +10976,7 @@
       </p:grpSpPr>
       <p:sp>
         <p:nvSpPr>
-          <p:cNvPr id="150" name="Union-Find Approach"/>
+          <p:cNvPr id="150" name="Summary"/>
           <p:cNvSpPr txBox="1"/>
           <p:nvPr>
             <p:ph type="title"/>
@@ -11621,14 +10993,14 @@
           <a:p>
             <a:pPr/>
             <a:r>
-              <a:t>Union-Find Approach</a:t>
+              <a:t>Summary</a:t>
             </a:r>
           </a:p>
         </p:txBody>
       </p:sp>
       <p:sp>
         <p:nvSpPr>
-          <p:cNvPr id="151" name="Two operations given below are performed in arbitrary order…"/>
+          <p:cNvPr id="151" name="Job Scheduling…"/>
           <p:cNvSpPr txBox="1"/>
           <p:nvPr>
             <p:ph type="body" idx="1"/>
@@ -11643,103 +11015,33 @@
           <a:bodyPr/>
           <a:lstStyle/>
           <a:p>
-            <a:pPr marL="361156" indent="-321468">
-              <a:spcBef>
-                <a:spcPts val="500"/>
-              </a:spcBef>
-              <a:defRPr sz="3000"/>
-            </a:pPr>
-            <a:r>
-              <a:t>Two operations given below are performed in arbitrary order</a:t>
-            </a:r>
-          </a:p>
-          <a:p>
-            <a:pPr lvl="1">
-              <a:spcBef>
-                <a:spcPts val="500"/>
-              </a:spcBef>
-            </a:pPr>
-            <a:r>
-              <a:rPr i="1"/>
-              <a:t>Find(</a:t>
-            </a:r>
-            <a:r>
-              <a:rPr i="1">
-                <a:latin typeface="Courier New"/>
-                <a:ea typeface="Courier New"/>
-                <a:cs typeface="Courier New"/>
-                <a:sym typeface="Courier New"/>
-              </a:rPr>
-              <a:t>i</a:t>
-            </a:r>
-            <a:r>
-              <a:rPr i="1"/>
-              <a:t>)</a:t>
-            </a:r>
-            <a:r>
-              <a:t>: return the group id containing element xi.</a:t>
-            </a:r>
-          </a:p>
-          <a:p>
-            <a:pPr lvl="1">
-              <a:spcBef>
-                <a:spcPts val="500"/>
-              </a:spcBef>
-            </a:pPr>
-            <a:r>
-              <a:rPr i="1"/>
-              <a:t>Union(</a:t>
-            </a:r>
-            <a:r>
-              <a:rPr i="1">
-                <a:latin typeface="Courier New"/>
-                <a:ea typeface="Courier New"/>
-                <a:cs typeface="Courier New"/>
-                <a:sym typeface="Courier New"/>
-              </a:rPr>
-              <a:t>A,B</a:t>
-            </a:r>
-            <a:r>
-              <a:rPr i="1"/>
-              <a:t>)</a:t>
-            </a:r>
-            <a:r>
-              <a:t>: Combine the (set) group A with (set) group B to form a new group. </a:t>
-            </a:r>
-          </a:p>
-          <a:p>
-            <a:pPr lvl="2" marL="1097416" indent="-244928">
-              <a:defRPr sz="3000"/>
-            </a:pPr>
-            <a:r>
-              <a:t>Give a unique name to this group.  All elements of this new group will have this group id.</a:t>
-            </a:r>
-          </a:p>
-          <a:p>
-            <a:pPr lvl="2" marL="1097416" indent="-244928">
-              <a:defRPr sz="3000"/>
-            </a:pPr>
-            <a:r>
-              <a:t>This could be one of earlier groups as well i.e.</a:t>
-            </a:r>
-          </a:p>
-          <a:p>
-            <a:pPr lvl="3" marL="1554616" indent="-244928">
-              <a:defRPr sz="3000"/>
-            </a:pPr>
-            <a:r>
-              <a:t>The new names should conflict with other names.</a:t>
-            </a:r>
-          </a:p>
-          <a:p>
-            <a:pPr marL="342246" indent="-302558">
-              <a:spcBef>
-                <a:spcPts val="500"/>
-              </a:spcBef>
-              <a:defRPr sz="3000"/>
-            </a:pPr>
-            <a:r>
-              <a:t>Goal: Design an efficient data structure that will support any sequence of these two operations.</a:t>
+            <a:pPr/>
+            <a:r>
+              <a:t>Job Scheduling</a:t>
+            </a:r>
+          </a:p>
+          <a:p>
+            <a:pPr lvl="1"/>
+            <a:r>
+              <a:t>Greedy approach: Schedule as per profit and deadline</a:t>
+            </a:r>
+          </a:p>
+          <a:p>
+            <a:pPr/>
+            <a:r>
+              <a:t>Two approaches</a:t>
+            </a:r>
+          </a:p>
+          <a:p>
+            <a:pPr lvl="1"/>
+            <a:r>
+              <a:t>Schedule the job in earliest slot and then keep shifting right</a:t>
+            </a:r>
+          </a:p>
+          <a:p>
+            <a:pPr lvl="1"/>
+            <a:r>
+              <a:t>Schedule the job in the deadline slot or look for slots earlier than the deadline</a:t>
             </a:r>
           </a:p>
         </p:txBody>
@@ -11857,1210 +11159,6 @@
     <a:masterClrMapping/>
   </p:clrMapOvr>
   <p:transition xmlns:p14="http://schemas.microsoft.com/office/powerpoint/2010/main" spd="med" advClick="1"/>
-  <p:timing>
-    <p:tnLst>
-      <p:par>
-        <p:cTn id="1" nodeType="tmRoot" restart="never" dur="indefinite" fill="hold">
-          <p:childTnLst>
-            <p:seq concurrent="1" prevAc="none" nextAc="seek">
-              <p:cTn id="2" nodeType="mainSeq" dur="indefinite" fill="hold">
-                <p:childTnLst>
-                  <p:par>
-                    <p:cTn id="3" fill="hold">
-                      <p:stCondLst>
-                        <p:cond delay="indefinite"/>
-                      </p:stCondLst>
-                      <p:childTnLst>
-                        <p:par>
-                          <p:cTn id="4" fill="hold">
-                            <p:stCondLst>
-                              <p:cond delay="0"/>
-                            </p:stCondLst>
-                            <p:childTnLst>
-                              <p:par>
-                                <p:cTn id="5" presetClass="entr" nodeType="clickEffect" presetSubtype="0" presetID="1" grpId="1" fill="hold">
-                                  <p:stCondLst>
-                                    <p:cond delay="0"/>
-                                  </p:stCondLst>
-                                  <p:iterate type="el" backwards="0">
-                                    <p:tmAbs val="0"/>
-                                  </p:iterate>
-                                  <p:childTnLst>
-                                    <p:set>
-                                      <p:cBhvr>
-                                        <p:cTn id="6" fill="hold"/>
-                                        <p:tgtEl>
-                                          <p:spTgt spid="151">
-                                            <p:bg/>
-                                          </p:spTgt>
-                                        </p:tgtEl>
-                                        <p:attrNameLst>
-                                          <p:attrName>style.visibility</p:attrName>
-                                        </p:attrNameLst>
-                                      </p:cBhvr>
-                                      <p:to>
-                                        <p:strVal val="visible"/>
-                                      </p:to>
-                                    </p:set>
-                                  </p:childTnLst>
-                                </p:cTn>
-                              </p:par>
-                              <p:par>
-                                <p:cTn id="7" presetClass="entr" nodeType="withEffect" presetSubtype="0" presetID="1" grpId="1" fill="hold">
-                                  <p:stCondLst>
-                                    <p:cond delay="0"/>
-                                  </p:stCondLst>
-                                  <p:iterate type="el" backwards="0">
-                                    <p:tmAbs val="0"/>
-                                  </p:iterate>
-                                  <p:childTnLst>
-                                    <p:set>
-                                      <p:cBhvr>
-                                        <p:cTn id="8" fill="hold"/>
-                                        <p:tgtEl>
-                                          <p:spTgt spid="151">
-                                            <p:txEl>
-                                              <p:pRg st="0" end="0"/>
-                                            </p:txEl>
-                                          </p:spTgt>
-                                        </p:tgtEl>
-                                        <p:attrNameLst>
-                                          <p:attrName>style.visibility</p:attrName>
-                                        </p:attrNameLst>
-                                      </p:cBhvr>
-                                      <p:to>
-                                        <p:strVal val="visible"/>
-                                      </p:to>
-                                    </p:set>
-                                  </p:childTnLst>
-                                </p:cTn>
-                              </p:par>
-                            </p:childTnLst>
-                          </p:cTn>
-                        </p:par>
-                      </p:childTnLst>
-                    </p:cTn>
-                  </p:par>
-                  <p:par>
-                    <p:cTn id="9" fill="hold">
-                      <p:stCondLst>
-                        <p:cond delay="indefinite"/>
-                      </p:stCondLst>
-                      <p:childTnLst>
-                        <p:par>
-                          <p:cTn id="10" fill="hold">
-                            <p:stCondLst>
-                              <p:cond delay="0"/>
-                            </p:stCondLst>
-                            <p:childTnLst>
-                              <p:par>
-                                <p:cTn id="11" presetClass="entr" nodeType="clickEffect" presetSubtype="0" presetID="1" grpId="1" fill="hold">
-                                  <p:stCondLst>
-                                    <p:cond delay="0"/>
-                                  </p:stCondLst>
-                                  <p:iterate type="el" backwards="0">
-                                    <p:tmAbs val="0"/>
-                                  </p:iterate>
-                                  <p:childTnLst>
-                                    <p:set>
-                                      <p:cBhvr>
-                                        <p:cTn id="12" fill="hold"/>
-                                        <p:tgtEl>
-                                          <p:spTgt spid="151">
-                                            <p:txEl>
-                                              <p:pRg st="1" end="1"/>
-                                            </p:txEl>
-                                          </p:spTgt>
-                                        </p:tgtEl>
-                                        <p:attrNameLst>
-                                          <p:attrName>style.visibility</p:attrName>
-                                        </p:attrNameLst>
-                                      </p:cBhvr>
-                                      <p:to>
-                                        <p:strVal val="visible"/>
-                                      </p:to>
-                                    </p:set>
-                                  </p:childTnLst>
-                                </p:cTn>
-                              </p:par>
-                            </p:childTnLst>
-                          </p:cTn>
-                        </p:par>
-                      </p:childTnLst>
-                    </p:cTn>
-                  </p:par>
-                  <p:par>
-                    <p:cTn id="13" fill="hold">
-                      <p:stCondLst>
-                        <p:cond delay="indefinite"/>
-                      </p:stCondLst>
-                      <p:childTnLst>
-                        <p:par>
-                          <p:cTn id="14" fill="hold">
-                            <p:stCondLst>
-                              <p:cond delay="0"/>
-                            </p:stCondLst>
-                            <p:childTnLst>
-                              <p:par>
-                                <p:cTn id="15" presetClass="entr" nodeType="clickEffect" presetSubtype="0" presetID="1" grpId="1" fill="hold">
-                                  <p:stCondLst>
-                                    <p:cond delay="0"/>
-                                  </p:stCondLst>
-                                  <p:iterate type="el" backwards="0">
-                                    <p:tmAbs val="0"/>
-                                  </p:iterate>
-                                  <p:childTnLst>
-                                    <p:set>
-                                      <p:cBhvr>
-                                        <p:cTn id="16" fill="hold"/>
-                                        <p:tgtEl>
-                                          <p:spTgt spid="151">
-                                            <p:txEl>
-                                              <p:pRg st="2" end="2"/>
-                                            </p:txEl>
-                                          </p:spTgt>
-                                        </p:tgtEl>
-                                        <p:attrNameLst>
-                                          <p:attrName>style.visibility</p:attrName>
-                                        </p:attrNameLst>
-                                      </p:cBhvr>
-                                      <p:to>
-                                        <p:strVal val="visible"/>
-                                      </p:to>
-                                    </p:set>
-                                  </p:childTnLst>
-                                </p:cTn>
-                              </p:par>
-                            </p:childTnLst>
-                          </p:cTn>
-                        </p:par>
-                      </p:childTnLst>
-                    </p:cTn>
-                  </p:par>
-                  <p:par>
-                    <p:cTn id="17" fill="hold">
-                      <p:stCondLst>
-                        <p:cond delay="indefinite"/>
-                      </p:stCondLst>
-                      <p:childTnLst>
-                        <p:par>
-                          <p:cTn id="18" fill="hold">
-                            <p:stCondLst>
-                              <p:cond delay="0"/>
-                            </p:stCondLst>
-                            <p:childTnLst>
-                              <p:par>
-                                <p:cTn id="19" presetClass="entr" nodeType="clickEffect" presetSubtype="0" presetID="1" grpId="1" fill="hold">
-                                  <p:stCondLst>
-                                    <p:cond delay="0"/>
-                                  </p:stCondLst>
-                                  <p:iterate type="el" backwards="0">
-                                    <p:tmAbs val="0"/>
-                                  </p:iterate>
-                                  <p:childTnLst>
-                                    <p:set>
-                                      <p:cBhvr>
-                                        <p:cTn id="20" fill="hold"/>
-                                        <p:tgtEl>
-                                          <p:spTgt spid="151">
-                                            <p:txEl>
-                                              <p:pRg st="3" end="3"/>
-                                            </p:txEl>
-                                          </p:spTgt>
-                                        </p:tgtEl>
-                                        <p:attrNameLst>
-                                          <p:attrName>style.visibility</p:attrName>
-                                        </p:attrNameLst>
-                                      </p:cBhvr>
-                                      <p:to>
-                                        <p:strVal val="visible"/>
-                                      </p:to>
-                                    </p:set>
-                                  </p:childTnLst>
-                                </p:cTn>
-                              </p:par>
-                            </p:childTnLst>
-                          </p:cTn>
-                        </p:par>
-                      </p:childTnLst>
-                    </p:cTn>
-                  </p:par>
-                  <p:par>
-                    <p:cTn id="21" fill="hold">
-                      <p:stCondLst>
-                        <p:cond delay="indefinite"/>
-                      </p:stCondLst>
-                      <p:childTnLst>
-                        <p:par>
-                          <p:cTn id="22" fill="hold">
-                            <p:stCondLst>
-                              <p:cond delay="0"/>
-                            </p:stCondLst>
-                            <p:childTnLst>
-                              <p:par>
-                                <p:cTn id="23" presetClass="entr" nodeType="clickEffect" presetSubtype="0" presetID="1" grpId="1" fill="hold">
-                                  <p:stCondLst>
-                                    <p:cond delay="0"/>
-                                  </p:stCondLst>
-                                  <p:iterate type="el" backwards="0">
-                                    <p:tmAbs val="0"/>
-                                  </p:iterate>
-                                  <p:childTnLst>
-                                    <p:set>
-                                      <p:cBhvr>
-                                        <p:cTn id="24" fill="hold"/>
-                                        <p:tgtEl>
-                                          <p:spTgt spid="151">
-                                            <p:txEl>
-                                              <p:pRg st="4" end="4"/>
-                                            </p:txEl>
-                                          </p:spTgt>
-                                        </p:tgtEl>
-                                        <p:attrNameLst>
-                                          <p:attrName>style.visibility</p:attrName>
-                                        </p:attrNameLst>
-                                      </p:cBhvr>
-                                      <p:to>
-                                        <p:strVal val="visible"/>
-                                      </p:to>
-                                    </p:set>
-                                  </p:childTnLst>
-                                </p:cTn>
-                              </p:par>
-                            </p:childTnLst>
-                          </p:cTn>
-                        </p:par>
-                      </p:childTnLst>
-                    </p:cTn>
-                  </p:par>
-                  <p:par>
-                    <p:cTn id="25" fill="hold">
-                      <p:stCondLst>
-                        <p:cond delay="indefinite"/>
-                      </p:stCondLst>
-                      <p:childTnLst>
-                        <p:par>
-                          <p:cTn id="26" fill="hold">
-                            <p:stCondLst>
-                              <p:cond delay="0"/>
-                            </p:stCondLst>
-                            <p:childTnLst>
-                              <p:par>
-                                <p:cTn id="27" presetClass="entr" nodeType="clickEffect" presetSubtype="0" presetID="1" grpId="1" fill="hold">
-                                  <p:stCondLst>
-                                    <p:cond delay="0"/>
-                                  </p:stCondLst>
-                                  <p:iterate type="el" backwards="0">
-                                    <p:tmAbs val="0"/>
-                                  </p:iterate>
-                                  <p:childTnLst>
-                                    <p:set>
-                                      <p:cBhvr>
-                                        <p:cTn id="28" fill="hold"/>
-                                        <p:tgtEl>
-                                          <p:spTgt spid="151">
-                                            <p:txEl>
-                                              <p:pRg st="5" end="5"/>
-                                            </p:txEl>
-                                          </p:spTgt>
-                                        </p:tgtEl>
-                                        <p:attrNameLst>
-                                          <p:attrName>style.visibility</p:attrName>
-                                        </p:attrNameLst>
-                                      </p:cBhvr>
-                                      <p:to>
-                                        <p:strVal val="visible"/>
-                                      </p:to>
-                                    </p:set>
-                                  </p:childTnLst>
-                                </p:cTn>
-                              </p:par>
-                            </p:childTnLst>
-                          </p:cTn>
-                        </p:par>
-                      </p:childTnLst>
-                    </p:cTn>
-                  </p:par>
-                  <p:par>
-                    <p:cTn id="29" fill="hold">
-                      <p:stCondLst>
-                        <p:cond delay="indefinite"/>
-                      </p:stCondLst>
-                      <p:childTnLst>
-                        <p:par>
-                          <p:cTn id="30" fill="hold">
-                            <p:stCondLst>
-                              <p:cond delay="0"/>
-                            </p:stCondLst>
-                            <p:childTnLst>
-                              <p:par>
-                                <p:cTn id="31" presetClass="entr" nodeType="clickEffect" presetSubtype="0" presetID="1" grpId="1" fill="hold">
-                                  <p:stCondLst>
-                                    <p:cond delay="0"/>
-                                  </p:stCondLst>
-                                  <p:iterate type="el" backwards="0">
-                                    <p:tmAbs val="0"/>
-                                  </p:iterate>
-                                  <p:childTnLst>
-                                    <p:set>
-                                      <p:cBhvr>
-                                        <p:cTn id="32" fill="hold"/>
-                                        <p:tgtEl>
-                                          <p:spTgt spid="151">
-                                            <p:txEl>
-                                              <p:pRg st="6" end="6"/>
-                                            </p:txEl>
-                                          </p:spTgt>
-                                        </p:tgtEl>
-                                        <p:attrNameLst>
-                                          <p:attrName>style.visibility</p:attrName>
-                                        </p:attrNameLst>
-                                      </p:cBhvr>
-                                      <p:to>
-                                        <p:strVal val="visible"/>
-                                      </p:to>
-                                    </p:set>
-                                  </p:childTnLst>
-                                </p:cTn>
-                              </p:par>
-                            </p:childTnLst>
-                          </p:cTn>
-                        </p:par>
-                      </p:childTnLst>
-                    </p:cTn>
-                  </p:par>
-                </p:childTnLst>
-              </p:cTn>
-              <p:prevCondLst>
-                <p:cond evt="onPrev">
-                  <p:tgtEl>
-                    <p:sldTgt/>
-                  </p:tgtEl>
-                </p:cond>
-              </p:prevCondLst>
-              <p:nextCondLst>
-                <p:cond evt="onNext">
-                  <p:tgtEl>
-                    <p:sldTgt/>
-                  </p:tgtEl>
-                </p:cond>
-              </p:nextCondLst>
-            </p:seq>
-          </p:childTnLst>
-        </p:cTn>
-      </p:par>
-    </p:tnLst>
-    <p:bldLst>
-      <p:bldP build="p" bldLvl="5" animBg="1" rev="0" advAuto="0" spid="151" grpId="1"/>
-    </p:bldLst>
-  </p:timing>
-</p:sld>
-</file>
-
-<file path=ppt/slides/slide19.xml><?xml version="1.0" encoding="utf-8"?>
-<p:sld xmlns:a="http://schemas.openxmlformats.org/drawingml/2006/main" xmlns:r="http://schemas.openxmlformats.org/officeDocument/2006/relationships" xmlns:p="http://schemas.openxmlformats.org/presentationml/2006/main" xmlns:m="http://schemas.openxmlformats.org/officeDocument/2006/math" xmlns:a14="http://schemas.microsoft.com/office/drawing/2010/main" showMasterSp="1" showMasterPhAnim="1">
-  <p:cSld>
-    <p:spTree>
-      <p:nvGrpSpPr>
-        <p:cNvPr id="1" name=""/>
-        <p:cNvGrpSpPr/>
-        <p:nvPr/>
-      </p:nvGrpSpPr>
-      <p:grpSpPr>
-        <a:xfrm>
-          <a:off x="0" y="0"/>
-          <a:ext cx="0" cy="0"/>
-          <a:chOff x="0" y="0"/>
-          <a:chExt cx="0" cy="0"/>
-        </a:xfrm>
-      </p:grpSpPr>
-      <p:sp>
-        <p:nvSpPr>
-          <p:cNvPr id="156" name="Union-Find Approach"/>
-          <p:cNvSpPr txBox="1"/>
-          <p:nvPr>
-            <p:ph type="title"/>
-          </p:nvPr>
-        </p:nvSpPr>
-        <p:spPr>
-          <a:prstGeom prst="rect">
-            <a:avLst/>
-          </a:prstGeom>
-        </p:spPr>
-        <p:txBody>
-          <a:bodyPr/>
-          <a:lstStyle/>
-          <a:p>
-            <a:pPr/>
-            <a:r>
-              <a:t>Union-Find Approach</a:t>
-            </a:r>
-          </a:p>
-        </p:txBody>
-      </p:sp>
-      <p:sp>
-        <p:nvSpPr>
-          <p:cNvPr id="157" name="Approach 1:…"/>
-          <p:cNvSpPr txBox="1"/>
-          <p:nvPr>
-            <p:ph type="body" idx="1"/>
-          </p:nvPr>
-        </p:nvSpPr>
-        <p:spPr>
-          <a:prstGeom prst="rect">
-            <a:avLst/>
-          </a:prstGeom>
-        </p:spPr>
-        <p:txBody>
-          <a:bodyPr/>
-          <a:lstStyle/>
-          <a:p>
-            <a:pPr marL="361156" indent="-321468">
-              <a:spcBef>
-                <a:spcPts val="500"/>
-              </a:spcBef>
-              <a:defRPr sz="3000"/>
-            </a:pPr>
-            <a:r>
-              <a:t>Approach 1: </a:t>
-            </a:r>
-          </a:p>
-          <a:p>
-            <a:pPr lvl="1">
-              <a:spcBef>
-                <a:spcPts val="500"/>
-              </a:spcBef>
-            </a:pPr>
-            <a:r>
-              <a:t>Keep </a:t>
-            </a:r>
-            <a:r>
-              <a:rPr i="1" u="sng"/>
-              <a:t>Find</a:t>
-            </a:r>
-            <a:r>
-              <a:rPr i="1"/>
-              <a:t>(</a:t>
-            </a:r>
-            <a:r>
-              <a:rPr i="1">
-                <a:latin typeface="Courier New"/>
-                <a:ea typeface="Courier New"/>
-                <a:cs typeface="Courier New"/>
-                <a:sym typeface="Courier New"/>
-              </a:rPr>
-              <a:t>i</a:t>
-            </a:r>
-            <a:r>
-              <a:rPr i="1"/>
-              <a:t>)</a:t>
-            </a:r>
-            <a:r>
-              <a:t> efficient. Since all elements are accessible at the </a:t>
-            </a:r>
-            <a:r>
-              <a:rPr>
-                <a:latin typeface="Courier New"/>
-                <a:ea typeface="Courier New"/>
-                <a:cs typeface="Courier New"/>
-                <a:sym typeface="Courier New"/>
-              </a:rPr>
-              <a:t>i</a:t>
-            </a:r>
-            <a:r>
-              <a:rPr baseline="31999">
-                <a:latin typeface="Courier New"/>
-                <a:ea typeface="Courier New"/>
-                <a:cs typeface="Courier New"/>
-                <a:sym typeface="Courier New"/>
-              </a:rPr>
-              <a:t>th</a:t>
-            </a:r>
-            <a:r>
-              <a:t> index in array, </a:t>
-            </a:r>
-          </a:p>
-          <a:p>
-            <a:pPr lvl="2" marL="1097416" indent="-244928">
-              <a:defRPr sz="3000"/>
-            </a:pPr>
-            <a:r>
-              <a:t>This can take </a:t>
-            </a:r>
-            <a:r>
-              <a:rPr>
-                <a:latin typeface="Courier New"/>
-                <a:ea typeface="Courier New"/>
-                <a:cs typeface="Courier New"/>
-                <a:sym typeface="Courier New"/>
-              </a:rPr>
-              <a:t>O(1)</a:t>
-            </a:r>
-            <a:r>
-              <a:rPr>
-                <a:latin typeface="Gill Sans MT"/>
-                <a:ea typeface="Gill Sans MT"/>
-                <a:cs typeface="Gill Sans MT"/>
-                <a:sym typeface="Gill Sans MT"/>
-              </a:rPr>
-              <a:t> time.  Essentially, a trivial operation.</a:t>
-            </a:r>
-          </a:p>
-          <a:p>
-            <a:pPr lvl="1">
-              <a:spcBef>
-                <a:spcPts val="500"/>
-              </a:spcBef>
-            </a:pPr>
-            <a:r>
-              <a:rPr i="1" u="sng"/>
-              <a:t>Union</a:t>
-            </a:r>
-            <a:r>
-              <a:rPr i="1"/>
-              <a:t>(</a:t>
-            </a:r>
-            <a:r>
-              <a:rPr i="1">
-                <a:latin typeface="Courier New"/>
-                <a:ea typeface="Courier New"/>
-                <a:cs typeface="Courier New"/>
-                <a:sym typeface="Courier New"/>
-              </a:rPr>
-              <a:t>A,B</a:t>
-            </a:r>
-            <a:r>
-              <a:rPr i="1"/>
-              <a:t>)</a:t>
-            </a:r>
-            <a:r>
-              <a:t> is expected to take more time.</a:t>
-            </a:r>
-          </a:p>
-          <a:p>
-            <a:pPr lvl="2" marL="1097416" indent="-244928">
-              <a:defRPr sz="3000"/>
-            </a:pPr>
-            <a:r>
-              <a:t>Either change the id of all elements of A to that of B or vice versa. </a:t>
-            </a:r>
-          </a:p>
-          <a:p>
-            <a:pPr lvl="2" marL="1097416" indent="-244928">
-              <a:defRPr sz="3000"/>
-            </a:pPr>
-            <a:r>
-              <a:t>Typically, take the smaller set and change group identity of these elements to that of larger set.</a:t>
-            </a:r>
-          </a:p>
-          <a:p>
-            <a:pPr marL="361156" indent="-321468">
-              <a:spcBef>
-                <a:spcPts val="500"/>
-              </a:spcBef>
-              <a:defRPr sz="3000"/>
-            </a:pPr>
-            <a:r>
-              <a:t>Time complexity: </a:t>
-            </a:r>
-            <a:r>
-              <a:rPr>
-                <a:latin typeface="Courier New"/>
-                <a:ea typeface="Courier New"/>
-                <a:cs typeface="Courier New"/>
-                <a:sym typeface="Courier New"/>
-              </a:rPr>
-              <a:t>O(nlog</a:t>
-            </a:r>
-            <a:r>
-              <a:rPr baseline="-5999">
-                <a:latin typeface="Courier New"/>
-                <a:ea typeface="Courier New"/>
-                <a:cs typeface="Courier New"/>
-                <a:sym typeface="Courier New"/>
-              </a:rPr>
-              <a:t>2</a:t>
-            </a:r>
-            <a:r>
-              <a:rPr>
-                <a:latin typeface="Courier New"/>
-                <a:ea typeface="Courier New"/>
-                <a:cs typeface="Courier New"/>
-                <a:sym typeface="Courier New"/>
-              </a:rPr>
-              <a:t>n)</a:t>
-            </a:r>
-          </a:p>
-          <a:p>
-            <a:pPr lvl="1">
-              <a:spcBef>
-                <a:spcPts val="500"/>
-              </a:spcBef>
-            </a:pPr>
-            <a:r>
-              <a:t>Each time an element’s group is changed, group size at least doubles.</a:t>
-            </a:r>
-          </a:p>
-        </p:txBody>
-      </p:sp>
-      <p:sp>
-        <p:nvSpPr>
-          <p:cNvPr id="158" name="Slide Number"/>
-          <p:cNvSpPr txBox="1"/>
-          <p:nvPr>
-            <p:ph type="sldNum" sz="quarter" idx="2"/>
-          </p:nvPr>
-        </p:nvSpPr>
-        <p:spPr>
-          <a:prstGeom prst="rect">
-            <a:avLst/>
-          </a:prstGeom>
-          <a:extLst>
-            <a:ext uri="{C572A759-6A51-4108-AA02-DFA0A04FC94B}">
-              <ma14:wrappingTextBoxFlag xmlns:ma14="http://schemas.microsoft.com/office/mac/drawingml/2011/main" val="1"/>
-            </a:ext>
-          </a:extLst>
-        </p:spPr>
-        <p:txBody>
-          <a:bodyPr/>
-          <a:lstStyle/>
-          <a:p>
-            <a:pPr/>
-            <a:fld id="{86CB4B4D-7CA3-9044-876B-883B54F8677D}" type="slidenum"/>
-          </a:p>
-        </p:txBody>
-      </p:sp>
-      <p:sp>
-        <p:nvSpPr>
-          <p:cNvPr id="159" name="DAA/Greedy Algorithms"/>
-          <p:cNvSpPr txBox="1"/>
-          <p:nvPr/>
-        </p:nvSpPr>
-        <p:spPr>
-          <a:xfrm>
-            <a:off x="423212" y="6963885"/>
-            <a:ext cx="3244911" cy="431552"/>
-          </a:xfrm>
-          <a:prstGeom prst="rect">
-            <a:avLst/>
-          </a:prstGeom>
-          <a:ln w="12700">
-            <a:miter lim="400000"/>
-          </a:ln>
-          <a:extLst>
-            <a:ext uri="{C572A759-6A51-4108-AA02-DFA0A04FC94B}">
-              <ma14:wrappingTextBoxFlag xmlns:ma14="http://schemas.microsoft.com/office/mac/drawingml/2011/main" val="1"/>
-            </a:ext>
-          </a:extLst>
-        </p:spPr>
-        <p:txBody>
-          <a:bodyPr wrap="none" lIns="50800" tIns="50800" rIns="50800" bIns="50800" anchor="ctr">
-            <a:spAutoFit/>
-          </a:bodyPr>
-          <a:lstStyle>
-            <a:lvl1pPr>
-              <a:defRPr sz="2400"/>
-            </a:lvl1pPr>
-          </a:lstStyle>
-          <a:p>
-            <a:pPr/>
-            <a:r>
-              <a:t>DAA/Greedy Algorithms</a:t>
-            </a:r>
-          </a:p>
-        </p:txBody>
-      </p:sp>
-      <p:sp>
-        <p:nvSpPr>
-          <p:cNvPr id="160" name="RPR/"/>
-          <p:cNvSpPr txBox="1"/>
-          <p:nvPr/>
-        </p:nvSpPr>
-        <p:spPr>
-          <a:xfrm>
-            <a:off x="7535212" y="6988206"/>
-            <a:ext cx="705605" cy="382910"/>
-          </a:xfrm>
-          <a:prstGeom prst="rect">
-            <a:avLst/>
-          </a:prstGeom>
-          <a:ln w="12700">
-            <a:miter lim="400000"/>
-          </a:ln>
-          <a:extLst>
-            <a:ext uri="{C572A759-6A51-4108-AA02-DFA0A04FC94B}">
-              <ma14:wrappingTextBoxFlag xmlns:ma14="http://schemas.microsoft.com/office/mac/drawingml/2011/main" val="1"/>
-            </a:ext>
-          </a:extLst>
-        </p:spPr>
-        <p:txBody>
-          <a:bodyPr wrap="none" lIns="50800" tIns="50800" rIns="50800" bIns="50800" anchor="ctr">
-            <a:spAutoFit/>
-          </a:bodyPr>
-          <a:lstStyle>
-            <a:lvl1pPr>
-              <a:defRPr sz="2000"/>
-            </a:lvl1pPr>
-          </a:lstStyle>
-          <a:p>
-            <a:pPr/>
-            <a:r>
-              <a:t>RPR/</a:t>
-            </a:r>
-          </a:p>
-        </p:txBody>
-      </p:sp>
-    </p:spTree>
-  </p:cSld>
-  <p:clrMapOvr>
-    <a:masterClrMapping/>
-  </p:clrMapOvr>
-  <p:transition xmlns:p14="http://schemas.microsoft.com/office/powerpoint/2010/main" spd="med" advClick="1"/>
-  <p:timing>
-    <p:tnLst>
-      <p:par>
-        <p:cTn id="1" nodeType="tmRoot" restart="never" dur="indefinite" fill="hold">
-          <p:childTnLst>
-            <p:seq concurrent="1" prevAc="none" nextAc="seek">
-              <p:cTn id="2" nodeType="mainSeq" dur="indefinite" fill="hold">
-                <p:childTnLst>
-                  <p:par>
-                    <p:cTn id="3" fill="hold">
-                      <p:stCondLst>
-                        <p:cond delay="indefinite"/>
-                      </p:stCondLst>
-                      <p:childTnLst>
-                        <p:par>
-                          <p:cTn id="4" fill="hold">
-                            <p:stCondLst>
-                              <p:cond delay="0"/>
-                            </p:stCondLst>
-                            <p:childTnLst>
-                              <p:par>
-                                <p:cTn id="5" presetClass="entr" nodeType="clickEffect" presetSubtype="0" presetID="1" grpId="1" fill="hold">
-                                  <p:stCondLst>
-                                    <p:cond delay="0"/>
-                                  </p:stCondLst>
-                                  <p:iterate type="el" backwards="0">
-                                    <p:tmAbs val="0"/>
-                                  </p:iterate>
-                                  <p:childTnLst>
-                                    <p:set>
-                                      <p:cBhvr>
-                                        <p:cTn id="6" fill="hold"/>
-                                        <p:tgtEl>
-                                          <p:spTgt spid="157">
-                                            <p:bg/>
-                                          </p:spTgt>
-                                        </p:tgtEl>
-                                        <p:attrNameLst>
-                                          <p:attrName>style.visibility</p:attrName>
-                                        </p:attrNameLst>
-                                      </p:cBhvr>
-                                      <p:to>
-                                        <p:strVal val="visible"/>
-                                      </p:to>
-                                    </p:set>
-                                  </p:childTnLst>
-                                </p:cTn>
-                              </p:par>
-                              <p:par>
-                                <p:cTn id="7" presetClass="entr" nodeType="withEffect" presetSubtype="0" presetID="1" grpId="1" fill="hold">
-                                  <p:stCondLst>
-                                    <p:cond delay="0"/>
-                                  </p:stCondLst>
-                                  <p:iterate type="el" backwards="0">
-                                    <p:tmAbs val="0"/>
-                                  </p:iterate>
-                                  <p:childTnLst>
-                                    <p:set>
-                                      <p:cBhvr>
-                                        <p:cTn id="8" fill="hold"/>
-                                        <p:tgtEl>
-                                          <p:spTgt spid="157">
-                                            <p:txEl>
-                                              <p:pRg st="0" end="0"/>
-                                            </p:txEl>
-                                          </p:spTgt>
-                                        </p:tgtEl>
-                                        <p:attrNameLst>
-                                          <p:attrName>style.visibility</p:attrName>
-                                        </p:attrNameLst>
-                                      </p:cBhvr>
-                                      <p:to>
-                                        <p:strVal val="visible"/>
-                                      </p:to>
-                                    </p:set>
-                                  </p:childTnLst>
-                                </p:cTn>
-                              </p:par>
-                            </p:childTnLst>
-                          </p:cTn>
-                        </p:par>
-                      </p:childTnLst>
-                    </p:cTn>
-                  </p:par>
-                  <p:par>
-                    <p:cTn id="9" fill="hold">
-                      <p:stCondLst>
-                        <p:cond delay="indefinite"/>
-                      </p:stCondLst>
-                      <p:childTnLst>
-                        <p:par>
-                          <p:cTn id="10" fill="hold">
-                            <p:stCondLst>
-                              <p:cond delay="0"/>
-                            </p:stCondLst>
-                            <p:childTnLst>
-                              <p:par>
-                                <p:cTn id="11" presetClass="entr" nodeType="clickEffect" presetSubtype="0" presetID="1" grpId="1" fill="hold">
-                                  <p:stCondLst>
-                                    <p:cond delay="0"/>
-                                  </p:stCondLst>
-                                  <p:iterate type="el" backwards="0">
-                                    <p:tmAbs val="0"/>
-                                  </p:iterate>
-                                  <p:childTnLst>
-                                    <p:set>
-                                      <p:cBhvr>
-                                        <p:cTn id="12" fill="hold"/>
-                                        <p:tgtEl>
-                                          <p:spTgt spid="157">
-                                            <p:txEl>
-                                              <p:pRg st="1" end="1"/>
-                                            </p:txEl>
-                                          </p:spTgt>
-                                        </p:tgtEl>
-                                        <p:attrNameLst>
-                                          <p:attrName>style.visibility</p:attrName>
-                                        </p:attrNameLst>
-                                      </p:cBhvr>
-                                      <p:to>
-                                        <p:strVal val="visible"/>
-                                      </p:to>
-                                    </p:set>
-                                  </p:childTnLst>
-                                </p:cTn>
-                              </p:par>
-                            </p:childTnLst>
-                          </p:cTn>
-                        </p:par>
-                      </p:childTnLst>
-                    </p:cTn>
-                  </p:par>
-                  <p:par>
-                    <p:cTn id="13" fill="hold">
-                      <p:stCondLst>
-                        <p:cond delay="indefinite"/>
-                      </p:stCondLst>
-                      <p:childTnLst>
-                        <p:par>
-                          <p:cTn id="14" fill="hold">
-                            <p:stCondLst>
-                              <p:cond delay="0"/>
-                            </p:stCondLst>
-                            <p:childTnLst>
-                              <p:par>
-                                <p:cTn id="15" presetClass="entr" nodeType="clickEffect" presetSubtype="0" presetID="1" grpId="1" fill="hold">
-                                  <p:stCondLst>
-                                    <p:cond delay="0"/>
-                                  </p:stCondLst>
-                                  <p:iterate type="el" backwards="0">
-                                    <p:tmAbs val="0"/>
-                                  </p:iterate>
-                                  <p:childTnLst>
-                                    <p:set>
-                                      <p:cBhvr>
-                                        <p:cTn id="16" fill="hold"/>
-                                        <p:tgtEl>
-                                          <p:spTgt spid="157">
-                                            <p:txEl>
-                                              <p:pRg st="2" end="2"/>
-                                            </p:txEl>
-                                          </p:spTgt>
-                                        </p:tgtEl>
-                                        <p:attrNameLst>
-                                          <p:attrName>style.visibility</p:attrName>
-                                        </p:attrNameLst>
-                                      </p:cBhvr>
-                                      <p:to>
-                                        <p:strVal val="visible"/>
-                                      </p:to>
-                                    </p:set>
-                                  </p:childTnLst>
-                                </p:cTn>
-                              </p:par>
-                            </p:childTnLst>
-                          </p:cTn>
-                        </p:par>
-                      </p:childTnLst>
-                    </p:cTn>
-                  </p:par>
-                  <p:par>
-                    <p:cTn id="17" fill="hold">
-                      <p:stCondLst>
-                        <p:cond delay="indefinite"/>
-                      </p:stCondLst>
-                      <p:childTnLst>
-                        <p:par>
-                          <p:cTn id="18" fill="hold">
-                            <p:stCondLst>
-                              <p:cond delay="0"/>
-                            </p:stCondLst>
-                            <p:childTnLst>
-                              <p:par>
-                                <p:cTn id="19" presetClass="entr" nodeType="clickEffect" presetSubtype="0" presetID="1" grpId="1" fill="hold">
-                                  <p:stCondLst>
-                                    <p:cond delay="0"/>
-                                  </p:stCondLst>
-                                  <p:iterate type="el" backwards="0">
-                                    <p:tmAbs val="0"/>
-                                  </p:iterate>
-                                  <p:childTnLst>
-                                    <p:set>
-                                      <p:cBhvr>
-                                        <p:cTn id="20" fill="hold"/>
-                                        <p:tgtEl>
-                                          <p:spTgt spid="157">
-                                            <p:txEl>
-                                              <p:pRg st="3" end="3"/>
-                                            </p:txEl>
-                                          </p:spTgt>
-                                        </p:tgtEl>
-                                        <p:attrNameLst>
-                                          <p:attrName>style.visibility</p:attrName>
-                                        </p:attrNameLst>
-                                      </p:cBhvr>
-                                      <p:to>
-                                        <p:strVal val="visible"/>
-                                      </p:to>
-                                    </p:set>
-                                  </p:childTnLst>
-                                </p:cTn>
-                              </p:par>
-                            </p:childTnLst>
-                          </p:cTn>
-                        </p:par>
-                      </p:childTnLst>
-                    </p:cTn>
-                  </p:par>
-                  <p:par>
-                    <p:cTn id="21" fill="hold">
-                      <p:stCondLst>
-                        <p:cond delay="indefinite"/>
-                      </p:stCondLst>
-                      <p:childTnLst>
-                        <p:par>
-                          <p:cTn id="22" fill="hold">
-                            <p:stCondLst>
-                              <p:cond delay="0"/>
-                            </p:stCondLst>
-                            <p:childTnLst>
-                              <p:par>
-                                <p:cTn id="23" presetClass="entr" nodeType="clickEffect" presetSubtype="0" presetID="1" grpId="1" fill="hold">
-                                  <p:stCondLst>
-                                    <p:cond delay="0"/>
-                                  </p:stCondLst>
-                                  <p:iterate type="el" backwards="0">
-                                    <p:tmAbs val="0"/>
-                                  </p:iterate>
-                                  <p:childTnLst>
-                                    <p:set>
-                                      <p:cBhvr>
-                                        <p:cTn id="24" fill="hold"/>
-                                        <p:tgtEl>
-                                          <p:spTgt spid="157">
-                                            <p:txEl>
-                                              <p:pRg st="4" end="4"/>
-                                            </p:txEl>
-                                          </p:spTgt>
-                                        </p:tgtEl>
-                                        <p:attrNameLst>
-                                          <p:attrName>style.visibility</p:attrName>
-                                        </p:attrNameLst>
-                                      </p:cBhvr>
-                                      <p:to>
-                                        <p:strVal val="visible"/>
-                                      </p:to>
-                                    </p:set>
-                                  </p:childTnLst>
-                                </p:cTn>
-                              </p:par>
-                            </p:childTnLst>
-                          </p:cTn>
-                        </p:par>
-                      </p:childTnLst>
-                    </p:cTn>
-                  </p:par>
-                  <p:par>
-                    <p:cTn id="25" fill="hold">
-                      <p:stCondLst>
-                        <p:cond delay="indefinite"/>
-                      </p:stCondLst>
-                      <p:childTnLst>
-                        <p:par>
-                          <p:cTn id="26" fill="hold">
-                            <p:stCondLst>
-                              <p:cond delay="0"/>
-                            </p:stCondLst>
-                            <p:childTnLst>
-                              <p:par>
-                                <p:cTn id="27" presetClass="entr" nodeType="clickEffect" presetSubtype="0" presetID="1" grpId="1" fill="hold">
-                                  <p:stCondLst>
-                                    <p:cond delay="0"/>
-                                  </p:stCondLst>
-                                  <p:iterate type="el" backwards="0">
-                                    <p:tmAbs val="0"/>
-                                  </p:iterate>
-                                  <p:childTnLst>
-                                    <p:set>
-                                      <p:cBhvr>
-                                        <p:cTn id="28" fill="hold"/>
-                                        <p:tgtEl>
-                                          <p:spTgt spid="157">
-                                            <p:txEl>
-                                              <p:pRg st="5" end="5"/>
-                                            </p:txEl>
-                                          </p:spTgt>
-                                        </p:tgtEl>
-                                        <p:attrNameLst>
-                                          <p:attrName>style.visibility</p:attrName>
-                                        </p:attrNameLst>
-                                      </p:cBhvr>
-                                      <p:to>
-                                        <p:strVal val="visible"/>
-                                      </p:to>
-                                    </p:set>
-                                  </p:childTnLst>
-                                </p:cTn>
-                              </p:par>
-                            </p:childTnLst>
-                          </p:cTn>
-                        </p:par>
-                      </p:childTnLst>
-                    </p:cTn>
-                  </p:par>
-                  <p:par>
-                    <p:cTn id="29" fill="hold">
-                      <p:stCondLst>
-                        <p:cond delay="indefinite"/>
-                      </p:stCondLst>
-                      <p:childTnLst>
-                        <p:par>
-                          <p:cTn id="30" fill="hold">
-                            <p:stCondLst>
-                              <p:cond delay="0"/>
-                            </p:stCondLst>
-                            <p:childTnLst>
-                              <p:par>
-                                <p:cTn id="31" presetClass="entr" nodeType="clickEffect" presetSubtype="0" presetID="1" grpId="1" fill="hold">
-                                  <p:stCondLst>
-                                    <p:cond delay="0"/>
-                                  </p:stCondLst>
-                                  <p:iterate type="el" backwards="0">
-                                    <p:tmAbs val="0"/>
-                                  </p:iterate>
-                                  <p:childTnLst>
-                                    <p:set>
-                                      <p:cBhvr>
-                                        <p:cTn id="32" fill="hold"/>
-                                        <p:tgtEl>
-                                          <p:spTgt spid="157">
-                                            <p:txEl>
-                                              <p:pRg st="6" end="6"/>
-                                            </p:txEl>
-                                          </p:spTgt>
-                                        </p:tgtEl>
-                                        <p:attrNameLst>
-                                          <p:attrName>style.visibility</p:attrName>
-                                        </p:attrNameLst>
-                                      </p:cBhvr>
-                                      <p:to>
-                                        <p:strVal val="visible"/>
-                                      </p:to>
-                                    </p:set>
-                                  </p:childTnLst>
-                                </p:cTn>
-                              </p:par>
-                            </p:childTnLst>
-                          </p:cTn>
-                        </p:par>
-                      </p:childTnLst>
-                    </p:cTn>
-                  </p:par>
-                  <p:par>
-                    <p:cTn id="33" fill="hold">
-                      <p:stCondLst>
-                        <p:cond delay="indefinite"/>
-                      </p:stCondLst>
-                      <p:childTnLst>
-                        <p:par>
-                          <p:cTn id="34" fill="hold">
-                            <p:stCondLst>
-                              <p:cond delay="0"/>
-                            </p:stCondLst>
-                            <p:childTnLst>
-                              <p:par>
-                                <p:cTn id="35" presetClass="entr" nodeType="clickEffect" presetSubtype="0" presetID="1" grpId="1" fill="hold">
-                                  <p:stCondLst>
-                                    <p:cond delay="0"/>
-                                  </p:stCondLst>
-                                  <p:iterate type="el" backwards="0">
-                                    <p:tmAbs val="0"/>
-                                  </p:iterate>
-                                  <p:childTnLst>
-                                    <p:set>
-                                      <p:cBhvr>
-                                        <p:cTn id="36" fill="hold"/>
-                                        <p:tgtEl>
-                                          <p:spTgt spid="157">
-                                            <p:txEl>
-                                              <p:pRg st="7" end="7"/>
-                                            </p:txEl>
-                                          </p:spTgt>
-                                        </p:tgtEl>
-                                        <p:attrNameLst>
-                                          <p:attrName>style.visibility</p:attrName>
-                                        </p:attrNameLst>
-                                      </p:cBhvr>
-                                      <p:to>
-                                        <p:strVal val="visible"/>
-                                      </p:to>
-                                    </p:set>
-                                  </p:childTnLst>
-                                </p:cTn>
-                              </p:par>
-                            </p:childTnLst>
-                          </p:cTn>
-                        </p:par>
-                      </p:childTnLst>
-                    </p:cTn>
-                  </p:par>
-                </p:childTnLst>
-              </p:cTn>
-              <p:prevCondLst>
-                <p:cond evt="onPrev">
-                  <p:tgtEl>
-                    <p:sldTgt/>
-                  </p:tgtEl>
-                </p:cond>
-              </p:prevCondLst>
-              <p:nextCondLst>
-                <p:cond evt="onNext">
-                  <p:tgtEl>
-                    <p:sldTgt/>
-                  </p:tgtEl>
-                </p:cond>
-              </p:nextCondLst>
-            </p:seq>
-          </p:childTnLst>
-        </p:cTn>
-      </p:par>
-    </p:tnLst>
-    <p:bldLst>
-      <p:bldP build="p" bldLvl="5" animBg="1" rev="0" advAuto="0" spid="157" grpId="1"/>
-    </p:bldLst>
-  </p:timing>
 </p:sld>
 </file>
 
@@ -13161,6 +11259,21 @@
               <a:t>Cormen et al.</a:t>
             </a:r>
           </a:p>
+          <a:p>
+            <a:pPr/>
+            <a:r>
+              <a:t>MIT Open Course Ware</a:t>
+            </a:r>
+          </a:p>
+          <a:p>
+            <a:pPr lvl="1"/>
+            <a:r>
+              <a:rPr u="sng">
+                <a:hlinkClick r:id="rId2" invalidUrl="" action="" tgtFrame="" tooltip="" history="1" highlightClick="0" endSnd="0"/>
+              </a:rPr>
+              <a:t>https://www.geeksforgeeks.org/job-sequencing-using-disjoint-set-union/</a:t>
+            </a:r>
+          </a:p>
         </p:txBody>
       </p:sp>
       <p:sp>
@@ -13287,6853 +11400,6 @@
       </p:transition>
     </mc:Fallback>
   </mc:AlternateContent>
-</p:sld>
-</file>
-
-<file path=ppt/slides/slide20.xml><?xml version="1.0" encoding="utf-8"?>
-<p:sld xmlns:a="http://schemas.openxmlformats.org/drawingml/2006/main" xmlns:r="http://schemas.openxmlformats.org/officeDocument/2006/relationships" xmlns:p="http://schemas.openxmlformats.org/presentationml/2006/main" xmlns:m="http://schemas.openxmlformats.org/officeDocument/2006/math" xmlns:a14="http://schemas.microsoft.com/office/drawing/2010/main" showMasterSp="1" showMasterPhAnim="1">
-  <p:cSld>
-    <p:spTree>
-      <p:nvGrpSpPr>
-        <p:cNvPr id="1" name=""/>
-        <p:cNvGrpSpPr/>
-        <p:nvPr/>
-      </p:nvGrpSpPr>
-      <p:grpSpPr>
-        <a:xfrm>
-          <a:off x="0" y="0"/>
-          <a:ext cx="0" cy="0"/>
-          <a:chOff x="0" y="0"/>
-          <a:chExt cx="0" cy="0"/>
-        </a:xfrm>
-      </p:grpSpPr>
-      <p:sp>
-        <p:nvSpPr>
-          <p:cNvPr id="162" name="Union-Find Approach: Improved"/>
-          <p:cNvSpPr txBox="1"/>
-          <p:nvPr>
-            <p:ph type="title"/>
-          </p:nvPr>
-        </p:nvSpPr>
-        <p:spPr>
-          <a:prstGeom prst="rect">
-            <a:avLst/>
-          </a:prstGeom>
-        </p:spPr>
-        <p:txBody>
-          <a:bodyPr/>
-          <a:lstStyle/>
-          <a:p>
-            <a:pPr/>
-            <a:r>
-              <a:t>Union-Find Approach: Improved</a:t>
-            </a:r>
-          </a:p>
-        </p:txBody>
-      </p:sp>
-      <p:sp>
-        <p:nvSpPr>
-          <p:cNvPr id="163" name="Approach 2:…"/>
-          <p:cNvSpPr txBox="1"/>
-          <p:nvPr>
-            <p:ph type="body" idx="1"/>
-          </p:nvPr>
-        </p:nvSpPr>
-        <p:spPr>
-          <a:prstGeom prst="rect">
-            <a:avLst/>
-          </a:prstGeom>
-        </p:spPr>
-        <p:txBody>
-          <a:bodyPr/>
-          <a:lstStyle/>
-          <a:p>
-            <a:pPr marL="361156" indent="-321468">
-              <a:spcBef>
-                <a:spcPts val="500"/>
-              </a:spcBef>
-              <a:defRPr sz="3000"/>
-            </a:pPr>
-            <a:r>
-              <a:t>Approach 2: </a:t>
-            </a:r>
-          </a:p>
-          <a:p>
-            <a:pPr lvl="1">
-              <a:spcBef>
-                <a:spcPts val="500"/>
-              </a:spcBef>
-            </a:pPr>
-            <a:r>
-              <a:t>Make </a:t>
-            </a:r>
-            <a:r>
-              <a:rPr i="1" u="sng"/>
-              <a:t>Union</a:t>
-            </a:r>
-            <a:r>
-              <a:rPr i="1"/>
-              <a:t>(</a:t>
-            </a:r>
-            <a:r>
-              <a:rPr i="1">
-                <a:latin typeface="Courier New"/>
-                <a:ea typeface="Courier New"/>
-                <a:cs typeface="Courier New"/>
-                <a:sym typeface="Courier New"/>
-              </a:rPr>
-              <a:t>A,B</a:t>
-            </a:r>
-            <a:r>
-              <a:rPr i="1"/>
-              <a:t>)</a:t>
-            </a:r>
-            <a:r>
-              <a:t> efficient at the cost of </a:t>
-            </a:r>
-            <a:r>
-              <a:rPr i="1" u="sng"/>
-              <a:t>Find</a:t>
-            </a:r>
-            <a:r>
-              <a:rPr i="1"/>
-              <a:t>(</a:t>
-            </a:r>
-            <a:r>
-              <a:rPr i="1">
-                <a:latin typeface="Courier New"/>
-                <a:ea typeface="Courier New"/>
-                <a:cs typeface="Courier New"/>
-                <a:sym typeface="Courier New"/>
-              </a:rPr>
-              <a:t>i</a:t>
-            </a:r>
-            <a:r>
-              <a:rPr i="1"/>
-              <a:t>)</a:t>
-            </a:r>
-            <a:r>
-              <a:t>.</a:t>
-            </a:r>
-          </a:p>
-          <a:p>
-            <a:pPr lvl="2" marL="1097416" indent="-244928">
-              <a:defRPr sz="3000"/>
-            </a:pPr>
-            <a:r>
-              <a:t>Make </a:t>
-            </a:r>
-            <a:r>
-              <a:rPr i="1"/>
-              <a:t>Union</a:t>
-            </a:r>
-            <a:r>
-              <a:t> operation takes constant time and improve upon the time taken by </a:t>
-            </a:r>
-            <a:r>
-              <a:rPr i="1" u="sng"/>
-              <a:t>Find</a:t>
-            </a:r>
-            <a:r>
-              <a:t>. </a:t>
-            </a:r>
-          </a:p>
-          <a:p>
-            <a:pPr lvl="2" marL="1097416" indent="-244928">
-              <a:defRPr sz="3000"/>
-            </a:pPr>
-            <a:r>
-              <a:t>Use the indirect addressing for union to make it in </a:t>
-            </a:r>
-            <a:r>
-              <a:rPr>
-                <a:latin typeface="Courier New"/>
-                <a:ea typeface="Courier New"/>
-                <a:cs typeface="Courier New"/>
-                <a:sym typeface="Courier New"/>
-              </a:rPr>
-              <a:t>O(1)</a:t>
-            </a:r>
-            <a:r>
-              <a:t> time.</a:t>
-            </a:r>
-          </a:p>
-          <a:p>
-            <a:pPr lvl="2" marL="1097416" indent="-244928">
-              <a:defRPr sz="3000"/>
-            </a:pPr>
-            <a:r>
-              <a:t>Each entry in the array has two parts</a:t>
-            </a:r>
-          </a:p>
-          <a:p>
-            <a:pPr lvl="3" marL="1554616" indent="-244928">
-              <a:defRPr sz="3000"/>
-            </a:pPr>
-            <a:r>
-              <a:t>Identity of element i.e. group id or value.</a:t>
-            </a:r>
-          </a:p>
-          <a:p>
-            <a:pPr lvl="3" marL="1554616" indent="-244928">
-              <a:defRPr sz="3000"/>
-            </a:pPr>
-            <a:r>
-              <a:t>Pointer which is initially </a:t>
-            </a:r>
-            <a:r>
-              <a:rPr>
-                <a:latin typeface="Courier New"/>
-                <a:ea typeface="Courier New"/>
-                <a:cs typeface="Courier New"/>
-                <a:sym typeface="Courier New"/>
-              </a:rPr>
-              <a:t>Nil</a:t>
-            </a:r>
-            <a:r>
-              <a:t>.</a:t>
-            </a:r>
-          </a:p>
-          <a:p>
-            <a:pPr lvl="2" marL="1097416" indent="-244928">
-              <a:defRPr sz="3000"/>
-            </a:pPr>
-            <a:r>
-              <a:t>Union(A,B) is performed by making the pointer of B to point to A. </a:t>
-            </a:r>
-          </a:p>
-          <a:p>
-            <a:pPr lvl="2" marL="1097416" indent="-244928">
-              <a:defRPr sz="3000"/>
-            </a:pPr>
-            <a:r>
-              <a:t>After several union operations, data structures becomes like a tree.</a:t>
-            </a:r>
-          </a:p>
-        </p:txBody>
-      </p:sp>
-      <p:sp>
-        <p:nvSpPr>
-          <p:cNvPr id="164" name="Slide Number"/>
-          <p:cNvSpPr txBox="1"/>
-          <p:nvPr>
-            <p:ph type="sldNum" sz="quarter" idx="2"/>
-          </p:nvPr>
-        </p:nvSpPr>
-        <p:spPr>
-          <a:prstGeom prst="rect">
-            <a:avLst/>
-          </a:prstGeom>
-          <a:extLst>
-            <a:ext uri="{C572A759-6A51-4108-AA02-DFA0A04FC94B}">
-              <ma14:wrappingTextBoxFlag xmlns:ma14="http://schemas.microsoft.com/office/mac/drawingml/2011/main" val="1"/>
-            </a:ext>
-          </a:extLst>
-        </p:spPr>
-        <p:txBody>
-          <a:bodyPr/>
-          <a:lstStyle/>
-          <a:p>
-            <a:pPr/>
-            <a:fld id="{86CB4B4D-7CA3-9044-876B-883B54F8677D}" type="slidenum"/>
-          </a:p>
-        </p:txBody>
-      </p:sp>
-      <p:sp>
-        <p:nvSpPr>
-          <p:cNvPr id="165" name="DAA/Greedy Algorithms"/>
-          <p:cNvSpPr txBox="1"/>
-          <p:nvPr/>
-        </p:nvSpPr>
-        <p:spPr>
-          <a:xfrm>
-            <a:off x="423212" y="6963885"/>
-            <a:ext cx="3244911" cy="431552"/>
-          </a:xfrm>
-          <a:prstGeom prst="rect">
-            <a:avLst/>
-          </a:prstGeom>
-          <a:ln w="12700">
-            <a:miter lim="400000"/>
-          </a:ln>
-          <a:extLst>
-            <a:ext uri="{C572A759-6A51-4108-AA02-DFA0A04FC94B}">
-              <ma14:wrappingTextBoxFlag xmlns:ma14="http://schemas.microsoft.com/office/mac/drawingml/2011/main" val="1"/>
-            </a:ext>
-          </a:extLst>
-        </p:spPr>
-        <p:txBody>
-          <a:bodyPr wrap="none" lIns="50800" tIns="50800" rIns="50800" bIns="50800" anchor="ctr">
-            <a:spAutoFit/>
-          </a:bodyPr>
-          <a:lstStyle>
-            <a:lvl1pPr>
-              <a:defRPr sz="2400"/>
-            </a:lvl1pPr>
-          </a:lstStyle>
-          <a:p>
-            <a:pPr/>
-            <a:r>
-              <a:t>DAA/Greedy Algorithms</a:t>
-            </a:r>
-          </a:p>
-        </p:txBody>
-      </p:sp>
-      <p:sp>
-        <p:nvSpPr>
-          <p:cNvPr id="166" name="RPR/"/>
-          <p:cNvSpPr txBox="1"/>
-          <p:nvPr/>
-        </p:nvSpPr>
-        <p:spPr>
-          <a:xfrm>
-            <a:off x="7535212" y="6988206"/>
-            <a:ext cx="705605" cy="382910"/>
-          </a:xfrm>
-          <a:prstGeom prst="rect">
-            <a:avLst/>
-          </a:prstGeom>
-          <a:ln w="12700">
-            <a:miter lim="400000"/>
-          </a:ln>
-          <a:extLst>
-            <a:ext uri="{C572A759-6A51-4108-AA02-DFA0A04FC94B}">
-              <ma14:wrappingTextBoxFlag xmlns:ma14="http://schemas.microsoft.com/office/mac/drawingml/2011/main" val="1"/>
-            </a:ext>
-          </a:extLst>
-        </p:spPr>
-        <p:txBody>
-          <a:bodyPr wrap="none" lIns="50800" tIns="50800" rIns="50800" bIns="50800" anchor="ctr">
-            <a:spAutoFit/>
-          </a:bodyPr>
-          <a:lstStyle>
-            <a:lvl1pPr>
-              <a:defRPr sz="2000"/>
-            </a:lvl1pPr>
-          </a:lstStyle>
-          <a:p>
-            <a:pPr/>
-            <a:r>
-              <a:t>RPR/</a:t>
-            </a:r>
-          </a:p>
-        </p:txBody>
-      </p:sp>
-    </p:spTree>
-  </p:cSld>
-  <p:clrMapOvr>
-    <a:masterClrMapping/>
-  </p:clrMapOvr>
-  <p:transition xmlns:p14="http://schemas.microsoft.com/office/powerpoint/2010/main" spd="med" advClick="1"/>
-  <p:timing>
-    <p:tnLst>
-      <p:par>
-        <p:cTn id="1" nodeType="tmRoot" restart="never" dur="indefinite" fill="hold">
-          <p:childTnLst>
-            <p:seq concurrent="1" prevAc="none" nextAc="seek">
-              <p:cTn id="2" nodeType="mainSeq" dur="indefinite" fill="hold">
-                <p:childTnLst>
-                  <p:par>
-                    <p:cTn id="3" fill="hold">
-                      <p:stCondLst>
-                        <p:cond delay="indefinite"/>
-                      </p:stCondLst>
-                      <p:childTnLst>
-                        <p:par>
-                          <p:cTn id="4" fill="hold">
-                            <p:stCondLst>
-                              <p:cond delay="0"/>
-                            </p:stCondLst>
-                            <p:childTnLst>
-                              <p:par>
-                                <p:cTn id="5" presetClass="entr" nodeType="clickEffect" presetSubtype="0" presetID="1" grpId="1" fill="hold">
-                                  <p:stCondLst>
-                                    <p:cond delay="0"/>
-                                  </p:stCondLst>
-                                  <p:iterate type="el" backwards="0">
-                                    <p:tmAbs val="0"/>
-                                  </p:iterate>
-                                  <p:childTnLst>
-                                    <p:set>
-                                      <p:cBhvr>
-                                        <p:cTn id="6" fill="hold"/>
-                                        <p:tgtEl>
-                                          <p:spTgt spid="163">
-                                            <p:bg/>
-                                          </p:spTgt>
-                                        </p:tgtEl>
-                                        <p:attrNameLst>
-                                          <p:attrName>style.visibility</p:attrName>
-                                        </p:attrNameLst>
-                                      </p:cBhvr>
-                                      <p:to>
-                                        <p:strVal val="visible"/>
-                                      </p:to>
-                                    </p:set>
-                                  </p:childTnLst>
-                                </p:cTn>
-                              </p:par>
-                              <p:par>
-                                <p:cTn id="7" presetClass="entr" nodeType="withEffect" presetSubtype="0" presetID="1" grpId="1" fill="hold">
-                                  <p:stCondLst>
-                                    <p:cond delay="0"/>
-                                  </p:stCondLst>
-                                  <p:iterate type="el" backwards="0">
-                                    <p:tmAbs val="0"/>
-                                  </p:iterate>
-                                  <p:childTnLst>
-                                    <p:set>
-                                      <p:cBhvr>
-                                        <p:cTn id="8" fill="hold"/>
-                                        <p:tgtEl>
-                                          <p:spTgt spid="163">
-                                            <p:txEl>
-                                              <p:pRg st="0" end="0"/>
-                                            </p:txEl>
-                                          </p:spTgt>
-                                        </p:tgtEl>
-                                        <p:attrNameLst>
-                                          <p:attrName>style.visibility</p:attrName>
-                                        </p:attrNameLst>
-                                      </p:cBhvr>
-                                      <p:to>
-                                        <p:strVal val="visible"/>
-                                      </p:to>
-                                    </p:set>
-                                  </p:childTnLst>
-                                </p:cTn>
-                              </p:par>
-                            </p:childTnLst>
-                          </p:cTn>
-                        </p:par>
-                      </p:childTnLst>
-                    </p:cTn>
-                  </p:par>
-                  <p:par>
-                    <p:cTn id="9" fill="hold">
-                      <p:stCondLst>
-                        <p:cond delay="indefinite"/>
-                      </p:stCondLst>
-                      <p:childTnLst>
-                        <p:par>
-                          <p:cTn id="10" fill="hold">
-                            <p:stCondLst>
-                              <p:cond delay="0"/>
-                            </p:stCondLst>
-                            <p:childTnLst>
-                              <p:par>
-                                <p:cTn id="11" presetClass="entr" nodeType="clickEffect" presetSubtype="0" presetID="1" grpId="1" fill="hold">
-                                  <p:stCondLst>
-                                    <p:cond delay="0"/>
-                                  </p:stCondLst>
-                                  <p:iterate type="el" backwards="0">
-                                    <p:tmAbs val="0"/>
-                                  </p:iterate>
-                                  <p:childTnLst>
-                                    <p:set>
-                                      <p:cBhvr>
-                                        <p:cTn id="12" fill="hold"/>
-                                        <p:tgtEl>
-                                          <p:spTgt spid="163">
-                                            <p:txEl>
-                                              <p:pRg st="1" end="1"/>
-                                            </p:txEl>
-                                          </p:spTgt>
-                                        </p:tgtEl>
-                                        <p:attrNameLst>
-                                          <p:attrName>style.visibility</p:attrName>
-                                        </p:attrNameLst>
-                                      </p:cBhvr>
-                                      <p:to>
-                                        <p:strVal val="visible"/>
-                                      </p:to>
-                                    </p:set>
-                                  </p:childTnLst>
-                                </p:cTn>
-                              </p:par>
-                            </p:childTnLst>
-                          </p:cTn>
-                        </p:par>
-                      </p:childTnLst>
-                    </p:cTn>
-                  </p:par>
-                  <p:par>
-                    <p:cTn id="13" fill="hold">
-                      <p:stCondLst>
-                        <p:cond delay="indefinite"/>
-                      </p:stCondLst>
-                      <p:childTnLst>
-                        <p:par>
-                          <p:cTn id="14" fill="hold">
-                            <p:stCondLst>
-                              <p:cond delay="0"/>
-                            </p:stCondLst>
-                            <p:childTnLst>
-                              <p:par>
-                                <p:cTn id="15" presetClass="entr" nodeType="clickEffect" presetSubtype="0" presetID="1" grpId="1" fill="hold">
-                                  <p:stCondLst>
-                                    <p:cond delay="0"/>
-                                  </p:stCondLst>
-                                  <p:iterate type="el" backwards="0">
-                                    <p:tmAbs val="0"/>
-                                  </p:iterate>
-                                  <p:childTnLst>
-                                    <p:set>
-                                      <p:cBhvr>
-                                        <p:cTn id="16" fill="hold"/>
-                                        <p:tgtEl>
-                                          <p:spTgt spid="163">
-                                            <p:txEl>
-                                              <p:pRg st="2" end="2"/>
-                                            </p:txEl>
-                                          </p:spTgt>
-                                        </p:tgtEl>
-                                        <p:attrNameLst>
-                                          <p:attrName>style.visibility</p:attrName>
-                                        </p:attrNameLst>
-                                      </p:cBhvr>
-                                      <p:to>
-                                        <p:strVal val="visible"/>
-                                      </p:to>
-                                    </p:set>
-                                  </p:childTnLst>
-                                </p:cTn>
-                              </p:par>
-                            </p:childTnLst>
-                          </p:cTn>
-                        </p:par>
-                      </p:childTnLst>
-                    </p:cTn>
-                  </p:par>
-                  <p:par>
-                    <p:cTn id="17" fill="hold">
-                      <p:stCondLst>
-                        <p:cond delay="indefinite"/>
-                      </p:stCondLst>
-                      <p:childTnLst>
-                        <p:par>
-                          <p:cTn id="18" fill="hold">
-                            <p:stCondLst>
-                              <p:cond delay="0"/>
-                            </p:stCondLst>
-                            <p:childTnLst>
-                              <p:par>
-                                <p:cTn id="19" presetClass="entr" nodeType="clickEffect" presetSubtype="0" presetID="1" grpId="1" fill="hold">
-                                  <p:stCondLst>
-                                    <p:cond delay="0"/>
-                                  </p:stCondLst>
-                                  <p:iterate type="el" backwards="0">
-                                    <p:tmAbs val="0"/>
-                                  </p:iterate>
-                                  <p:childTnLst>
-                                    <p:set>
-                                      <p:cBhvr>
-                                        <p:cTn id="20" fill="hold"/>
-                                        <p:tgtEl>
-                                          <p:spTgt spid="163">
-                                            <p:txEl>
-                                              <p:pRg st="3" end="3"/>
-                                            </p:txEl>
-                                          </p:spTgt>
-                                        </p:tgtEl>
-                                        <p:attrNameLst>
-                                          <p:attrName>style.visibility</p:attrName>
-                                        </p:attrNameLst>
-                                      </p:cBhvr>
-                                      <p:to>
-                                        <p:strVal val="visible"/>
-                                      </p:to>
-                                    </p:set>
-                                  </p:childTnLst>
-                                </p:cTn>
-                              </p:par>
-                            </p:childTnLst>
-                          </p:cTn>
-                        </p:par>
-                      </p:childTnLst>
-                    </p:cTn>
-                  </p:par>
-                  <p:par>
-                    <p:cTn id="21" fill="hold">
-                      <p:stCondLst>
-                        <p:cond delay="indefinite"/>
-                      </p:stCondLst>
-                      <p:childTnLst>
-                        <p:par>
-                          <p:cTn id="22" fill="hold">
-                            <p:stCondLst>
-                              <p:cond delay="0"/>
-                            </p:stCondLst>
-                            <p:childTnLst>
-                              <p:par>
-                                <p:cTn id="23" presetClass="entr" nodeType="clickEffect" presetSubtype="0" presetID="1" grpId="1" fill="hold">
-                                  <p:stCondLst>
-                                    <p:cond delay="0"/>
-                                  </p:stCondLst>
-                                  <p:iterate type="el" backwards="0">
-                                    <p:tmAbs val="0"/>
-                                  </p:iterate>
-                                  <p:childTnLst>
-                                    <p:set>
-                                      <p:cBhvr>
-                                        <p:cTn id="24" fill="hold"/>
-                                        <p:tgtEl>
-                                          <p:spTgt spid="163">
-                                            <p:txEl>
-                                              <p:pRg st="4" end="4"/>
-                                            </p:txEl>
-                                          </p:spTgt>
-                                        </p:tgtEl>
-                                        <p:attrNameLst>
-                                          <p:attrName>style.visibility</p:attrName>
-                                        </p:attrNameLst>
-                                      </p:cBhvr>
-                                      <p:to>
-                                        <p:strVal val="visible"/>
-                                      </p:to>
-                                    </p:set>
-                                  </p:childTnLst>
-                                </p:cTn>
-                              </p:par>
-                            </p:childTnLst>
-                          </p:cTn>
-                        </p:par>
-                      </p:childTnLst>
-                    </p:cTn>
-                  </p:par>
-                  <p:par>
-                    <p:cTn id="25" fill="hold">
-                      <p:stCondLst>
-                        <p:cond delay="indefinite"/>
-                      </p:stCondLst>
-                      <p:childTnLst>
-                        <p:par>
-                          <p:cTn id="26" fill="hold">
-                            <p:stCondLst>
-                              <p:cond delay="0"/>
-                            </p:stCondLst>
-                            <p:childTnLst>
-                              <p:par>
-                                <p:cTn id="27" presetClass="entr" nodeType="clickEffect" presetSubtype="0" presetID="1" grpId="1" fill="hold">
-                                  <p:stCondLst>
-                                    <p:cond delay="0"/>
-                                  </p:stCondLst>
-                                  <p:iterate type="el" backwards="0">
-                                    <p:tmAbs val="0"/>
-                                  </p:iterate>
-                                  <p:childTnLst>
-                                    <p:set>
-                                      <p:cBhvr>
-                                        <p:cTn id="28" fill="hold"/>
-                                        <p:tgtEl>
-                                          <p:spTgt spid="163">
-                                            <p:txEl>
-                                              <p:pRg st="5" end="5"/>
-                                            </p:txEl>
-                                          </p:spTgt>
-                                        </p:tgtEl>
-                                        <p:attrNameLst>
-                                          <p:attrName>style.visibility</p:attrName>
-                                        </p:attrNameLst>
-                                      </p:cBhvr>
-                                      <p:to>
-                                        <p:strVal val="visible"/>
-                                      </p:to>
-                                    </p:set>
-                                  </p:childTnLst>
-                                </p:cTn>
-                              </p:par>
-                            </p:childTnLst>
-                          </p:cTn>
-                        </p:par>
-                      </p:childTnLst>
-                    </p:cTn>
-                  </p:par>
-                  <p:par>
-                    <p:cTn id="29" fill="hold">
-                      <p:stCondLst>
-                        <p:cond delay="indefinite"/>
-                      </p:stCondLst>
-                      <p:childTnLst>
-                        <p:par>
-                          <p:cTn id="30" fill="hold">
-                            <p:stCondLst>
-                              <p:cond delay="0"/>
-                            </p:stCondLst>
-                            <p:childTnLst>
-                              <p:par>
-                                <p:cTn id="31" presetClass="entr" nodeType="clickEffect" presetSubtype="0" presetID="1" grpId="1" fill="hold">
-                                  <p:stCondLst>
-                                    <p:cond delay="0"/>
-                                  </p:stCondLst>
-                                  <p:iterate type="el" backwards="0">
-                                    <p:tmAbs val="0"/>
-                                  </p:iterate>
-                                  <p:childTnLst>
-                                    <p:set>
-                                      <p:cBhvr>
-                                        <p:cTn id="32" fill="hold"/>
-                                        <p:tgtEl>
-                                          <p:spTgt spid="163">
-                                            <p:txEl>
-                                              <p:pRg st="6" end="6"/>
-                                            </p:txEl>
-                                          </p:spTgt>
-                                        </p:tgtEl>
-                                        <p:attrNameLst>
-                                          <p:attrName>style.visibility</p:attrName>
-                                        </p:attrNameLst>
-                                      </p:cBhvr>
-                                      <p:to>
-                                        <p:strVal val="visible"/>
-                                      </p:to>
-                                    </p:set>
-                                  </p:childTnLst>
-                                </p:cTn>
-                              </p:par>
-                            </p:childTnLst>
-                          </p:cTn>
-                        </p:par>
-                      </p:childTnLst>
-                    </p:cTn>
-                  </p:par>
-                  <p:par>
-                    <p:cTn id="33" fill="hold">
-                      <p:stCondLst>
-                        <p:cond delay="indefinite"/>
-                      </p:stCondLst>
-                      <p:childTnLst>
-                        <p:par>
-                          <p:cTn id="34" fill="hold">
-                            <p:stCondLst>
-                              <p:cond delay="0"/>
-                            </p:stCondLst>
-                            <p:childTnLst>
-                              <p:par>
-                                <p:cTn id="35" presetClass="entr" nodeType="clickEffect" presetSubtype="0" presetID="1" grpId="1" fill="hold">
-                                  <p:stCondLst>
-                                    <p:cond delay="0"/>
-                                  </p:stCondLst>
-                                  <p:iterate type="el" backwards="0">
-                                    <p:tmAbs val="0"/>
-                                  </p:iterate>
-                                  <p:childTnLst>
-                                    <p:set>
-                                      <p:cBhvr>
-                                        <p:cTn id="36" fill="hold"/>
-                                        <p:tgtEl>
-                                          <p:spTgt spid="163">
-                                            <p:txEl>
-                                              <p:pRg st="7" end="7"/>
-                                            </p:txEl>
-                                          </p:spTgt>
-                                        </p:tgtEl>
-                                        <p:attrNameLst>
-                                          <p:attrName>style.visibility</p:attrName>
-                                        </p:attrNameLst>
-                                      </p:cBhvr>
-                                      <p:to>
-                                        <p:strVal val="visible"/>
-                                      </p:to>
-                                    </p:set>
-                                  </p:childTnLst>
-                                </p:cTn>
-                              </p:par>
-                            </p:childTnLst>
-                          </p:cTn>
-                        </p:par>
-                      </p:childTnLst>
-                    </p:cTn>
-                  </p:par>
-                  <p:par>
-                    <p:cTn id="37" fill="hold">
-                      <p:stCondLst>
-                        <p:cond delay="indefinite"/>
-                      </p:stCondLst>
-                      <p:childTnLst>
-                        <p:par>
-                          <p:cTn id="38" fill="hold">
-                            <p:stCondLst>
-                              <p:cond delay="0"/>
-                            </p:stCondLst>
-                            <p:childTnLst>
-                              <p:par>
-                                <p:cTn id="39" presetClass="entr" nodeType="clickEffect" presetSubtype="0" presetID="1" grpId="1" fill="hold">
-                                  <p:stCondLst>
-                                    <p:cond delay="0"/>
-                                  </p:stCondLst>
-                                  <p:iterate type="el" backwards="0">
-                                    <p:tmAbs val="0"/>
-                                  </p:iterate>
-                                  <p:childTnLst>
-                                    <p:set>
-                                      <p:cBhvr>
-                                        <p:cTn id="40" fill="hold"/>
-                                        <p:tgtEl>
-                                          <p:spTgt spid="163">
-                                            <p:txEl>
-                                              <p:pRg st="8" end="8"/>
-                                            </p:txEl>
-                                          </p:spTgt>
-                                        </p:tgtEl>
-                                        <p:attrNameLst>
-                                          <p:attrName>style.visibility</p:attrName>
-                                        </p:attrNameLst>
-                                      </p:cBhvr>
-                                      <p:to>
-                                        <p:strVal val="visible"/>
-                                      </p:to>
-                                    </p:set>
-                                  </p:childTnLst>
-                                </p:cTn>
-                              </p:par>
-                            </p:childTnLst>
-                          </p:cTn>
-                        </p:par>
-                      </p:childTnLst>
-                    </p:cTn>
-                  </p:par>
-                </p:childTnLst>
-              </p:cTn>
-              <p:prevCondLst>
-                <p:cond evt="onPrev">
-                  <p:tgtEl>
-                    <p:sldTgt/>
-                  </p:tgtEl>
-                </p:cond>
-              </p:prevCondLst>
-              <p:nextCondLst>
-                <p:cond evt="onNext">
-                  <p:tgtEl>
-                    <p:sldTgt/>
-                  </p:tgtEl>
-                </p:cond>
-              </p:nextCondLst>
-            </p:seq>
-          </p:childTnLst>
-        </p:cTn>
-      </p:par>
-    </p:tnLst>
-    <p:bldLst>
-      <p:bldP build="p" bldLvl="5" animBg="1" rev="0" advAuto="0" spid="163" grpId="1"/>
-    </p:bldLst>
-  </p:timing>
-</p:sld>
-</file>
-
-<file path=ppt/slides/slide21.xml><?xml version="1.0" encoding="utf-8"?>
-<p:sld xmlns:a="http://schemas.openxmlformats.org/drawingml/2006/main" xmlns:r="http://schemas.openxmlformats.org/officeDocument/2006/relationships" xmlns:p="http://schemas.openxmlformats.org/presentationml/2006/main" xmlns:m="http://schemas.openxmlformats.org/officeDocument/2006/math" xmlns:a14="http://schemas.microsoft.com/office/drawing/2010/main" showMasterSp="1" showMasterPhAnim="1">
-  <p:cSld>
-    <p:spTree>
-      <p:nvGrpSpPr>
-        <p:cNvPr id="1" name=""/>
-        <p:cNvGrpSpPr/>
-        <p:nvPr/>
-      </p:nvGrpSpPr>
-      <p:grpSpPr>
-        <a:xfrm>
-          <a:off x="0" y="0"/>
-          <a:ext cx="0" cy="0"/>
-          <a:chOff x="0" y="0"/>
-          <a:chExt cx="0" cy="0"/>
-        </a:xfrm>
-      </p:grpSpPr>
-      <p:sp>
-        <p:nvSpPr>
-          <p:cNvPr id="168" name="Union-Find Approach: Improved"/>
-          <p:cNvSpPr txBox="1"/>
-          <p:nvPr>
-            <p:ph type="title"/>
-          </p:nvPr>
-        </p:nvSpPr>
-        <p:spPr>
-          <a:prstGeom prst="rect">
-            <a:avLst/>
-          </a:prstGeom>
-        </p:spPr>
-        <p:txBody>
-          <a:bodyPr/>
-          <a:lstStyle/>
-          <a:p>
-            <a:pPr/>
-            <a:r>
-              <a:t>Union-Find Approach: Improved</a:t>
-            </a:r>
-          </a:p>
-        </p:txBody>
-      </p:sp>
-      <p:sp>
-        <p:nvSpPr>
-          <p:cNvPr id="169" name="Slide Number"/>
-          <p:cNvSpPr txBox="1"/>
-          <p:nvPr>
-            <p:ph type="sldNum" sz="quarter" idx="2"/>
-          </p:nvPr>
-        </p:nvSpPr>
-        <p:spPr>
-          <a:prstGeom prst="rect">
-            <a:avLst/>
-          </a:prstGeom>
-          <a:extLst>
-            <a:ext uri="{C572A759-6A51-4108-AA02-DFA0A04FC94B}">
-              <ma14:wrappingTextBoxFlag xmlns:ma14="http://schemas.microsoft.com/office/mac/drawingml/2011/main" val="1"/>
-            </a:ext>
-          </a:extLst>
-        </p:spPr>
-        <p:txBody>
-          <a:bodyPr/>
-          <a:lstStyle/>
-          <a:p>
-            <a:pPr/>
-            <a:fld id="{86CB4B4D-7CA3-9044-876B-883B54F8677D}" type="slidenum"/>
-          </a:p>
-        </p:txBody>
-      </p:sp>
-      <p:sp>
-        <p:nvSpPr>
-          <p:cNvPr id="170" name="DAA/Greedy Algorithms"/>
-          <p:cNvSpPr txBox="1"/>
-          <p:nvPr/>
-        </p:nvSpPr>
-        <p:spPr>
-          <a:xfrm>
-            <a:off x="423212" y="6963885"/>
-            <a:ext cx="3244911" cy="431552"/>
-          </a:xfrm>
-          <a:prstGeom prst="rect">
-            <a:avLst/>
-          </a:prstGeom>
-          <a:ln w="12700">
-            <a:miter lim="400000"/>
-          </a:ln>
-          <a:extLst>
-            <a:ext uri="{C572A759-6A51-4108-AA02-DFA0A04FC94B}">
-              <ma14:wrappingTextBoxFlag xmlns:ma14="http://schemas.microsoft.com/office/mac/drawingml/2011/main" val="1"/>
-            </a:ext>
-          </a:extLst>
-        </p:spPr>
-        <p:txBody>
-          <a:bodyPr wrap="none" lIns="50800" tIns="50800" rIns="50800" bIns="50800" anchor="ctr">
-            <a:spAutoFit/>
-          </a:bodyPr>
-          <a:lstStyle>
-            <a:lvl1pPr>
-              <a:defRPr sz="2400"/>
-            </a:lvl1pPr>
-          </a:lstStyle>
-          <a:p>
-            <a:pPr/>
-            <a:r>
-              <a:t>DAA/Greedy Algorithms</a:t>
-            </a:r>
-          </a:p>
-        </p:txBody>
-      </p:sp>
-      <p:sp>
-        <p:nvSpPr>
-          <p:cNvPr id="171" name="RPR/"/>
-          <p:cNvSpPr txBox="1"/>
-          <p:nvPr/>
-        </p:nvSpPr>
-        <p:spPr>
-          <a:xfrm>
-            <a:off x="7535212" y="6988206"/>
-            <a:ext cx="705605" cy="382910"/>
-          </a:xfrm>
-          <a:prstGeom prst="rect">
-            <a:avLst/>
-          </a:prstGeom>
-          <a:ln w="12700">
-            <a:miter lim="400000"/>
-          </a:ln>
-          <a:extLst>
-            <a:ext uri="{C572A759-6A51-4108-AA02-DFA0A04FC94B}">
-              <ma14:wrappingTextBoxFlag xmlns:ma14="http://schemas.microsoft.com/office/mac/drawingml/2011/main" val="1"/>
-            </a:ext>
-          </a:extLst>
-        </p:spPr>
-        <p:txBody>
-          <a:bodyPr wrap="none" lIns="50800" tIns="50800" rIns="50800" bIns="50800" anchor="ctr">
-            <a:spAutoFit/>
-          </a:bodyPr>
-          <a:lstStyle>
-            <a:lvl1pPr>
-              <a:defRPr sz="2000"/>
-            </a:lvl1pPr>
-          </a:lstStyle>
-          <a:p>
-            <a:pPr/>
-            <a:r>
-              <a:t>RPR/</a:t>
-            </a:r>
-          </a:p>
-        </p:txBody>
-      </p:sp>
-      <p:grpSp>
-        <p:nvGrpSpPr>
-          <p:cNvPr id="174" name="Group"/>
-          <p:cNvGrpSpPr/>
-          <p:nvPr/>
-        </p:nvGrpSpPr>
-        <p:grpSpPr>
-          <a:xfrm>
-            <a:off x="963620" y="1522752"/>
-            <a:ext cx="1351372" cy="499234"/>
-            <a:chOff x="0" y="0"/>
-            <a:chExt cx="1351370" cy="499232"/>
-          </a:xfrm>
-        </p:grpSpPr>
-        <p:sp>
-          <p:nvSpPr>
-            <p:cNvPr id="172" name="Nil"/>
-            <p:cNvSpPr/>
-            <p:nvPr/>
-          </p:nvSpPr>
-          <p:spPr>
-            <a:xfrm>
-              <a:off x="671166" y="0"/>
-              <a:ext cx="680205" cy="499233"/>
-            </a:xfrm>
-            <a:prstGeom prst="rect">
-              <a:avLst/>
-            </a:prstGeom>
-            <a:noFill/>
-            <a:ln w="25400" cap="flat">
-              <a:solidFill>
-                <a:srgbClr val="000000"/>
-              </a:solidFill>
-              <a:prstDash val="solid"/>
-              <a:round/>
-            </a:ln>
-            <a:effectLst/>
-            <a:extLst>
-              <a:ext uri="{C572A759-6A51-4108-AA02-DFA0A04FC94B}">
-                <ma14:wrappingTextBoxFlag xmlns:ma14="http://schemas.microsoft.com/office/mac/drawingml/2011/main" val="1"/>
-              </a:ext>
-            </a:extLst>
-          </p:spPr>
-          <p:txBody>
-            <a:bodyPr wrap="square" lIns="50800" tIns="50800" rIns="50800" bIns="50800" numCol="1" anchor="ctr">
-              <a:noAutofit/>
-            </a:bodyPr>
-            <a:lstStyle>
-              <a:lvl1pPr>
-                <a:defRPr sz="2000">
-                  <a:latin typeface="Courier New"/>
-                  <a:ea typeface="Courier New"/>
-                  <a:cs typeface="Courier New"/>
-                  <a:sym typeface="Courier New"/>
-                </a:defRPr>
-              </a:lvl1pPr>
-            </a:lstStyle>
-            <a:p>
-              <a:pPr/>
-              <a:r>
-                <a:t>Nil</a:t>
-              </a:r>
-            </a:p>
-          </p:txBody>
-        </p:sp>
-        <p:sp>
-          <p:nvSpPr>
-            <p:cNvPr id="173" name="A"/>
-            <p:cNvSpPr/>
-            <p:nvPr/>
-          </p:nvSpPr>
-          <p:spPr>
-            <a:xfrm>
-              <a:off x="0" y="0"/>
-              <a:ext cx="680205" cy="499233"/>
-            </a:xfrm>
-            <a:prstGeom prst="rect">
-              <a:avLst/>
-            </a:prstGeom>
-            <a:noFill/>
-            <a:ln w="25400" cap="flat">
-              <a:solidFill>
-                <a:srgbClr val="000000"/>
-              </a:solidFill>
-              <a:prstDash val="solid"/>
-              <a:round/>
-            </a:ln>
-            <a:effectLst/>
-            <a:extLst>
-              <a:ext uri="{C572A759-6A51-4108-AA02-DFA0A04FC94B}">
-                <ma14:wrappingTextBoxFlag xmlns:ma14="http://schemas.microsoft.com/office/mac/drawingml/2011/main" val="1"/>
-              </a:ext>
-            </a:extLst>
-          </p:spPr>
-          <p:txBody>
-            <a:bodyPr wrap="square" lIns="50800" tIns="50800" rIns="50800" bIns="50800" numCol="1" anchor="ctr">
-              <a:noAutofit/>
-            </a:bodyPr>
-            <a:lstStyle>
-              <a:lvl1pPr algn="ctr">
-                <a:defRPr sz="2800">
-                  <a:latin typeface="Gill Sans MT"/>
-                  <a:ea typeface="Gill Sans MT"/>
-                  <a:cs typeface="Gill Sans MT"/>
-                  <a:sym typeface="Gill Sans MT"/>
-                </a:defRPr>
-              </a:lvl1pPr>
-            </a:lstStyle>
-            <a:p>
-              <a:pPr/>
-              <a:r>
-                <a:t>A</a:t>
-              </a:r>
-            </a:p>
-          </p:txBody>
-        </p:sp>
-      </p:grpSp>
-      <p:sp>
-        <p:nvSpPr>
-          <p:cNvPr id="175" name="Rectangle"/>
-          <p:cNvSpPr/>
-          <p:nvPr/>
-        </p:nvSpPr>
-        <p:spPr>
-          <a:xfrm>
-            <a:off x="1634787" y="2531913"/>
-            <a:ext cx="680205" cy="499233"/>
-          </a:xfrm>
-          <a:prstGeom prst="rect">
-            <a:avLst/>
-          </a:prstGeom>
-          <a:ln w="25400">
-            <a:solidFill>
-              <a:srgbClr val="000000"/>
-            </a:solidFill>
-          </a:ln>
-        </p:spPr>
-        <p:txBody>
-          <a:bodyPr lIns="50800" tIns="50800" rIns="50800" bIns="50800" anchor="ctr"/>
-          <a:lstStyle/>
-          <a:p>
-            <a:pPr>
-              <a:defRPr sz="2000">
-                <a:latin typeface="Courier New"/>
-                <a:ea typeface="Courier New"/>
-                <a:cs typeface="Courier New"/>
-                <a:sym typeface="Courier New"/>
-              </a:defRPr>
-            </a:pPr>
-          </a:p>
-        </p:txBody>
-      </p:sp>
-      <p:sp>
-        <p:nvSpPr>
-          <p:cNvPr id="176" name="C"/>
-          <p:cNvSpPr/>
-          <p:nvPr/>
-        </p:nvSpPr>
-        <p:spPr>
-          <a:xfrm>
-            <a:off x="963620" y="2531913"/>
-            <a:ext cx="680205" cy="499233"/>
-          </a:xfrm>
-          <a:prstGeom prst="rect">
-            <a:avLst/>
-          </a:prstGeom>
-          <a:ln w="25400">
-            <a:solidFill>
-              <a:srgbClr val="000000"/>
-            </a:solidFill>
-          </a:ln>
-          <a:extLst>
-            <a:ext uri="{C572A759-6A51-4108-AA02-DFA0A04FC94B}">
-              <ma14:wrappingTextBoxFlag xmlns:ma14="http://schemas.microsoft.com/office/mac/drawingml/2011/main" val="1"/>
-            </a:ext>
-          </a:extLst>
-        </p:spPr>
-        <p:txBody>
-          <a:bodyPr lIns="50800" tIns="50800" rIns="50800" bIns="50800" anchor="ctr"/>
-          <a:lstStyle>
-            <a:lvl1pPr algn="ctr">
-              <a:defRPr sz="2800">
-                <a:latin typeface="Gill Sans MT"/>
-                <a:ea typeface="Gill Sans MT"/>
-                <a:cs typeface="Gill Sans MT"/>
-                <a:sym typeface="Gill Sans MT"/>
-              </a:defRPr>
-            </a:lvl1pPr>
-          </a:lstStyle>
-          <a:p>
-            <a:pPr/>
-            <a:r>
-              <a:t>C</a:t>
-            </a:r>
-          </a:p>
-        </p:txBody>
-      </p:sp>
-      <p:grpSp>
-        <p:nvGrpSpPr>
-          <p:cNvPr id="179" name="Group"/>
-          <p:cNvGrpSpPr/>
-          <p:nvPr/>
-        </p:nvGrpSpPr>
-        <p:grpSpPr>
-          <a:xfrm>
-            <a:off x="628036" y="3912076"/>
-            <a:ext cx="1351372" cy="499234"/>
-            <a:chOff x="0" y="0"/>
-            <a:chExt cx="1351370" cy="499232"/>
-          </a:xfrm>
-        </p:grpSpPr>
-        <p:sp>
-          <p:nvSpPr>
-            <p:cNvPr id="177" name="Rectangle"/>
-            <p:cNvSpPr/>
-            <p:nvPr/>
-          </p:nvSpPr>
-          <p:spPr>
-            <a:xfrm>
-              <a:off x="671166" y="0"/>
-              <a:ext cx="680205" cy="499233"/>
-            </a:xfrm>
-            <a:prstGeom prst="rect">
-              <a:avLst/>
-            </a:prstGeom>
-            <a:noFill/>
-            <a:ln w="25400" cap="flat">
-              <a:solidFill>
-                <a:srgbClr val="000000"/>
-              </a:solidFill>
-              <a:prstDash val="solid"/>
-              <a:round/>
-            </a:ln>
-            <a:effectLst/>
-          </p:spPr>
-          <p:txBody>
-            <a:bodyPr wrap="square" lIns="50800" tIns="50800" rIns="50800" bIns="50800" numCol="1" anchor="ctr">
-              <a:noAutofit/>
-            </a:bodyPr>
-            <a:lstStyle/>
-            <a:p>
-              <a:pPr>
-                <a:defRPr sz="2000">
-                  <a:latin typeface="Courier New"/>
-                  <a:ea typeface="Courier New"/>
-                  <a:cs typeface="Courier New"/>
-                  <a:sym typeface="Courier New"/>
-                </a:defRPr>
-              </a:pPr>
-            </a:p>
-          </p:txBody>
-        </p:sp>
-        <p:sp>
-          <p:nvSpPr>
-            <p:cNvPr id="178" name="D"/>
-            <p:cNvSpPr/>
-            <p:nvPr/>
-          </p:nvSpPr>
-          <p:spPr>
-            <a:xfrm>
-              <a:off x="0" y="0"/>
-              <a:ext cx="680205" cy="499233"/>
-            </a:xfrm>
-            <a:prstGeom prst="rect">
-              <a:avLst/>
-            </a:prstGeom>
-            <a:noFill/>
-            <a:ln w="25400" cap="flat">
-              <a:solidFill>
-                <a:srgbClr val="000000"/>
-              </a:solidFill>
-              <a:prstDash val="solid"/>
-              <a:round/>
-            </a:ln>
-            <a:effectLst/>
-            <a:extLst>
-              <a:ext uri="{C572A759-6A51-4108-AA02-DFA0A04FC94B}">
-                <ma14:wrappingTextBoxFlag xmlns:ma14="http://schemas.microsoft.com/office/mac/drawingml/2011/main" val="1"/>
-              </a:ext>
-            </a:extLst>
-          </p:spPr>
-          <p:txBody>
-            <a:bodyPr wrap="square" lIns="50800" tIns="50800" rIns="50800" bIns="50800" numCol="1" anchor="ctr">
-              <a:noAutofit/>
-            </a:bodyPr>
-            <a:lstStyle>
-              <a:lvl1pPr algn="ctr">
-                <a:defRPr sz="2800">
-                  <a:latin typeface="Gill Sans MT"/>
-                  <a:ea typeface="Gill Sans MT"/>
-                  <a:cs typeface="Gill Sans MT"/>
-                  <a:sym typeface="Gill Sans MT"/>
-                </a:defRPr>
-              </a:lvl1pPr>
-            </a:lstStyle>
-            <a:p>
-              <a:pPr/>
-              <a:r>
-                <a:t>D</a:t>
-              </a:r>
-            </a:p>
-          </p:txBody>
-        </p:sp>
-      </p:grpSp>
-      <p:grpSp>
-        <p:nvGrpSpPr>
-          <p:cNvPr id="182" name="Group"/>
-          <p:cNvGrpSpPr/>
-          <p:nvPr/>
-        </p:nvGrpSpPr>
-        <p:grpSpPr>
-          <a:xfrm>
-            <a:off x="3900833" y="1522752"/>
-            <a:ext cx="1351372" cy="499234"/>
-            <a:chOff x="0" y="0"/>
-            <a:chExt cx="1351370" cy="499232"/>
-          </a:xfrm>
-        </p:grpSpPr>
-        <p:sp>
-          <p:nvSpPr>
-            <p:cNvPr id="180" name="Nil"/>
-            <p:cNvSpPr/>
-            <p:nvPr/>
-          </p:nvSpPr>
-          <p:spPr>
-            <a:xfrm>
-              <a:off x="671166" y="0"/>
-              <a:ext cx="680205" cy="499233"/>
-            </a:xfrm>
-            <a:prstGeom prst="rect">
-              <a:avLst/>
-            </a:prstGeom>
-            <a:noFill/>
-            <a:ln w="25400" cap="flat">
-              <a:solidFill>
-                <a:srgbClr val="000000"/>
-              </a:solidFill>
-              <a:prstDash val="solid"/>
-              <a:round/>
-            </a:ln>
-            <a:effectLst/>
-            <a:extLst>
-              <a:ext uri="{C572A759-6A51-4108-AA02-DFA0A04FC94B}">
-                <ma14:wrappingTextBoxFlag xmlns:ma14="http://schemas.microsoft.com/office/mac/drawingml/2011/main" val="1"/>
-              </a:ext>
-            </a:extLst>
-          </p:spPr>
-          <p:txBody>
-            <a:bodyPr wrap="square" lIns="50800" tIns="50800" rIns="50800" bIns="50800" numCol="1" anchor="ctr">
-              <a:noAutofit/>
-            </a:bodyPr>
-            <a:lstStyle>
-              <a:lvl1pPr>
-                <a:defRPr sz="2000">
-                  <a:latin typeface="Courier New"/>
-                  <a:ea typeface="Courier New"/>
-                  <a:cs typeface="Courier New"/>
-                  <a:sym typeface="Courier New"/>
-                </a:defRPr>
-              </a:lvl1pPr>
-            </a:lstStyle>
-            <a:p>
-              <a:pPr/>
-              <a:r>
-                <a:t>Nil</a:t>
-              </a:r>
-            </a:p>
-          </p:txBody>
-        </p:sp>
-        <p:sp>
-          <p:nvSpPr>
-            <p:cNvPr id="181" name="B"/>
-            <p:cNvSpPr/>
-            <p:nvPr/>
-          </p:nvSpPr>
-          <p:spPr>
-            <a:xfrm>
-              <a:off x="0" y="0"/>
-              <a:ext cx="680205" cy="499233"/>
-            </a:xfrm>
-            <a:prstGeom prst="rect">
-              <a:avLst/>
-            </a:prstGeom>
-            <a:noFill/>
-            <a:ln w="25400" cap="flat">
-              <a:solidFill>
-                <a:srgbClr val="000000"/>
-              </a:solidFill>
-              <a:prstDash val="solid"/>
-              <a:round/>
-            </a:ln>
-            <a:effectLst/>
-            <a:extLst>
-              <a:ext uri="{C572A759-6A51-4108-AA02-DFA0A04FC94B}">
-                <ma14:wrappingTextBoxFlag xmlns:ma14="http://schemas.microsoft.com/office/mac/drawingml/2011/main" val="1"/>
-              </a:ext>
-            </a:extLst>
-          </p:spPr>
-          <p:txBody>
-            <a:bodyPr wrap="square" lIns="50800" tIns="50800" rIns="50800" bIns="50800" numCol="1" anchor="ctr">
-              <a:noAutofit/>
-            </a:bodyPr>
-            <a:lstStyle>
-              <a:lvl1pPr algn="ctr">
-                <a:defRPr sz="2800">
-                  <a:latin typeface="Gill Sans MT"/>
-                  <a:ea typeface="Gill Sans MT"/>
-                  <a:cs typeface="Gill Sans MT"/>
-                  <a:sym typeface="Gill Sans MT"/>
-                </a:defRPr>
-              </a:lvl1pPr>
-            </a:lstStyle>
-            <a:p>
-              <a:pPr/>
-              <a:r>
-                <a:t>B</a:t>
-              </a:r>
-            </a:p>
-          </p:txBody>
-        </p:sp>
-      </p:grpSp>
-      <p:grpSp>
-        <p:nvGrpSpPr>
-          <p:cNvPr id="185" name="Group"/>
-          <p:cNvGrpSpPr/>
-          <p:nvPr/>
-        </p:nvGrpSpPr>
-        <p:grpSpPr>
-          <a:xfrm>
-            <a:off x="2620440" y="3912076"/>
-            <a:ext cx="1351372" cy="499234"/>
-            <a:chOff x="0" y="0"/>
-            <a:chExt cx="1351370" cy="499232"/>
-          </a:xfrm>
-        </p:grpSpPr>
-        <p:sp>
-          <p:nvSpPr>
-            <p:cNvPr id="183" name="Rectangle"/>
-            <p:cNvSpPr/>
-            <p:nvPr/>
-          </p:nvSpPr>
-          <p:spPr>
-            <a:xfrm>
-              <a:off x="671166" y="0"/>
-              <a:ext cx="680205" cy="499233"/>
-            </a:xfrm>
-            <a:prstGeom prst="rect">
-              <a:avLst/>
-            </a:prstGeom>
-            <a:noFill/>
-            <a:ln w="25400" cap="flat">
-              <a:solidFill>
-                <a:srgbClr val="000000"/>
-              </a:solidFill>
-              <a:prstDash val="solid"/>
-              <a:round/>
-            </a:ln>
-            <a:effectLst/>
-          </p:spPr>
-          <p:txBody>
-            <a:bodyPr wrap="square" lIns="50800" tIns="50800" rIns="50800" bIns="50800" numCol="1" anchor="ctr">
-              <a:noAutofit/>
-            </a:bodyPr>
-            <a:lstStyle/>
-            <a:p>
-              <a:pPr>
-                <a:defRPr sz="2000">
-                  <a:latin typeface="Courier New"/>
-                  <a:ea typeface="Courier New"/>
-                  <a:cs typeface="Courier New"/>
-                  <a:sym typeface="Courier New"/>
-                </a:defRPr>
-              </a:pPr>
-            </a:p>
-          </p:txBody>
-        </p:sp>
-        <p:sp>
-          <p:nvSpPr>
-            <p:cNvPr id="184" name="E"/>
-            <p:cNvSpPr/>
-            <p:nvPr/>
-          </p:nvSpPr>
-          <p:spPr>
-            <a:xfrm>
-              <a:off x="0" y="0"/>
-              <a:ext cx="680205" cy="499233"/>
-            </a:xfrm>
-            <a:prstGeom prst="rect">
-              <a:avLst/>
-            </a:prstGeom>
-            <a:noFill/>
-            <a:ln w="25400" cap="flat">
-              <a:solidFill>
-                <a:srgbClr val="000000"/>
-              </a:solidFill>
-              <a:prstDash val="solid"/>
-              <a:round/>
-            </a:ln>
-            <a:effectLst/>
-            <a:extLst>
-              <a:ext uri="{C572A759-6A51-4108-AA02-DFA0A04FC94B}">
-                <ma14:wrappingTextBoxFlag xmlns:ma14="http://schemas.microsoft.com/office/mac/drawingml/2011/main" val="1"/>
-              </a:ext>
-            </a:extLst>
-          </p:spPr>
-          <p:txBody>
-            <a:bodyPr wrap="square" lIns="50800" tIns="50800" rIns="50800" bIns="50800" numCol="1" anchor="ctr">
-              <a:noAutofit/>
-            </a:bodyPr>
-            <a:lstStyle>
-              <a:lvl1pPr algn="ctr">
-                <a:defRPr sz="2800">
-                  <a:latin typeface="Gill Sans MT"/>
-                  <a:ea typeface="Gill Sans MT"/>
-                  <a:cs typeface="Gill Sans MT"/>
-                  <a:sym typeface="Gill Sans MT"/>
-                </a:defRPr>
-              </a:lvl1pPr>
-            </a:lstStyle>
-            <a:p>
-              <a:pPr/>
-              <a:r>
-                <a:t>E</a:t>
-              </a:r>
-            </a:p>
-          </p:txBody>
-        </p:sp>
-      </p:grpSp>
-      <p:grpSp>
-        <p:nvGrpSpPr>
-          <p:cNvPr id="188" name="Group"/>
-          <p:cNvGrpSpPr/>
-          <p:nvPr/>
-        </p:nvGrpSpPr>
-        <p:grpSpPr>
-          <a:xfrm>
-            <a:off x="3900833" y="2531913"/>
-            <a:ext cx="1351372" cy="499233"/>
-            <a:chOff x="0" y="0"/>
-            <a:chExt cx="1351370" cy="499232"/>
-          </a:xfrm>
-        </p:grpSpPr>
-        <p:sp>
-          <p:nvSpPr>
-            <p:cNvPr id="186" name="Rectangle"/>
-            <p:cNvSpPr/>
-            <p:nvPr/>
-          </p:nvSpPr>
-          <p:spPr>
-            <a:xfrm>
-              <a:off x="671166" y="0"/>
-              <a:ext cx="680205" cy="499233"/>
-            </a:xfrm>
-            <a:prstGeom prst="rect">
-              <a:avLst/>
-            </a:prstGeom>
-            <a:noFill/>
-            <a:ln w="25400" cap="flat">
-              <a:solidFill>
-                <a:srgbClr val="000000"/>
-              </a:solidFill>
-              <a:prstDash val="solid"/>
-              <a:round/>
-            </a:ln>
-            <a:effectLst/>
-          </p:spPr>
-          <p:txBody>
-            <a:bodyPr wrap="square" lIns="50800" tIns="50800" rIns="50800" bIns="50800" numCol="1" anchor="ctr">
-              <a:noAutofit/>
-            </a:bodyPr>
-            <a:lstStyle/>
-            <a:p>
-              <a:pPr>
-                <a:defRPr sz="2000">
-                  <a:latin typeface="Courier New"/>
-                  <a:ea typeface="Courier New"/>
-                  <a:cs typeface="Courier New"/>
-                  <a:sym typeface="Courier New"/>
-                </a:defRPr>
-              </a:pPr>
-            </a:p>
-          </p:txBody>
-        </p:sp>
-        <p:sp>
-          <p:nvSpPr>
-            <p:cNvPr id="187" name="F"/>
-            <p:cNvSpPr/>
-            <p:nvPr/>
-          </p:nvSpPr>
-          <p:spPr>
-            <a:xfrm>
-              <a:off x="0" y="0"/>
-              <a:ext cx="680205" cy="499233"/>
-            </a:xfrm>
-            <a:prstGeom prst="rect">
-              <a:avLst/>
-            </a:prstGeom>
-            <a:noFill/>
-            <a:ln w="25400" cap="flat">
-              <a:solidFill>
-                <a:srgbClr val="000000"/>
-              </a:solidFill>
-              <a:prstDash val="solid"/>
-              <a:round/>
-            </a:ln>
-            <a:effectLst/>
-            <a:extLst>
-              <a:ext uri="{C572A759-6A51-4108-AA02-DFA0A04FC94B}">
-                <ma14:wrappingTextBoxFlag xmlns:ma14="http://schemas.microsoft.com/office/mac/drawingml/2011/main" val="1"/>
-              </a:ext>
-            </a:extLst>
-          </p:spPr>
-          <p:txBody>
-            <a:bodyPr wrap="square" lIns="50800" tIns="50800" rIns="50800" bIns="50800" numCol="1" anchor="ctr">
-              <a:noAutofit/>
-            </a:bodyPr>
-            <a:lstStyle>
-              <a:lvl1pPr algn="ctr">
-                <a:defRPr sz="2800">
-                  <a:latin typeface="Gill Sans MT"/>
-                  <a:ea typeface="Gill Sans MT"/>
-                  <a:cs typeface="Gill Sans MT"/>
-                  <a:sym typeface="Gill Sans MT"/>
-                </a:defRPr>
-              </a:lvl1pPr>
-            </a:lstStyle>
-            <a:p>
-              <a:pPr/>
-              <a:r>
-                <a:t>F</a:t>
-              </a:r>
-            </a:p>
-          </p:txBody>
-        </p:sp>
-      </p:grpSp>
-      <p:sp>
-        <p:nvSpPr>
-          <p:cNvPr id="189" name="Line"/>
-          <p:cNvSpPr/>
-          <p:nvPr/>
-        </p:nvSpPr>
-        <p:spPr>
-          <a:xfrm flipV="1">
-            <a:off x="1974889" y="2000014"/>
-            <a:ext cx="1" cy="524634"/>
-          </a:xfrm>
-          <a:prstGeom prst="line">
-            <a:avLst/>
-          </a:prstGeom>
-          <a:ln w="38100">
-            <a:solidFill>
-              <a:srgbClr val="000000"/>
-            </a:solidFill>
-            <a:tailEnd type="triangle"/>
-          </a:ln>
-        </p:spPr>
-        <p:txBody>
-          <a:bodyPr lIns="0" tIns="0" rIns="0" bIns="0"/>
-          <a:lstStyle/>
-          <a:p>
-            <a:pPr/>
-          </a:p>
-        </p:txBody>
-      </p:sp>
-      <p:sp>
-        <p:nvSpPr>
-          <p:cNvPr id="190" name="Line"/>
-          <p:cNvSpPr/>
-          <p:nvPr/>
-        </p:nvSpPr>
-        <p:spPr>
-          <a:xfrm flipV="1">
-            <a:off x="1450179" y="3094518"/>
-            <a:ext cx="395147" cy="758081"/>
-          </a:xfrm>
-          <a:prstGeom prst="line">
-            <a:avLst/>
-          </a:prstGeom>
-          <a:ln w="38100">
-            <a:solidFill>
-              <a:srgbClr val="000000"/>
-            </a:solidFill>
-            <a:tailEnd type="triangle"/>
-          </a:ln>
-        </p:spPr>
-        <p:txBody>
-          <a:bodyPr lIns="0" tIns="0" rIns="0" bIns="0"/>
-          <a:lstStyle/>
-          <a:p>
-            <a:pPr/>
-          </a:p>
-        </p:txBody>
-      </p:sp>
-      <p:sp>
-        <p:nvSpPr>
-          <p:cNvPr id="191" name="Line"/>
-          <p:cNvSpPr/>
-          <p:nvPr/>
-        </p:nvSpPr>
-        <p:spPr>
-          <a:xfrm flipH="1" flipV="1">
-            <a:off x="2110830" y="3094518"/>
-            <a:ext cx="1188128" cy="750777"/>
-          </a:xfrm>
-          <a:prstGeom prst="line">
-            <a:avLst/>
-          </a:prstGeom>
-          <a:ln w="38100">
-            <a:solidFill>
-              <a:srgbClr val="000000"/>
-            </a:solidFill>
-            <a:tailEnd type="triangle"/>
-          </a:ln>
-        </p:spPr>
-        <p:txBody>
-          <a:bodyPr lIns="0" tIns="0" rIns="0" bIns="0"/>
-          <a:lstStyle/>
-          <a:p>
-            <a:pPr/>
-          </a:p>
-        </p:txBody>
-      </p:sp>
-      <p:grpSp>
-        <p:nvGrpSpPr>
-          <p:cNvPr id="194" name="Group"/>
-          <p:cNvGrpSpPr/>
-          <p:nvPr/>
-        </p:nvGrpSpPr>
-        <p:grpSpPr>
-          <a:xfrm>
-            <a:off x="6655132" y="1522752"/>
-            <a:ext cx="1351372" cy="499234"/>
-            <a:chOff x="0" y="0"/>
-            <a:chExt cx="1351370" cy="499232"/>
-          </a:xfrm>
-        </p:grpSpPr>
-        <p:sp>
-          <p:nvSpPr>
-            <p:cNvPr id="192" name="Nil"/>
-            <p:cNvSpPr/>
-            <p:nvPr/>
-          </p:nvSpPr>
-          <p:spPr>
-            <a:xfrm>
-              <a:off x="671166" y="0"/>
-              <a:ext cx="680205" cy="499233"/>
-            </a:xfrm>
-            <a:prstGeom prst="rect">
-              <a:avLst/>
-            </a:prstGeom>
-            <a:noFill/>
-            <a:ln w="25400" cap="flat">
-              <a:solidFill>
-                <a:srgbClr val="000000"/>
-              </a:solidFill>
-              <a:prstDash val="solid"/>
-              <a:round/>
-            </a:ln>
-            <a:effectLst/>
-            <a:extLst>
-              <a:ext uri="{C572A759-6A51-4108-AA02-DFA0A04FC94B}">
-                <ma14:wrappingTextBoxFlag xmlns:ma14="http://schemas.microsoft.com/office/mac/drawingml/2011/main" val="1"/>
-              </a:ext>
-            </a:extLst>
-          </p:spPr>
-          <p:txBody>
-            <a:bodyPr wrap="square" lIns="50800" tIns="50800" rIns="50800" bIns="50800" numCol="1" anchor="ctr">
-              <a:noAutofit/>
-            </a:bodyPr>
-            <a:lstStyle>
-              <a:lvl1pPr>
-                <a:defRPr sz="2000">
-                  <a:latin typeface="Courier New"/>
-                  <a:ea typeface="Courier New"/>
-                  <a:cs typeface="Courier New"/>
-                  <a:sym typeface="Courier New"/>
-                </a:defRPr>
-              </a:lvl1pPr>
-            </a:lstStyle>
-            <a:p>
-              <a:pPr/>
-              <a:r>
-                <a:t>Nil</a:t>
-              </a:r>
-            </a:p>
-          </p:txBody>
-        </p:sp>
-        <p:sp>
-          <p:nvSpPr>
-            <p:cNvPr id="193" name="G"/>
-            <p:cNvSpPr/>
-            <p:nvPr/>
-          </p:nvSpPr>
-          <p:spPr>
-            <a:xfrm>
-              <a:off x="0" y="0"/>
-              <a:ext cx="680205" cy="499233"/>
-            </a:xfrm>
-            <a:prstGeom prst="rect">
-              <a:avLst/>
-            </a:prstGeom>
-            <a:noFill/>
-            <a:ln w="25400" cap="flat">
-              <a:solidFill>
-                <a:srgbClr val="000000"/>
-              </a:solidFill>
-              <a:prstDash val="solid"/>
-              <a:round/>
-            </a:ln>
-            <a:effectLst/>
-            <a:extLst>
-              <a:ext uri="{C572A759-6A51-4108-AA02-DFA0A04FC94B}">
-                <ma14:wrappingTextBoxFlag xmlns:ma14="http://schemas.microsoft.com/office/mac/drawingml/2011/main" val="1"/>
-              </a:ext>
-            </a:extLst>
-          </p:spPr>
-          <p:txBody>
-            <a:bodyPr wrap="square" lIns="50800" tIns="50800" rIns="50800" bIns="50800" numCol="1" anchor="ctr">
-              <a:noAutofit/>
-            </a:bodyPr>
-            <a:lstStyle>
-              <a:lvl1pPr algn="ctr">
-                <a:defRPr sz="2800">
-                  <a:latin typeface="Gill Sans MT"/>
-                  <a:ea typeface="Gill Sans MT"/>
-                  <a:cs typeface="Gill Sans MT"/>
-                  <a:sym typeface="Gill Sans MT"/>
-                </a:defRPr>
-              </a:lvl1pPr>
-            </a:lstStyle>
-            <a:p>
-              <a:pPr/>
-              <a:r>
-                <a:t>G</a:t>
-              </a:r>
-            </a:p>
-          </p:txBody>
-        </p:sp>
-      </p:grpSp>
-      <p:sp>
-        <p:nvSpPr>
-          <p:cNvPr id="195" name="Line"/>
-          <p:cNvSpPr/>
-          <p:nvPr/>
-        </p:nvSpPr>
-        <p:spPr>
-          <a:xfrm flipV="1">
-            <a:off x="4895473" y="2000014"/>
-            <a:ext cx="1" cy="524634"/>
-          </a:xfrm>
-          <a:prstGeom prst="line">
-            <a:avLst/>
-          </a:prstGeom>
-          <a:ln w="38100">
-            <a:solidFill>
-              <a:srgbClr val="000000"/>
-            </a:solidFill>
-            <a:tailEnd type="triangle"/>
-          </a:ln>
-        </p:spPr>
-        <p:txBody>
-          <a:bodyPr lIns="0" tIns="0" rIns="0" bIns="0"/>
-          <a:lstStyle/>
-          <a:p>
-            <a:pPr/>
-          </a:p>
-        </p:txBody>
-      </p:sp>
-      <p:sp>
-        <p:nvSpPr>
-          <p:cNvPr id="196" name="Fig: Representation for Union Find problem"/>
-          <p:cNvSpPr txBox="1"/>
-          <p:nvPr/>
-        </p:nvSpPr>
-        <p:spPr>
-          <a:xfrm>
-            <a:off x="1948018" y="4550233"/>
-            <a:ext cx="6840115" cy="546101"/>
-          </a:xfrm>
-          <a:prstGeom prst="rect">
-            <a:avLst/>
-          </a:prstGeom>
-          <a:ln w="12700">
-            <a:miter lim="400000"/>
-          </a:ln>
-          <a:extLst>
-            <a:ext uri="{C572A759-6A51-4108-AA02-DFA0A04FC94B}">
-              <ma14:wrappingTextBoxFlag xmlns:ma14="http://schemas.microsoft.com/office/mac/drawingml/2011/main" val="1"/>
-            </a:ext>
-          </a:extLst>
-        </p:spPr>
-        <p:txBody>
-          <a:bodyPr wrap="none" lIns="50800" tIns="50800" rIns="50800" bIns="50800" anchor="ctr">
-            <a:spAutoFit/>
-          </a:bodyPr>
-          <a:lstStyle>
-            <a:lvl1pPr>
-              <a:defRPr sz="3000">
-                <a:latin typeface="Gill Sans MT"/>
-                <a:ea typeface="Gill Sans MT"/>
-                <a:cs typeface="Gill Sans MT"/>
-                <a:sym typeface="Gill Sans MT"/>
-              </a:defRPr>
-            </a:lvl1pPr>
-          </a:lstStyle>
-          <a:p>
-            <a:pPr/>
-            <a:r>
-              <a:t>Fig: Representation for Union Find problem</a:t>
-            </a:r>
-          </a:p>
-        </p:txBody>
-      </p:sp>
-      <p:sp>
-        <p:nvSpPr>
-          <p:cNvPr id="197" name="The element at root of the Tree is the identify of group.…"/>
-          <p:cNvSpPr txBox="1"/>
-          <p:nvPr/>
-        </p:nvSpPr>
-        <p:spPr>
-          <a:xfrm>
-            <a:off x="112858" y="5235258"/>
-            <a:ext cx="9276488" cy="1435101"/>
-          </a:xfrm>
-          <a:prstGeom prst="rect">
-            <a:avLst/>
-          </a:prstGeom>
-          <a:ln w="12700">
-            <a:miter lim="400000"/>
-          </a:ln>
-          <a:extLst>
-            <a:ext uri="{C572A759-6A51-4108-AA02-DFA0A04FC94B}">
-              <ma14:wrappingTextBoxFlag xmlns:ma14="http://schemas.microsoft.com/office/mac/drawingml/2011/main" val="1"/>
-            </a:ext>
-          </a:extLst>
-        </p:spPr>
-        <p:txBody>
-          <a:bodyPr lIns="50800" tIns="50800" rIns="50800" bIns="50800" anchor="ctr">
-            <a:spAutoFit/>
-          </a:bodyPr>
-          <a:lstStyle/>
-          <a:p>
-            <a:pPr marL="382886" indent="-302558">
-              <a:buSzPct val="100000"/>
-              <a:buChar char="•"/>
-              <a:defRPr sz="3000">
-                <a:latin typeface="Gill Sans MT"/>
-                <a:ea typeface="Gill Sans MT"/>
-                <a:cs typeface="Gill Sans MT"/>
-                <a:sym typeface="Gill Sans MT"/>
-              </a:defRPr>
-            </a:pPr>
-            <a:r>
-              <a:t>The element at root of the Tree is the identify of group.</a:t>
-            </a:r>
-          </a:p>
-          <a:p>
-            <a:pPr marL="382886" indent="-302558">
-              <a:buSzPct val="100000"/>
-              <a:buChar char="•"/>
-              <a:defRPr sz="3000">
-                <a:latin typeface="Gill Sans MT"/>
-                <a:ea typeface="Gill Sans MT"/>
-                <a:cs typeface="Gill Sans MT"/>
-                <a:sym typeface="Gill Sans MT"/>
-              </a:defRPr>
-            </a:pPr>
-            <a:r>
-              <a:t>To find the group of an element, follow the path till the root of the tree.</a:t>
-            </a:r>
-          </a:p>
-        </p:txBody>
-      </p:sp>
-    </p:spTree>
-  </p:cSld>
-  <p:clrMapOvr>
-    <a:masterClrMapping/>
-  </p:clrMapOvr>
-  <p:transition xmlns:p14="http://schemas.microsoft.com/office/powerpoint/2010/main" spd="med" advClick="1"/>
-</p:sld>
-</file>
-
-<file path=ppt/slides/slide22.xml><?xml version="1.0" encoding="utf-8"?>
-<p:sld xmlns:a="http://schemas.openxmlformats.org/drawingml/2006/main" xmlns:r="http://schemas.openxmlformats.org/officeDocument/2006/relationships" xmlns:p="http://schemas.openxmlformats.org/presentationml/2006/main" xmlns:m="http://schemas.openxmlformats.org/officeDocument/2006/math" xmlns:a14="http://schemas.microsoft.com/office/drawing/2010/main" showMasterSp="1" showMasterPhAnim="1">
-  <p:cSld>
-    <p:spTree>
-      <p:nvGrpSpPr>
-        <p:cNvPr id="1" name=""/>
-        <p:cNvGrpSpPr/>
-        <p:nvPr/>
-      </p:nvGrpSpPr>
-      <p:grpSpPr>
-        <a:xfrm>
-          <a:off x="0" y="0"/>
-          <a:ext cx="0" cy="0"/>
-          <a:chOff x="0" y="0"/>
-          <a:chExt cx="0" cy="0"/>
-        </a:xfrm>
-      </p:grpSpPr>
-      <p:sp>
-        <p:nvSpPr>
-          <p:cNvPr id="199" name="Union-Find Approach: Improved"/>
-          <p:cNvSpPr txBox="1"/>
-          <p:nvPr>
-            <p:ph type="title"/>
-          </p:nvPr>
-        </p:nvSpPr>
-        <p:spPr>
-          <a:prstGeom prst="rect">
-            <a:avLst/>
-          </a:prstGeom>
-        </p:spPr>
-        <p:txBody>
-          <a:bodyPr/>
-          <a:lstStyle/>
-          <a:p>
-            <a:pPr/>
-            <a:r>
-              <a:t>Union-Find Approach: Improved</a:t>
-            </a:r>
-          </a:p>
-        </p:txBody>
-      </p:sp>
-      <p:sp>
-        <p:nvSpPr>
-          <p:cNvPr id="200" name="Slide Number"/>
-          <p:cNvSpPr txBox="1"/>
-          <p:nvPr>
-            <p:ph type="sldNum" sz="quarter" idx="2"/>
-          </p:nvPr>
-        </p:nvSpPr>
-        <p:spPr>
-          <a:prstGeom prst="rect">
-            <a:avLst/>
-          </a:prstGeom>
-          <a:extLst>
-            <a:ext uri="{C572A759-6A51-4108-AA02-DFA0A04FC94B}">
-              <ma14:wrappingTextBoxFlag xmlns:ma14="http://schemas.microsoft.com/office/mac/drawingml/2011/main" val="1"/>
-            </a:ext>
-          </a:extLst>
-        </p:spPr>
-        <p:txBody>
-          <a:bodyPr/>
-          <a:lstStyle/>
-          <a:p>
-            <a:pPr/>
-            <a:fld id="{86CB4B4D-7CA3-9044-876B-883B54F8677D}" type="slidenum"/>
-          </a:p>
-        </p:txBody>
-      </p:sp>
-      <p:sp>
-        <p:nvSpPr>
-          <p:cNvPr id="201" name="DAA/Greedy Algorithms"/>
-          <p:cNvSpPr txBox="1"/>
-          <p:nvPr/>
-        </p:nvSpPr>
-        <p:spPr>
-          <a:xfrm>
-            <a:off x="423212" y="6963885"/>
-            <a:ext cx="3244911" cy="431552"/>
-          </a:xfrm>
-          <a:prstGeom prst="rect">
-            <a:avLst/>
-          </a:prstGeom>
-          <a:ln w="12700">
-            <a:miter lim="400000"/>
-          </a:ln>
-          <a:extLst>
-            <a:ext uri="{C572A759-6A51-4108-AA02-DFA0A04FC94B}">
-              <ma14:wrappingTextBoxFlag xmlns:ma14="http://schemas.microsoft.com/office/mac/drawingml/2011/main" val="1"/>
-            </a:ext>
-          </a:extLst>
-        </p:spPr>
-        <p:txBody>
-          <a:bodyPr wrap="none" lIns="50800" tIns="50800" rIns="50800" bIns="50800" anchor="ctr">
-            <a:spAutoFit/>
-          </a:bodyPr>
-          <a:lstStyle>
-            <a:lvl1pPr>
-              <a:defRPr sz="2400"/>
-            </a:lvl1pPr>
-          </a:lstStyle>
-          <a:p>
-            <a:pPr/>
-            <a:r>
-              <a:t>DAA/Greedy Algorithms</a:t>
-            </a:r>
-          </a:p>
-        </p:txBody>
-      </p:sp>
-      <p:sp>
-        <p:nvSpPr>
-          <p:cNvPr id="202" name="RPR/"/>
-          <p:cNvSpPr txBox="1"/>
-          <p:nvPr/>
-        </p:nvSpPr>
-        <p:spPr>
-          <a:xfrm>
-            <a:off x="7535212" y="6988206"/>
-            <a:ext cx="705605" cy="382910"/>
-          </a:xfrm>
-          <a:prstGeom prst="rect">
-            <a:avLst/>
-          </a:prstGeom>
-          <a:ln w="12700">
-            <a:miter lim="400000"/>
-          </a:ln>
-          <a:extLst>
-            <a:ext uri="{C572A759-6A51-4108-AA02-DFA0A04FC94B}">
-              <ma14:wrappingTextBoxFlag xmlns:ma14="http://schemas.microsoft.com/office/mac/drawingml/2011/main" val="1"/>
-            </a:ext>
-          </a:extLst>
-        </p:spPr>
-        <p:txBody>
-          <a:bodyPr wrap="none" lIns="50800" tIns="50800" rIns="50800" bIns="50800" anchor="ctr">
-            <a:spAutoFit/>
-          </a:bodyPr>
-          <a:lstStyle>
-            <a:lvl1pPr>
-              <a:defRPr sz="2000"/>
-            </a:lvl1pPr>
-          </a:lstStyle>
-          <a:p>
-            <a:pPr/>
-            <a:r>
-              <a:t>RPR/</a:t>
-            </a:r>
-          </a:p>
-        </p:txBody>
-      </p:sp>
-      <p:grpSp>
-        <p:nvGrpSpPr>
-          <p:cNvPr id="205" name="Group"/>
-          <p:cNvGrpSpPr/>
-          <p:nvPr/>
-        </p:nvGrpSpPr>
-        <p:grpSpPr>
-          <a:xfrm>
-            <a:off x="709363" y="1040526"/>
-            <a:ext cx="1351372" cy="499234"/>
-            <a:chOff x="0" y="0"/>
-            <a:chExt cx="1351370" cy="499232"/>
-          </a:xfrm>
-        </p:grpSpPr>
-        <p:sp>
-          <p:nvSpPr>
-            <p:cNvPr id="203" name="Nil"/>
-            <p:cNvSpPr/>
-            <p:nvPr/>
-          </p:nvSpPr>
-          <p:spPr>
-            <a:xfrm>
-              <a:off x="671166" y="0"/>
-              <a:ext cx="680205" cy="499233"/>
-            </a:xfrm>
-            <a:prstGeom prst="rect">
-              <a:avLst/>
-            </a:prstGeom>
-            <a:noFill/>
-            <a:ln w="25400" cap="flat">
-              <a:solidFill>
-                <a:srgbClr val="000000"/>
-              </a:solidFill>
-              <a:prstDash val="solid"/>
-              <a:round/>
-            </a:ln>
-            <a:effectLst/>
-            <a:extLst>
-              <a:ext uri="{C572A759-6A51-4108-AA02-DFA0A04FC94B}">
-                <ma14:wrappingTextBoxFlag xmlns:ma14="http://schemas.microsoft.com/office/mac/drawingml/2011/main" val="1"/>
-              </a:ext>
-            </a:extLst>
-          </p:spPr>
-          <p:txBody>
-            <a:bodyPr wrap="square" lIns="50800" tIns="50800" rIns="50800" bIns="50800" numCol="1" anchor="ctr">
-              <a:noAutofit/>
-            </a:bodyPr>
-            <a:lstStyle>
-              <a:lvl1pPr>
-                <a:defRPr sz="2000">
-                  <a:latin typeface="Courier New"/>
-                  <a:ea typeface="Courier New"/>
-                  <a:cs typeface="Courier New"/>
-                  <a:sym typeface="Courier New"/>
-                </a:defRPr>
-              </a:lvl1pPr>
-            </a:lstStyle>
-            <a:p>
-              <a:pPr/>
-              <a:r>
-                <a:t>Nil</a:t>
-              </a:r>
-            </a:p>
-          </p:txBody>
-        </p:sp>
-        <p:sp>
-          <p:nvSpPr>
-            <p:cNvPr id="204" name="A"/>
-            <p:cNvSpPr/>
-            <p:nvPr/>
-          </p:nvSpPr>
-          <p:spPr>
-            <a:xfrm>
-              <a:off x="0" y="0"/>
-              <a:ext cx="680205" cy="499233"/>
-            </a:xfrm>
-            <a:prstGeom prst="rect">
-              <a:avLst/>
-            </a:prstGeom>
-            <a:noFill/>
-            <a:ln w="25400" cap="flat">
-              <a:solidFill>
-                <a:srgbClr val="000000"/>
-              </a:solidFill>
-              <a:prstDash val="solid"/>
-              <a:round/>
-            </a:ln>
-            <a:effectLst/>
-            <a:extLst>
-              <a:ext uri="{C572A759-6A51-4108-AA02-DFA0A04FC94B}">
-                <ma14:wrappingTextBoxFlag xmlns:ma14="http://schemas.microsoft.com/office/mac/drawingml/2011/main" val="1"/>
-              </a:ext>
-            </a:extLst>
-          </p:spPr>
-          <p:txBody>
-            <a:bodyPr wrap="square" lIns="50800" tIns="50800" rIns="50800" bIns="50800" numCol="1" anchor="ctr">
-              <a:noAutofit/>
-            </a:bodyPr>
-            <a:lstStyle>
-              <a:lvl1pPr algn="ctr">
-                <a:defRPr sz="2800">
-                  <a:latin typeface="Gill Sans MT"/>
-                  <a:ea typeface="Gill Sans MT"/>
-                  <a:cs typeface="Gill Sans MT"/>
-                  <a:sym typeface="Gill Sans MT"/>
-                </a:defRPr>
-              </a:lvl1pPr>
-            </a:lstStyle>
-            <a:p>
-              <a:pPr/>
-              <a:r>
-                <a:t>A</a:t>
-              </a:r>
-            </a:p>
-          </p:txBody>
-        </p:sp>
-      </p:grpSp>
-      <p:sp>
-        <p:nvSpPr>
-          <p:cNvPr id="206" name="Rectangle"/>
-          <p:cNvSpPr/>
-          <p:nvPr/>
-        </p:nvSpPr>
-        <p:spPr>
-          <a:xfrm>
-            <a:off x="1380530" y="2049687"/>
-            <a:ext cx="680205" cy="499233"/>
-          </a:xfrm>
-          <a:prstGeom prst="rect">
-            <a:avLst/>
-          </a:prstGeom>
-          <a:ln w="25400">
-            <a:solidFill>
-              <a:srgbClr val="000000"/>
-            </a:solidFill>
-          </a:ln>
-        </p:spPr>
-        <p:txBody>
-          <a:bodyPr lIns="50800" tIns="50800" rIns="50800" bIns="50800" anchor="ctr"/>
-          <a:lstStyle/>
-          <a:p>
-            <a:pPr>
-              <a:defRPr sz="2000">
-                <a:latin typeface="Courier New"/>
-                <a:ea typeface="Courier New"/>
-                <a:cs typeface="Courier New"/>
-                <a:sym typeface="Courier New"/>
-              </a:defRPr>
-            </a:pPr>
-          </a:p>
-        </p:txBody>
-      </p:sp>
-      <p:sp>
-        <p:nvSpPr>
-          <p:cNvPr id="207" name="C"/>
-          <p:cNvSpPr/>
-          <p:nvPr/>
-        </p:nvSpPr>
-        <p:spPr>
-          <a:xfrm>
-            <a:off x="709363" y="2049687"/>
-            <a:ext cx="680205" cy="499233"/>
-          </a:xfrm>
-          <a:prstGeom prst="rect">
-            <a:avLst/>
-          </a:prstGeom>
-          <a:ln w="25400">
-            <a:solidFill>
-              <a:srgbClr val="000000"/>
-            </a:solidFill>
-          </a:ln>
-          <a:extLst>
-            <a:ext uri="{C572A759-6A51-4108-AA02-DFA0A04FC94B}">
-              <ma14:wrappingTextBoxFlag xmlns:ma14="http://schemas.microsoft.com/office/mac/drawingml/2011/main" val="1"/>
-            </a:ext>
-          </a:extLst>
-        </p:spPr>
-        <p:txBody>
-          <a:bodyPr lIns="50800" tIns="50800" rIns="50800" bIns="50800" anchor="ctr"/>
-          <a:lstStyle>
-            <a:lvl1pPr algn="ctr">
-              <a:defRPr sz="2800">
-                <a:latin typeface="Gill Sans MT"/>
-                <a:ea typeface="Gill Sans MT"/>
-                <a:cs typeface="Gill Sans MT"/>
-                <a:sym typeface="Gill Sans MT"/>
-              </a:defRPr>
-            </a:lvl1pPr>
-          </a:lstStyle>
-          <a:p>
-            <a:pPr/>
-            <a:r>
-              <a:t>C</a:t>
-            </a:r>
-          </a:p>
-        </p:txBody>
-      </p:sp>
-      <p:grpSp>
-        <p:nvGrpSpPr>
-          <p:cNvPr id="210" name="Group"/>
-          <p:cNvGrpSpPr/>
-          <p:nvPr/>
-        </p:nvGrpSpPr>
-        <p:grpSpPr>
-          <a:xfrm>
-            <a:off x="297580" y="3316629"/>
-            <a:ext cx="1351372" cy="499234"/>
-            <a:chOff x="0" y="0"/>
-            <a:chExt cx="1351370" cy="499232"/>
-          </a:xfrm>
-        </p:grpSpPr>
-        <p:sp>
-          <p:nvSpPr>
-            <p:cNvPr id="208" name="Rectangle"/>
-            <p:cNvSpPr/>
-            <p:nvPr/>
-          </p:nvSpPr>
-          <p:spPr>
-            <a:xfrm>
-              <a:off x="671166" y="0"/>
-              <a:ext cx="680205" cy="499233"/>
-            </a:xfrm>
-            <a:prstGeom prst="rect">
-              <a:avLst/>
-            </a:prstGeom>
-            <a:noFill/>
-            <a:ln w="25400" cap="flat">
-              <a:solidFill>
-                <a:srgbClr val="000000"/>
-              </a:solidFill>
-              <a:prstDash val="solid"/>
-              <a:round/>
-            </a:ln>
-            <a:effectLst/>
-          </p:spPr>
-          <p:txBody>
-            <a:bodyPr wrap="square" lIns="50800" tIns="50800" rIns="50800" bIns="50800" numCol="1" anchor="ctr">
-              <a:noAutofit/>
-            </a:bodyPr>
-            <a:lstStyle/>
-            <a:p>
-              <a:pPr>
-                <a:defRPr sz="2000">
-                  <a:latin typeface="Courier New"/>
-                  <a:ea typeface="Courier New"/>
-                  <a:cs typeface="Courier New"/>
-                  <a:sym typeface="Courier New"/>
-                </a:defRPr>
-              </a:pPr>
-            </a:p>
-          </p:txBody>
-        </p:sp>
-        <p:sp>
-          <p:nvSpPr>
-            <p:cNvPr id="209" name="D"/>
-            <p:cNvSpPr/>
-            <p:nvPr/>
-          </p:nvSpPr>
-          <p:spPr>
-            <a:xfrm>
-              <a:off x="0" y="0"/>
-              <a:ext cx="680205" cy="499233"/>
-            </a:xfrm>
-            <a:prstGeom prst="rect">
-              <a:avLst/>
-            </a:prstGeom>
-            <a:noFill/>
-            <a:ln w="25400" cap="flat">
-              <a:solidFill>
-                <a:srgbClr val="000000"/>
-              </a:solidFill>
-              <a:prstDash val="solid"/>
-              <a:round/>
-            </a:ln>
-            <a:effectLst/>
-            <a:extLst>
-              <a:ext uri="{C572A759-6A51-4108-AA02-DFA0A04FC94B}">
-                <ma14:wrappingTextBoxFlag xmlns:ma14="http://schemas.microsoft.com/office/mac/drawingml/2011/main" val="1"/>
-              </a:ext>
-            </a:extLst>
-          </p:spPr>
-          <p:txBody>
-            <a:bodyPr wrap="square" lIns="50800" tIns="50800" rIns="50800" bIns="50800" numCol="1" anchor="ctr">
-              <a:noAutofit/>
-            </a:bodyPr>
-            <a:lstStyle>
-              <a:lvl1pPr algn="ctr">
-                <a:defRPr sz="2800">
-                  <a:latin typeface="Gill Sans MT"/>
-                  <a:ea typeface="Gill Sans MT"/>
-                  <a:cs typeface="Gill Sans MT"/>
-                  <a:sym typeface="Gill Sans MT"/>
-                </a:defRPr>
-              </a:lvl1pPr>
-            </a:lstStyle>
-            <a:p>
-              <a:pPr/>
-              <a:r>
-                <a:t>D</a:t>
-              </a:r>
-            </a:p>
-          </p:txBody>
-        </p:sp>
-      </p:grpSp>
-      <p:grpSp>
-        <p:nvGrpSpPr>
-          <p:cNvPr id="213" name="Group"/>
-          <p:cNvGrpSpPr/>
-          <p:nvPr/>
-        </p:nvGrpSpPr>
-        <p:grpSpPr>
-          <a:xfrm>
-            <a:off x="2936381" y="1058362"/>
-            <a:ext cx="1351372" cy="499233"/>
-            <a:chOff x="0" y="0"/>
-            <a:chExt cx="1351370" cy="499232"/>
-          </a:xfrm>
-        </p:grpSpPr>
-        <p:sp>
-          <p:nvSpPr>
-            <p:cNvPr id="211" name="Nil"/>
-            <p:cNvSpPr/>
-            <p:nvPr/>
-          </p:nvSpPr>
-          <p:spPr>
-            <a:xfrm>
-              <a:off x="671166" y="0"/>
-              <a:ext cx="680205" cy="499233"/>
-            </a:xfrm>
-            <a:prstGeom prst="rect">
-              <a:avLst/>
-            </a:prstGeom>
-            <a:noFill/>
-            <a:ln w="25400" cap="flat">
-              <a:solidFill>
-                <a:srgbClr val="000000"/>
-              </a:solidFill>
-              <a:prstDash val="solid"/>
-              <a:round/>
-            </a:ln>
-            <a:effectLst/>
-            <a:extLst>
-              <a:ext uri="{C572A759-6A51-4108-AA02-DFA0A04FC94B}">
-                <ma14:wrappingTextBoxFlag xmlns:ma14="http://schemas.microsoft.com/office/mac/drawingml/2011/main" val="1"/>
-              </a:ext>
-            </a:extLst>
-          </p:spPr>
-          <p:txBody>
-            <a:bodyPr wrap="square" lIns="50800" tIns="50800" rIns="50800" bIns="50800" numCol="1" anchor="ctr">
-              <a:noAutofit/>
-            </a:bodyPr>
-            <a:lstStyle>
-              <a:lvl1pPr>
-                <a:defRPr sz="2000">
-                  <a:latin typeface="Courier New"/>
-                  <a:ea typeface="Courier New"/>
-                  <a:cs typeface="Courier New"/>
-                  <a:sym typeface="Courier New"/>
-                </a:defRPr>
-              </a:lvl1pPr>
-            </a:lstStyle>
-            <a:p>
-              <a:pPr/>
-              <a:r>
-                <a:t>Nil</a:t>
-              </a:r>
-            </a:p>
-          </p:txBody>
-        </p:sp>
-        <p:sp>
-          <p:nvSpPr>
-            <p:cNvPr id="212" name="B"/>
-            <p:cNvSpPr/>
-            <p:nvPr/>
-          </p:nvSpPr>
-          <p:spPr>
-            <a:xfrm>
-              <a:off x="0" y="0"/>
-              <a:ext cx="680205" cy="499233"/>
-            </a:xfrm>
-            <a:prstGeom prst="rect">
-              <a:avLst/>
-            </a:prstGeom>
-            <a:noFill/>
-            <a:ln w="25400" cap="flat">
-              <a:solidFill>
-                <a:srgbClr val="000000"/>
-              </a:solidFill>
-              <a:prstDash val="solid"/>
-              <a:round/>
-            </a:ln>
-            <a:effectLst/>
-            <a:extLst>
-              <a:ext uri="{C572A759-6A51-4108-AA02-DFA0A04FC94B}">
-                <ma14:wrappingTextBoxFlag xmlns:ma14="http://schemas.microsoft.com/office/mac/drawingml/2011/main" val="1"/>
-              </a:ext>
-            </a:extLst>
-          </p:spPr>
-          <p:txBody>
-            <a:bodyPr wrap="square" lIns="50800" tIns="50800" rIns="50800" bIns="50800" numCol="1" anchor="ctr">
-              <a:noAutofit/>
-            </a:bodyPr>
-            <a:lstStyle>
-              <a:lvl1pPr algn="ctr">
-                <a:defRPr sz="2800">
-                  <a:latin typeface="Gill Sans MT"/>
-                  <a:ea typeface="Gill Sans MT"/>
-                  <a:cs typeface="Gill Sans MT"/>
-                  <a:sym typeface="Gill Sans MT"/>
-                </a:defRPr>
-              </a:lvl1pPr>
-            </a:lstStyle>
-            <a:p>
-              <a:pPr/>
-              <a:r>
-                <a:t>B</a:t>
-              </a:r>
-            </a:p>
-          </p:txBody>
-        </p:sp>
-      </p:grpSp>
-      <p:grpSp>
-        <p:nvGrpSpPr>
-          <p:cNvPr id="216" name="Group"/>
-          <p:cNvGrpSpPr/>
-          <p:nvPr/>
-        </p:nvGrpSpPr>
-        <p:grpSpPr>
-          <a:xfrm>
-            <a:off x="2086783" y="3302850"/>
-            <a:ext cx="1351372" cy="499234"/>
-            <a:chOff x="0" y="0"/>
-            <a:chExt cx="1351370" cy="499232"/>
-          </a:xfrm>
-        </p:grpSpPr>
-        <p:sp>
-          <p:nvSpPr>
-            <p:cNvPr id="214" name="Rectangle"/>
-            <p:cNvSpPr/>
-            <p:nvPr/>
-          </p:nvSpPr>
-          <p:spPr>
-            <a:xfrm>
-              <a:off x="671166" y="0"/>
-              <a:ext cx="680205" cy="499233"/>
-            </a:xfrm>
-            <a:prstGeom prst="rect">
-              <a:avLst/>
-            </a:prstGeom>
-            <a:noFill/>
-            <a:ln w="25400" cap="flat">
-              <a:solidFill>
-                <a:srgbClr val="000000"/>
-              </a:solidFill>
-              <a:prstDash val="solid"/>
-              <a:round/>
-            </a:ln>
-            <a:effectLst/>
-          </p:spPr>
-          <p:txBody>
-            <a:bodyPr wrap="square" lIns="50800" tIns="50800" rIns="50800" bIns="50800" numCol="1" anchor="ctr">
-              <a:noAutofit/>
-            </a:bodyPr>
-            <a:lstStyle/>
-            <a:p>
-              <a:pPr>
-                <a:defRPr sz="2000">
-                  <a:latin typeface="Courier New"/>
-                  <a:ea typeface="Courier New"/>
-                  <a:cs typeface="Courier New"/>
-                  <a:sym typeface="Courier New"/>
-                </a:defRPr>
-              </a:pPr>
-            </a:p>
-          </p:txBody>
-        </p:sp>
-        <p:sp>
-          <p:nvSpPr>
-            <p:cNvPr id="215" name="E"/>
-            <p:cNvSpPr/>
-            <p:nvPr/>
-          </p:nvSpPr>
-          <p:spPr>
-            <a:xfrm>
-              <a:off x="0" y="0"/>
-              <a:ext cx="680205" cy="499233"/>
-            </a:xfrm>
-            <a:prstGeom prst="rect">
-              <a:avLst/>
-            </a:prstGeom>
-            <a:noFill/>
-            <a:ln w="25400" cap="flat">
-              <a:solidFill>
-                <a:srgbClr val="000000"/>
-              </a:solidFill>
-              <a:prstDash val="solid"/>
-              <a:round/>
-            </a:ln>
-            <a:effectLst/>
-            <a:extLst>
-              <a:ext uri="{C572A759-6A51-4108-AA02-DFA0A04FC94B}">
-                <ma14:wrappingTextBoxFlag xmlns:ma14="http://schemas.microsoft.com/office/mac/drawingml/2011/main" val="1"/>
-              </a:ext>
-            </a:extLst>
-          </p:spPr>
-          <p:txBody>
-            <a:bodyPr wrap="square" lIns="50800" tIns="50800" rIns="50800" bIns="50800" numCol="1" anchor="ctr">
-              <a:noAutofit/>
-            </a:bodyPr>
-            <a:lstStyle>
-              <a:lvl1pPr algn="ctr">
-                <a:defRPr sz="2800">
-                  <a:latin typeface="Gill Sans MT"/>
-                  <a:ea typeface="Gill Sans MT"/>
-                  <a:cs typeface="Gill Sans MT"/>
-                  <a:sym typeface="Gill Sans MT"/>
-                </a:defRPr>
-              </a:lvl1pPr>
-            </a:lstStyle>
-            <a:p>
-              <a:pPr/>
-              <a:r>
-                <a:t>E</a:t>
-              </a:r>
-            </a:p>
-          </p:txBody>
-        </p:sp>
-      </p:grpSp>
-      <p:grpSp>
-        <p:nvGrpSpPr>
-          <p:cNvPr id="219" name="Group"/>
-          <p:cNvGrpSpPr/>
-          <p:nvPr/>
-        </p:nvGrpSpPr>
-        <p:grpSpPr>
-          <a:xfrm>
-            <a:off x="2936381" y="2067522"/>
-            <a:ext cx="1351372" cy="499234"/>
-            <a:chOff x="0" y="0"/>
-            <a:chExt cx="1351370" cy="499232"/>
-          </a:xfrm>
-        </p:grpSpPr>
-        <p:sp>
-          <p:nvSpPr>
-            <p:cNvPr id="217" name="Rectangle"/>
-            <p:cNvSpPr/>
-            <p:nvPr/>
-          </p:nvSpPr>
-          <p:spPr>
-            <a:xfrm>
-              <a:off x="671166" y="0"/>
-              <a:ext cx="680205" cy="499233"/>
-            </a:xfrm>
-            <a:prstGeom prst="rect">
-              <a:avLst/>
-            </a:prstGeom>
-            <a:noFill/>
-            <a:ln w="25400" cap="flat">
-              <a:solidFill>
-                <a:srgbClr val="000000"/>
-              </a:solidFill>
-              <a:prstDash val="solid"/>
-              <a:round/>
-            </a:ln>
-            <a:effectLst/>
-          </p:spPr>
-          <p:txBody>
-            <a:bodyPr wrap="square" lIns="50800" tIns="50800" rIns="50800" bIns="50800" numCol="1" anchor="ctr">
-              <a:noAutofit/>
-            </a:bodyPr>
-            <a:lstStyle/>
-            <a:p>
-              <a:pPr>
-                <a:defRPr sz="2000">
-                  <a:latin typeface="Courier New"/>
-                  <a:ea typeface="Courier New"/>
-                  <a:cs typeface="Courier New"/>
-                  <a:sym typeface="Courier New"/>
-                </a:defRPr>
-              </a:pPr>
-            </a:p>
-          </p:txBody>
-        </p:sp>
-        <p:sp>
-          <p:nvSpPr>
-            <p:cNvPr id="218" name="F"/>
-            <p:cNvSpPr/>
-            <p:nvPr/>
-          </p:nvSpPr>
-          <p:spPr>
-            <a:xfrm>
-              <a:off x="0" y="0"/>
-              <a:ext cx="680205" cy="499233"/>
-            </a:xfrm>
-            <a:prstGeom prst="rect">
-              <a:avLst/>
-            </a:prstGeom>
-            <a:noFill/>
-            <a:ln w="25400" cap="flat">
-              <a:solidFill>
-                <a:srgbClr val="000000"/>
-              </a:solidFill>
-              <a:prstDash val="solid"/>
-              <a:round/>
-            </a:ln>
-            <a:effectLst/>
-            <a:extLst>
-              <a:ext uri="{C572A759-6A51-4108-AA02-DFA0A04FC94B}">
-                <ma14:wrappingTextBoxFlag xmlns:ma14="http://schemas.microsoft.com/office/mac/drawingml/2011/main" val="1"/>
-              </a:ext>
-            </a:extLst>
-          </p:spPr>
-          <p:txBody>
-            <a:bodyPr wrap="square" lIns="50800" tIns="50800" rIns="50800" bIns="50800" numCol="1" anchor="ctr">
-              <a:noAutofit/>
-            </a:bodyPr>
-            <a:lstStyle>
-              <a:lvl1pPr algn="ctr">
-                <a:defRPr sz="2800">
-                  <a:latin typeface="Gill Sans MT"/>
-                  <a:ea typeface="Gill Sans MT"/>
-                  <a:cs typeface="Gill Sans MT"/>
-                  <a:sym typeface="Gill Sans MT"/>
-                </a:defRPr>
-              </a:lvl1pPr>
-            </a:lstStyle>
-            <a:p>
-              <a:pPr/>
-              <a:r>
-                <a:t>F</a:t>
-              </a:r>
-            </a:p>
-          </p:txBody>
-        </p:sp>
-      </p:grpSp>
-      <p:sp>
-        <p:nvSpPr>
-          <p:cNvPr id="220" name="Line"/>
-          <p:cNvSpPr/>
-          <p:nvPr/>
-        </p:nvSpPr>
-        <p:spPr>
-          <a:xfrm flipV="1">
-            <a:off x="1720632" y="1517788"/>
-            <a:ext cx="1" cy="524634"/>
-          </a:xfrm>
-          <a:prstGeom prst="line">
-            <a:avLst/>
-          </a:prstGeom>
-          <a:ln w="38100">
-            <a:solidFill>
-              <a:srgbClr val="000000"/>
-            </a:solidFill>
-            <a:tailEnd type="triangle"/>
-          </a:ln>
-        </p:spPr>
-        <p:txBody>
-          <a:bodyPr lIns="0" tIns="0" rIns="0" bIns="0"/>
-          <a:lstStyle/>
-          <a:p>
-            <a:pPr/>
-          </a:p>
-        </p:txBody>
-      </p:sp>
-      <p:sp>
-        <p:nvSpPr>
-          <p:cNvPr id="221" name="Line"/>
-          <p:cNvSpPr/>
-          <p:nvPr/>
-        </p:nvSpPr>
-        <p:spPr>
-          <a:xfrm flipV="1">
-            <a:off x="1195922" y="2549331"/>
-            <a:ext cx="395147" cy="758082"/>
-          </a:xfrm>
-          <a:prstGeom prst="line">
-            <a:avLst/>
-          </a:prstGeom>
-          <a:ln w="38100">
-            <a:solidFill>
-              <a:srgbClr val="000000"/>
-            </a:solidFill>
-            <a:tailEnd type="triangle"/>
-          </a:ln>
-        </p:spPr>
-        <p:txBody>
-          <a:bodyPr lIns="0" tIns="0" rIns="0" bIns="0"/>
-          <a:lstStyle/>
-          <a:p>
-            <a:pPr/>
-          </a:p>
-        </p:txBody>
-      </p:sp>
-      <p:sp>
-        <p:nvSpPr>
-          <p:cNvPr id="222" name="Line"/>
-          <p:cNvSpPr/>
-          <p:nvPr/>
-        </p:nvSpPr>
-        <p:spPr>
-          <a:xfrm flipH="1" flipV="1">
-            <a:off x="1843874" y="2548792"/>
-            <a:ext cx="1188127" cy="750777"/>
-          </a:xfrm>
-          <a:prstGeom prst="line">
-            <a:avLst/>
-          </a:prstGeom>
-          <a:ln w="38100">
-            <a:solidFill>
-              <a:srgbClr val="000000"/>
-            </a:solidFill>
-            <a:tailEnd type="triangle"/>
-          </a:ln>
-        </p:spPr>
-        <p:txBody>
-          <a:bodyPr lIns="0" tIns="0" rIns="0" bIns="0"/>
-          <a:lstStyle/>
-          <a:p>
-            <a:pPr/>
-          </a:p>
-        </p:txBody>
-      </p:sp>
-      <p:grpSp>
-        <p:nvGrpSpPr>
-          <p:cNvPr id="225" name="Group"/>
-          <p:cNvGrpSpPr/>
-          <p:nvPr/>
-        </p:nvGrpSpPr>
-        <p:grpSpPr>
-          <a:xfrm>
-            <a:off x="6655132" y="1522752"/>
-            <a:ext cx="1351372" cy="499234"/>
-            <a:chOff x="0" y="0"/>
-            <a:chExt cx="1351370" cy="499232"/>
-          </a:xfrm>
-        </p:grpSpPr>
-        <p:sp>
-          <p:nvSpPr>
-            <p:cNvPr id="223" name="Nil"/>
-            <p:cNvSpPr/>
-            <p:nvPr/>
-          </p:nvSpPr>
-          <p:spPr>
-            <a:xfrm>
-              <a:off x="671166" y="0"/>
-              <a:ext cx="680205" cy="499233"/>
-            </a:xfrm>
-            <a:prstGeom prst="rect">
-              <a:avLst/>
-            </a:prstGeom>
-            <a:noFill/>
-            <a:ln w="25400" cap="flat">
-              <a:solidFill>
-                <a:srgbClr val="000000"/>
-              </a:solidFill>
-              <a:prstDash val="solid"/>
-              <a:round/>
-            </a:ln>
-            <a:effectLst/>
-            <a:extLst>
-              <a:ext uri="{C572A759-6A51-4108-AA02-DFA0A04FC94B}">
-                <ma14:wrappingTextBoxFlag xmlns:ma14="http://schemas.microsoft.com/office/mac/drawingml/2011/main" val="1"/>
-              </a:ext>
-            </a:extLst>
-          </p:spPr>
-          <p:txBody>
-            <a:bodyPr wrap="square" lIns="50800" tIns="50800" rIns="50800" bIns="50800" numCol="1" anchor="ctr">
-              <a:noAutofit/>
-            </a:bodyPr>
-            <a:lstStyle>
-              <a:lvl1pPr>
-                <a:defRPr sz="2000">
-                  <a:latin typeface="Courier New"/>
-                  <a:ea typeface="Courier New"/>
-                  <a:cs typeface="Courier New"/>
-                  <a:sym typeface="Courier New"/>
-                </a:defRPr>
-              </a:lvl1pPr>
-            </a:lstStyle>
-            <a:p>
-              <a:pPr/>
-              <a:r>
-                <a:t>Nil</a:t>
-              </a:r>
-            </a:p>
-          </p:txBody>
-        </p:sp>
-        <p:sp>
-          <p:nvSpPr>
-            <p:cNvPr id="224" name="G"/>
-            <p:cNvSpPr/>
-            <p:nvPr/>
-          </p:nvSpPr>
-          <p:spPr>
-            <a:xfrm>
-              <a:off x="0" y="0"/>
-              <a:ext cx="680205" cy="499233"/>
-            </a:xfrm>
-            <a:prstGeom prst="rect">
-              <a:avLst/>
-            </a:prstGeom>
-            <a:noFill/>
-            <a:ln w="25400" cap="flat">
-              <a:solidFill>
-                <a:srgbClr val="000000"/>
-              </a:solidFill>
-              <a:prstDash val="solid"/>
-              <a:round/>
-            </a:ln>
-            <a:effectLst/>
-            <a:extLst>
-              <a:ext uri="{C572A759-6A51-4108-AA02-DFA0A04FC94B}">
-                <ma14:wrappingTextBoxFlag xmlns:ma14="http://schemas.microsoft.com/office/mac/drawingml/2011/main" val="1"/>
-              </a:ext>
-            </a:extLst>
-          </p:spPr>
-          <p:txBody>
-            <a:bodyPr wrap="square" lIns="50800" tIns="50800" rIns="50800" bIns="50800" numCol="1" anchor="ctr">
-              <a:noAutofit/>
-            </a:bodyPr>
-            <a:lstStyle>
-              <a:lvl1pPr algn="ctr">
-                <a:defRPr sz="2800">
-                  <a:latin typeface="Gill Sans MT"/>
-                  <a:ea typeface="Gill Sans MT"/>
-                  <a:cs typeface="Gill Sans MT"/>
-                  <a:sym typeface="Gill Sans MT"/>
-                </a:defRPr>
-              </a:lvl1pPr>
-            </a:lstStyle>
-            <a:p>
-              <a:pPr/>
-              <a:r>
-                <a:t>G</a:t>
-              </a:r>
-            </a:p>
-          </p:txBody>
-        </p:sp>
-      </p:grpSp>
-      <p:sp>
-        <p:nvSpPr>
-          <p:cNvPr id="226" name="Line"/>
-          <p:cNvSpPr/>
-          <p:nvPr/>
-        </p:nvSpPr>
-        <p:spPr>
-          <a:xfrm flipV="1">
-            <a:off x="3931021" y="1535624"/>
-            <a:ext cx="1" cy="524633"/>
-          </a:xfrm>
-          <a:prstGeom prst="line">
-            <a:avLst/>
-          </a:prstGeom>
-          <a:ln w="38100">
-            <a:solidFill>
-              <a:srgbClr val="000000"/>
-            </a:solidFill>
-            <a:tailEnd type="triangle"/>
-          </a:ln>
-        </p:spPr>
-        <p:txBody>
-          <a:bodyPr lIns="0" tIns="0" rIns="0" bIns="0"/>
-          <a:lstStyle/>
-          <a:p>
-            <a:pPr/>
-          </a:p>
-        </p:txBody>
-      </p:sp>
-      <p:sp>
-        <p:nvSpPr>
-          <p:cNvPr id="227" name="Union(A,B) operation…"/>
-          <p:cNvSpPr txBox="1"/>
-          <p:nvPr/>
-        </p:nvSpPr>
-        <p:spPr>
-          <a:xfrm>
-            <a:off x="1173728" y="3501609"/>
-            <a:ext cx="8636001" cy="3276885"/>
-          </a:xfrm>
-          <a:prstGeom prst="rect">
-            <a:avLst/>
-          </a:prstGeom>
-          <a:ln w="12700">
-            <a:miter lim="400000"/>
-          </a:ln>
-          <a:extLst>
-            <a:ext uri="{C572A759-6A51-4108-AA02-DFA0A04FC94B}">
-              <ma14:wrappingTextBoxFlag xmlns:ma14="http://schemas.microsoft.com/office/mac/drawingml/2011/main" val="1"/>
-            </a:ext>
-          </a:extLst>
-        </p:spPr>
-        <p:txBody>
-          <a:bodyPr lIns="50800" tIns="50800" rIns="50800" bIns="50800" anchor="ctr">
-            <a:spAutoFit/>
-          </a:bodyPr>
-          <a:lstStyle/>
-          <a:p>
-            <a:pPr algn="ctr">
-              <a:lnSpc>
-                <a:spcPct val="90000"/>
-              </a:lnSpc>
-              <a:defRPr sz="2900">
-                <a:latin typeface="Gill Sans MT"/>
-                <a:ea typeface="Gill Sans MT"/>
-                <a:cs typeface="Gill Sans MT"/>
-                <a:sym typeface="Gill Sans MT"/>
-              </a:defRPr>
-            </a:pPr>
-            <a:r>
-              <a:rPr>
-                <a:latin typeface="Courier New"/>
-                <a:ea typeface="Courier New"/>
-                <a:cs typeface="Courier New"/>
-                <a:sym typeface="Courier New"/>
-              </a:rPr>
-              <a:t>Union(A,B)</a:t>
-            </a:r>
-            <a:r>
-              <a:t> operation</a:t>
-            </a:r>
-          </a:p>
-          <a:p>
-            <a:pPr lvl="1" marL="703818" indent="-267890">
-              <a:lnSpc>
-                <a:spcPct val="90000"/>
-              </a:lnSpc>
-              <a:buSzPct val="100000"/>
-              <a:buChar char="•"/>
-              <a:defRPr sz="2900">
-                <a:latin typeface="Gill Sans MT"/>
-                <a:ea typeface="Gill Sans MT"/>
-                <a:cs typeface="Gill Sans MT"/>
-                <a:sym typeface="Gill Sans MT"/>
-              </a:defRPr>
-            </a:pPr>
-            <a:r>
-              <a:t>Take the tree with smaller number of nodes to point to root of the tree of larger number of nodes.</a:t>
-            </a:r>
-          </a:p>
-          <a:p>
-            <a:pPr lvl="1" marL="703818" indent="-267890">
-              <a:lnSpc>
-                <a:spcPct val="90000"/>
-              </a:lnSpc>
-              <a:buSzPct val="100000"/>
-              <a:buChar char="•"/>
-              <a:defRPr sz="2900">
-                <a:latin typeface="Gill Sans MT"/>
-                <a:ea typeface="Gill Sans MT"/>
-                <a:cs typeface="Gill Sans MT"/>
-                <a:sym typeface="Gill Sans MT"/>
-              </a:defRPr>
-            </a:pPr>
-            <a:r>
-              <a:t>This requires storing the number of elements in the tree at the root as well.</a:t>
-            </a:r>
-          </a:p>
-          <a:p>
-            <a:pPr lvl="1" marL="703818" indent="-267890">
-              <a:lnSpc>
-                <a:spcPct val="90000"/>
-              </a:lnSpc>
-              <a:buSzPct val="100000"/>
-              <a:buChar char="•"/>
-              <a:defRPr sz="2900">
-                <a:latin typeface="Gill Sans MT"/>
-                <a:ea typeface="Gill Sans MT"/>
-                <a:cs typeface="Gill Sans MT"/>
-                <a:sym typeface="Gill Sans MT"/>
-              </a:defRPr>
-            </a:pPr>
-            <a:r>
-              <a:t>On Union operation, update the pointer of smaller tree and count at the larger tree.</a:t>
-            </a:r>
-          </a:p>
-          <a:p>
-            <a:pPr lvl="2" marL="1121727" indent="-228600">
-              <a:lnSpc>
-                <a:spcPct val="90000"/>
-              </a:lnSpc>
-              <a:buSzPct val="100000"/>
-              <a:buChar char="•"/>
-              <a:defRPr sz="2900">
-                <a:latin typeface="Gill Sans MT"/>
-                <a:ea typeface="Gill Sans MT"/>
-                <a:cs typeface="Gill Sans MT"/>
-                <a:sym typeface="Gill Sans MT"/>
-              </a:defRPr>
-            </a:pPr>
-            <a:r>
-              <a:t>Break the tie arbitrarily</a:t>
-            </a:r>
-          </a:p>
-        </p:txBody>
-      </p:sp>
-    </p:spTree>
-  </p:cSld>
-  <p:clrMapOvr>
-    <a:masterClrMapping/>
-  </p:clrMapOvr>
-  <p:transition xmlns:p14="http://schemas.microsoft.com/office/powerpoint/2010/main" spd="med" advClick="1"/>
-  <p:timing>
-    <p:tnLst>
-      <p:par>
-        <p:cTn id="1" nodeType="tmRoot" restart="never" dur="indefinite" fill="hold">
-          <p:childTnLst>
-            <p:seq concurrent="1" prevAc="none" nextAc="seek">
-              <p:cTn id="2" nodeType="mainSeq" dur="indefinite" fill="hold">
-                <p:childTnLst>
-                  <p:par>
-                    <p:cTn id="3" fill="hold">
-                      <p:stCondLst>
-                        <p:cond delay="indefinite"/>
-                      </p:stCondLst>
-                      <p:childTnLst>
-                        <p:par>
-                          <p:cTn id="4" fill="hold">
-                            <p:stCondLst>
-                              <p:cond delay="0"/>
-                            </p:stCondLst>
-                            <p:childTnLst>
-                              <p:par>
-                                <p:cTn id="5" presetClass="entr" nodeType="clickEffect" presetSubtype="0" presetID="1" grpId="1" fill="hold">
-                                  <p:stCondLst>
-                                    <p:cond delay="0"/>
-                                  </p:stCondLst>
-                                  <p:iterate type="el" backwards="0">
-                                    <p:tmAbs val="0"/>
-                                  </p:iterate>
-                                  <p:childTnLst>
-                                    <p:set>
-                                      <p:cBhvr>
-                                        <p:cTn id="6" fill="hold"/>
-                                        <p:tgtEl>
-                                          <p:spTgt spid="227">
-                                            <p:bg/>
-                                          </p:spTgt>
-                                        </p:tgtEl>
-                                        <p:attrNameLst>
-                                          <p:attrName>style.visibility</p:attrName>
-                                        </p:attrNameLst>
-                                      </p:cBhvr>
-                                      <p:to>
-                                        <p:strVal val="visible"/>
-                                      </p:to>
-                                    </p:set>
-                                  </p:childTnLst>
-                                </p:cTn>
-                              </p:par>
-                              <p:par>
-                                <p:cTn id="7" presetClass="entr" nodeType="withEffect" presetSubtype="0" presetID="1" grpId="1" fill="hold">
-                                  <p:stCondLst>
-                                    <p:cond delay="0"/>
-                                  </p:stCondLst>
-                                  <p:iterate type="el" backwards="0">
-                                    <p:tmAbs val="0"/>
-                                  </p:iterate>
-                                  <p:childTnLst>
-                                    <p:set>
-                                      <p:cBhvr>
-                                        <p:cTn id="8" fill="hold"/>
-                                        <p:tgtEl>
-                                          <p:spTgt spid="227">
-                                            <p:txEl>
-                                              <p:pRg st="0" end="0"/>
-                                            </p:txEl>
-                                          </p:spTgt>
-                                        </p:tgtEl>
-                                        <p:attrNameLst>
-                                          <p:attrName>style.visibility</p:attrName>
-                                        </p:attrNameLst>
-                                      </p:cBhvr>
-                                      <p:to>
-                                        <p:strVal val="visible"/>
-                                      </p:to>
-                                    </p:set>
-                                  </p:childTnLst>
-                                </p:cTn>
-                              </p:par>
-                            </p:childTnLst>
-                          </p:cTn>
-                        </p:par>
-                      </p:childTnLst>
-                    </p:cTn>
-                  </p:par>
-                  <p:par>
-                    <p:cTn id="9" fill="hold">
-                      <p:stCondLst>
-                        <p:cond delay="indefinite"/>
-                      </p:stCondLst>
-                      <p:childTnLst>
-                        <p:par>
-                          <p:cTn id="10" fill="hold">
-                            <p:stCondLst>
-                              <p:cond delay="0"/>
-                            </p:stCondLst>
-                            <p:childTnLst>
-                              <p:par>
-                                <p:cTn id="11" presetClass="entr" nodeType="clickEffect" presetSubtype="0" presetID="1" grpId="1" fill="hold">
-                                  <p:stCondLst>
-                                    <p:cond delay="0"/>
-                                  </p:stCondLst>
-                                  <p:iterate type="el" backwards="0">
-                                    <p:tmAbs val="0"/>
-                                  </p:iterate>
-                                  <p:childTnLst>
-                                    <p:set>
-                                      <p:cBhvr>
-                                        <p:cTn id="12" fill="hold"/>
-                                        <p:tgtEl>
-                                          <p:spTgt spid="227">
-                                            <p:txEl>
-                                              <p:pRg st="1" end="1"/>
-                                            </p:txEl>
-                                          </p:spTgt>
-                                        </p:tgtEl>
-                                        <p:attrNameLst>
-                                          <p:attrName>style.visibility</p:attrName>
-                                        </p:attrNameLst>
-                                      </p:cBhvr>
-                                      <p:to>
-                                        <p:strVal val="visible"/>
-                                      </p:to>
-                                    </p:set>
-                                  </p:childTnLst>
-                                </p:cTn>
-                              </p:par>
-                            </p:childTnLst>
-                          </p:cTn>
-                        </p:par>
-                      </p:childTnLst>
-                    </p:cTn>
-                  </p:par>
-                  <p:par>
-                    <p:cTn id="13" fill="hold">
-                      <p:stCondLst>
-                        <p:cond delay="indefinite"/>
-                      </p:stCondLst>
-                      <p:childTnLst>
-                        <p:par>
-                          <p:cTn id="14" fill="hold">
-                            <p:stCondLst>
-                              <p:cond delay="0"/>
-                            </p:stCondLst>
-                            <p:childTnLst>
-                              <p:par>
-                                <p:cTn id="15" presetClass="entr" nodeType="clickEffect" presetSubtype="0" presetID="1" grpId="1" fill="hold">
-                                  <p:stCondLst>
-                                    <p:cond delay="0"/>
-                                  </p:stCondLst>
-                                  <p:iterate type="el" backwards="0">
-                                    <p:tmAbs val="0"/>
-                                  </p:iterate>
-                                  <p:childTnLst>
-                                    <p:set>
-                                      <p:cBhvr>
-                                        <p:cTn id="16" fill="hold"/>
-                                        <p:tgtEl>
-                                          <p:spTgt spid="227">
-                                            <p:txEl>
-                                              <p:pRg st="2" end="2"/>
-                                            </p:txEl>
-                                          </p:spTgt>
-                                        </p:tgtEl>
-                                        <p:attrNameLst>
-                                          <p:attrName>style.visibility</p:attrName>
-                                        </p:attrNameLst>
-                                      </p:cBhvr>
-                                      <p:to>
-                                        <p:strVal val="visible"/>
-                                      </p:to>
-                                    </p:set>
-                                  </p:childTnLst>
-                                </p:cTn>
-                              </p:par>
-                            </p:childTnLst>
-                          </p:cTn>
-                        </p:par>
-                      </p:childTnLst>
-                    </p:cTn>
-                  </p:par>
-                  <p:par>
-                    <p:cTn id="17" fill="hold">
-                      <p:stCondLst>
-                        <p:cond delay="indefinite"/>
-                      </p:stCondLst>
-                      <p:childTnLst>
-                        <p:par>
-                          <p:cTn id="18" fill="hold">
-                            <p:stCondLst>
-                              <p:cond delay="0"/>
-                            </p:stCondLst>
-                            <p:childTnLst>
-                              <p:par>
-                                <p:cTn id="19" presetClass="entr" nodeType="clickEffect" presetSubtype="0" presetID="1" grpId="1" fill="hold">
-                                  <p:stCondLst>
-                                    <p:cond delay="0"/>
-                                  </p:stCondLst>
-                                  <p:iterate type="el" backwards="0">
-                                    <p:tmAbs val="0"/>
-                                  </p:iterate>
-                                  <p:childTnLst>
-                                    <p:set>
-                                      <p:cBhvr>
-                                        <p:cTn id="20" fill="hold"/>
-                                        <p:tgtEl>
-                                          <p:spTgt spid="227">
-                                            <p:txEl>
-                                              <p:pRg st="3" end="3"/>
-                                            </p:txEl>
-                                          </p:spTgt>
-                                        </p:tgtEl>
-                                        <p:attrNameLst>
-                                          <p:attrName>style.visibility</p:attrName>
-                                        </p:attrNameLst>
-                                      </p:cBhvr>
-                                      <p:to>
-                                        <p:strVal val="visible"/>
-                                      </p:to>
-                                    </p:set>
-                                  </p:childTnLst>
-                                </p:cTn>
-                              </p:par>
-                            </p:childTnLst>
-                          </p:cTn>
-                        </p:par>
-                      </p:childTnLst>
-                    </p:cTn>
-                  </p:par>
-                  <p:par>
-                    <p:cTn id="21" fill="hold">
-                      <p:stCondLst>
-                        <p:cond delay="indefinite"/>
-                      </p:stCondLst>
-                      <p:childTnLst>
-                        <p:par>
-                          <p:cTn id="22" fill="hold">
-                            <p:stCondLst>
-                              <p:cond delay="0"/>
-                            </p:stCondLst>
-                            <p:childTnLst>
-                              <p:par>
-                                <p:cTn id="23" presetClass="entr" nodeType="clickEffect" presetSubtype="0" presetID="1" grpId="1" fill="hold">
-                                  <p:stCondLst>
-                                    <p:cond delay="0"/>
-                                  </p:stCondLst>
-                                  <p:iterate type="el" backwards="0">
-                                    <p:tmAbs val="0"/>
-                                  </p:iterate>
-                                  <p:childTnLst>
-                                    <p:set>
-                                      <p:cBhvr>
-                                        <p:cTn id="24" fill="hold"/>
-                                        <p:tgtEl>
-                                          <p:spTgt spid="227">
-                                            <p:txEl>
-                                              <p:pRg st="4" end="4"/>
-                                            </p:txEl>
-                                          </p:spTgt>
-                                        </p:tgtEl>
-                                        <p:attrNameLst>
-                                          <p:attrName>style.visibility</p:attrName>
-                                        </p:attrNameLst>
-                                      </p:cBhvr>
-                                      <p:to>
-                                        <p:strVal val="visible"/>
-                                      </p:to>
-                                    </p:set>
-                                  </p:childTnLst>
-                                </p:cTn>
-                              </p:par>
-                            </p:childTnLst>
-                          </p:cTn>
-                        </p:par>
-                      </p:childTnLst>
-                    </p:cTn>
-                  </p:par>
-                </p:childTnLst>
-              </p:cTn>
-              <p:prevCondLst>
-                <p:cond evt="onPrev">
-                  <p:tgtEl>
-                    <p:sldTgt/>
-                  </p:tgtEl>
-                </p:cond>
-              </p:prevCondLst>
-              <p:nextCondLst>
-                <p:cond evt="onNext">
-                  <p:tgtEl>
-                    <p:sldTgt/>
-                  </p:tgtEl>
-                </p:cond>
-              </p:nextCondLst>
-            </p:seq>
-          </p:childTnLst>
-        </p:cTn>
-      </p:par>
-    </p:tnLst>
-    <p:bldLst>
-      <p:bldP build="p" bldLvl="5" animBg="1" rev="0" advAuto="0" spid="227" grpId="1"/>
-    </p:bldLst>
-  </p:timing>
-</p:sld>
-</file>
-
-<file path=ppt/slides/slide23.xml><?xml version="1.0" encoding="utf-8"?>
-<p:sld xmlns:a="http://schemas.openxmlformats.org/drawingml/2006/main" xmlns:r="http://schemas.openxmlformats.org/officeDocument/2006/relationships" xmlns:p="http://schemas.openxmlformats.org/presentationml/2006/main" xmlns:m="http://schemas.openxmlformats.org/officeDocument/2006/math" xmlns:a14="http://schemas.microsoft.com/office/drawing/2010/main" showMasterSp="1" showMasterPhAnim="1">
-  <p:cSld>
-    <p:spTree>
-      <p:nvGrpSpPr>
-        <p:cNvPr id="1" name=""/>
-        <p:cNvGrpSpPr/>
-        <p:nvPr/>
-      </p:nvGrpSpPr>
-      <p:grpSpPr>
-        <a:xfrm>
-          <a:off x="0" y="0"/>
-          <a:ext cx="0" cy="0"/>
-          <a:chOff x="0" y="0"/>
-          <a:chExt cx="0" cy="0"/>
-        </a:xfrm>
-      </p:grpSpPr>
-      <p:sp>
-        <p:nvSpPr>
-          <p:cNvPr id="229" name="Union-Find Approach: Improved"/>
-          <p:cNvSpPr txBox="1"/>
-          <p:nvPr>
-            <p:ph type="title"/>
-          </p:nvPr>
-        </p:nvSpPr>
-        <p:spPr>
-          <a:prstGeom prst="rect">
-            <a:avLst/>
-          </a:prstGeom>
-        </p:spPr>
-        <p:txBody>
-          <a:bodyPr/>
-          <a:lstStyle/>
-          <a:p>
-            <a:pPr/>
-            <a:r>
-              <a:t>Union-Find Approach: Improved</a:t>
-            </a:r>
-          </a:p>
-        </p:txBody>
-      </p:sp>
-      <p:sp>
-        <p:nvSpPr>
-          <p:cNvPr id="230" name="Basic idea: Balance and collapse the tree…"/>
-          <p:cNvSpPr txBox="1"/>
-          <p:nvPr>
-            <p:ph type="body" idx="1"/>
-          </p:nvPr>
-        </p:nvSpPr>
-        <p:spPr>
-          <a:prstGeom prst="rect">
-            <a:avLst/>
-          </a:prstGeom>
-        </p:spPr>
-        <p:txBody>
-          <a:bodyPr/>
-          <a:lstStyle/>
-          <a:p>
-            <a:pPr marL="361156" indent="-321468">
-              <a:spcBef>
-                <a:spcPts val="500"/>
-              </a:spcBef>
-              <a:defRPr sz="3000"/>
-            </a:pPr>
-            <a:r>
-              <a:t>Basic idea: Balance and collapse the tree</a:t>
-            </a:r>
-          </a:p>
-          <a:p>
-            <a:pPr lvl="1">
-              <a:spcBef>
-                <a:spcPts val="500"/>
-              </a:spcBef>
-            </a:pPr>
-            <a:r>
-              <a:t>Union operation still takes </a:t>
-            </a:r>
-            <a:r>
-              <a:rPr>
-                <a:latin typeface="Courier New"/>
-                <a:ea typeface="Courier New"/>
-                <a:cs typeface="Courier New"/>
-                <a:sym typeface="Courier New"/>
-              </a:rPr>
-              <a:t>O(1)</a:t>
-            </a:r>
-            <a:r>
-              <a:t> time</a:t>
-            </a:r>
-          </a:p>
-          <a:p>
-            <a:pPr lvl="2" marL="1097416" indent="-244928">
-              <a:defRPr sz="3000"/>
-            </a:pPr>
-            <a:r>
-              <a:t>Changing the pointer </a:t>
-            </a:r>
-            <a:r>
-              <a:rPr>
-                <a:latin typeface="Courier New"/>
-                <a:ea typeface="Courier New"/>
-                <a:cs typeface="Courier New"/>
-                <a:sym typeface="Courier New"/>
-              </a:rPr>
-              <a:t>O(1)</a:t>
-            </a:r>
-            <a:r>
-              <a:t> time</a:t>
-            </a:r>
-          </a:p>
-          <a:p>
-            <a:pPr lvl="2" marL="1097416" indent="-244928">
-              <a:defRPr sz="3000"/>
-            </a:pPr>
-            <a:r>
-              <a:t>Updating the count </a:t>
-            </a:r>
-            <a:r>
-              <a:rPr>
-                <a:latin typeface="Courier New"/>
-                <a:ea typeface="Courier New"/>
-                <a:cs typeface="Courier New"/>
-                <a:sym typeface="Courier New"/>
-              </a:rPr>
-              <a:t>O(1)</a:t>
-            </a:r>
-            <a:r>
-              <a:t> time</a:t>
-            </a:r>
-          </a:p>
-          <a:p>
-            <a:pPr lvl="1">
-              <a:spcBef>
-                <a:spcPts val="500"/>
-              </a:spcBef>
-            </a:pPr>
-            <a:r>
-              <a:t>Thus, </a:t>
-            </a:r>
-            <a:r>
-              <a:rPr>
-                <a:latin typeface="Courier New"/>
-                <a:ea typeface="Courier New"/>
-                <a:cs typeface="Courier New"/>
-                <a:sym typeface="Courier New"/>
-              </a:rPr>
-              <a:t>O(1) + O(1) = O(1)</a:t>
-            </a:r>
-          </a:p>
-        </p:txBody>
-      </p:sp>
-      <p:sp>
-        <p:nvSpPr>
-          <p:cNvPr id="231" name="Slide Number"/>
-          <p:cNvSpPr txBox="1"/>
-          <p:nvPr>
-            <p:ph type="sldNum" sz="quarter" idx="2"/>
-          </p:nvPr>
-        </p:nvSpPr>
-        <p:spPr>
-          <a:prstGeom prst="rect">
-            <a:avLst/>
-          </a:prstGeom>
-          <a:extLst>
-            <a:ext uri="{C572A759-6A51-4108-AA02-DFA0A04FC94B}">
-              <ma14:wrappingTextBoxFlag xmlns:ma14="http://schemas.microsoft.com/office/mac/drawingml/2011/main" val="1"/>
-            </a:ext>
-          </a:extLst>
-        </p:spPr>
-        <p:txBody>
-          <a:bodyPr/>
-          <a:lstStyle/>
-          <a:p>
-            <a:pPr/>
-            <a:fld id="{86CB4B4D-7CA3-9044-876B-883B54F8677D}" type="slidenum"/>
-          </a:p>
-        </p:txBody>
-      </p:sp>
-      <p:sp>
-        <p:nvSpPr>
-          <p:cNvPr id="232" name="DAA/Greedy Algorithms"/>
-          <p:cNvSpPr txBox="1"/>
-          <p:nvPr/>
-        </p:nvSpPr>
-        <p:spPr>
-          <a:xfrm>
-            <a:off x="423212" y="6963885"/>
-            <a:ext cx="3244911" cy="431552"/>
-          </a:xfrm>
-          <a:prstGeom prst="rect">
-            <a:avLst/>
-          </a:prstGeom>
-          <a:ln w="12700">
-            <a:miter lim="400000"/>
-          </a:ln>
-          <a:extLst>
-            <a:ext uri="{C572A759-6A51-4108-AA02-DFA0A04FC94B}">
-              <ma14:wrappingTextBoxFlag xmlns:ma14="http://schemas.microsoft.com/office/mac/drawingml/2011/main" val="1"/>
-            </a:ext>
-          </a:extLst>
-        </p:spPr>
-        <p:txBody>
-          <a:bodyPr wrap="none" lIns="50800" tIns="50800" rIns="50800" bIns="50800" anchor="ctr">
-            <a:spAutoFit/>
-          </a:bodyPr>
-          <a:lstStyle>
-            <a:lvl1pPr>
-              <a:defRPr sz="2400"/>
-            </a:lvl1pPr>
-          </a:lstStyle>
-          <a:p>
-            <a:pPr/>
-            <a:r>
-              <a:t>DAA/Greedy Algorithms</a:t>
-            </a:r>
-          </a:p>
-        </p:txBody>
-      </p:sp>
-      <p:sp>
-        <p:nvSpPr>
-          <p:cNvPr id="233" name="RPR/"/>
-          <p:cNvSpPr txBox="1"/>
-          <p:nvPr/>
-        </p:nvSpPr>
-        <p:spPr>
-          <a:xfrm>
-            <a:off x="7535212" y="6988206"/>
-            <a:ext cx="705605" cy="382910"/>
-          </a:xfrm>
-          <a:prstGeom prst="rect">
-            <a:avLst/>
-          </a:prstGeom>
-          <a:ln w="12700">
-            <a:miter lim="400000"/>
-          </a:ln>
-          <a:extLst>
-            <a:ext uri="{C572A759-6A51-4108-AA02-DFA0A04FC94B}">
-              <ma14:wrappingTextBoxFlag xmlns:ma14="http://schemas.microsoft.com/office/mac/drawingml/2011/main" val="1"/>
-            </a:ext>
-          </a:extLst>
-        </p:spPr>
-        <p:txBody>
-          <a:bodyPr wrap="none" lIns="50800" tIns="50800" rIns="50800" bIns="50800" anchor="ctr">
-            <a:spAutoFit/>
-          </a:bodyPr>
-          <a:lstStyle>
-            <a:lvl1pPr>
-              <a:defRPr sz="2000"/>
-            </a:lvl1pPr>
-          </a:lstStyle>
-          <a:p>
-            <a:pPr/>
-            <a:r>
-              <a:t>RPR/</a:t>
-            </a:r>
-          </a:p>
-        </p:txBody>
-      </p:sp>
-    </p:spTree>
-  </p:cSld>
-  <p:clrMapOvr>
-    <a:masterClrMapping/>
-  </p:clrMapOvr>
-  <p:transition xmlns:p14="http://schemas.microsoft.com/office/powerpoint/2010/main" spd="med" advClick="1"/>
-  <p:timing>
-    <p:tnLst>
-      <p:par>
-        <p:cTn id="1" nodeType="tmRoot" restart="never" dur="indefinite" fill="hold">
-          <p:childTnLst>
-            <p:seq concurrent="1" prevAc="none" nextAc="seek">
-              <p:cTn id="2" nodeType="mainSeq" dur="indefinite" fill="hold">
-                <p:childTnLst>
-                  <p:par>
-                    <p:cTn id="3" fill="hold">
-                      <p:stCondLst>
-                        <p:cond delay="indefinite"/>
-                      </p:stCondLst>
-                      <p:childTnLst>
-                        <p:par>
-                          <p:cTn id="4" fill="hold">
-                            <p:stCondLst>
-                              <p:cond delay="0"/>
-                            </p:stCondLst>
-                            <p:childTnLst>
-                              <p:par>
-                                <p:cTn id="5" presetClass="entr" nodeType="clickEffect" presetSubtype="0" presetID="1" grpId="1" fill="hold">
-                                  <p:stCondLst>
-                                    <p:cond delay="0"/>
-                                  </p:stCondLst>
-                                  <p:iterate type="el" backwards="0">
-                                    <p:tmAbs val="0"/>
-                                  </p:iterate>
-                                  <p:childTnLst>
-                                    <p:set>
-                                      <p:cBhvr>
-                                        <p:cTn id="6" fill="hold"/>
-                                        <p:tgtEl>
-                                          <p:spTgt spid="230">
-                                            <p:bg/>
-                                          </p:spTgt>
-                                        </p:tgtEl>
-                                        <p:attrNameLst>
-                                          <p:attrName>style.visibility</p:attrName>
-                                        </p:attrNameLst>
-                                      </p:cBhvr>
-                                      <p:to>
-                                        <p:strVal val="visible"/>
-                                      </p:to>
-                                    </p:set>
-                                  </p:childTnLst>
-                                </p:cTn>
-                              </p:par>
-                              <p:par>
-                                <p:cTn id="7" presetClass="entr" nodeType="withEffect" presetSubtype="0" presetID="1" grpId="1" fill="hold">
-                                  <p:stCondLst>
-                                    <p:cond delay="0"/>
-                                  </p:stCondLst>
-                                  <p:iterate type="el" backwards="0">
-                                    <p:tmAbs val="0"/>
-                                  </p:iterate>
-                                  <p:childTnLst>
-                                    <p:set>
-                                      <p:cBhvr>
-                                        <p:cTn id="8" fill="hold"/>
-                                        <p:tgtEl>
-                                          <p:spTgt spid="230">
-                                            <p:txEl>
-                                              <p:pRg st="0" end="0"/>
-                                            </p:txEl>
-                                          </p:spTgt>
-                                        </p:tgtEl>
-                                        <p:attrNameLst>
-                                          <p:attrName>style.visibility</p:attrName>
-                                        </p:attrNameLst>
-                                      </p:cBhvr>
-                                      <p:to>
-                                        <p:strVal val="visible"/>
-                                      </p:to>
-                                    </p:set>
-                                  </p:childTnLst>
-                                </p:cTn>
-                              </p:par>
-                            </p:childTnLst>
-                          </p:cTn>
-                        </p:par>
-                      </p:childTnLst>
-                    </p:cTn>
-                  </p:par>
-                  <p:par>
-                    <p:cTn id="9" fill="hold">
-                      <p:stCondLst>
-                        <p:cond delay="indefinite"/>
-                      </p:stCondLst>
-                      <p:childTnLst>
-                        <p:par>
-                          <p:cTn id="10" fill="hold">
-                            <p:stCondLst>
-                              <p:cond delay="0"/>
-                            </p:stCondLst>
-                            <p:childTnLst>
-                              <p:par>
-                                <p:cTn id="11" presetClass="entr" nodeType="clickEffect" presetSubtype="0" presetID="1" grpId="1" fill="hold">
-                                  <p:stCondLst>
-                                    <p:cond delay="0"/>
-                                  </p:stCondLst>
-                                  <p:iterate type="el" backwards="0">
-                                    <p:tmAbs val="0"/>
-                                  </p:iterate>
-                                  <p:childTnLst>
-                                    <p:set>
-                                      <p:cBhvr>
-                                        <p:cTn id="12" fill="hold"/>
-                                        <p:tgtEl>
-                                          <p:spTgt spid="230">
-                                            <p:txEl>
-                                              <p:pRg st="1" end="1"/>
-                                            </p:txEl>
-                                          </p:spTgt>
-                                        </p:tgtEl>
-                                        <p:attrNameLst>
-                                          <p:attrName>style.visibility</p:attrName>
-                                        </p:attrNameLst>
-                                      </p:cBhvr>
-                                      <p:to>
-                                        <p:strVal val="visible"/>
-                                      </p:to>
-                                    </p:set>
-                                  </p:childTnLst>
-                                </p:cTn>
-                              </p:par>
-                            </p:childTnLst>
-                          </p:cTn>
-                        </p:par>
-                      </p:childTnLst>
-                    </p:cTn>
-                  </p:par>
-                  <p:par>
-                    <p:cTn id="13" fill="hold">
-                      <p:stCondLst>
-                        <p:cond delay="indefinite"/>
-                      </p:stCondLst>
-                      <p:childTnLst>
-                        <p:par>
-                          <p:cTn id="14" fill="hold">
-                            <p:stCondLst>
-                              <p:cond delay="0"/>
-                            </p:stCondLst>
-                            <p:childTnLst>
-                              <p:par>
-                                <p:cTn id="15" presetClass="entr" nodeType="clickEffect" presetSubtype="0" presetID="1" grpId="1" fill="hold">
-                                  <p:stCondLst>
-                                    <p:cond delay="0"/>
-                                  </p:stCondLst>
-                                  <p:iterate type="el" backwards="0">
-                                    <p:tmAbs val="0"/>
-                                  </p:iterate>
-                                  <p:childTnLst>
-                                    <p:set>
-                                      <p:cBhvr>
-                                        <p:cTn id="16" fill="hold"/>
-                                        <p:tgtEl>
-                                          <p:spTgt spid="230">
-                                            <p:txEl>
-                                              <p:pRg st="2" end="2"/>
-                                            </p:txEl>
-                                          </p:spTgt>
-                                        </p:tgtEl>
-                                        <p:attrNameLst>
-                                          <p:attrName>style.visibility</p:attrName>
-                                        </p:attrNameLst>
-                                      </p:cBhvr>
-                                      <p:to>
-                                        <p:strVal val="visible"/>
-                                      </p:to>
-                                    </p:set>
-                                  </p:childTnLst>
-                                </p:cTn>
-                              </p:par>
-                            </p:childTnLst>
-                          </p:cTn>
-                        </p:par>
-                      </p:childTnLst>
-                    </p:cTn>
-                  </p:par>
-                  <p:par>
-                    <p:cTn id="17" fill="hold">
-                      <p:stCondLst>
-                        <p:cond delay="indefinite"/>
-                      </p:stCondLst>
-                      <p:childTnLst>
-                        <p:par>
-                          <p:cTn id="18" fill="hold">
-                            <p:stCondLst>
-                              <p:cond delay="0"/>
-                            </p:stCondLst>
-                            <p:childTnLst>
-                              <p:par>
-                                <p:cTn id="19" presetClass="entr" nodeType="clickEffect" presetSubtype="0" presetID="1" grpId="1" fill="hold">
-                                  <p:stCondLst>
-                                    <p:cond delay="0"/>
-                                  </p:stCondLst>
-                                  <p:iterate type="el" backwards="0">
-                                    <p:tmAbs val="0"/>
-                                  </p:iterate>
-                                  <p:childTnLst>
-                                    <p:set>
-                                      <p:cBhvr>
-                                        <p:cTn id="20" fill="hold"/>
-                                        <p:tgtEl>
-                                          <p:spTgt spid="230">
-                                            <p:txEl>
-                                              <p:pRg st="3" end="3"/>
-                                            </p:txEl>
-                                          </p:spTgt>
-                                        </p:tgtEl>
-                                        <p:attrNameLst>
-                                          <p:attrName>style.visibility</p:attrName>
-                                        </p:attrNameLst>
-                                      </p:cBhvr>
-                                      <p:to>
-                                        <p:strVal val="visible"/>
-                                      </p:to>
-                                    </p:set>
-                                  </p:childTnLst>
-                                </p:cTn>
-                              </p:par>
-                            </p:childTnLst>
-                          </p:cTn>
-                        </p:par>
-                      </p:childTnLst>
-                    </p:cTn>
-                  </p:par>
-                  <p:par>
-                    <p:cTn id="21" fill="hold">
-                      <p:stCondLst>
-                        <p:cond delay="indefinite"/>
-                      </p:stCondLst>
-                      <p:childTnLst>
-                        <p:par>
-                          <p:cTn id="22" fill="hold">
-                            <p:stCondLst>
-                              <p:cond delay="0"/>
-                            </p:stCondLst>
-                            <p:childTnLst>
-                              <p:par>
-                                <p:cTn id="23" presetClass="entr" nodeType="clickEffect" presetSubtype="0" presetID="1" grpId="1" fill="hold">
-                                  <p:stCondLst>
-                                    <p:cond delay="0"/>
-                                  </p:stCondLst>
-                                  <p:iterate type="el" backwards="0">
-                                    <p:tmAbs val="0"/>
-                                  </p:iterate>
-                                  <p:childTnLst>
-                                    <p:set>
-                                      <p:cBhvr>
-                                        <p:cTn id="24" fill="hold"/>
-                                        <p:tgtEl>
-                                          <p:spTgt spid="230">
-                                            <p:txEl>
-                                              <p:pRg st="4" end="4"/>
-                                            </p:txEl>
-                                          </p:spTgt>
-                                        </p:tgtEl>
-                                        <p:attrNameLst>
-                                          <p:attrName>style.visibility</p:attrName>
-                                        </p:attrNameLst>
-                                      </p:cBhvr>
-                                      <p:to>
-                                        <p:strVal val="visible"/>
-                                      </p:to>
-                                    </p:set>
-                                  </p:childTnLst>
-                                </p:cTn>
-                              </p:par>
-                            </p:childTnLst>
-                          </p:cTn>
-                        </p:par>
-                      </p:childTnLst>
-                    </p:cTn>
-                  </p:par>
-                </p:childTnLst>
-              </p:cTn>
-              <p:prevCondLst>
-                <p:cond evt="onPrev">
-                  <p:tgtEl>
-                    <p:sldTgt/>
-                  </p:tgtEl>
-                </p:cond>
-              </p:prevCondLst>
-              <p:nextCondLst>
-                <p:cond evt="onNext">
-                  <p:tgtEl>
-                    <p:sldTgt/>
-                  </p:tgtEl>
-                </p:cond>
-              </p:nextCondLst>
-            </p:seq>
-          </p:childTnLst>
-        </p:cTn>
-      </p:par>
-    </p:tnLst>
-    <p:bldLst>
-      <p:bldP build="p" bldLvl="5" animBg="1" rev="0" advAuto="0" spid="230" grpId="1"/>
-    </p:bldLst>
-  </p:timing>
-</p:sld>
-</file>
-
-<file path=ppt/slides/slide24.xml><?xml version="1.0" encoding="utf-8"?>
-<p:sld xmlns:a="http://schemas.openxmlformats.org/drawingml/2006/main" xmlns:r="http://schemas.openxmlformats.org/officeDocument/2006/relationships" xmlns:p="http://schemas.openxmlformats.org/presentationml/2006/main" xmlns:m="http://schemas.openxmlformats.org/officeDocument/2006/math" xmlns:a14="http://schemas.microsoft.com/office/drawing/2010/main" showMasterSp="1" showMasterPhAnim="1">
-  <p:cSld>
-    <p:spTree>
-      <p:nvGrpSpPr>
-        <p:cNvPr id="1" name=""/>
-        <p:cNvGrpSpPr/>
-        <p:nvPr/>
-      </p:nvGrpSpPr>
-      <p:grpSpPr>
-        <a:xfrm>
-          <a:off x="0" y="0"/>
-          <a:ext cx="0" cy="0"/>
-          <a:chOff x="0" y="0"/>
-          <a:chExt cx="0" cy="0"/>
-        </a:xfrm>
-      </p:grpSpPr>
-      <p:sp>
-        <p:nvSpPr>
-          <p:cNvPr id="235" name="Union-Find Approach: Improved"/>
-          <p:cNvSpPr txBox="1"/>
-          <p:nvPr>
-            <p:ph type="title"/>
-          </p:nvPr>
-        </p:nvSpPr>
-        <p:spPr>
-          <a:prstGeom prst="rect">
-            <a:avLst/>
-          </a:prstGeom>
-        </p:spPr>
-        <p:txBody>
-          <a:bodyPr/>
-          <a:lstStyle/>
-          <a:p>
-            <a:pPr/>
-            <a:r>
-              <a:t>Union-Find Approach: Improved</a:t>
-            </a:r>
-          </a:p>
-        </p:txBody>
-      </p:sp>
-      <p:sp>
-        <p:nvSpPr>
-          <p:cNvPr id="236" name="Theorem: When balancing is used, the tree of height h will contain at least 2h nodes.…"/>
-          <p:cNvSpPr txBox="1"/>
-          <p:nvPr>
-            <p:ph type="body" idx="1"/>
-          </p:nvPr>
-        </p:nvSpPr>
-        <p:spPr>
-          <a:prstGeom prst="rect">
-            <a:avLst/>
-          </a:prstGeom>
-        </p:spPr>
-        <p:txBody>
-          <a:bodyPr/>
-          <a:lstStyle/>
-          <a:p>
-            <a:pPr marL="361156" indent="-321468">
-              <a:spcBef>
-                <a:spcPts val="300"/>
-              </a:spcBef>
-              <a:defRPr sz="3000"/>
-            </a:pPr>
-            <a:r>
-              <a:t>Theorem: When balancing is used, the tree of height </a:t>
-            </a:r>
-            <a:r>
-              <a:rPr>
-                <a:latin typeface="Courier New"/>
-                <a:ea typeface="Courier New"/>
-                <a:cs typeface="Courier New"/>
-                <a:sym typeface="Courier New"/>
-              </a:rPr>
-              <a:t>h</a:t>
-            </a:r>
-            <a:r>
-              <a:t> will contain at least </a:t>
-            </a:r>
-            <a:r>
-              <a:rPr>
-                <a:latin typeface="Courier New"/>
-                <a:ea typeface="Courier New"/>
-                <a:cs typeface="Courier New"/>
-                <a:sym typeface="Courier New"/>
-              </a:rPr>
-              <a:t>2</a:t>
-            </a:r>
-            <a:r>
-              <a:rPr baseline="31999">
-                <a:latin typeface="Courier New"/>
-                <a:ea typeface="Courier New"/>
-                <a:cs typeface="Courier New"/>
-                <a:sym typeface="Courier New"/>
-              </a:rPr>
-              <a:t>h</a:t>
-            </a:r>
-            <a:r>
-              <a:t> nodes.</a:t>
-            </a:r>
-          </a:p>
-          <a:p>
-            <a:pPr marL="361156" indent="-321468">
-              <a:spcBef>
-                <a:spcPts val="300"/>
-              </a:spcBef>
-              <a:defRPr sz="3000"/>
-            </a:pPr>
-            <a:r>
-              <a:t>Proof outline</a:t>
-            </a:r>
-          </a:p>
-          <a:p>
-            <a:pPr lvl="1">
-              <a:spcBef>
-                <a:spcPts val="300"/>
-              </a:spcBef>
-            </a:pPr>
-            <a:r>
-              <a:t>First union operation results in tree of height </a:t>
-            </a:r>
-            <a:r>
-              <a:rPr>
-                <a:latin typeface="Courier New"/>
-                <a:ea typeface="Courier New"/>
-                <a:cs typeface="Courier New"/>
-                <a:sym typeface="Courier New"/>
-              </a:rPr>
-              <a:t>1</a:t>
-            </a:r>
-            <a:r>
-              <a:rPr>
-                <a:latin typeface="Gill Sans MT"/>
-                <a:ea typeface="Gill Sans MT"/>
-                <a:cs typeface="Gill Sans MT"/>
-                <a:sym typeface="Gill Sans MT"/>
-              </a:rPr>
-              <a:t> with two elements.</a:t>
-            </a:r>
-          </a:p>
-          <a:p>
-            <a:pPr lvl="1">
-              <a:spcBef>
-                <a:spcPts val="300"/>
-              </a:spcBef>
-            </a:pPr>
-            <a:r>
-              <a:t>Consider A is height </a:t>
-            </a:r>
-            <a:r>
-              <a:rPr>
-                <a:latin typeface="Courier New"/>
-                <a:ea typeface="Courier New"/>
-                <a:cs typeface="Courier New"/>
-                <a:sym typeface="Courier New"/>
-              </a:rPr>
-              <a:t>h</a:t>
-            </a:r>
-            <a:r>
-              <a:rPr baseline="-5999">
-                <a:latin typeface="Courier New"/>
-                <a:ea typeface="Courier New"/>
-                <a:cs typeface="Courier New"/>
-                <a:sym typeface="Courier New"/>
-              </a:rPr>
-              <a:t>A</a:t>
-            </a:r>
-            <a:r>
-              <a:t> and B is of height </a:t>
-            </a:r>
-            <a:r>
-              <a:rPr>
-                <a:latin typeface="Courier New"/>
-                <a:ea typeface="Courier New"/>
-                <a:cs typeface="Courier New"/>
-                <a:sym typeface="Courier New"/>
-              </a:rPr>
-              <a:t>h</a:t>
-            </a:r>
-            <a:r>
-              <a:rPr baseline="-5999">
-                <a:latin typeface="Courier New"/>
-                <a:ea typeface="Courier New"/>
-                <a:cs typeface="Courier New"/>
-                <a:sym typeface="Courier New"/>
-              </a:rPr>
-              <a:t>B</a:t>
-            </a:r>
-            <a:r>
-              <a:t>. </a:t>
-            </a:r>
-          </a:p>
-          <a:p>
-            <a:pPr lvl="2" marL="1097416" indent="-244928">
-              <a:spcBef>
-                <a:spcPts val="300"/>
-              </a:spcBef>
-              <a:defRPr sz="3000"/>
-            </a:pPr>
-            <a:r>
-              <a:t>Let A is larger tree. Thus, on merging B, root of B points to root of A.</a:t>
-            </a:r>
-          </a:p>
-          <a:p>
-            <a:pPr lvl="2" marL="1097416" indent="-244928">
-              <a:spcBef>
-                <a:spcPts val="300"/>
-              </a:spcBef>
-              <a:defRPr sz="2900"/>
-            </a:pPr>
-            <a:r>
-              <a:t>If </a:t>
-            </a:r>
-            <a:r>
-              <a:rPr>
-                <a:latin typeface="Courier New"/>
-                <a:ea typeface="Courier New"/>
-                <a:cs typeface="Courier New"/>
-                <a:sym typeface="Courier New"/>
-              </a:rPr>
-              <a:t>h</a:t>
-            </a:r>
-            <a:r>
-              <a:rPr baseline="-5999">
-                <a:latin typeface="Courier New"/>
-                <a:ea typeface="Courier New"/>
-                <a:cs typeface="Courier New"/>
-                <a:sym typeface="Courier New"/>
-              </a:rPr>
-              <a:t>A</a:t>
-            </a:r>
-            <a:r>
-              <a:rPr>
-                <a:latin typeface="Courier New"/>
-                <a:ea typeface="Courier New"/>
-                <a:cs typeface="Courier New"/>
-                <a:sym typeface="Courier New"/>
-              </a:rPr>
-              <a:t>&gt;h</a:t>
-            </a:r>
-            <a:r>
-              <a:rPr baseline="-5999">
-                <a:latin typeface="Courier New"/>
-                <a:ea typeface="Courier New"/>
-                <a:cs typeface="Courier New"/>
-                <a:sym typeface="Courier New"/>
-              </a:rPr>
-              <a:t>B</a:t>
-            </a:r>
-            <a:r>
-              <a:rPr>
-                <a:latin typeface="Gill Sans MT"/>
-                <a:ea typeface="Gill Sans MT"/>
-                <a:cs typeface="Gill Sans MT"/>
-                <a:sym typeface="Gill Sans MT"/>
-              </a:rPr>
-              <a:t>, then A’s height remains </a:t>
-            </a:r>
-            <a:r>
-              <a:rPr>
-                <a:latin typeface="Courier New"/>
-                <a:ea typeface="Courier New"/>
-                <a:cs typeface="Courier New"/>
-                <a:sym typeface="Courier New"/>
-              </a:rPr>
-              <a:t>h</a:t>
-            </a:r>
-            <a:r>
-              <a:rPr baseline="-5999">
-                <a:latin typeface="Courier New"/>
-                <a:ea typeface="Courier New"/>
-                <a:cs typeface="Courier New"/>
-                <a:sym typeface="Courier New"/>
-              </a:rPr>
-              <a:t>A</a:t>
-            </a:r>
-            <a:r>
-              <a:rPr>
-                <a:latin typeface="Gill Sans MT"/>
-                <a:ea typeface="Gill Sans MT"/>
-                <a:cs typeface="Gill Sans MT"/>
-                <a:sym typeface="Gill Sans MT"/>
-              </a:rPr>
-              <a:t> i.e.</a:t>
-            </a:r>
-            <a:r>
-              <a:rPr baseline="-5999">
-                <a:latin typeface="Courier New"/>
-                <a:ea typeface="Courier New"/>
-                <a:cs typeface="Courier New"/>
-                <a:sym typeface="Courier New"/>
-              </a:rPr>
-              <a:t> </a:t>
-            </a:r>
-            <a:r>
-              <a:rPr>
-                <a:latin typeface="Gill Sans MT"/>
-                <a:ea typeface="Gill Sans MT"/>
-                <a:cs typeface="Gill Sans MT"/>
-                <a:sym typeface="Gill Sans MT"/>
-              </a:rPr>
-              <a:t>unchanged</a:t>
-            </a:r>
-            <a:endParaRPr>
-              <a:latin typeface="Gill Sans MT"/>
-              <a:ea typeface="Gill Sans MT"/>
-              <a:cs typeface="Gill Sans MT"/>
-              <a:sym typeface="Gill Sans MT"/>
-            </a:endParaRPr>
-          </a:p>
-          <a:p>
-            <a:pPr lvl="2" marL="1097416" indent="-244928">
-              <a:spcBef>
-                <a:spcPts val="300"/>
-              </a:spcBef>
-              <a:defRPr sz="3000"/>
-            </a:pPr>
-            <a:r>
-              <a:rPr>
-                <a:latin typeface="Gill Sans MT"/>
-                <a:ea typeface="Gill Sans MT"/>
-                <a:cs typeface="Gill Sans MT"/>
-                <a:sym typeface="Gill Sans MT"/>
-              </a:rPr>
-              <a:t>Otherwise, height of tree becomes </a:t>
-            </a:r>
-            <a:r>
-              <a:rPr>
-                <a:latin typeface="Courier New"/>
-                <a:ea typeface="Courier New"/>
-                <a:cs typeface="Courier New"/>
-                <a:sym typeface="Courier New"/>
-              </a:rPr>
-              <a:t>h</a:t>
-            </a:r>
-            <a:r>
-              <a:rPr baseline="-5999">
-                <a:latin typeface="Courier New"/>
-                <a:ea typeface="Courier New"/>
-                <a:cs typeface="Courier New"/>
-                <a:sym typeface="Courier New"/>
-              </a:rPr>
-              <a:t>B</a:t>
-            </a:r>
-            <a:r>
-              <a:rPr>
-                <a:latin typeface="Courier New"/>
-                <a:ea typeface="Courier New"/>
-                <a:cs typeface="Courier New"/>
-                <a:sym typeface="Courier New"/>
-              </a:rPr>
-              <a:t>+1</a:t>
-            </a:r>
-            <a:endParaRPr>
-              <a:latin typeface="Courier New"/>
-              <a:ea typeface="Courier New"/>
-              <a:cs typeface="Courier New"/>
-              <a:sym typeface="Courier New"/>
-            </a:endParaRPr>
-          </a:p>
-          <a:p>
-            <a:pPr lvl="2" marL="1097416" indent="-244928">
-              <a:spcBef>
-                <a:spcPts val="300"/>
-              </a:spcBef>
-              <a:defRPr sz="3000">
-                <a:latin typeface="Gill Sans MT"/>
-                <a:ea typeface="Gill Sans MT"/>
-                <a:cs typeface="Gill Sans MT"/>
-                <a:sym typeface="Gill Sans MT"/>
-              </a:defRPr>
-            </a:pPr>
-            <a:r>
-              <a:t>Thus, with increase in height of 1, the size of tree has at least doubled.</a:t>
-            </a:r>
-          </a:p>
-          <a:p>
-            <a:pPr marL="361156" indent="-321468">
-              <a:spcBef>
-                <a:spcPts val="300"/>
-              </a:spcBef>
-              <a:defRPr sz="3000">
-                <a:latin typeface="Gill Sans MT"/>
-                <a:ea typeface="Gill Sans MT"/>
-                <a:cs typeface="Gill Sans MT"/>
-                <a:sym typeface="Gill Sans MT"/>
-              </a:defRPr>
-            </a:pPr>
-            <a:r>
-              <a:t>Thus, time taken for a </a:t>
-            </a:r>
-            <a:r>
-              <a:rPr i="1" u="sng"/>
-              <a:t>Find(</a:t>
-            </a:r>
-            <a:r>
-              <a:rPr>
-                <a:latin typeface="Courier New"/>
-                <a:ea typeface="Courier New"/>
-                <a:cs typeface="Courier New"/>
-                <a:sym typeface="Courier New"/>
-              </a:rPr>
-              <a:t>X</a:t>
-            </a:r>
-            <a:r>
-              <a:t>) operation is </a:t>
-            </a:r>
-            <a:r>
-              <a:rPr>
-                <a:latin typeface="Courier New"/>
-                <a:ea typeface="Courier New"/>
-                <a:cs typeface="Courier New"/>
-                <a:sym typeface="Courier New"/>
-              </a:rPr>
-              <a:t>O(log</a:t>
-            </a:r>
-            <a:r>
-              <a:rPr baseline="-5999">
-                <a:latin typeface="Courier New"/>
-                <a:ea typeface="Courier New"/>
-                <a:cs typeface="Courier New"/>
-                <a:sym typeface="Courier New"/>
-              </a:rPr>
-              <a:t>2</a:t>
-            </a:r>
-            <a:r>
-              <a:rPr>
-                <a:latin typeface="Courier New"/>
-                <a:ea typeface="Courier New"/>
-                <a:cs typeface="Courier New"/>
-                <a:sym typeface="Courier New"/>
-              </a:rPr>
-              <a:t>n)</a:t>
-            </a:r>
-          </a:p>
-        </p:txBody>
-      </p:sp>
-      <p:sp>
-        <p:nvSpPr>
-          <p:cNvPr id="237" name="Slide Number"/>
-          <p:cNvSpPr txBox="1"/>
-          <p:nvPr>
-            <p:ph type="sldNum" sz="quarter" idx="2"/>
-          </p:nvPr>
-        </p:nvSpPr>
-        <p:spPr>
-          <a:prstGeom prst="rect">
-            <a:avLst/>
-          </a:prstGeom>
-          <a:extLst>
-            <a:ext uri="{C572A759-6A51-4108-AA02-DFA0A04FC94B}">
-              <ma14:wrappingTextBoxFlag xmlns:ma14="http://schemas.microsoft.com/office/mac/drawingml/2011/main" val="1"/>
-            </a:ext>
-          </a:extLst>
-        </p:spPr>
-        <p:txBody>
-          <a:bodyPr/>
-          <a:lstStyle/>
-          <a:p>
-            <a:pPr/>
-            <a:fld id="{86CB4B4D-7CA3-9044-876B-883B54F8677D}" type="slidenum"/>
-          </a:p>
-        </p:txBody>
-      </p:sp>
-      <p:sp>
-        <p:nvSpPr>
-          <p:cNvPr id="238" name="DAA/Greedy Algorithms"/>
-          <p:cNvSpPr txBox="1"/>
-          <p:nvPr/>
-        </p:nvSpPr>
-        <p:spPr>
-          <a:xfrm>
-            <a:off x="423212" y="6963885"/>
-            <a:ext cx="3244911" cy="431552"/>
-          </a:xfrm>
-          <a:prstGeom prst="rect">
-            <a:avLst/>
-          </a:prstGeom>
-          <a:ln w="12700">
-            <a:miter lim="400000"/>
-          </a:ln>
-          <a:extLst>
-            <a:ext uri="{C572A759-6A51-4108-AA02-DFA0A04FC94B}">
-              <ma14:wrappingTextBoxFlag xmlns:ma14="http://schemas.microsoft.com/office/mac/drawingml/2011/main" val="1"/>
-            </a:ext>
-          </a:extLst>
-        </p:spPr>
-        <p:txBody>
-          <a:bodyPr wrap="none" lIns="50800" tIns="50800" rIns="50800" bIns="50800" anchor="ctr">
-            <a:spAutoFit/>
-          </a:bodyPr>
-          <a:lstStyle>
-            <a:lvl1pPr>
-              <a:defRPr sz="2400"/>
-            </a:lvl1pPr>
-          </a:lstStyle>
-          <a:p>
-            <a:pPr/>
-            <a:r>
-              <a:t>DAA/Greedy Algorithms</a:t>
-            </a:r>
-          </a:p>
-        </p:txBody>
-      </p:sp>
-      <p:sp>
-        <p:nvSpPr>
-          <p:cNvPr id="239" name="RPR/"/>
-          <p:cNvSpPr txBox="1"/>
-          <p:nvPr/>
-        </p:nvSpPr>
-        <p:spPr>
-          <a:xfrm>
-            <a:off x="7535212" y="6988206"/>
-            <a:ext cx="705605" cy="382910"/>
-          </a:xfrm>
-          <a:prstGeom prst="rect">
-            <a:avLst/>
-          </a:prstGeom>
-          <a:ln w="12700">
-            <a:miter lim="400000"/>
-          </a:ln>
-          <a:extLst>
-            <a:ext uri="{C572A759-6A51-4108-AA02-DFA0A04FC94B}">
-              <ma14:wrappingTextBoxFlag xmlns:ma14="http://schemas.microsoft.com/office/mac/drawingml/2011/main" val="1"/>
-            </a:ext>
-          </a:extLst>
-        </p:spPr>
-        <p:txBody>
-          <a:bodyPr wrap="none" lIns="50800" tIns="50800" rIns="50800" bIns="50800" anchor="ctr">
-            <a:spAutoFit/>
-          </a:bodyPr>
-          <a:lstStyle>
-            <a:lvl1pPr>
-              <a:defRPr sz="2000"/>
-            </a:lvl1pPr>
-          </a:lstStyle>
-          <a:p>
-            <a:pPr/>
-            <a:r>
-              <a:t>RPR/</a:t>
-            </a:r>
-          </a:p>
-        </p:txBody>
-      </p:sp>
-    </p:spTree>
-  </p:cSld>
-  <p:clrMapOvr>
-    <a:masterClrMapping/>
-  </p:clrMapOvr>
-  <p:transition xmlns:p14="http://schemas.microsoft.com/office/powerpoint/2010/main" spd="med" advClick="1"/>
-  <p:timing>
-    <p:tnLst>
-      <p:par>
-        <p:cTn id="1" nodeType="tmRoot" restart="never" dur="indefinite" fill="hold">
-          <p:childTnLst>
-            <p:seq concurrent="1" prevAc="none" nextAc="seek">
-              <p:cTn id="2" nodeType="mainSeq" dur="indefinite" fill="hold">
-                <p:childTnLst>
-                  <p:par>
-                    <p:cTn id="3" fill="hold">
-                      <p:stCondLst>
-                        <p:cond delay="indefinite"/>
-                      </p:stCondLst>
-                      <p:childTnLst>
-                        <p:par>
-                          <p:cTn id="4" fill="hold">
-                            <p:stCondLst>
-                              <p:cond delay="0"/>
-                            </p:stCondLst>
-                            <p:childTnLst>
-                              <p:par>
-                                <p:cTn id="5" presetClass="entr" nodeType="clickEffect" presetSubtype="0" presetID="1" grpId="1" fill="hold">
-                                  <p:stCondLst>
-                                    <p:cond delay="0"/>
-                                  </p:stCondLst>
-                                  <p:iterate type="el" backwards="0">
-                                    <p:tmAbs val="0"/>
-                                  </p:iterate>
-                                  <p:childTnLst>
-                                    <p:set>
-                                      <p:cBhvr>
-                                        <p:cTn id="6" fill="hold"/>
-                                        <p:tgtEl>
-                                          <p:spTgt spid="236">
-                                            <p:bg/>
-                                          </p:spTgt>
-                                        </p:tgtEl>
-                                        <p:attrNameLst>
-                                          <p:attrName>style.visibility</p:attrName>
-                                        </p:attrNameLst>
-                                      </p:cBhvr>
-                                      <p:to>
-                                        <p:strVal val="visible"/>
-                                      </p:to>
-                                    </p:set>
-                                  </p:childTnLst>
-                                </p:cTn>
-                              </p:par>
-                              <p:par>
-                                <p:cTn id="7" presetClass="entr" nodeType="withEffect" presetSubtype="0" presetID="1" grpId="1" fill="hold">
-                                  <p:stCondLst>
-                                    <p:cond delay="0"/>
-                                  </p:stCondLst>
-                                  <p:iterate type="el" backwards="0">
-                                    <p:tmAbs val="0"/>
-                                  </p:iterate>
-                                  <p:childTnLst>
-                                    <p:set>
-                                      <p:cBhvr>
-                                        <p:cTn id="8" fill="hold"/>
-                                        <p:tgtEl>
-                                          <p:spTgt spid="236">
-                                            <p:txEl>
-                                              <p:pRg st="0" end="0"/>
-                                            </p:txEl>
-                                          </p:spTgt>
-                                        </p:tgtEl>
-                                        <p:attrNameLst>
-                                          <p:attrName>style.visibility</p:attrName>
-                                        </p:attrNameLst>
-                                      </p:cBhvr>
-                                      <p:to>
-                                        <p:strVal val="visible"/>
-                                      </p:to>
-                                    </p:set>
-                                  </p:childTnLst>
-                                </p:cTn>
-                              </p:par>
-                            </p:childTnLst>
-                          </p:cTn>
-                        </p:par>
-                      </p:childTnLst>
-                    </p:cTn>
-                  </p:par>
-                  <p:par>
-                    <p:cTn id="9" fill="hold">
-                      <p:stCondLst>
-                        <p:cond delay="indefinite"/>
-                      </p:stCondLst>
-                      <p:childTnLst>
-                        <p:par>
-                          <p:cTn id="10" fill="hold">
-                            <p:stCondLst>
-                              <p:cond delay="0"/>
-                            </p:stCondLst>
-                            <p:childTnLst>
-                              <p:par>
-                                <p:cTn id="11" presetClass="entr" nodeType="clickEffect" presetSubtype="0" presetID="1" grpId="1" fill="hold">
-                                  <p:stCondLst>
-                                    <p:cond delay="0"/>
-                                  </p:stCondLst>
-                                  <p:iterate type="el" backwards="0">
-                                    <p:tmAbs val="0"/>
-                                  </p:iterate>
-                                  <p:childTnLst>
-                                    <p:set>
-                                      <p:cBhvr>
-                                        <p:cTn id="12" fill="hold"/>
-                                        <p:tgtEl>
-                                          <p:spTgt spid="236">
-                                            <p:txEl>
-                                              <p:pRg st="1" end="1"/>
-                                            </p:txEl>
-                                          </p:spTgt>
-                                        </p:tgtEl>
-                                        <p:attrNameLst>
-                                          <p:attrName>style.visibility</p:attrName>
-                                        </p:attrNameLst>
-                                      </p:cBhvr>
-                                      <p:to>
-                                        <p:strVal val="visible"/>
-                                      </p:to>
-                                    </p:set>
-                                  </p:childTnLst>
-                                </p:cTn>
-                              </p:par>
-                            </p:childTnLst>
-                          </p:cTn>
-                        </p:par>
-                      </p:childTnLst>
-                    </p:cTn>
-                  </p:par>
-                  <p:par>
-                    <p:cTn id="13" fill="hold">
-                      <p:stCondLst>
-                        <p:cond delay="indefinite"/>
-                      </p:stCondLst>
-                      <p:childTnLst>
-                        <p:par>
-                          <p:cTn id="14" fill="hold">
-                            <p:stCondLst>
-                              <p:cond delay="0"/>
-                            </p:stCondLst>
-                            <p:childTnLst>
-                              <p:par>
-                                <p:cTn id="15" presetClass="entr" nodeType="clickEffect" presetSubtype="0" presetID="1" grpId="1" fill="hold">
-                                  <p:stCondLst>
-                                    <p:cond delay="0"/>
-                                  </p:stCondLst>
-                                  <p:iterate type="el" backwards="0">
-                                    <p:tmAbs val="0"/>
-                                  </p:iterate>
-                                  <p:childTnLst>
-                                    <p:set>
-                                      <p:cBhvr>
-                                        <p:cTn id="16" fill="hold"/>
-                                        <p:tgtEl>
-                                          <p:spTgt spid="236">
-                                            <p:txEl>
-                                              <p:pRg st="2" end="2"/>
-                                            </p:txEl>
-                                          </p:spTgt>
-                                        </p:tgtEl>
-                                        <p:attrNameLst>
-                                          <p:attrName>style.visibility</p:attrName>
-                                        </p:attrNameLst>
-                                      </p:cBhvr>
-                                      <p:to>
-                                        <p:strVal val="visible"/>
-                                      </p:to>
-                                    </p:set>
-                                  </p:childTnLst>
-                                </p:cTn>
-                              </p:par>
-                            </p:childTnLst>
-                          </p:cTn>
-                        </p:par>
-                      </p:childTnLst>
-                    </p:cTn>
-                  </p:par>
-                  <p:par>
-                    <p:cTn id="17" fill="hold">
-                      <p:stCondLst>
-                        <p:cond delay="indefinite"/>
-                      </p:stCondLst>
-                      <p:childTnLst>
-                        <p:par>
-                          <p:cTn id="18" fill="hold">
-                            <p:stCondLst>
-                              <p:cond delay="0"/>
-                            </p:stCondLst>
-                            <p:childTnLst>
-                              <p:par>
-                                <p:cTn id="19" presetClass="entr" nodeType="clickEffect" presetSubtype="0" presetID="1" grpId="1" fill="hold">
-                                  <p:stCondLst>
-                                    <p:cond delay="0"/>
-                                  </p:stCondLst>
-                                  <p:iterate type="el" backwards="0">
-                                    <p:tmAbs val="0"/>
-                                  </p:iterate>
-                                  <p:childTnLst>
-                                    <p:set>
-                                      <p:cBhvr>
-                                        <p:cTn id="20" fill="hold"/>
-                                        <p:tgtEl>
-                                          <p:spTgt spid="236">
-                                            <p:txEl>
-                                              <p:pRg st="3" end="3"/>
-                                            </p:txEl>
-                                          </p:spTgt>
-                                        </p:tgtEl>
-                                        <p:attrNameLst>
-                                          <p:attrName>style.visibility</p:attrName>
-                                        </p:attrNameLst>
-                                      </p:cBhvr>
-                                      <p:to>
-                                        <p:strVal val="visible"/>
-                                      </p:to>
-                                    </p:set>
-                                  </p:childTnLst>
-                                </p:cTn>
-                              </p:par>
-                            </p:childTnLst>
-                          </p:cTn>
-                        </p:par>
-                      </p:childTnLst>
-                    </p:cTn>
-                  </p:par>
-                  <p:par>
-                    <p:cTn id="21" fill="hold">
-                      <p:stCondLst>
-                        <p:cond delay="indefinite"/>
-                      </p:stCondLst>
-                      <p:childTnLst>
-                        <p:par>
-                          <p:cTn id="22" fill="hold">
-                            <p:stCondLst>
-                              <p:cond delay="0"/>
-                            </p:stCondLst>
-                            <p:childTnLst>
-                              <p:par>
-                                <p:cTn id="23" presetClass="entr" nodeType="clickEffect" presetSubtype="0" presetID="1" grpId="1" fill="hold">
-                                  <p:stCondLst>
-                                    <p:cond delay="0"/>
-                                  </p:stCondLst>
-                                  <p:iterate type="el" backwards="0">
-                                    <p:tmAbs val="0"/>
-                                  </p:iterate>
-                                  <p:childTnLst>
-                                    <p:set>
-                                      <p:cBhvr>
-                                        <p:cTn id="24" fill="hold"/>
-                                        <p:tgtEl>
-                                          <p:spTgt spid="236">
-                                            <p:txEl>
-                                              <p:pRg st="4" end="4"/>
-                                            </p:txEl>
-                                          </p:spTgt>
-                                        </p:tgtEl>
-                                        <p:attrNameLst>
-                                          <p:attrName>style.visibility</p:attrName>
-                                        </p:attrNameLst>
-                                      </p:cBhvr>
-                                      <p:to>
-                                        <p:strVal val="visible"/>
-                                      </p:to>
-                                    </p:set>
-                                  </p:childTnLst>
-                                </p:cTn>
-                              </p:par>
-                            </p:childTnLst>
-                          </p:cTn>
-                        </p:par>
-                      </p:childTnLst>
-                    </p:cTn>
-                  </p:par>
-                  <p:par>
-                    <p:cTn id="25" fill="hold">
-                      <p:stCondLst>
-                        <p:cond delay="indefinite"/>
-                      </p:stCondLst>
-                      <p:childTnLst>
-                        <p:par>
-                          <p:cTn id="26" fill="hold">
-                            <p:stCondLst>
-                              <p:cond delay="0"/>
-                            </p:stCondLst>
-                            <p:childTnLst>
-                              <p:par>
-                                <p:cTn id="27" presetClass="entr" nodeType="clickEffect" presetSubtype="0" presetID="1" grpId="1" fill="hold">
-                                  <p:stCondLst>
-                                    <p:cond delay="0"/>
-                                  </p:stCondLst>
-                                  <p:iterate type="el" backwards="0">
-                                    <p:tmAbs val="0"/>
-                                  </p:iterate>
-                                  <p:childTnLst>
-                                    <p:set>
-                                      <p:cBhvr>
-                                        <p:cTn id="28" fill="hold"/>
-                                        <p:tgtEl>
-                                          <p:spTgt spid="236">
-                                            <p:txEl>
-                                              <p:pRg st="5" end="5"/>
-                                            </p:txEl>
-                                          </p:spTgt>
-                                        </p:tgtEl>
-                                        <p:attrNameLst>
-                                          <p:attrName>style.visibility</p:attrName>
-                                        </p:attrNameLst>
-                                      </p:cBhvr>
-                                      <p:to>
-                                        <p:strVal val="visible"/>
-                                      </p:to>
-                                    </p:set>
-                                  </p:childTnLst>
-                                </p:cTn>
-                              </p:par>
-                            </p:childTnLst>
-                          </p:cTn>
-                        </p:par>
-                      </p:childTnLst>
-                    </p:cTn>
-                  </p:par>
-                  <p:par>
-                    <p:cTn id="29" fill="hold">
-                      <p:stCondLst>
-                        <p:cond delay="indefinite"/>
-                      </p:stCondLst>
-                      <p:childTnLst>
-                        <p:par>
-                          <p:cTn id="30" fill="hold">
-                            <p:stCondLst>
-                              <p:cond delay="0"/>
-                            </p:stCondLst>
-                            <p:childTnLst>
-                              <p:par>
-                                <p:cTn id="31" presetClass="entr" nodeType="clickEffect" presetSubtype="0" presetID="1" grpId="1" fill="hold">
-                                  <p:stCondLst>
-                                    <p:cond delay="0"/>
-                                  </p:stCondLst>
-                                  <p:iterate type="el" backwards="0">
-                                    <p:tmAbs val="0"/>
-                                  </p:iterate>
-                                  <p:childTnLst>
-                                    <p:set>
-                                      <p:cBhvr>
-                                        <p:cTn id="32" fill="hold"/>
-                                        <p:tgtEl>
-                                          <p:spTgt spid="236">
-                                            <p:txEl>
-                                              <p:pRg st="6" end="6"/>
-                                            </p:txEl>
-                                          </p:spTgt>
-                                        </p:tgtEl>
-                                        <p:attrNameLst>
-                                          <p:attrName>style.visibility</p:attrName>
-                                        </p:attrNameLst>
-                                      </p:cBhvr>
-                                      <p:to>
-                                        <p:strVal val="visible"/>
-                                      </p:to>
-                                    </p:set>
-                                  </p:childTnLst>
-                                </p:cTn>
-                              </p:par>
-                            </p:childTnLst>
-                          </p:cTn>
-                        </p:par>
-                      </p:childTnLst>
-                    </p:cTn>
-                  </p:par>
-                  <p:par>
-                    <p:cTn id="33" fill="hold">
-                      <p:stCondLst>
-                        <p:cond delay="indefinite"/>
-                      </p:stCondLst>
-                      <p:childTnLst>
-                        <p:par>
-                          <p:cTn id="34" fill="hold">
-                            <p:stCondLst>
-                              <p:cond delay="0"/>
-                            </p:stCondLst>
-                            <p:childTnLst>
-                              <p:par>
-                                <p:cTn id="35" presetClass="entr" nodeType="clickEffect" presetSubtype="0" presetID="1" grpId="1" fill="hold">
-                                  <p:stCondLst>
-                                    <p:cond delay="0"/>
-                                  </p:stCondLst>
-                                  <p:iterate type="el" backwards="0">
-                                    <p:tmAbs val="0"/>
-                                  </p:iterate>
-                                  <p:childTnLst>
-                                    <p:set>
-                                      <p:cBhvr>
-                                        <p:cTn id="36" fill="hold"/>
-                                        <p:tgtEl>
-                                          <p:spTgt spid="236">
-                                            <p:txEl>
-                                              <p:pRg st="7" end="7"/>
-                                            </p:txEl>
-                                          </p:spTgt>
-                                        </p:tgtEl>
-                                        <p:attrNameLst>
-                                          <p:attrName>style.visibility</p:attrName>
-                                        </p:attrNameLst>
-                                      </p:cBhvr>
-                                      <p:to>
-                                        <p:strVal val="visible"/>
-                                      </p:to>
-                                    </p:set>
-                                  </p:childTnLst>
-                                </p:cTn>
-                              </p:par>
-                            </p:childTnLst>
-                          </p:cTn>
-                        </p:par>
-                      </p:childTnLst>
-                    </p:cTn>
-                  </p:par>
-                  <p:par>
-                    <p:cTn id="37" fill="hold">
-                      <p:stCondLst>
-                        <p:cond delay="indefinite"/>
-                      </p:stCondLst>
-                      <p:childTnLst>
-                        <p:par>
-                          <p:cTn id="38" fill="hold">
-                            <p:stCondLst>
-                              <p:cond delay="0"/>
-                            </p:stCondLst>
-                            <p:childTnLst>
-                              <p:par>
-                                <p:cTn id="39" presetClass="entr" nodeType="clickEffect" presetSubtype="0" presetID="1" grpId="1" fill="hold">
-                                  <p:stCondLst>
-                                    <p:cond delay="0"/>
-                                  </p:stCondLst>
-                                  <p:iterate type="el" backwards="0">
-                                    <p:tmAbs val="0"/>
-                                  </p:iterate>
-                                  <p:childTnLst>
-                                    <p:set>
-                                      <p:cBhvr>
-                                        <p:cTn id="40" fill="hold"/>
-                                        <p:tgtEl>
-                                          <p:spTgt spid="236">
-                                            <p:txEl>
-                                              <p:pRg st="8" end="8"/>
-                                            </p:txEl>
-                                          </p:spTgt>
-                                        </p:tgtEl>
-                                        <p:attrNameLst>
-                                          <p:attrName>style.visibility</p:attrName>
-                                        </p:attrNameLst>
-                                      </p:cBhvr>
-                                      <p:to>
-                                        <p:strVal val="visible"/>
-                                      </p:to>
-                                    </p:set>
-                                  </p:childTnLst>
-                                </p:cTn>
-                              </p:par>
-                            </p:childTnLst>
-                          </p:cTn>
-                        </p:par>
-                      </p:childTnLst>
-                    </p:cTn>
-                  </p:par>
-                </p:childTnLst>
-              </p:cTn>
-              <p:prevCondLst>
-                <p:cond evt="onPrev">
-                  <p:tgtEl>
-                    <p:sldTgt/>
-                  </p:tgtEl>
-                </p:cond>
-              </p:prevCondLst>
-              <p:nextCondLst>
-                <p:cond evt="onNext">
-                  <p:tgtEl>
-                    <p:sldTgt/>
-                  </p:tgtEl>
-                </p:cond>
-              </p:nextCondLst>
-            </p:seq>
-          </p:childTnLst>
-        </p:cTn>
-      </p:par>
-    </p:tnLst>
-    <p:bldLst>
-      <p:bldP build="p" bldLvl="5" animBg="1" rev="0" advAuto="0" spid="236" grpId="1"/>
-    </p:bldLst>
-  </p:timing>
-</p:sld>
-</file>
-
-<file path=ppt/slides/slide25.xml><?xml version="1.0" encoding="utf-8"?>
-<p:sld xmlns:a="http://schemas.openxmlformats.org/drawingml/2006/main" xmlns:r="http://schemas.openxmlformats.org/officeDocument/2006/relationships" xmlns:p="http://schemas.openxmlformats.org/presentationml/2006/main" xmlns:m="http://schemas.openxmlformats.org/officeDocument/2006/math" xmlns:a14="http://schemas.microsoft.com/office/drawing/2010/main" showMasterSp="1" showMasterPhAnim="1">
-  <p:cSld>
-    <p:spTree>
-      <p:nvGrpSpPr>
-        <p:cNvPr id="1" name=""/>
-        <p:cNvGrpSpPr/>
-        <p:nvPr/>
-      </p:nvGrpSpPr>
-      <p:grpSpPr>
-        <a:xfrm>
-          <a:off x="0" y="0"/>
-          <a:ext cx="0" cy="0"/>
-          <a:chOff x="0" y="0"/>
-          <a:chExt cx="0" cy="0"/>
-        </a:xfrm>
-      </p:grpSpPr>
-      <p:sp>
-        <p:nvSpPr>
-          <p:cNvPr id="241" name="Union-Find Approach: Improved"/>
-          <p:cNvSpPr txBox="1"/>
-          <p:nvPr>
-            <p:ph type="title"/>
-          </p:nvPr>
-        </p:nvSpPr>
-        <p:spPr>
-          <a:prstGeom prst="rect">
-            <a:avLst/>
-          </a:prstGeom>
-        </p:spPr>
-        <p:txBody>
-          <a:bodyPr/>
-          <a:lstStyle/>
-          <a:p>
-            <a:pPr/>
-            <a:r>
-              <a:t>Union-Find Approach: Improved</a:t>
-            </a:r>
-          </a:p>
-        </p:txBody>
-      </p:sp>
-      <p:sp>
-        <p:nvSpPr>
-          <p:cNvPr id="242" name="Further improvement…"/>
-          <p:cNvSpPr txBox="1"/>
-          <p:nvPr>
-            <p:ph type="body" idx="1"/>
-          </p:nvPr>
-        </p:nvSpPr>
-        <p:spPr>
-          <a:prstGeom prst="rect">
-            <a:avLst/>
-          </a:prstGeom>
-        </p:spPr>
-        <p:txBody>
-          <a:bodyPr/>
-          <a:lstStyle/>
-          <a:p>
-            <a:pPr marL="361156" indent="-321468">
-              <a:spcBef>
-                <a:spcPts val="300"/>
-              </a:spcBef>
-              <a:defRPr sz="3000"/>
-            </a:pPr>
-            <a:r>
-              <a:t>Further improvement</a:t>
-            </a:r>
-          </a:p>
-          <a:p>
-            <a:pPr marL="361156" indent="-321468">
-              <a:spcBef>
-                <a:spcPts val="300"/>
-              </a:spcBef>
-              <a:defRPr sz="3000"/>
-            </a:pPr>
-            <a:r>
-              <a:t>Any time we do a find operation, change the pointers of all the nodes in the path to directly point to the root of the tree.</a:t>
-            </a:r>
-          </a:p>
-          <a:p>
-            <a:pPr lvl="1">
-              <a:spcBef>
-                <a:spcPts val="300"/>
-              </a:spcBef>
-            </a:pPr>
-            <a:r>
-              <a:t>This is called </a:t>
-            </a:r>
-            <a:r>
-              <a:rPr b="1"/>
-              <a:t>path compression</a:t>
-            </a:r>
-            <a:r>
-              <a:t>.</a:t>
-            </a:r>
-          </a:p>
-          <a:p>
-            <a:pPr marL="361156" indent="-321468">
-              <a:spcBef>
-                <a:spcPts val="300"/>
-              </a:spcBef>
-              <a:defRPr sz="3000"/>
-            </a:pPr>
-            <a:r>
-              <a:t>Traversing the path takes only double the number of steps, and thus</a:t>
-            </a:r>
-          </a:p>
-          <a:p>
-            <a:pPr lvl="1">
-              <a:spcBef>
-                <a:spcPts val="300"/>
-              </a:spcBef>
-            </a:pPr>
-            <a:r>
-              <a:t>Time complexity of find remains the same.</a:t>
-            </a:r>
-          </a:p>
-          <a:p>
-            <a:pPr marL="361156" indent="-321468">
-              <a:spcBef>
-                <a:spcPts val="300"/>
-              </a:spcBef>
-              <a:defRPr sz="3000"/>
-            </a:pPr>
-            <a:r>
-              <a:t>Time complexity with path compression for m operations is given by</a:t>
-            </a:r>
-          </a:p>
-          <a:p>
-            <a:pPr lvl="3" marL="0" indent="685800">
-              <a:spcBef>
-                <a:spcPts val="300"/>
-              </a:spcBef>
-              <a:buSzTx/>
-              <a:buNone/>
-              <a:defRPr sz="3000">
-                <a:latin typeface="Courier New"/>
-                <a:ea typeface="Courier New"/>
-                <a:cs typeface="Courier New"/>
-                <a:sym typeface="Courier New"/>
-              </a:defRPr>
-            </a:pPr>
-            <a:r>
-              <a:t>O(mlog</a:t>
-            </a:r>
-            <a:r>
-              <a:rPr baseline="31999"/>
-              <a:t>*</a:t>
-            </a:r>
-            <a:r>
-              <a:t>n)</a:t>
-            </a:r>
-            <a:r>
-              <a:rPr>
-                <a:latin typeface="Gill Sans MT"/>
-                <a:ea typeface="Gill Sans MT"/>
-                <a:cs typeface="Gill Sans MT"/>
-                <a:sym typeface="Gill Sans MT"/>
-              </a:rPr>
-              <a:t>, where </a:t>
-            </a:r>
-            <a:r>
-              <a:t>log</a:t>
-            </a:r>
-            <a:r>
-              <a:rPr baseline="31999"/>
-              <a:t>*</a:t>
-            </a:r>
-            <a:r>
-              <a:t>n</a:t>
-            </a:r>
-            <a:r>
-              <a:rPr>
-                <a:latin typeface="Gill Sans MT"/>
-                <a:ea typeface="Gill Sans MT"/>
-                <a:cs typeface="Gill Sans MT"/>
-                <a:sym typeface="Gill Sans MT"/>
-              </a:rPr>
-              <a:t> is iterated logarithm function</a:t>
-            </a:r>
-          </a:p>
-        </p:txBody>
-      </p:sp>
-      <p:sp>
-        <p:nvSpPr>
-          <p:cNvPr id="243" name="Slide Number"/>
-          <p:cNvSpPr txBox="1"/>
-          <p:nvPr>
-            <p:ph type="sldNum" sz="quarter" idx="2"/>
-          </p:nvPr>
-        </p:nvSpPr>
-        <p:spPr>
-          <a:prstGeom prst="rect">
-            <a:avLst/>
-          </a:prstGeom>
-          <a:extLst>
-            <a:ext uri="{C572A759-6A51-4108-AA02-DFA0A04FC94B}">
-              <ma14:wrappingTextBoxFlag xmlns:ma14="http://schemas.microsoft.com/office/mac/drawingml/2011/main" val="1"/>
-            </a:ext>
-          </a:extLst>
-        </p:spPr>
-        <p:txBody>
-          <a:bodyPr/>
-          <a:lstStyle/>
-          <a:p>
-            <a:pPr/>
-            <a:fld id="{86CB4B4D-7CA3-9044-876B-883B54F8677D}" type="slidenum"/>
-          </a:p>
-        </p:txBody>
-      </p:sp>
-      <p:sp>
-        <p:nvSpPr>
-          <p:cNvPr id="244" name="DAA/Greedy Algorithms"/>
-          <p:cNvSpPr txBox="1"/>
-          <p:nvPr/>
-        </p:nvSpPr>
-        <p:spPr>
-          <a:xfrm>
-            <a:off x="423212" y="6963885"/>
-            <a:ext cx="3244911" cy="431552"/>
-          </a:xfrm>
-          <a:prstGeom prst="rect">
-            <a:avLst/>
-          </a:prstGeom>
-          <a:ln w="12700">
-            <a:miter lim="400000"/>
-          </a:ln>
-          <a:extLst>
-            <a:ext uri="{C572A759-6A51-4108-AA02-DFA0A04FC94B}">
-              <ma14:wrappingTextBoxFlag xmlns:ma14="http://schemas.microsoft.com/office/mac/drawingml/2011/main" val="1"/>
-            </a:ext>
-          </a:extLst>
-        </p:spPr>
-        <p:txBody>
-          <a:bodyPr wrap="none" lIns="50800" tIns="50800" rIns="50800" bIns="50800" anchor="ctr">
-            <a:spAutoFit/>
-          </a:bodyPr>
-          <a:lstStyle>
-            <a:lvl1pPr>
-              <a:defRPr sz="2400"/>
-            </a:lvl1pPr>
-          </a:lstStyle>
-          <a:p>
-            <a:pPr/>
-            <a:r>
-              <a:t>DAA/Greedy Algorithms</a:t>
-            </a:r>
-          </a:p>
-        </p:txBody>
-      </p:sp>
-      <p:sp>
-        <p:nvSpPr>
-          <p:cNvPr id="245" name="RPR/"/>
-          <p:cNvSpPr txBox="1"/>
-          <p:nvPr/>
-        </p:nvSpPr>
-        <p:spPr>
-          <a:xfrm>
-            <a:off x="7535212" y="6988206"/>
-            <a:ext cx="705605" cy="382910"/>
-          </a:xfrm>
-          <a:prstGeom prst="rect">
-            <a:avLst/>
-          </a:prstGeom>
-          <a:ln w="12700">
-            <a:miter lim="400000"/>
-          </a:ln>
-          <a:extLst>
-            <a:ext uri="{C572A759-6A51-4108-AA02-DFA0A04FC94B}">
-              <ma14:wrappingTextBoxFlag xmlns:ma14="http://schemas.microsoft.com/office/mac/drawingml/2011/main" val="1"/>
-            </a:ext>
-          </a:extLst>
-        </p:spPr>
-        <p:txBody>
-          <a:bodyPr wrap="none" lIns="50800" tIns="50800" rIns="50800" bIns="50800" anchor="ctr">
-            <a:spAutoFit/>
-          </a:bodyPr>
-          <a:lstStyle>
-            <a:lvl1pPr>
-              <a:defRPr sz="2000"/>
-            </a:lvl1pPr>
-          </a:lstStyle>
-          <a:p>
-            <a:pPr/>
-            <a:r>
-              <a:t>RPR/</a:t>
-            </a:r>
-          </a:p>
-        </p:txBody>
-      </p:sp>
-    </p:spTree>
-  </p:cSld>
-  <p:clrMapOvr>
-    <a:masterClrMapping/>
-  </p:clrMapOvr>
-  <p:transition xmlns:p14="http://schemas.microsoft.com/office/powerpoint/2010/main" spd="med" advClick="1"/>
-  <p:timing>
-    <p:tnLst>
-      <p:par>
-        <p:cTn id="1" nodeType="tmRoot" restart="never" dur="indefinite" fill="hold">
-          <p:childTnLst>
-            <p:seq concurrent="1" prevAc="none" nextAc="seek">
-              <p:cTn id="2" nodeType="mainSeq" dur="indefinite" fill="hold">
-                <p:childTnLst>
-                  <p:par>
-                    <p:cTn id="3" fill="hold">
-                      <p:stCondLst>
-                        <p:cond delay="indefinite"/>
-                      </p:stCondLst>
-                      <p:childTnLst>
-                        <p:par>
-                          <p:cTn id="4" fill="hold">
-                            <p:stCondLst>
-                              <p:cond delay="0"/>
-                            </p:stCondLst>
-                            <p:childTnLst>
-                              <p:par>
-                                <p:cTn id="5" presetClass="entr" nodeType="clickEffect" presetSubtype="0" presetID="1" grpId="1" fill="hold">
-                                  <p:stCondLst>
-                                    <p:cond delay="0"/>
-                                  </p:stCondLst>
-                                  <p:iterate type="el" backwards="0">
-                                    <p:tmAbs val="0"/>
-                                  </p:iterate>
-                                  <p:childTnLst>
-                                    <p:set>
-                                      <p:cBhvr>
-                                        <p:cTn id="6" fill="hold"/>
-                                        <p:tgtEl>
-                                          <p:spTgt spid="242">
-                                            <p:bg/>
-                                          </p:spTgt>
-                                        </p:tgtEl>
-                                        <p:attrNameLst>
-                                          <p:attrName>style.visibility</p:attrName>
-                                        </p:attrNameLst>
-                                      </p:cBhvr>
-                                      <p:to>
-                                        <p:strVal val="visible"/>
-                                      </p:to>
-                                    </p:set>
-                                  </p:childTnLst>
-                                </p:cTn>
-                              </p:par>
-                              <p:par>
-                                <p:cTn id="7" presetClass="entr" nodeType="withEffect" presetSubtype="0" presetID="1" grpId="1" fill="hold">
-                                  <p:stCondLst>
-                                    <p:cond delay="0"/>
-                                  </p:stCondLst>
-                                  <p:iterate type="el" backwards="0">
-                                    <p:tmAbs val="0"/>
-                                  </p:iterate>
-                                  <p:childTnLst>
-                                    <p:set>
-                                      <p:cBhvr>
-                                        <p:cTn id="8" fill="hold"/>
-                                        <p:tgtEl>
-                                          <p:spTgt spid="242">
-                                            <p:txEl>
-                                              <p:pRg st="0" end="0"/>
-                                            </p:txEl>
-                                          </p:spTgt>
-                                        </p:tgtEl>
-                                        <p:attrNameLst>
-                                          <p:attrName>style.visibility</p:attrName>
-                                        </p:attrNameLst>
-                                      </p:cBhvr>
-                                      <p:to>
-                                        <p:strVal val="visible"/>
-                                      </p:to>
-                                    </p:set>
-                                  </p:childTnLst>
-                                </p:cTn>
-                              </p:par>
-                            </p:childTnLst>
-                          </p:cTn>
-                        </p:par>
-                      </p:childTnLst>
-                    </p:cTn>
-                  </p:par>
-                  <p:par>
-                    <p:cTn id="9" fill="hold">
-                      <p:stCondLst>
-                        <p:cond delay="indefinite"/>
-                      </p:stCondLst>
-                      <p:childTnLst>
-                        <p:par>
-                          <p:cTn id="10" fill="hold">
-                            <p:stCondLst>
-                              <p:cond delay="0"/>
-                            </p:stCondLst>
-                            <p:childTnLst>
-                              <p:par>
-                                <p:cTn id="11" presetClass="entr" nodeType="clickEffect" presetSubtype="0" presetID="1" grpId="1" fill="hold">
-                                  <p:stCondLst>
-                                    <p:cond delay="0"/>
-                                  </p:stCondLst>
-                                  <p:iterate type="el" backwards="0">
-                                    <p:tmAbs val="0"/>
-                                  </p:iterate>
-                                  <p:childTnLst>
-                                    <p:set>
-                                      <p:cBhvr>
-                                        <p:cTn id="12" fill="hold"/>
-                                        <p:tgtEl>
-                                          <p:spTgt spid="242">
-                                            <p:txEl>
-                                              <p:pRg st="1" end="1"/>
-                                            </p:txEl>
-                                          </p:spTgt>
-                                        </p:tgtEl>
-                                        <p:attrNameLst>
-                                          <p:attrName>style.visibility</p:attrName>
-                                        </p:attrNameLst>
-                                      </p:cBhvr>
-                                      <p:to>
-                                        <p:strVal val="visible"/>
-                                      </p:to>
-                                    </p:set>
-                                  </p:childTnLst>
-                                </p:cTn>
-                              </p:par>
-                            </p:childTnLst>
-                          </p:cTn>
-                        </p:par>
-                      </p:childTnLst>
-                    </p:cTn>
-                  </p:par>
-                  <p:par>
-                    <p:cTn id="13" fill="hold">
-                      <p:stCondLst>
-                        <p:cond delay="indefinite"/>
-                      </p:stCondLst>
-                      <p:childTnLst>
-                        <p:par>
-                          <p:cTn id="14" fill="hold">
-                            <p:stCondLst>
-                              <p:cond delay="0"/>
-                            </p:stCondLst>
-                            <p:childTnLst>
-                              <p:par>
-                                <p:cTn id="15" presetClass="entr" nodeType="clickEffect" presetSubtype="0" presetID="1" grpId="1" fill="hold">
-                                  <p:stCondLst>
-                                    <p:cond delay="0"/>
-                                  </p:stCondLst>
-                                  <p:iterate type="el" backwards="0">
-                                    <p:tmAbs val="0"/>
-                                  </p:iterate>
-                                  <p:childTnLst>
-                                    <p:set>
-                                      <p:cBhvr>
-                                        <p:cTn id="16" fill="hold"/>
-                                        <p:tgtEl>
-                                          <p:spTgt spid="242">
-                                            <p:txEl>
-                                              <p:pRg st="2" end="2"/>
-                                            </p:txEl>
-                                          </p:spTgt>
-                                        </p:tgtEl>
-                                        <p:attrNameLst>
-                                          <p:attrName>style.visibility</p:attrName>
-                                        </p:attrNameLst>
-                                      </p:cBhvr>
-                                      <p:to>
-                                        <p:strVal val="visible"/>
-                                      </p:to>
-                                    </p:set>
-                                  </p:childTnLst>
-                                </p:cTn>
-                              </p:par>
-                            </p:childTnLst>
-                          </p:cTn>
-                        </p:par>
-                      </p:childTnLst>
-                    </p:cTn>
-                  </p:par>
-                  <p:par>
-                    <p:cTn id="17" fill="hold">
-                      <p:stCondLst>
-                        <p:cond delay="indefinite"/>
-                      </p:stCondLst>
-                      <p:childTnLst>
-                        <p:par>
-                          <p:cTn id="18" fill="hold">
-                            <p:stCondLst>
-                              <p:cond delay="0"/>
-                            </p:stCondLst>
-                            <p:childTnLst>
-                              <p:par>
-                                <p:cTn id="19" presetClass="entr" nodeType="clickEffect" presetSubtype="0" presetID="1" grpId="1" fill="hold">
-                                  <p:stCondLst>
-                                    <p:cond delay="0"/>
-                                  </p:stCondLst>
-                                  <p:iterate type="el" backwards="0">
-                                    <p:tmAbs val="0"/>
-                                  </p:iterate>
-                                  <p:childTnLst>
-                                    <p:set>
-                                      <p:cBhvr>
-                                        <p:cTn id="20" fill="hold"/>
-                                        <p:tgtEl>
-                                          <p:spTgt spid="242">
-                                            <p:txEl>
-                                              <p:pRg st="3" end="3"/>
-                                            </p:txEl>
-                                          </p:spTgt>
-                                        </p:tgtEl>
-                                        <p:attrNameLst>
-                                          <p:attrName>style.visibility</p:attrName>
-                                        </p:attrNameLst>
-                                      </p:cBhvr>
-                                      <p:to>
-                                        <p:strVal val="visible"/>
-                                      </p:to>
-                                    </p:set>
-                                  </p:childTnLst>
-                                </p:cTn>
-                              </p:par>
-                            </p:childTnLst>
-                          </p:cTn>
-                        </p:par>
-                      </p:childTnLst>
-                    </p:cTn>
-                  </p:par>
-                  <p:par>
-                    <p:cTn id="21" fill="hold">
-                      <p:stCondLst>
-                        <p:cond delay="indefinite"/>
-                      </p:stCondLst>
-                      <p:childTnLst>
-                        <p:par>
-                          <p:cTn id="22" fill="hold">
-                            <p:stCondLst>
-                              <p:cond delay="0"/>
-                            </p:stCondLst>
-                            <p:childTnLst>
-                              <p:par>
-                                <p:cTn id="23" presetClass="entr" nodeType="clickEffect" presetSubtype="0" presetID="1" grpId="1" fill="hold">
-                                  <p:stCondLst>
-                                    <p:cond delay="0"/>
-                                  </p:stCondLst>
-                                  <p:iterate type="el" backwards="0">
-                                    <p:tmAbs val="0"/>
-                                  </p:iterate>
-                                  <p:childTnLst>
-                                    <p:set>
-                                      <p:cBhvr>
-                                        <p:cTn id="24" fill="hold"/>
-                                        <p:tgtEl>
-                                          <p:spTgt spid="242">
-                                            <p:txEl>
-                                              <p:pRg st="4" end="4"/>
-                                            </p:txEl>
-                                          </p:spTgt>
-                                        </p:tgtEl>
-                                        <p:attrNameLst>
-                                          <p:attrName>style.visibility</p:attrName>
-                                        </p:attrNameLst>
-                                      </p:cBhvr>
-                                      <p:to>
-                                        <p:strVal val="visible"/>
-                                      </p:to>
-                                    </p:set>
-                                  </p:childTnLst>
-                                </p:cTn>
-                              </p:par>
-                            </p:childTnLst>
-                          </p:cTn>
-                        </p:par>
-                      </p:childTnLst>
-                    </p:cTn>
-                  </p:par>
-                  <p:par>
-                    <p:cTn id="25" fill="hold">
-                      <p:stCondLst>
-                        <p:cond delay="indefinite"/>
-                      </p:stCondLst>
-                      <p:childTnLst>
-                        <p:par>
-                          <p:cTn id="26" fill="hold">
-                            <p:stCondLst>
-                              <p:cond delay="0"/>
-                            </p:stCondLst>
-                            <p:childTnLst>
-                              <p:par>
-                                <p:cTn id="27" presetClass="entr" nodeType="clickEffect" presetSubtype="0" presetID="1" grpId="1" fill="hold">
-                                  <p:stCondLst>
-                                    <p:cond delay="0"/>
-                                  </p:stCondLst>
-                                  <p:iterate type="el" backwards="0">
-                                    <p:tmAbs val="0"/>
-                                  </p:iterate>
-                                  <p:childTnLst>
-                                    <p:set>
-                                      <p:cBhvr>
-                                        <p:cTn id="28" fill="hold"/>
-                                        <p:tgtEl>
-                                          <p:spTgt spid="242">
-                                            <p:txEl>
-                                              <p:pRg st="5" end="5"/>
-                                            </p:txEl>
-                                          </p:spTgt>
-                                        </p:tgtEl>
-                                        <p:attrNameLst>
-                                          <p:attrName>style.visibility</p:attrName>
-                                        </p:attrNameLst>
-                                      </p:cBhvr>
-                                      <p:to>
-                                        <p:strVal val="visible"/>
-                                      </p:to>
-                                    </p:set>
-                                  </p:childTnLst>
-                                </p:cTn>
-                              </p:par>
-                            </p:childTnLst>
-                          </p:cTn>
-                        </p:par>
-                      </p:childTnLst>
-                    </p:cTn>
-                  </p:par>
-                  <p:par>
-                    <p:cTn id="29" fill="hold">
-                      <p:stCondLst>
-                        <p:cond delay="indefinite"/>
-                      </p:stCondLst>
-                      <p:childTnLst>
-                        <p:par>
-                          <p:cTn id="30" fill="hold">
-                            <p:stCondLst>
-                              <p:cond delay="0"/>
-                            </p:stCondLst>
-                            <p:childTnLst>
-                              <p:par>
-                                <p:cTn id="31" presetClass="entr" nodeType="clickEffect" presetSubtype="0" presetID="1" grpId="1" fill="hold">
-                                  <p:stCondLst>
-                                    <p:cond delay="0"/>
-                                  </p:stCondLst>
-                                  <p:iterate type="el" backwards="0">
-                                    <p:tmAbs val="0"/>
-                                  </p:iterate>
-                                  <p:childTnLst>
-                                    <p:set>
-                                      <p:cBhvr>
-                                        <p:cTn id="32" fill="hold"/>
-                                        <p:tgtEl>
-                                          <p:spTgt spid="242">
-                                            <p:txEl>
-                                              <p:pRg st="6" end="6"/>
-                                            </p:txEl>
-                                          </p:spTgt>
-                                        </p:tgtEl>
-                                        <p:attrNameLst>
-                                          <p:attrName>style.visibility</p:attrName>
-                                        </p:attrNameLst>
-                                      </p:cBhvr>
-                                      <p:to>
-                                        <p:strVal val="visible"/>
-                                      </p:to>
-                                    </p:set>
-                                  </p:childTnLst>
-                                </p:cTn>
-                              </p:par>
-                            </p:childTnLst>
-                          </p:cTn>
-                        </p:par>
-                      </p:childTnLst>
-                    </p:cTn>
-                  </p:par>
-                </p:childTnLst>
-              </p:cTn>
-              <p:prevCondLst>
-                <p:cond evt="onPrev">
-                  <p:tgtEl>
-                    <p:sldTgt/>
-                  </p:tgtEl>
-                </p:cond>
-              </p:prevCondLst>
-              <p:nextCondLst>
-                <p:cond evt="onNext">
-                  <p:tgtEl>
-                    <p:sldTgt/>
-                  </p:tgtEl>
-                </p:cond>
-              </p:nextCondLst>
-            </p:seq>
-          </p:childTnLst>
-        </p:cTn>
-      </p:par>
-    </p:tnLst>
-    <p:bldLst>
-      <p:bldP build="p" bldLvl="5" animBg="1" rev="0" advAuto="0" spid="242" grpId="1"/>
-    </p:bldLst>
-  </p:timing>
-</p:sld>
-</file>
-
-<file path=ppt/slides/slide26.xml><?xml version="1.0" encoding="utf-8"?>
-<p:sld xmlns:a="http://schemas.openxmlformats.org/drawingml/2006/main" xmlns:r="http://schemas.openxmlformats.org/officeDocument/2006/relationships" xmlns:p="http://schemas.openxmlformats.org/presentationml/2006/main" xmlns:m="http://schemas.openxmlformats.org/officeDocument/2006/math" xmlns:a14="http://schemas.microsoft.com/office/drawing/2010/main" showMasterSp="1" showMasterPhAnim="1">
-  <p:cSld>
-    <p:spTree>
-      <p:nvGrpSpPr>
-        <p:cNvPr id="1" name=""/>
-        <p:cNvGrpSpPr/>
-        <p:nvPr/>
-      </p:nvGrpSpPr>
-      <p:grpSpPr>
-        <a:xfrm>
-          <a:off x="0" y="0"/>
-          <a:ext cx="0" cy="0"/>
-          <a:chOff x="0" y="0"/>
-          <a:chExt cx="0" cy="0"/>
-        </a:xfrm>
-      </p:grpSpPr>
-      <p:sp>
-        <p:nvSpPr>
-          <p:cNvPr id="247" name="Iterated Logarithm"/>
-          <p:cNvSpPr txBox="1"/>
-          <p:nvPr>
-            <p:ph type="title"/>
-          </p:nvPr>
-        </p:nvSpPr>
-        <p:spPr>
-          <a:prstGeom prst="rect">
-            <a:avLst/>
-          </a:prstGeom>
-        </p:spPr>
-        <p:txBody>
-          <a:bodyPr/>
-          <a:lstStyle/>
-          <a:p>
-            <a:pPr/>
-            <a:r>
-              <a:t>Iterated Logarithm</a:t>
-            </a:r>
-          </a:p>
-        </p:txBody>
-      </p:sp>
-      <p:sp>
-        <p:nvSpPr>
-          <p:cNvPr id="248" name="Iterated logarithm function is defined as…"/>
-          <p:cNvSpPr txBox="1"/>
-          <p:nvPr>
-            <p:ph type="body" idx="1"/>
-          </p:nvPr>
-        </p:nvSpPr>
-        <p:spPr>
-          <a:prstGeom prst="rect">
-            <a:avLst/>
-          </a:prstGeom>
-        </p:spPr>
-        <p:txBody>
-          <a:bodyPr/>
-          <a:lstStyle/>
-          <a:p>
-            <a:pPr/>
-            <a:r>
-              <a:t>Iterated logarithm function is defined as</a:t>
-            </a:r>
-          </a:p>
-          <a:p>
-            <a:pPr lvl="3" marL="0" indent="685800">
-              <a:spcBef>
-                <a:spcPts val="300"/>
-              </a:spcBef>
-              <a:buSzTx/>
-              <a:buNone/>
-              <a:defRPr>
-                <a:latin typeface="Courier New"/>
-                <a:ea typeface="Courier New"/>
-                <a:cs typeface="Courier New"/>
-                <a:sym typeface="Courier New"/>
-              </a:defRPr>
-            </a:pPr>
-            <a:r>
-              <a:t>log</a:t>
-            </a:r>
-            <a:r>
-              <a:rPr baseline="31999"/>
-              <a:t>*</a:t>
-            </a:r>
-            <a:r>
-              <a:t>n=1+log</a:t>
-            </a:r>
-            <a:r>
-              <a:rPr baseline="31999"/>
-              <a:t>*</a:t>
-            </a:r>
-            <a:r>
-              <a:t>(⌈log</a:t>
-            </a:r>
-            <a:r>
-              <a:rPr baseline="-5999"/>
-              <a:t>2</a:t>
-            </a:r>
-            <a:r>
-              <a:t>n⌉)</a:t>
-            </a:r>
-          </a:p>
-          <a:p>
-            <a:pPr lvl="3" marL="0" indent="685800">
-              <a:spcBef>
-                <a:spcPts val="300"/>
-              </a:spcBef>
-              <a:buSzTx/>
-              <a:buNone/>
-              <a:defRPr>
-                <a:latin typeface="Courier New"/>
-                <a:ea typeface="Courier New"/>
-                <a:cs typeface="Courier New"/>
-                <a:sym typeface="Courier New"/>
-              </a:defRPr>
-            </a:pPr>
-            <a:r>
-              <a:t>log</a:t>
-            </a:r>
-            <a:r>
-              <a:rPr baseline="31999"/>
-              <a:t>*</a:t>
-            </a:r>
-            <a:r>
-              <a:t>2=1 (Given)</a:t>
-            </a:r>
-          </a:p>
-          <a:p>
-            <a:pPr lvl="3" marL="0" indent="685800">
-              <a:spcBef>
-                <a:spcPts val="300"/>
-              </a:spcBef>
-              <a:buSzTx/>
-              <a:buNone/>
-              <a:defRPr>
-                <a:latin typeface="Courier New"/>
-                <a:ea typeface="Courier New"/>
-                <a:cs typeface="Courier New"/>
-                <a:sym typeface="Courier New"/>
-              </a:defRPr>
-            </a:pPr>
-            <a:r>
-              <a:t>log</a:t>
-            </a:r>
-            <a:r>
-              <a:rPr baseline="31999"/>
-              <a:t>*</a:t>
-            </a:r>
-            <a:r>
-              <a:t>4=log</a:t>
-            </a:r>
-            <a:r>
-              <a:rPr baseline="31999"/>
-              <a:t>*</a:t>
-            </a:r>
-            <a:r>
-              <a:t>2</a:t>
-            </a:r>
-            <a:r>
-              <a:rPr baseline="31999"/>
-              <a:t>2</a:t>
-            </a:r>
-            <a:endParaRPr baseline="31999"/>
-          </a:p>
-          <a:p>
-            <a:pPr lvl="8" marL="0" indent="1828800">
-              <a:spcBef>
-                <a:spcPts val="300"/>
-              </a:spcBef>
-              <a:buSzTx/>
-              <a:buNone/>
-              <a:defRPr sz="2800">
-                <a:latin typeface="Courier New"/>
-                <a:ea typeface="Courier New"/>
-                <a:cs typeface="Courier New"/>
-                <a:sym typeface="Courier New"/>
-              </a:defRPr>
-            </a:pPr>
-            <a:r>
-              <a:t>=1+log</a:t>
-            </a:r>
-            <a:r>
-              <a:rPr baseline="31999"/>
-              <a:t>*</a:t>
-            </a:r>
-            <a:r>
-              <a:t>(⌈log</a:t>
-            </a:r>
-            <a:r>
-              <a:rPr baseline="-5999"/>
-              <a:t>2</a:t>
-            </a:r>
-            <a:r>
-              <a:t>2</a:t>
-            </a:r>
-            <a:r>
-              <a:rPr baseline="31999"/>
-              <a:t>2</a:t>
-            </a:r>
-            <a:r>
-              <a:t>⌉)</a:t>
-            </a:r>
-          </a:p>
-          <a:p>
-            <a:pPr lvl="8" marL="0" indent="1828800">
-              <a:spcBef>
-                <a:spcPts val="300"/>
-              </a:spcBef>
-              <a:buSzTx/>
-              <a:buNone/>
-              <a:defRPr sz="2800">
-                <a:latin typeface="Courier New"/>
-                <a:ea typeface="Courier New"/>
-                <a:cs typeface="Courier New"/>
-                <a:sym typeface="Courier New"/>
-              </a:defRPr>
-            </a:pPr>
-            <a:r>
-              <a:t>=1+log</a:t>
-            </a:r>
-            <a:r>
-              <a:rPr baseline="31999"/>
-              <a:t>*</a:t>
-            </a:r>
-            <a:r>
-              <a:t>2=1+1 = 2</a:t>
-            </a:r>
-          </a:p>
-          <a:p>
-            <a:pPr lvl="3" marL="0" indent="685800">
-              <a:spcBef>
-                <a:spcPts val="300"/>
-              </a:spcBef>
-              <a:buSzTx/>
-              <a:buNone/>
-              <a:defRPr>
-                <a:latin typeface="Courier New"/>
-                <a:ea typeface="Courier New"/>
-                <a:cs typeface="Courier New"/>
-                <a:sym typeface="Courier New"/>
-              </a:defRPr>
-            </a:pPr>
-            <a:r>
-              <a:t>log</a:t>
-            </a:r>
-            <a:r>
-              <a:rPr baseline="31999"/>
-              <a:t>*</a:t>
-            </a:r>
-            <a:r>
-              <a:t>16=log</a:t>
-            </a:r>
-            <a:r>
-              <a:rPr baseline="31999"/>
-              <a:t>*</a:t>
-            </a:r>
-            <a:r>
-              <a:t>2</a:t>
-            </a:r>
-            <a:r>
-              <a:rPr baseline="31999"/>
-              <a:t>4</a:t>
-            </a:r>
-            <a:endParaRPr baseline="31999"/>
-          </a:p>
-          <a:p>
-            <a:pPr lvl="8" marL="0" indent="1828800">
-              <a:spcBef>
-                <a:spcPts val="300"/>
-              </a:spcBef>
-              <a:buSzTx/>
-              <a:buNone/>
-              <a:defRPr sz="2800">
-                <a:latin typeface="Courier New"/>
-                <a:ea typeface="Courier New"/>
-                <a:cs typeface="Courier New"/>
-                <a:sym typeface="Courier New"/>
-              </a:defRPr>
-            </a:pPr>
-            <a:r>
-              <a:t>=1+log</a:t>
-            </a:r>
-            <a:r>
-              <a:rPr baseline="31999"/>
-              <a:t>*</a:t>
-            </a:r>
-            <a:r>
-              <a:t>(⌈log</a:t>
-            </a:r>
-            <a:r>
-              <a:rPr baseline="-5999"/>
-              <a:t>2</a:t>
-            </a:r>
-            <a:r>
-              <a:t>2</a:t>
-            </a:r>
-            <a:r>
-              <a:rPr baseline="31999"/>
-              <a:t>4</a:t>
-            </a:r>
-            <a:r>
-              <a:t>⌉)</a:t>
-            </a:r>
-          </a:p>
-          <a:p>
-            <a:pPr lvl="8" marL="0" indent="1828800">
-              <a:spcBef>
-                <a:spcPts val="300"/>
-              </a:spcBef>
-              <a:buSzTx/>
-              <a:buNone/>
-              <a:defRPr sz="2800">
-                <a:latin typeface="Courier New"/>
-                <a:ea typeface="Courier New"/>
-                <a:cs typeface="Courier New"/>
-                <a:sym typeface="Courier New"/>
-              </a:defRPr>
-            </a:pPr>
-            <a:r>
-              <a:t>=1+log</a:t>
-            </a:r>
-            <a:r>
-              <a:rPr baseline="31999"/>
-              <a:t>*</a:t>
-            </a:r>
-            <a:r>
-              <a:t>4=1+2 = 3</a:t>
-            </a:r>
-          </a:p>
-          <a:p>
-            <a:pPr lvl="3" marL="0" indent="685800">
-              <a:spcBef>
-                <a:spcPts val="300"/>
-              </a:spcBef>
-              <a:buSzTx/>
-              <a:buNone/>
-              <a:defRPr>
-                <a:latin typeface="Courier New"/>
-                <a:ea typeface="Courier New"/>
-                <a:cs typeface="Courier New"/>
-                <a:sym typeface="Courier New"/>
-              </a:defRPr>
-            </a:pPr>
-            <a:r>
-              <a:t>log</a:t>
-            </a:r>
-            <a:r>
-              <a:rPr baseline="31999"/>
-              <a:t>*</a:t>
-            </a:r>
-            <a:r>
-              <a:t>65536=log</a:t>
-            </a:r>
-            <a:r>
-              <a:rPr baseline="31999"/>
-              <a:t>*</a:t>
-            </a:r>
-            <a:r>
-              <a:t>2</a:t>
-            </a:r>
-            <a:r>
-              <a:rPr baseline="31999"/>
-              <a:t>16</a:t>
-            </a:r>
-            <a:endParaRPr baseline="31999"/>
-          </a:p>
-          <a:p>
-            <a:pPr lvl="8" marL="0" indent="1828800">
-              <a:spcBef>
-                <a:spcPts val="300"/>
-              </a:spcBef>
-              <a:buSzTx/>
-              <a:buNone/>
-              <a:defRPr sz="2800">
-                <a:latin typeface="Courier New"/>
-                <a:ea typeface="Courier New"/>
-                <a:cs typeface="Courier New"/>
-                <a:sym typeface="Courier New"/>
-              </a:defRPr>
-            </a:pPr>
-            <a:r>
-              <a:t>=1+log</a:t>
-            </a:r>
-            <a:r>
-              <a:rPr baseline="31999"/>
-              <a:t>*</a:t>
-            </a:r>
-            <a:r>
-              <a:t>(⌈log</a:t>
-            </a:r>
-            <a:r>
-              <a:rPr baseline="-5999"/>
-              <a:t>2</a:t>
-            </a:r>
-            <a:r>
-              <a:t>2</a:t>
-            </a:r>
-            <a:r>
-              <a:rPr baseline="31999"/>
-              <a:t>16</a:t>
-            </a:r>
-            <a:r>
-              <a:t>⌉)</a:t>
-            </a:r>
-          </a:p>
-          <a:p>
-            <a:pPr lvl="8" marL="0" indent="1828800">
-              <a:spcBef>
-                <a:spcPts val="300"/>
-              </a:spcBef>
-              <a:buSzTx/>
-              <a:buNone/>
-              <a:defRPr sz="3000">
-                <a:latin typeface="Courier New"/>
-                <a:ea typeface="Courier New"/>
-                <a:cs typeface="Courier New"/>
-                <a:sym typeface="Courier New"/>
-              </a:defRPr>
-            </a:pPr>
-            <a:r>
-              <a:rPr sz="2800"/>
-              <a:t>=1+log</a:t>
-            </a:r>
-            <a:r>
-              <a:rPr baseline="31999" sz="2800"/>
-              <a:t>*</a:t>
-            </a:r>
-            <a:r>
-              <a:rPr sz="2800"/>
-              <a:t>16=1+</a:t>
-            </a:r>
-            <a:r>
-              <a:t>3 = 4</a:t>
-            </a:r>
-          </a:p>
-          <a:p>
-            <a:pPr lvl="3" marL="0" indent="685800">
-              <a:spcBef>
-                <a:spcPts val="300"/>
-              </a:spcBef>
-              <a:buSzTx/>
-              <a:buNone/>
-              <a:defRPr sz="3000">
-                <a:latin typeface="Courier New"/>
-                <a:ea typeface="Courier New"/>
-                <a:cs typeface="Courier New"/>
-                <a:sym typeface="Courier New"/>
-              </a:defRPr>
-            </a:pPr>
-            <a:r>
-              <a:t>log</a:t>
-            </a:r>
-            <a:r>
-              <a:rPr baseline="31999"/>
-              <a:t>*</a:t>
-            </a:r>
-            <a:r>
-              <a:t>2</a:t>
-            </a:r>
-            <a:r>
-              <a:rPr baseline="31999"/>
-              <a:t>65536</a:t>
-            </a:r>
-            <a:r>
-              <a:t>=</a:t>
-            </a:r>
-            <a:r>
-              <a:rPr sz="2800"/>
-              <a:t>1+log</a:t>
-            </a:r>
-            <a:r>
-              <a:rPr baseline="31999" sz="2800"/>
-              <a:t>*</a:t>
-            </a:r>
-            <a:r>
-              <a:rPr sz="2800"/>
-              <a:t>65536 = 5</a:t>
-            </a:r>
-            <a:r>
-              <a:rPr sz="2600"/>
-              <a:t> (very large n)</a:t>
-            </a:r>
-          </a:p>
-        </p:txBody>
-      </p:sp>
-      <p:sp>
-        <p:nvSpPr>
-          <p:cNvPr id="249" name="Slide Number"/>
-          <p:cNvSpPr txBox="1"/>
-          <p:nvPr>
-            <p:ph type="sldNum" sz="quarter" idx="2"/>
-          </p:nvPr>
-        </p:nvSpPr>
-        <p:spPr>
-          <a:prstGeom prst="rect">
-            <a:avLst/>
-          </a:prstGeom>
-          <a:extLst>
-            <a:ext uri="{C572A759-6A51-4108-AA02-DFA0A04FC94B}">
-              <ma14:wrappingTextBoxFlag xmlns:ma14="http://schemas.microsoft.com/office/mac/drawingml/2011/main" val="1"/>
-            </a:ext>
-          </a:extLst>
-        </p:spPr>
-        <p:txBody>
-          <a:bodyPr/>
-          <a:lstStyle/>
-          <a:p>
-            <a:pPr/>
-            <a:fld id="{86CB4B4D-7CA3-9044-876B-883B54F8677D}" type="slidenum"/>
-          </a:p>
-        </p:txBody>
-      </p:sp>
-      <p:sp>
-        <p:nvSpPr>
-          <p:cNvPr id="250" name="DAA/Greedy Algorithms"/>
-          <p:cNvSpPr txBox="1"/>
-          <p:nvPr/>
-        </p:nvSpPr>
-        <p:spPr>
-          <a:xfrm>
-            <a:off x="423212" y="6963885"/>
-            <a:ext cx="3244911" cy="431552"/>
-          </a:xfrm>
-          <a:prstGeom prst="rect">
-            <a:avLst/>
-          </a:prstGeom>
-          <a:ln w="12700">
-            <a:miter lim="400000"/>
-          </a:ln>
-          <a:extLst>
-            <a:ext uri="{C572A759-6A51-4108-AA02-DFA0A04FC94B}">
-              <ma14:wrappingTextBoxFlag xmlns:ma14="http://schemas.microsoft.com/office/mac/drawingml/2011/main" val="1"/>
-            </a:ext>
-          </a:extLst>
-        </p:spPr>
-        <p:txBody>
-          <a:bodyPr wrap="none" lIns="50800" tIns="50800" rIns="50800" bIns="50800" anchor="ctr">
-            <a:spAutoFit/>
-          </a:bodyPr>
-          <a:lstStyle>
-            <a:lvl1pPr>
-              <a:defRPr sz="2400"/>
-            </a:lvl1pPr>
-          </a:lstStyle>
-          <a:p>
-            <a:pPr/>
-            <a:r>
-              <a:t>DAA/Greedy Algorithms</a:t>
-            </a:r>
-          </a:p>
-        </p:txBody>
-      </p:sp>
-      <p:sp>
-        <p:nvSpPr>
-          <p:cNvPr id="251" name="RPR/"/>
-          <p:cNvSpPr txBox="1"/>
-          <p:nvPr/>
-        </p:nvSpPr>
-        <p:spPr>
-          <a:xfrm>
-            <a:off x="7535212" y="6988206"/>
-            <a:ext cx="705605" cy="382910"/>
-          </a:xfrm>
-          <a:prstGeom prst="rect">
-            <a:avLst/>
-          </a:prstGeom>
-          <a:ln w="12700">
-            <a:miter lim="400000"/>
-          </a:ln>
-          <a:extLst>
-            <a:ext uri="{C572A759-6A51-4108-AA02-DFA0A04FC94B}">
-              <ma14:wrappingTextBoxFlag xmlns:ma14="http://schemas.microsoft.com/office/mac/drawingml/2011/main" val="1"/>
-            </a:ext>
-          </a:extLst>
-        </p:spPr>
-        <p:txBody>
-          <a:bodyPr wrap="none" lIns="50800" tIns="50800" rIns="50800" bIns="50800" anchor="ctr">
-            <a:spAutoFit/>
-          </a:bodyPr>
-          <a:lstStyle>
-            <a:lvl1pPr>
-              <a:defRPr sz="2000"/>
-            </a:lvl1pPr>
-          </a:lstStyle>
-          <a:p>
-            <a:pPr/>
-            <a:r>
-              <a:t>RPR/</a:t>
-            </a:r>
-          </a:p>
-        </p:txBody>
-      </p:sp>
-    </p:spTree>
-  </p:cSld>
-  <p:clrMapOvr>
-    <a:masterClrMapping/>
-  </p:clrMapOvr>
-  <p:transition xmlns:p14="http://schemas.microsoft.com/office/powerpoint/2010/main" spd="med" advClick="1"/>
-</p:sld>
-</file>
-
-<file path=ppt/slides/slide27.xml><?xml version="1.0" encoding="utf-8"?>
-<p:sld xmlns:a="http://schemas.openxmlformats.org/drawingml/2006/main" xmlns:r="http://schemas.openxmlformats.org/officeDocument/2006/relationships" xmlns:p="http://schemas.openxmlformats.org/presentationml/2006/main" xmlns:m="http://schemas.openxmlformats.org/officeDocument/2006/math" xmlns:a14="http://schemas.microsoft.com/office/drawing/2010/main" showMasterSp="1" showMasterPhAnim="1">
-  <p:cSld>
-    <p:spTree>
-      <p:nvGrpSpPr>
-        <p:cNvPr id="1" name=""/>
-        <p:cNvGrpSpPr/>
-        <p:nvPr/>
-      </p:nvGrpSpPr>
-      <p:grpSpPr>
-        <a:xfrm>
-          <a:off x="0" y="0"/>
-          <a:ext cx="0" cy="0"/>
-          <a:chOff x="0" y="0"/>
-          <a:chExt cx="0" cy="0"/>
-        </a:xfrm>
-      </p:grpSpPr>
-      <p:sp>
-        <p:nvSpPr>
-          <p:cNvPr id="253" name="Fast Job Scheduling (Union-Find)"/>
-          <p:cNvSpPr txBox="1"/>
-          <p:nvPr>
-            <p:ph type="title"/>
-          </p:nvPr>
-        </p:nvSpPr>
-        <p:spPr>
-          <a:prstGeom prst="rect">
-            <a:avLst/>
-          </a:prstGeom>
-        </p:spPr>
-        <p:txBody>
-          <a:bodyPr/>
-          <a:lstStyle/>
-          <a:p>
-            <a:pPr/>
-            <a:r>
-              <a:t>Fast Job Scheduling (Union-Find)</a:t>
-            </a:r>
-          </a:p>
-        </p:txBody>
-      </p:sp>
-      <p:sp>
-        <p:nvSpPr>
-          <p:cNvPr id="254" name="Let i denote the timeslot i…"/>
-          <p:cNvSpPr txBox="1"/>
-          <p:nvPr>
-            <p:ph type="body" idx="1"/>
-          </p:nvPr>
-        </p:nvSpPr>
-        <p:spPr>
-          <a:prstGeom prst="rect">
-            <a:avLst/>
-          </a:prstGeom>
-        </p:spPr>
-        <p:txBody>
-          <a:bodyPr/>
-          <a:lstStyle/>
-          <a:p>
-            <a:pPr/>
-            <a:r>
-              <a:t>Let </a:t>
-            </a:r>
-            <a:r>
-              <a:rPr>
-                <a:latin typeface="Courier New"/>
-                <a:ea typeface="Courier New"/>
-                <a:cs typeface="Courier New"/>
-                <a:sym typeface="Courier New"/>
-              </a:rPr>
-              <a:t>i</a:t>
-            </a:r>
-            <a:r>
-              <a:t> denote the timeslot </a:t>
-            </a:r>
-            <a:r>
-              <a:rPr>
-                <a:latin typeface="Courier New"/>
-                <a:ea typeface="Courier New"/>
-                <a:cs typeface="Courier New"/>
-                <a:sym typeface="Courier New"/>
-              </a:rPr>
-              <a:t>i</a:t>
-            </a:r>
-          </a:p>
-          <a:p>
-            <a:pPr lvl="1"/>
-            <a:r>
-              <a:t>At the start time, each time slot is its own set</a:t>
-            </a:r>
-          </a:p>
-          <a:p>
-            <a:pPr/>
-            <a:r>
-              <a:t>There are m timeslots, where</a:t>
-            </a:r>
-          </a:p>
-          <a:p>
-            <a:pPr lvl="3" marL="0" indent="685800">
-              <a:spcBef>
-                <a:spcPts val="600"/>
-              </a:spcBef>
-              <a:buSzTx/>
-              <a:buNone/>
-              <a:defRPr sz="3000">
-                <a:latin typeface="Courier New"/>
-                <a:ea typeface="Courier New"/>
-                <a:cs typeface="Courier New"/>
-                <a:sym typeface="Courier New"/>
-              </a:defRPr>
-            </a:pPr>
-            <a:r>
-              <a:t>m = min(n, max(d</a:t>
-            </a:r>
-            <a:r>
-              <a:rPr baseline="-5999"/>
-              <a:t>i</a:t>
-            </a:r>
-            <a:r>
-              <a:t>))</a:t>
-            </a:r>
-          </a:p>
-          <a:p>
-            <a:pPr lvl="2">
-              <a:spcBef>
-                <a:spcPts val="600"/>
-              </a:spcBef>
-              <a:defRPr sz="3000"/>
-            </a:pPr>
-            <a:r>
-              <a:t>i.e. the latest deadline</a:t>
-            </a:r>
-          </a:p>
-          <a:p>
-            <a:pPr marL="362416" indent="-322729"/>
-            <a:r>
-              <a:t>Each set of </a:t>
-            </a:r>
-            <a:r>
-              <a:rPr>
-                <a:latin typeface="Courier New"/>
-                <a:ea typeface="Courier New"/>
-                <a:cs typeface="Courier New"/>
-                <a:sym typeface="Courier New"/>
-              </a:rPr>
-              <a:t>k</a:t>
-            </a:r>
-            <a:r>
-              <a:t> slots has a value </a:t>
-            </a:r>
-            <a:r>
-              <a:rPr>
-                <a:latin typeface="Courier New"/>
-                <a:ea typeface="Courier New"/>
-                <a:cs typeface="Courier New"/>
-                <a:sym typeface="Courier New"/>
-              </a:rPr>
-              <a:t>F(k)</a:t>
-            </a:r>
-            <a:r>
-              <a:t> for all slots </a:t>
-            </a:r>
-            <a:r>
-              <a:rPr>
-                <a:latin typeface="Courier New"/>
-                <a:ea typeface="Courier New"/>
-                <a:cs typeface="Courier New"/>
-                <a:sym typeface="Courier New"/>
-              </a:rPr>
-              <a:t>i</a:t>
-            </a:r>
-            <a:r>
-              <a:t> set </a:t>
-            </a:r>
-            <a:r>
-              <a:rPr>
-                <a:latin typeface="Courier New"/>
-                <a:ea typeface="Courier New"/>
-                <a:cs typeface="Courier New"/>
-                <a:sym typeface="Courier New"/>
-              </a:rPr>
-              <a:t>k</a:t>
-            </a:r>
-          </a:p>
-          <a:p>
-            <a:pPr lvl="1" marL="663178" indent="-267890">
-              <a:buChar char="•"/>
-            </a:pPr>
-            <a:r>
-              <a:rPr>
-                <a:latin typeface="Courier New"/>
-                <a:ea typeface="Courier New"/>
-                <a:cs typeface="Courier New"/>
-                <a:sym typeface="Courier New"/>
-              </a:rPr>
-              <a:t>F(k):</a:t>
-            </a:r>
-            <a:r>
-              <a:t>Stores highest free timeslot before this time</a:t>
-            </a:r>
-          </a:p>
-          <a:p>
-            <a:pPr lvl="1" marL="663178" indent="-267890">
-              <a:buChar char="•"/>
-            </a:pPr>
-            <a:r>
-              <a:rPr>
-                <a:latin typeface="Courier New"/>
-                <a:ea typeface="Courier New"/>
-                <a:cs typeface="Courier New"/>
-                <a:sym typeface="Courier New"/>
-              </a:rPr>
-              <a:t>F(k):</a:t>
-            </a:r>
-            <a:r>
-              <a:t>Defined only for root node in set</a:t>
-            </a:r>
-          </a:p>
-          <a:p>
-            <a:pPr marL="362416" indent="-322729"/>
-            <a:r>
-              <a:t>Initially all slots are free</a:t>
-            </a:r>
-          </a:p>
-        </p:txBody>
-      </p:sp>
-      <p:sp>
-        <p:nvSpPr>
-          <p:cNvPr id="255" name="Slide Number"/>
-          <p:cNvSpPr txBox="1"/>
-          <p:nvPr>
-            <p:ph type="sldNum" sz="quarter" idx="2"/>
-          </p:nvPr>
-        </p:nvSpPr>
-        <p:spPr>
-          <a:prstGeom prst="rect">
-            <a:avLst/>
-          </a:prstGeom>
-          <a:extLst>
-            <a:ext uri="{C572A759-6A51-4108-AA02-DFA0A04FC94B}">
-              <ma14:wrappingTextBoxFlag xmlns:ma14="http://schemas.microsoft.com/office/mac/drawingml/2011/main" val="1"/>
-            </a:ext>
-          </a:extLst>
-        </p:spPr>
-        <p:txBody>
-          <a:bodyPr/>
-          <a:lstStyle/>
-          <a:p>
-            <a:pPr/>
-            <a:fld id="{86CB4B4D-7CA3-9044-876B-883B54F8677D}" type="slidenum"/>
-          </a:p>
-        </p:txBody>
-      </p:sp>
-      <p:sp>
-        <p:nvSpPr>
-          <p:cNvPr id="256" name="DAA/Greedy Algorithms"/>
-          <p:cNvSpPr txBox="1"/>
-          <p:nvPr/>
-        </p:nvSpPr>
-        <p:spPr>
-          <a:xfrm>
-            <a:off x="423212" y="6963885"/>
-            <a:ext cx="3244911" cy="431552"/>
-          </a:xfrm>
-          <a:prstGeom prst="rect">
-            <a:avLst/>
-          </a:prstGeom>
-          <a:ln w="12700">
-            <a:miter lim="400000"/>
-          </a:ln>
-          <a:extLst>
-            <a:ext uri="{C572A759-6A51-4108-AA02-DFA0A04FC94B}">
-              <ma14:wrappingTextBoxFlag xmlns:ma14="http://schemas.microsoft.com/office/mac/drawingml/2011/main" val="1"/>
-            </a:ext>
-          </a:extLst>
-        </p:spPr>
-        <p:txBody>
-          <a:bodyPr wrap="none" lIns="50800" tIns="50800" rIns="50800" bIns="50800" anchor="ctr">
-            <a:spAutoFit/>
-          </a:bodyPr>
-          <a:lstStyle>
-            <a:lvl1pPr>
-              <a:defRPr sz="2400"/>
-            </a:lvl1pPr>
-          </a:lstStyle>
-          <a:p>
-            <a:pPr/>
-            <a:r>
-              <a:t>DAA/Greedy Algorithms</a:t>
-            </a:r>
-          </a:p>
-        </p:txBody>
-      </p:sp>
-      <p:sp>
-        <p:nvSpPr>
-          <p:cNvPr id="257" name="RPR/"/>
-          <p:cNvSpPr txBox="1"/>
-          <p:nvPr/>
-        </p:nvSpPr>
-        <p:spPr>
-          <a:xfrm>
-            <a:off x="7535212" y="6988206"/>
-            <a:ext cx="705605" cy="382910"/>
-          </a:xfrm>
-          <a:prstGeom prst="rect">
-            <a:avLst/>
-          </a:prstGeom>
-          <a:ln w="12700">
-            <a:miter lim="400000"/>
-          </a:ln>
-          <a:extLst>
-            <a:ext uri="{C572A759-6A51-4108-AA02-DFA0A04FC94B}">
-              <ma14:wrappingTextBoxFlag xmlns:ma14="http://schemas.microsoft.com/office/mac/drawingml/2011/main" val="1"/>
-            </a:ext>
-          </a:extLst>
-        </p:spPr>
-        <p:txBody>
-          <a:bodyPr wrap="none" lIns="50800" tIns="50800" rIns="50800" bIns="50800" anchor="ctr">
-            <a:spAutoFit/>
-          </a:bodyPr>
-          <a:lstStyle>
-            <a:lvl1pPr>
-              <a:defRPr sz="2000"/>
-            </a:lvl1pPr>
-          </a:lstStyle>
-          <a:p>
-            <a:pPr/>
-            <a:r>
-              <a:t>RPR/</a:t>
-            </a:r>
-          </a:p>
-        </p:txBody>
-      </p:sp>
-    </p:spTree>
-  </p:cSld>
-  <p:clrMapOvr>
-    <a:masterClrMapping/>
-  </p:clrMapOvr>
-  <p:transition xmlns:p14="http://schemas.microsoft.com/office/powerpoint/2010/main" spd="med" advClick="1"/>
-</p:sld>
-</file>
-
-<file path=ppt/slides/slide28.xml><?xml version="1.0" encoding="utf-8"?>
-<p:sld xmlns:a="http://schemas.openxmlformats.org/drawingml/2006/main" xmlns:r="http://schemas.openxmlformats.org/officeDocument/2006/relationships" xmlns:p="http://schemas.openxmlformats.org/presentationml/2006/main" xmlns:m="http://schemas.openxmlformats.org/officeDocument/2006/math" xmlns:a14="http://schemas.microsoft.com/office/drawing/2010/main" showMasterSp="1" showMasterPhAnim="1">
-  <p:cSld>
-    <p:spTree>
-      <p:nvGrpSpPr>
-        <p:cNvPr id="1" name=""/>
-        <p:cNvGrpSpPr/>
-        <p:nvPr/>
-      </p:nvGrpSpPr>
-      <p:grpSpPr>
-        <a:xfrm>
-          <a:off x="0" y="0"/>
-          <a:ext cx="0" cy="0"/>
-          <a:chOff x="0" y="0"/>
-          <a:chExt cx="0" cy="0"/>
-        </a:xfrm>
-      </p:grpSpPr>
-      <p:sp>
-        <p:nvSpPr>
-          <p:cNvPr id="259" name="Summary"/>
-          <p:cNvSpPr txBox="1"/>
-          <p:nvPr>
-            <p:ph type="title"/>
-          </p:nvPr>
-        </p:nvSpPr>
-        <p:spPr>
-          <a:prstGeom prst="rect">
-            <a:avLst/>
-          </a:prstGeom>
-        </p:spPr>
-        <p:txBody>
-          <a:bodyPr/>
-          <a:lstStyle/>
-          <a:p>
-            <a:pPr/>
-            <a:r>
-              <a:t>Summary</a:t>
-            </a:r>
-          </a:p>
-        </p:txBody>
-      </p:sp>
-      <p:sp>
-        <p:nvSpPr>
-          <p:cNvPr id="260" name="?"/>
-          <p:cNvSpPr txBox="1"/>
-          <p:nvPr>
-            <p:ph type="body" idx="1"/>
-          </p:nvPr>
-        </p:nvSpPr>
-        <p:spPr>
-          <a:prstGeom prst="rect">
-            <a:avLst/>
-          </a:prstGeom>
-        </p:spPr>
-        <p:txBody>
-          <a:bodyPr/>
-          <a:lstStyle/>
-          <a:p>
-            <a:pPr/>
-            <a:r>
-              <a:t>?</a:t>
-            </a:r>
-          </a:p>
-        </p:txBody>
-      </p:sp>
-      <p:sp>
-        <p:nvSpPr>
-          <p:cNvPr id="261" name="Slide Number"/>
-          <p:cNvSpPr txBox="1"/>
-          <p:nvPr>
-            <p:ph type="sldNum" sz="quarter" idx="2"/>
-          </p:nvPr>
-        </p:nvSpPr>
-        <p:spPr>
-          <a:prstGeom prst="rect">
-            <a:avLst/>
-          </a:prstGeom>
-          <a:extLst>
-            <a:ext uri="{C572A759-6A51-4108-AA02-DFA0A04FC94B}">
-              <ma14:wrappingTextBoxFlag xmlns:ma14="http://schemas.microsoft.com/office/mac/drawingml/2011/main" val="1"/>
-            </a:ext>
-          </a:extLst>
-        </p:spPr>
-        <p:txBody>
-          <a:bodyPr/>
-          <a:lstStyle/>
-          <a:p>
-            <a:pPr/>
-            <a:fld id="{86CB4B4D-7CA3-9044-876B-883B54F8677D}" type="slidenum"/>
-          </a:p>
-        </p:txBody>
-      </p:sp>
-      <p:sp>
-        <p:nvSpPr>
-          <p:cNvPr id="262" name="DAA/Greedy Algorithms"/>
-          <p:cNvSpPr txBox="1"/>
-          <p:nvPr/>
-        </p:nvSpPr>
-        <p:spPr>
-          <a:xfrm>
-            <a:off x="423212" y="6963885"/>
-            <a:ext cx="3244911" cy="431552"/>
-          </a:xfrm>
-          <a:prstGeom prst="rect">
-            <a:avLst/>
-          </a:prstGeom>
-          <a:ln w="12700">
-            <a:miter lim="400000"/>
-          </a:ln>
-          <a:extLst>
-            <a:ext uri="{C572A759-6A51-4108-AA02-DFA0A04FC94B}">
-              <ma14:wrappingTextBoxFlag xmlns:ma14="http://schemas.microsoft.com/office/mac/drawingml/2011/main" val="1"/>
-            </a:ext>
-          </a:extLst>
-        </p:spPr>
-        <p:txBody>
-          <a:bodyPr wrap="none" lIns="50800" tIns="50800" rIns="50800" bIns="50800" anchor="ctr">
-            <a:spAutoFit/>
-          </a:bodyPr>
-          <a:lstStyle>
-            <a:lvl1pPr>
-              <a:defRPr sz="2400"/>
-            </a:lvl1pPr>
-          </a:lstStyle>
-          <a:p>
-            <a:pPr/>
-            <a:r>
-              <a:t>DAA/Greedy Algorithms</a:t>
-            </a:r>
-          </a:p>
-        </p:txBody>
-      </p:sp>
-      <p:sp>
-        <p:nvSpPr>
-          <p:cNvPr id="263" name="RPR/"/>
-          <p:cNvSpPr txBox="1"/>
-          <p:nvPr/>
-        </p:nvSpPr>
-        <p:spPr>
-          <a:xfrm>
-            <a:off x="7535212" y="6988206"/>
-            <a:ext cx="705605" cy="382910"/>
-          </a:xfrm>
-          <a:prstGeom prst="rect">
-            <a:avLst/>
-          </a:prstGeom>
-          <a:ln w="12700">
-            <a:miter lim="400000"/>
-          </a:ln>
-          <a:extLst>
-            <a:ext uri="{C572A759-6A51-4108-AA02-DFA0A04FC94B}">
-              <ma14:wrappingTextBoxFlag xmlns:ma14="http://schemas.microsoft.com/office/mac/drawingml/2011/main" val="1"/>
-            </a:ext>
-          </a:extLst>
-        </p:spPr>
-        <p:txBody>
-          <a:bodyPr wrap="none" lIns="50800" tIns="50800" rIns="50800" bIns="50800" anchor="ctr">
-            <a:spAutoFit/>
-          </a:bodyPr>
-          <a:lstStyle>
-            <a:lvl1pPr>
-              <a:defRPr sz="2000"/>
-            </a:lvl1pPr>
-          </a:lstStyle>
-          <a:p>
-            <a:pPr/>
-            <a:r>
-              <a:t>RPR/</a:t>
-            </a:r>
-          </a:p>
-        </p:txBody>
-      </p:sp>
-    </p:spTree>
-  </p:cSld>
-  <p:clrMapOvr>
-    <a:masterClrMapping/>
-  </p:clrMapOvr>
-  <p:transition xmlns:p14="http://schemas.microsoft.com/office/powerpoint/2010/main" spd="med" advClick="1"/>
 </p:sld>
 </file>
 
@@ -20205,7 +11471,19 @@
               </a:spcBef>
             </a:pPr>
             <a:r>
-              <a:t>In college fest which starts at 9:00am, there are a number of available events as below to participate, and each event takes 1 unit of time (e.g. </a:t>
+              <a:t>In college fest which starts at 9:00am, there are a number of available events as below to participate, and each event takes </a:t>
+            </a:r>
+            <a:r>
+              <a:rPr>
+                <a:latin typeface="Courier New"/>
+                <a:ea typeface="Courier New"/>
+                <a:cs typeface="Courier New"/>
+                <a:sym typeface="Courier New"/>
+              </a:rPr>
+              <a:t>1</a:t>
+            </a:r>
+            <a:r>
+              <a:t> unit of time (e.g. </a:t>
             </a:r>
             <a:r>
               <a:rPr>
@@ -22087,10 +13365,10 @@
       </p:par>
     </p:tnLst>
     <p:bldLst>
+      <p:bldP build="whole" bldLvl="1" animBg="1" rev="0" advAuto="0" spid="61" grpId="4"/>
       <p:bldP build="p" bldLvl="5" animBg="1" rev="0" advAuto="0" spid="54" grpId="1"/>
+      <p:bldP build="whole" bldLvl="1" animBg="1" rev="0" advAuto="0" spid="58" grpId="2"/>
       <p:bldP build="whole" bldLvl="1" animBg="1" rev="0" advAuto="0" spid="59" grpId="3"/>
-      <p:bldP build="whole" bldLvl="1" animBg="1" rev="0" advAuto="0" spid="58" grpId="2"/>
-      <p:bldP build="whole" bldLvl="1" animBg="1" rev="0" advAuto="0" spid="61" grpId="4"/>
     </p:bldLst>
   </p:timing>
 </p:sld>
@@ -24893,9 +16171,9 @@
       </p:par>
     </p:tnLst>
     <p:bldLst>
+      <p:bldP build="whole" bldLvl="1" animBg="1" rev="0" advAuto="0" spid="74" grpId="2"/>
+      <p:bldP build="whole" bldLvl="1" animBg="1" rev="0" advAuto="0" spid="73" grpId="1"/>
       <p:bldP build="whole" bldLvl="1" animBg="1" rev="0" advAuto="0" spid="75" grpId="3"/>
-      <p:bldP build="whole" bldLvl="1" animBg="1" rev="0" advAuto="0" spid="73" grpId="1"/>
-      <p:bldP build="whole" bldLvl="1" animBg="1" rev="0" advAuto="0" spid="74" grpId="2"/>
     </p:bldLst>
   </p:timing>
 </p:sld>
@@ -27605,8 +18883,8 @@
       </p:par>
     </p:tnLst>
     <p:bldLst>
+      <p:bldP build="whole" bldLvl="1" animBg="1" rev="0" advAuto="0" spid="88" grpId="1"/>
       <p:bldP build="p" bldLvl="5" animBg="1" rev="0" advAuto="0" spid="84" grpId="2"/>
-      <p:bldP build="whole" bldLvl="1" animBg="1" rev="0" advAuto="0" spid="88" grpId="1"/>
     </p:bldLst>
   </p:timing>
 </p:sld>

--- a/Slides-RPR/2019-H1-DAA-L23-Greedy-Algo-JobScheduling.pptx
+++ b/Slides-RPR/2019-H1-DAA-L23-Greedy-Algo-JobScheduling.pptx
@@ -2459,7 +2459,7 @@
       </p:grpSpPr>
       <p:sp>
         <p:nvSpPr>
-          <p:cNvPr id="102" name="Algo High Level"/>
+          <p:cNvPr id="101" name="Algo High Level"/>
           <p:cNvSpPr txBox="1"/>
           <p:nvPr>
             <p:ph type="title"/>
@@ -2483,7 +2483,7 @@
       </p:sp>
       <p:sp>
         <p:nvSpPr>
-          <p:cNvPr id="103" name="Algo GreedyJob(int d[], set J, int n) {…"/>
+          <p:cNvPr id="102" name="Algo GreedyJob(int d[], set J, int n) {…"/>
           <p:cNvSpPr txBox="1"/>
           <p:nvPr>
             <p:ph type="body" idx="1"/>
@@ -2833,7 +2833,7 @@
       </p:sp>
       <p:sp>
         <p:nvSpPr>
-          <p:cNvPr id="104" name="Slide Number"/>
+          <p:cNvPr id="103" name="Slide Number"/>
           <p:cNvSpPr txBox="1"/>
           <p:nvPr>
             <p:ph type="sldNum" sz="quarter" idx="2"/>
@@ -2860,7 +2860,7 @@
       </p:sp>
       <p:sp>
         <p:nvSpPr>
-          <p:cNvPr id="105" name="DAA/Greedy Algorithms"/>
+          <p:cNvPr id="104" name="DAA/Greedy Algorithms"/>
           <p:cNvSpPr txBox="1"/>
           <p:nvPr/>
         </p:nvSpPr>
@@ -2900,7 +2900,7 @@
       </p:sp>
       <p:sp>
         <p:nvSpPr>
-          <p:cNvPr id="106" name="RPR/"/>
+          <p:cNvPr id="105" name="RPR/"/>
           <p:cNvSpPr txBox="1"/>
           <p:nvPr/>
         </p:nvSpPr>
@@ -2977,7 +2977,7 @@
                                       <p:cBhvr>
                                         <p:cTn id="6" fill="hold"/>
                                         <p:tgtEl>
-                                          <p:spTgt spid="103">
+                                          <p:spTgt spid="102">
                                             <p:bg/>
                                           </p:spTgt>
                                         </p:tgtEl>
@@ -3005,7 +3005,7 @@
                                       <p:cBhvr>
                                         <p:cTn id="8" fill="hold"/>
                                         <p:tgtEl>
-                                          <p:spTgt spid="103">
+                                          <p:spTgt spid="102">
                                             <p:txEl>
                                               <p:pRg st="0" end="0"/>
                                             </p:txEl>
@@ -3053,7 +3053,7 @@
                                       <p:cBhvr>
                                         <p:cTn id="12" fill="hold"/>
                                         <p:tgtEl>
-                                          <p:spTgt spid="103">
+                                          <p:spTgt spid="102">
                                             <p:txEl>
                                               <p:pRg st="1" end="1"/>
                                             </p:txEl>
@@ -3101,7 +3101,7 @@
                                       <p:cBhvr>
                                         <p:cTn id="16" fill="hold"/>
                                         <p:tgtEl>
-                                          <p:spTgt spid="103">
+                                          <p:spTgt spid="102">
                                             <p:txEl>
                                               <p:pRg st="2" end="2"/>
                                             </p:txEl>
@@ -3149,7 +3149,7 @@
                                       <p:cBhvr>
                                         <p:cTn id="20" fill="hold"/>
                                         <p:tgtEl>
-                                          <p:spTgt spid="103">
+                                          <p:spTgt spid="102">
                                             <p:txEl>
                                               <p:pRg st="3" end="3"/>
                                             </p:txEl>
@@ -3197,7 +3197,7 @@
                                       <p:cBhvr>
                                         <p:cTn id="24" fill="hold"/>
                                         <p:tgtEl>
-                                          <p:spTgt spid="103">
+                                          <p:spTgt spid="102">
                                             <p:txEl>
                                               <p:pRg st="4" end="4"/>
                                             </p:txEl>
@@ -3245,7 +3245,7 @@
                                       <p:cBhvr>
                                         <p:cTn id="28" fill="hold"/>
                                         <p:tgtEl>
-                                          <p:spTgt spid="103">
+                                          <p:spTgt spid="102">
                                             <p:txEl>
                                               <p:pRg st="5" end="5"/>
                                             </p:txEl>
@@ -3293,7 +3293,7 @@
                                       <p:cBhvr>
                                         <p:cTn id="32" fill="hold"/>
                                         <p:tgtEl>
-                                          <p:spTgt spid="103">
+                                          <p:spTgt spid="102">
                                             <p:txEl>
                                               <p:pRg st="6" end="6"/>
                                             </p:txEl>
@@ -3341,7 +3341,7 @@
                                       <p:cBhvr>
                                         <p:cTn id="36" fill="hold"/>
                                         <p:tgtEl>
-                                          <p:spTgt spid="103">
+                                          <p:spTgt spid="102">
                                             <p:txEl>
                                               <p:pRg st="7" end="7"/>
                                             </p:txEl>
@@ -3389,7 +3389,7 @@
                                       <p:cBhvr>
                                         <p:cTn id="40" fill="hold"/>
                                         <p:tgtEl>
-                                          <p:spTgt spid="103">
+                                          <p:spTgt spid="102">
                                             <p:txEl>
                                               <p:pRg st="8" end="8"/>
                                             </p:txEl>
@@ -3434,7 +3434,7 @@
       </p:par>
     </p:tnLst>
     <p:bldLst>
-      <p:bldP build="p" bldLvl="5" animBg="1" rev="0" advAuto="0" spid="103" grpId="1"/>
+      <p:bldP build="p" bldLvl="5" animBg="1" rev="0" advAuto="0" spid="102" grpId="1"/>
     </p:bldLst>
   </p:timing>
 </p:sld>
@@ -3459,7 +3459,7 @@
       </p:grpSpPr>
       <p:sp>
         <p:nvSpPr>
-          <p:cNvPr id="108" name="Algo-1: Job Scheduling"/>
+          <p:cNvPr id="107" name="Algo-1: Job Scheduling"/>
           <p:cNvSpPr txBox="1"/>
           <p:nvPr>
             <p:ph type="title"/>
@@ -3483,7 +3483,7 @@
       </p:sp>
       <p:sp>
         <p:nvSpPr>
-          <p:cNvPr id="109" name="int JobSchedule2(int d[], int j[], int n) {…"/>
+          <p:cNvPr id="108" name="int JobSchedule2(int d[], int j[], int n) {…"/>
           <p:cNvSpPr txBox="1"/>
           <p:nvPr>
             <p:ph type="body" idx="1"/>
@@ -4010,7 +4010,7 @@
       </p:sp>
       <p:sp>
         <p:nvSpPr>
-          <p:cNvPr id="110" name="Slide Number"/>
+          <p:cNvPr id="109" name="Slide Number"/>
           <p:cNvSpPr txBox="1"/>
           <p:nvPr>
             <p:ph type="sldNum" sz="quarter" idx="2"/>
@@ -4037,7 +4037,7 @@
       </p:sp>
       <p:sp>
         <p:nvSpPr>
-          <p:cNvPr id="111" name="DAA/Greedy Algorithms"/>
+          <p:cNvPr id="110" name="DAA/Greedy Algorithms"/>
           <p:cNvSpPr txBox="1"/>
           <p:nvPr/>
         </p:nvSpPr>
@@ -4077,7 +4077,7 @@
       </p:sp>
       <p:sp>
         <p:nvSpPr>
-          <p:cNvPr id="112" name="RPR/"/>
+          <p:cNvPr id="111" name="RPR/"/>
           <p:cNvSpPr txBox="1"/>
           <p:nvPr/>
         </p:nvSpPr>
@@ -4154,7 +4154,7 @@
                                       <p:cBhvr>
                                         <p:cTn id="6" fill="hold"/>
                                         <p:tgtEl>
-                                          <p:spTgt spid="109">
+                                          <p:spTgt spid="108">
                                             <p:bg/>
                                           </p:spTgt>
                                         </p:tgtEl>
@@ -4182,7 +4182,7 @@
                                       <p:cBhvr>
                                         <p:cTn id="8" fill="hold"/>
                                         <p:tgtEl>
-                                          <p:spTgt spid="109">
+                                          <p:spTgt spid="108">
                                             <p:txEl>
                                               <p:pRg st="0" end="0"/>
                                             </p:txEl>
@@ -4230,7 +4230,7 @@
                                       <p:cBhvr>
                                         <p:cTn id="12" fill="hold"/>
                                         <p:tgtEl>
-                                          <p:spTgt spid="109">
+                                          <p:spTgt spid="108">
                                             <p:txEl>
                                               <p:pRg st="1" end="1"/>
                                             </p:txEl>
@@ -4278,7 +4278,7 @@
                                       <p:cBhvr>
                                         <p:cTn id="16" fill="hold"/>
                                         <p:tgtEl>
-                                          <p:spTgt spid="109">
+                                          <p:spTgt spid="108">
                                             <p:txEl>
                                               <p:pRg st="2" end="2"/>
                                             </p:txEl>
@@ -4326,7 +4326,7 @@
                                       <p:cBhvr>
                                         <p:cTn id="20" fill="hold"/>
                                         <p:tgtEl>
-                                          <p:spTgt spid="109">
+                                          <p:spTgt spid="108">
                                             <p:txEl>
                                               <p:pRg st="3" end="3"/>
                                             </p:txEl>
@@ -4374,7 +4374,7 @@
                                       <p:cBhvr>
                                         <p:cTn id="24" fill="hold"/>
                                         <p:tgtEl>
-                                          <p:spTgt spid="109">
+                                          <p:spTgt spid="108">
                                             <p:txEl>
                                               <p:pRg st="4" end="4"/>
                                             </p:txEl>
@@ -4422,7 +4422,7 @@
                                       <p:cBhvr>
                                         <p:cTn id="28" fill="hold"/>
                                         <p:tgtEl>
-                                          <p:spTgt spid="109">
+                                          <p:spTgt spid="108">
                                             <p:txEl>
                                               <p:pRg st="5" end="5"/>
                                             </p:txEl>
@@ -4470,7 +4470,7 @@
                                       <p:cBhvr>
                                         <p:cTn id="32" fill="hold"/>
                                         <p:tgtEl>
-                                          <p:spTgt spid="109">
+                                          <p:spTgt spid="108">
                                             <p:txEl>
                                               <p:pRg st="6" end="6"/>
                                             </p:txEl>
@@ -4518,7 +4518,7 @@
                                       <p:cBhvr>
                                         <p:cTn id="36" fill="hold"/>
                                         <p:tgtEl>
-                                          <p:spTgt spid="109">
+                                          <p:spTgt spid="108">
                                             <p:txEl>
                                               <p:pRg st="7" end="7"/>
                                             </p:txEl>
@@ -4566,7 +4566,7 @@
                                       <p:cBhvr>
                                         <p:cTn id="40" fill="hold"/>
                                         <p:tgtEl>
-                                          <p:spTgt spid="109">
+                                          <p:spTgt spid="108">
                                             <p:txEl>
                                               <p:pRg st="8" end="8"/>
                                             </p:txEl>
@@ -4614,7 +4614,7 @@
                                       <p:cBhvr>
                                         <p:cTn id="44" fill="hold"/>
                                         <p:tgtEl>
-                                          <p:spTgt spid="109">
+                                          <p:spTgt spid="108">
                                             <p:txEl>
                                               <p:pRg st="9" end="9"/>
                                             </p:txEl>
@@ -4662,7 +4662,7 @@
                                       <p:cBhvr>
                                         <p:cTn id="48" fill="hold"/>
                                         <p:tgtEl>
-                                          <p:spTgt spid="109">
+                                          <p:spTgt spid="108">
                                             <p:txEl>
                                               <p:pRg st="10" end="10"/>
                                             </p:txEl>
@@ -4710,7 +4710,7 @@
                                       <p:cBhvr>
                                         <p:cTn id="52" fill="hold"/>
                                         <p:tgtEl>
-                                          <p:spTgt spid="109">
+                                          <p:spTgt spid="108">
                                             <p:txEl>
                                               <p:pRg st="11" end="11"/>
                                             </p:txEl>
@@ -4755,7 +4755,7 @@
       </p:par>
     </p:tnLst>
     <p:bldLst>
-      <p:bldP build="p" bldLvl="5" animBg="1" rev="0" advAuto="0" spid="109" grpId="1"/>
+      <p:bldP build="p" bldLvl="5" animBg="1" rev="0" advAuto="0" spid="108" grpId="1"/>
     </p:bldLst>
   </p:timing>
 </p:sld>
@@ -4780,7 +4780,7 @@
       </p:grpSpPr>
       <p:sp>
         <p:nvSpPr>
-          <p:cNvPr id="114" name="Algo1: Job Scheduling"/>
+          <p:cNvPr id="113" name="Algo1: Job Scheduling"/>
           <p:cNvSpPr txBox="1"/>
           <p:nvPr>
             <p:ph type="title"/>
@@ -4816,7 +4816,7 @@
       </p:sp>
       <p:sp>
         <p:nvSpPr>
-          <p:cNvPr id="115" name="for(i=2; i≤n; i++) {…"/>
+          <p:cNvPr id="114" name="for(i=2; i≤n; i++) {…"/>
           <p:cNvSpPr txBox="1"/>
           <p:nvPr>
             <p:ph type="body" idx="1"/>
@@ -5093,7 +5093,7 @@
                 <a:cs typeface="Courier New"/>
                 <a:sym typeface="Courier New"/>
               </a:rPr>
-              <a:t>&amp;&amp;(d[J[r]&gt;r)){</a:t>
+              <a:t>&amp;&amp;(d[i]&gt;r)){</a:t>
             </a:r>
             <a:endParaRPr i="0">
               <a:latin typeface="Courier New"/>
@@ -5471,7 +5471,7 @@
       </p:sp>
       <p:sp>
         <p:nvSpPr>
-          <p:cNvPr id="116" name="Slide Number"/>
+          <p:cNvPr id="115" name="Slide Number"/>
           <p:cNvSpPr txBox="1"/>
           <p:nvPr>
             <p:ph type="sldNum" sz="quarter" idx="2"/>
@@ -5498,7 +5498,7 @@
       </p:sp>
       <p:sp>
         <p:nvSpPr>
-          <p:cNvPr id="117" name="DAA/Greedy Algorithms"/>
+          <p:cNvPr id="116" name="DAA/Greedy Algorithms"/>
           <p:cNvSpPr txBox="1"/>
           <p:nvPr/>
         </p:nvSpPr>
@@ -5538,7 +5538,7 @@
       </p:sp>
       <p:sp>
         <p:nvSpPr>
-          <p:cNvPr id="118" name="RPR/"/>
+          <p:cNvPr id="117" name="RPR/"/>
           <p:cNvSpPr txBox="1"/>
           <p:nvPr/>
         </p:nvSpPr>
@@ -5615,7 +5615,7 @@
                                       <p:cBhvr>
                                         <p:cTn id="6" fill="hold"/>
                                         <p:tgtEl>
-                                          <p:spTgt spid="115">
+                                          <p:spTgt spid="114">
                                             <p:bg/>
                                           </p:spTgt>
                                         </p:tgtEl>
@@ -5643,7 +5643,7 @@
                                       <p:cBhvr>
                                         <p:cTn id="8" fill="hold"/>
                                         <p:tgtEl>
-                                          <p:spTgt spid="115">
+                                          <p:spTgt spid="114">
                                             <p:txEl>
                                               <p:pRg st="0" end="0"/>
                                             </p:txEl>
@@ -5691,7 +5691,7 @@
                                       <p:cBhvr>
                                         <p:cTn id="12" fill="hold"/>
                                         <p:tgtEl>
-                                          <p:spTgt spid="115">
+                                          <p:spTgt spid="114">
                                             <p:txEl>
                                               <p:pRg st="1" end="1"/>
                                             </p:txEl>
@@ -5739,7 +5739,7 @@
                                       <p:cBhvr>
                                         <p:cTn id="16" fill="hold"/>
                                         <p:tgtEl>
-                                          <p:spTgt spid="115">
+                                          <p:spTgt spid="114">
                                             <p:txEl>
                                               <p:pRg st="2" end="2"/>
                                             </p:txEl>
@@ -5787,7 +5787,7 @@
                                       <p:cBhvr>
                                         <p:cTn id="20" fill="hold"/>
                                         <p:tgtEl>
-                                          <p:spTgt spid="115">
+                                          <p:spTgt spid="114">
                                             <p:txEl>
                                               <p:pRg st="3" end="3"/>
                                             </p:txEl>
@@ -5835,7 +5835,7 @@
                                       <p:cBhvr>
                                         <p:cTn id="24" fill="hold"/>
                                         <p:tgtEl>
-                                          <p:spTgt spid="115">
+                                          <p:spTgt spid="114">
                                             <p:txEl>
                                               <p:pRg st="4" end="4"/>
                                             </p:txEl>
@@ -5883,7 +5883,7 @@
                                       <p:cBhvr>
                                         <p:cTn id="28" fill="hold"/>
                                         <p:tgtEl>
-                                          <p:spTgt spid="115">
+                                          <p:spTgt spid="114">
                                             <p:txEl>
                                               <p:pRg st="5" end="5"/>
                                             </p:txEl>
@@ -5931,7 +5931,7 @@
                                       <p:cBhvr>
                                         <p:cTn id="32" fill="hold"/>
                                         <p:tgtEl>
-                                          <p:spTgt spid="115">
+                                          <p:spTgt spid="114">
                                             <p:txEl>
                                               <p:pRg st="6" end="6"/>
                                             </p:txEl>
@@ -5979,7 +5979,7 @@
                                       <p:cBhvr>
                                         <p:cTn id="36" fill="hold"/>
                                         <p:tgtEl>
-                                          <p:spTgt spid="115">
+                                          <p:spTgt spid="114">
                                             <p:txEl>
                                               <p:pRg st="7" end="7"/>
                                             </p:txEl>
@@ -6027,7 +6027,7 @@
                                       <p:cBhvr>
                                         <p:cTn id="40" fill="hold"/>
                                         <p:tgtEl>
-                                          <p:spTgt spid="115">
+                                          <p:spTgt spid="114">
                                             <p:txEl>
                                               <p:pRg st="8" end="8"/>
                                             </p:txEl>
@@ -6075,7 +6075,7 @@
                                       <p:cBhvr>
                                         <p:cTn id="44" fill="hold"/>
                                         <p:tgtEl>
-                                          <p:spTgt spid="115">
+                                          <p:spTgt spid="114">
                                             <p:txEl>
                                               <p:pRg st="9" end="9"/>
                                             </p:txEl>
@@ -6123,7 +6123,7 @@
                                       <p:cBhvr>
                                         <p:cTn id="48" fill="hold"/>
                                         <p:tgtEl>
-                                          <p:spTgt spid="115">
+                                          <p:spTgt spid="114">
                                             <p:txEl>
                                               <p:pRg st="10" end="10"/>
                                             </p:txEl>
@@ -6171,7 +6171,7 @@
                                       <p:cBhvr>
                                         <p:cTn id="52" fill="hold"/>
                                         <p:tgtEl>
-                                          <p:spTgt spid="115">
+                                          <p:spTgt spid="114">
                                             <p:txEl>
                                               <p:pRg st="11" end="11"/>
                                             </p:txEl>
@@ -6219,7 +6219,7 @@
                                       <p:cBhvr>
                                         <p:cTn id="56" fill="hold"/>
                                         <p:tgtEl>
-                                          <p:spTgt spid="115">
+                                          <p:spTgt spid="114">
                                             <p:txEl>
                                               <p:pRg st="12" end="12"/>
                                             </p:txEl>
@@ -6267,7 +6267,7 @@
                                       <p:cBhvr>
                                         <p:cTn id="60" fill="hold"/>
                                         <p:tgtEl>
-                                          <p:spTgt spid="115">
+                                          <p:spTgt spid="114">
                                             <p:txEl>
                                               <p:pRg st="13" end="13"/>
                                             </p:txEl>
@@ -6315,7 +6315,7 @@
                                       <p:cBhvr>
                                         <p:cTn id="64" fill="hold"/>
                                         <p:tgtEl>
-                                          <p:spTgt spid="115">
+                                          <p:spTgt spid="114">
                                             <p:txEl>
                                               <p:pRg st="14" end="14"/>
                                             </p:txEl>
@@ -6363,7 +6363,7 @@
                                       <p:cBhvr>
                                         <p:cTn id="68" fill="hold"/>
                                         <p:tgtEl>
-                                          <p:spTgt spid="115">
+                                          <p:spTgt spid="114">
                                             <p:txEl>
                                               <p:pRg st="15" end="15"/>
                                             </p:txEl>
@@ -6408,7 +6408,7 @@
       </p:par>
     </p:tnLst>
     <p:bldLst>
-      <p:bldP build="p" bldLvl="5" animBg="1" rev="0" advAuto="0" spid="115" grpId="1"/>
+      <p:bldP build="p" bldLvl="5" animBg="1" rev="0" advAuto="0" spid="114" grpId="1"/>
     </p:bldLst>
   </p:timing>
 </p:sld>
@@ -6433,7 +6433,7 @@
       </p:grpSpPr>
       <p:sp>
         <p:nvSpPr>
-          <p:cNvPr id="120" name="Algo-1: Time Complexity"/>
+          <p:cNvPr id="119" name="Algo-1: Time Complexity"/>
           <p:cNvSpPr txBox="1"/>
           <p:nvPr>
             <p:ph type="title"/>
@@ -6469,7 +6469,7 @@
       </p:sp>
       <p:sp>
         <p:nvSpPr>
-          <p:cNvPr id="121" name="For loop run n times.…"/>
+          <p:cNvPr id="120" name="For loop run n times.…"/>
           <p:cNvSpPr txBox="1"/>
           <p:nvPr>
             <p:ph type="body" idx="1"/>
@@ -6595,7 +6595,7 @@
       </p:sp>
       <p:sp>
         <p:nvSpPr>
-          <p:cNvPr id="122" name="Slide Number"/>
+          <p:cNvPr id="121" name="Slide Number"/>
           <p:cNvSpPr txBox="1"/>
           <p:nvPr>
             <p:ph type="sldNum" sz="quarter" idx="2"/>
@@ -6622,7 +6622,7 @@
       </p:sp>
       <p:sp>
         <p:nvSpPr>
-          <p:cNvPr id="123" name="DAA/Greedy Algorithms"/>
+          <p:cNvPr id="122" name="DAA/Greedy Algorithms"/>
           <p:cNvSpPr txBox="1"/>
           <p:nvPr/>
         </p:nvSpPr>
@@ -6662,7 +6662,7 @@
       </p:sp>
       <p:sp>
         <p:nvSpPr>
-          <p:cNvPr id="124" name="RPR/"/>
+          <p:cNvPr id="123" name="RPR/"/>
           <p:cNvSpPr txBox="1"/>
           <p:nvPr/>
         </p:nvSpPr>
@@ -6739,7 +6739,7 @@
                                       <p:cBhvr>
                                         <p:cTn id="6" fill="hold"/>
                                         <p:tgtEl>
-                                          <p:spTgt spid="121">
+                                          <p:spTgt spid="120">
                                             <p:bg/>
                                           </p:spTgt>
                                         </p:tgtEl>
@@ -6767,7 +6767,7 @@
                                       <p:cBhvr>
                                         <p:cTn id="8" fill="hold"/>
                                         <p:tgtEl>
-                                          <p:spTgt spid="121">
+                                          <p:spTgt spid="120">
                                             <p:txEl>
                                               <p:pRg st="0" end="0"/>
                                             </p:txEl>
@@ -6815,7 +6815,7 @@
                                       <p:cBhvr>
                                         <p:cTn id="12" fill="hold"/>
                                         <p:tgtEl>
-                                          <p:spTgt spid="121">
+                                          <p:spTgt spid="120">
                                             <p:txEl>
                                               <p:pRg st="1" end="1"/>
                                             </p:txEl>
@@ -6863,7 +6863,7 @@
                                       <p:cBhvr>
                                         <p:cTn id="16" fill="hold"/>
                                         <p:tgtEl>
-                                          <p:spTgt spid="121">
+                                          <p:spTgt spid="120">
                                             <p:txEl>
                                               <p:pRg st="2" end="2"/>
                                             </p:txEl>
@@ -6911,7 +6911,7 @@
                                       <p:cBhvr>
                                         <p:cTn id="20" fill="hold"/>
                                         <p:tgtEl>
-                                          <p:spTgt spid="121">
+                                          <p:spTgt spid="120">
                                             <p:txEl>
                                               <p:pRg st="3" end="3"/>
                                             </p:txEl>
@@ -6959,7 +6959,7 @@
                                       <p:cBhvr>
                                         <p:cTn id="24" fill="hold"/>
                                         <p:tgtEl>
-                                          <p:spTgt spid="121">
+                                          <p:spTgt spid="120">
                                             <p:txEl>
                                               <p:pRg st="4" end="4"/>
                                             </p:txEl>
@@ -7007,7 +7007,7 @@
                                       <p:cBhvr>
                                         <p:cTn id="28" fill="hold"/>
                                         <p:tgtEl>
-                                          <p:spTgt spid="121">
+                                          <p:spTgt spid="120">
                                             <p:txEl>
                                               <p:pRg st="5" end="5"/>
                                             </p:txEl>
@@ -7055,7 +7055,7 @@
                                       <p:cBhvr>
                                         <p:cTn id="32" fill="hold"/>
                                         <p:tgtEl>
-                                          <p:spTgt spid="121">
+                                          <p:spTgt spid="120">
                                             <p:txEl>
                                               <p:pRg st="6" end="6"/>
                                             </p:txEl>
@@ -7100,7 +7100,7 @@
       </p:par>
     </p:tnLst>
     <p:bldLst>
-      <p:bldP build="p" bldLvl="5" animBg="1" rev="0" advAuto="0" spid="121" grpId="1"/>
+      <p:bldP build="p" bldLvl="5" animBg="1" rev="0" advAuto="0" spid="120" grpId="1"/>
     </p:bldLst>
   </p:timing>
 </p:sld>
@@ -7125,7 +7125,7 @@
       </p:grpSpPr>
       <p:sp>
         <p:nvSpPr>
-          <p:cNvPr id="126" name="Algo-2: Job Scheduling"/>
+          <p:cNvPr id="125" name="Algo-2: Job Scheduling"/>
           <p:cNvSpPr txBox="1"/>
           <p:nvPr>
             <p:ph type="title"/>
@@ -7149,7 +7149,7 @@
       </p:sp>
       <p:sp>
         <p:nvSpPr>
-          <p:cNvPr id="127" name="//Approach: schedule a job in the slot where it meets deadline.…"/>
+          <p:cNvPr id="126" name="//Approach: schedule a job in the slot where it meets deadline.…"/>
           <p:cNvSpPr txBox="1"/>
           <p:nvPr>
             <p:ph type="body" idx="1"/>
@@ -7657,7 +7657,7 @@
       </p:sp>
       <p:sp>
         <p:nvSpPr>
-          <p:cNvPr id="128" name="Slide Number"/>
+          <p:cNvPr id="127" name="Slide Number"/>
           <p:cNvSpPr txBox="1"/>
           <p:nvPr>
             <p:ph type="sldNum" sz="quarter" idx="2"/>
@@ -7684,7 +7684,7 @@
       </p:sp>
       <p:sp>
         <p:nvSpPr>
-          <p:cNvPr id="129" name="DAA/Greedy Algorithms"/>
+          <p:cNvPr id="128" name="DAA/Greedy Algorithms"/>
           <p:cNvSpPr txBox="1"/>
           <p:nvPr/>
         </p:nvSpPr>
@@ -7724,7 +7724,7 @@
       </p:sp>
       <p:sp>
         <p:nvSpPr>
-          <p:cNvPr id="130" name="RPR/"/>
+          <p:cNvPr id="129" name="RPR/"/>
           <p:cNvSpPr txBox="1"/>
           <p:nvPr/>
         </p:nvSpPr>
@@ -7801,7 +7801,7 @@
                                       <p:cBhvr>
                                         <p:cTn id="6" fill="hold"/>
                                         <p:tgtEl>
-                                          <p:spTgt spid="127">
+                                          <p:spTgt spid="126">
                                             <p:bg/>
                                           </p:spTgt>
                                         </p:tgtEl>
@@ -7829,7 +7829,7 @@
                                       <p:cBhvr>
                                         <p:cTn id="8" fill="hold"/>
                                         <p:tgtEl>
-                                          <p:spTgt spid="127">
+                                          <p:spTgt spid="126">
                                             <p:txEl>
                                               <p:pRg st="0" end="0"/>
                                             </p:txEl>
@@ -7877,7 +7877,7 @@
                                       <p:cBhvr>
                                         <p:cTn id="12" fill="hold"/>
                                         <p:tgtEl>
-                                          <p:spTgt spid="127">
+                                          <p:spTgt spid="126">
                                             <p:txEl>
                                               <p:pRg st="1" end="1"/>
                                             </p:txEl>
@@ -7925,7 +7925,7 @@
                                       <p:cBhvr>
                                         <p:cTn id="16" fill="hold"/>
                                         <p:tgtEl>
-                                          <p:spTgt spid="127">
+                                          <p:spTgt spid="126">
                                             <p:txEl>
                                               <p:pRg st="2" end="2"/>
                                             </p:txEl>
@@ -7973,7 +7973,7 @@
                                       <p:cBhvr>
                                         <p:cTn id="20" fill="hold"/>
                                         <p:tgtEl>
-                                          <p:spTgt spid="127">
+                                          <p:spTgt spid="126">
                                             <p:txEl>
                                               <p:pRg st="3" end="3"/>
                                             </p:txEl>
@@ -8021,7 +8021,7 @@
                                       <p:cBhvr>
                                         <p:cTn id="24" fill="hold"/>
                                         <p:tgtEl>
-                                          <p:spTgt spid="127">
+                                          <p:spTgt spid="126">
                                             <p:txEl>
                                               <p:pRg st="4" end="4"/>
                                             </p:txEl>
@@ -8069,7 +8069,7 @@
                                       <p:cBhvr>
                                         <p:cTn id="28" fill="hold"/>
                                         <p:tgtEl>
-                                          <p:spTgt spid="127">
+                                          <p:spTgt spid="126">
                                             <p:txEl>
                                               <p:pRg st="5" end="5"/>
                                             </p:txEl>
@@ -8117,7 +8117,7 @@
                                       <p:cBhvr>
                                         <p:cTn id="32" fill="hold"/>
                                         <p:tgtEl>
-                                          <p:spTgt spid="127">
+                                          <p:spTgt spid="126">
                                             <p:txEl>
                                               <p:pRg st="6" end="6"/>
                                             </p:txEl>
@@ -8165,7 +8165,7 @@
                                       <p:cBhvr>
                                         <p:cTn id="36" fill="hold"/>
                                         <p:tgtEl>
-                                          <p:spTgt spid="127">
+                                          <p:spTgt spid="126">
                                             <p:txEl>
                                               <p:pRg st="7" end="7"/>
                                             </p:txEl>
@@ -8213,7 +8213,7 @@
                                       <p:cBhvr>
                                         <p:cTn id="40" fill="hold"/>
                                         <p:tgtEl>
-                                          <p:spTgt spid="127">
+                                          <p:spTgt spid="126">
                                             <p:txEl>
                                               <p:pRg st="8" end="8"/>
                                             </p:txEl>
@@ -8261,7 +8261,7 @@
                                       <p:cBhvr>
                                         <p:cTn id="44" fill="hold"/>
                                         <p:tgtEl>
-                                          <p:spTgt spid="127">
+                                          <p:spTgt spid="126">
                                             <p:txEl>
                                               <p:pRg st="9" end="9"/>
                                             </p:txEl>
@@ -8309,7 +8309,7 @@
                                       <p:cBhvr>
                                         <p:cTn id="48" fill="hold"/>
                                         <p:tgtEl>
-                                          <p:spTgt spid="127">
+                                          <p:spTgt spid="126">
                                             <p:txEl>
                                               <p:pRg st="10" end="10"/>
                                             </p:txEl>
@@ -8357,7 +8357,7 @@
                                       <p:cBhvr>
                                         <p:cTn id="52" fill="hold"/>
                                         <p:tgtEl>
-                                          <p:spTgt spid="127">
+                                          <p:spTgt spid="126">
                                             <p:txEl>
                                               <p:pRg st="11" end="11"/>
                                             </p:txEl>
@@ -8402,7 +8402,7 @@
       </p:par>
     </p:tnLst>
     <p:bldLst>
-      <p:bldP build="p" bldLvl="5" animBg="1" rev="0" advAuto="0" spid="127" grpId="1"/>
+      <p:bldP build="p" bldLvl="5" animBg="1" rev="0" advAuto="0" spid="126" grpId="1"/>
     </p:bldLst>
   </p:timing>
 </p:sld>
@@ -8427,7 +8427,7 @@
       </p:grpSpPr>
       <p:sp>
         <p:nvSpPr>
-          <p:cNvPr id="132" name="Algo-2: Job Scheduling"/>
+          <p:cNvPr id="131" name="Algo-2: Job Scheduling"/>
           <p:cNvSpPr txBox="1"/>
           <p:nvPr>
             <p:ph type="title"/>
@@ -8451,7 +8451,7 @@
       </p:sp>
       <p:sp>
         <p:nvSpPr>
-          <p:cNvPr id="133" name="for(i=1; i≤n; i++) {…"/>
+          <p:cNvPr id="132" name="for(i=1; i≤n; i++) {…"/>
           <p:cNvSpPr txBox="1"/>
           <p:nvPr>
             <p:ph type="body" idx="1"/>
@@ -8811,7 +8811,11 @@
                 <a:cs typeface="Courier New"/>
                 <a:sym typeface="Courier New"/>
               </a:rPr>
-              <a:t>break</a:t>
+              <a:t>break; </a:t>
+            </a:r>
+            <a:r>
+              <a:rPr i="0"/>
+              <a:t>// from while</a:t>
             </a:r>
             <a:endParaRPr i="0">
               <a:latin typeface="Courier New"/>
@@ -8993,7 +8997,7 @@
       </p:sp>
       <p:sp>
         <p:nvSpPr>
-          <p:cNvPr id="134" name="Slide Number"/>
+          <p:cNvPr id="133" name="Slide Number"/>
           <p:cNvSpPr txBox="1"/>
           <p:nvPr>
             <p:ph type="sldNum" sz="quarter" idx="2"/>
@@ -9020,7 +9024,7 @@
       </p:sp>
       <p:sp>
         <p:nvSpPr>
-          <p:cNvPr id="135" name="DAA/Greedy Algorithms"/>
+          <p:cNvPr id="134" name="DAA/Greedy Algorithms"/>
           <p:cNvSpPr txBox="1"/>
           <p:nvPr/>
         </p:nvSpPr>
@@ -9060,7 +9064,7 @@
       </p:sp>
       <p:sp>
         <p:nvSpPr>
-          <p:cNvPr id="136" name="RPR/"/>
+          <p:cNvPr id="135" name="RPR/"/>
           <p:cNvSpPr txBox="1"/>
           <p:nvPr/>
         </p:nvSpPr>
@@ -9137,7 +9141,7 @@
                                       <p:cBhvr>
                                         <p:cTn id="6" fill="hold"/>
                                         <p:tgtEl>
-                                          <p:spTgt spid="133">
+                                          <p:spTgt spid="132">
                                             <p:bg/>
                                           </p:spTgt>
                                         </p:tgtEl>
@@ -9165,7 +9169,7 @@
                                       <p:cBhvr>
                                         <p:cTn id="8" fill="hold"/>
                                         <p:tgtEl>
-                                          <p:spTgt spid="133">
+                                          <p:spTgt spid="132">
                                             <p:txEl>
                                               <p:pRg st="0" end="0"/>
                                             </p:txEl>
@@ -9213,7 +9217,7 @@
                                       <p:cBhvr>
                                         <p:cTn id="12" fill="hold"/>
                                         <p:tgtEl>
-                                          <p:spTgt spid="133">
+                                          <p:spTgt spid="132">
                                             <p:txEl>
                                               <p:pRg st="1" end="1"/>
                                             </p:txEl>
@@ -9261,7 +9265,7 @@
                                       <p:cBhvr>
                                         <p:cTn id="16" fill="hold"/>
                                         <p:tgtEl>
-                                          <p:spTgt spid="133">
+                                          <p:spTgt spid="132">
                                             <p:txEl>
                                               <p:pRg st="2" end="2"/>
                                             </p:txEl>
@@ -9309,7 +9313,7 @@
                                       <p:cBhvr>
                                         <p:cTn id="20" fill="hold"/>
                                         <p:tgtEl>
-                                          <p:spTgt spid="133">
+                                          <p:spTgt spid="132">
                                             <p:txEl>
                                               <p:pRg st="3" end="3"/>
                                             </p:txEl>
@@ -9357,7 +9361,7 @@
                                       <p:cBhvr>
                                         <p:cTn id="24" fill="hold"/>
                                         <p:tgtEl>
-                                          <p:spTgt spid="133">
+                                          <p:spTgt spid="132">
                                             <p:txEl>
                                               <p:pRg st="4" end="4"/>
                                             </p:txEl>
@@ -9405,7 +9409,7 @@
                                       <p:cBhvr>
                                         <p:cTn id="28" fill="hold"/>
                                         <p:tgtEl>
-                                          <p:spTgt spid="133">
+                                          <p:spTgt spid="132">
                                             <p:txEl>
                                               <p:pRg st="5" end="5"/>
                                             </p:txEl>
@@ -9453,7 +9457,7 @@
                                       <p:cBhvr>
                                         <p:cTn id="32" fill="hold"/>
                                         <p:tgtEl>
-                                          <p:spTgt spid="133">
+                                          <p:spTgt spid="132">
                                             <p:txEl>
                                               <p:pRg st="6" end="6"/>
                                             </p:txEl>
@@ -9501,7 +9505,7 @@
                                       <p:cBhvr>
                                         <p:cTn id="36" fill="hold"/>
                                         <p:tgtEl>
-                                          <p:spTgt spid="133">
+                                          <p:spTgt spid="132">
                                             <p:txEl>
                                               <p:pRg st="7" end="7"/>
                                             </p:txEl>
@@ -9549,7 +9553,7 @@
                                       <p:cBhvr>
                                         <p:cTn id="40" fill="hold"/>
                                         <p:tgtEl>
-                                          <p:spTgt spid="133">
+                                          <p:spTgt spid="132">
                                             <p:txEl>
                                               <p:pRg st="8" end="8"/>
                                             </p:txEl>
@@ -9597,7 +9601,7 @@
                                       <p:cBhvr>
                                         <p:cTn id="44" fill="hold"/>
                                         <p:tgtEl>
-                                          <p:spTgt spid="133">
+                                          <p:spTgt spid="132">
                                             <p:txEl>
                                               <p:pRg st="9" end="9"/>
                                             </p:txEl>
@@ -9645,7 +9649,7 @@
                                       <p:cBhvr>
                                         <p:cTn id="48" fill="hold"/>
                                         <p:tgtEl>
-                                          <p:spTgt spid="133">
+                                          <p:spTgt spid="132">
                                             <p:txEl>
                                               <p:pRg st="10" end="10"/>
                                             </p:txEl>
@@ -9693,7 +9697,7 @@
                                       <p:cBhvr>
                                         <p:cTn id="52" fill="hold"/>
                                         <p:tgtEl>
-                                          <p:spTgt spid="133">
+                                          <p:spTgt spid="132">
                                             <p:txEl>
                                               <p:pRg st="11" end="11"/>
                                             </p:txEl>
@@ -9741,7 +9745,7 @@
                                       <p:cBhvr>
                                         <p:cTn id="56" fill="hold"/>
                                         <p:tgtEl>
-                                          <p:spTgt spid="133">
+                                          <p:spTgt spid="132">
                                             <p:txEl>
                                               <p:pRg st="12" end="12"/>
                                             </p:txEl>
@@ -9789,7 +9793,7 @@
                                       <p:cBhvr>
                                         <p:cTn id="60" fill="hold"/>
                                         <p:tgtEl>
-                                          <p:spTgt spid="133">
+                                          <p:spTgt spid="132">
                                             <p:txEl>
                                               <p:pRg st="13" end="13"/>
                                             </p:txEl>
@@ -9837,7 +9841,7 @@
                                       <p:cBhvr>
                                         <p:cTn id="64" fill="hold"/>
                                         <p:tgtEl>
-                                          <p:spTgt spid="133">
+                                          <p:spTgt spid="132">
                                             <p:txEl>
                                               <p:pRg st="14" end="14"/>
                                             </p:txEl>
@@ -9885,7 +9889,7 @@
                                       <p:cBhvr>
                                         <p:cTn id="68" fill="hold"/>
                                         <p:tgtEl>
-                                          <p:spTgt spid="133">
+                                          <p:spTgt spid="132">
                                             <p:txEl>
                                               <p:pRg st="15" end="15"/>
                                             </p:txEl>
@@ -9930,7 +9934,7 @@
       </p:par>
     </p:tnLst>
     <p:bldLst>
-      <p:bldP build="p" bldLvl="5" animBg="1" rev="0" advAuto="0" spid="133" grpId="1"/>
+      <p:bldP build="p" bldLvl="5" animBg="1" rev="0" advAuto="0" spid="132" grpId="1"/>
     </p:bldLst>
   </p:timing>
 </p:sld>
@@ -9955,7 +9959,7 @@
       </p:grpSpPr>
       <p:sp>
         <p:nvSpPr>
-          <p:cNvPr id="138" name="Algo-2: Time Complexity"/>
+          <p:cNvPr id="137" name="Algo-2: Time Complexity"/>
           <p:cNvSpPr txBox="1"/>
           <p:nvPr>
             <p:ph type="title"/>
@@ -9979,7 +9983,7 @@
       </p:sp>
       <p:sp>
         <p:nvSpPr>
-          <p:cNvPr id="139" name="For loop run n times.…"/>
+          <p:cNvPr id="138" name="For loop run n times.…"/>
           <p:cNvSpPr txBox="1"/>
           <p:nvPr>
             <p:ph type="body" idx="1"/>
@@ -10105,7 +10109,7 @@
       </p:sp>
       <p:sp>
         <p:nvSpPr>
-          <p:cNvPr id="140" name="Slide Number"/>
+          <p:cNvPr id="139" name="Slide Number"/>
           <p:cNvSpPr txBox="1"/>
           <p:nvPr>
             <p:ph type="sldNum" sz="quarter" idx="2"/>
@@ -10132,7 +10136,7 @@
       </p:sp>
       <p:sp>
         <p:nvSpPr>
-          <p:cNvPr id="141" name="DAA/Greedy Algorithms"/>
+          <p:cNvPr id="140" name="DAA/Greedy Algorithms"/>
           <p:cNvSpPr txBox="1"/>
           <p:nvPr/>
         </p:nvSpPr>
@@ -10172,7 +10176,7 @@
       </p:sp>
       <p:sp>
         <p:nvSpPr>
-          <p:cNvPr id="142" name="RPR/"/>
+          <p:cNvPr id="141" name="RPR/"/>
           <p:cNvSpPr txBox="1"/>
           <p:nvPr/>
         </p:nvSpPr>
@@ -10249,7 +10253,7 @@
                                       <p:cBhvr>
                                         <p:cTn id="6" fill="hold"/>
                                         <p:tgtEl>
-                                          <p:spTgt spid="139">
+                                          <p:spTgt spid="138">
                                             <p:bg/>
                                           </p:spTgt>
                                         </p:tgtEl>
@@ -10277,7 +10281,7 @@
                                       <p:cBhvr>
                                         <p:cTn id="8" fill="hold"/>
                                         <p:tgtEl>
-                                          <p:spTgt spid="139">
+                                          <p:spTgt spid="138">
                                             <p:txEl>
                                               <p:pRg st="0" end="0"/>
                                             </p:txEl>
@@ -10325,7 +10329,7 @@
                                       <p:cBhvr>
                                         <p:cTn id="12" fill="hold"/>
                                         <p:tgtEl>
-                                          <p:spTgt spid="139">
+                                          <p:spTgt spid="138">
                                             <p:txEl>
                                               <p:pRg st="1" end="1"/>
                                             </p:txEl>
@@ -10373,7 +10377,7 @@
                                       <p:cBhvr>
                                         <p:cTn id="16" fill="hold"/>
                                         <p:tgtEl>
-                                          <p:spTgt spid="139">
+                                          <p:spTgt spid="138">
                                             <p:txEl>
                                               <p:pRg st="2" end="2"/>
                                             </p:txEl>
@@ -10421,7 +10425,7 @@
                                       <p:cBhvr>
                                         <p:cTn id="20" fill="hold"/>
                                         <p:tgtEl>
-                                          <p:spTgt spid="139">
+                                          <p:spTgt spid="138">
                                             <p:txEl>
                                               <p:pRg st="3" end="3"/>
                                             </p:txEl>
@@ -10469,7 +10473,7 @@
                                       <p:cBhvr>
                                         <p:cTn id="24" fill="hold"/>
                                         <p:tgtEl>
-                                          <p:spTgt spid="139">
+                                          <p:spTgt spid="138">
                                             <p:txEl>
                                               <p:pRg st="4" end="4"/>
                                             </p:txEl>
@@ -10517,7 +10521,7 @@
                                       <p:cBhvr>
                                         <p:cTn id="28" fill="hold"/>
                                         <p:tgtEl>
-                                          <p:spTgt spid="139">
+                                          <p:spTgt spid="138">
                                             <p:txEl>
                                               <p:pRg st="5" end="5"/>
                                             </p:txEl>
@@ -10565,7 +10569,7 @@
                                       <p:cBhvr>
                                         <p:cTn id="32" fill="hold"/>
                                         <p:tgtEl>
-                                          <p:spTgt spid="139">
+                                          <p:spTgt spid="138">
                                             <p:txEl>
                                               <p:pRg st="6" end="6"/>
                                             </p:txEl>
@@ -10610,7 +10614,7 @@
       </p:par>
     </p:tnLst>
     <p:bldLst>
-      <p:bldP build="p" bldLvl="5" animBg="1" rev="0" advAuto="0" spid="139" grpId="1"/>
+      <p:bldP build="p" bldLvl="5" animBg="1" rev="0" advAuto="0" spid="138" grpId="1"/>
     </p:bldLst>
   </p:timing>
 </p:sld>
@@ -10635,7 +10639,7 @@
       </p:grpSpPr>
       <p:sp>
         <p:nvSpPr>
-          <p:cNvPr id="144" name="Fast Job Scheduling (Union-Find)"/>
+          <p:cNvPr id="143" name="Fast Job Scheduling (Union-Find)"/>
           <p:cNvSpPr txBox="1"/>
           <p:nvPr>
             <p:ph type="title"/>
@@ -10659,7 +10663,7 @@
       </p:sp>
       <p:sp>
         <p:nvSpPr>
-          <p:cNvPr id="145" name="Let i denote the timeslot i…"/>
+          <p:cNvPr id="144" name="Let i denote the timeslot i…"/>
           <p:cNvSpPr txBox="1"/>
           <p:nvPr>
             <p:ph type="body" idx="1"/>
@@ -10843,7 +10847,7 @@
       </p:sp>
       <p:sp>
         <p:nvSpPr>
-          <p:cNvPr id="146" name="Slide Number"/>
+          <p:cNvPr id="145" name="Slide Number"/>
           <p:cNvSpPr txBox="1"/>
           <p:nvPr>
             <p:ph type="sldNum" sz="quarter" idx="2"/>
@@ -10870,7 +10874,7 @@
       </p:sp>
       <p:sp>
         <p:nvSpPr>
-          <p:cNvPr id="147" name="DAA/Greedy Algorithms"/>
+          <p:cNvPr id="146" name="DAA/Greedy Algorithms"/>
           <p:cNvSpPr txBox="1"/>
           <p:nvPr/>
         </p:nvSpPr>
@@ -10910,7 +10914,7 @@
       </p:sp>
       <p:sp>
         <p:nvSpPr>
-          <p:cNvPr id="148" name="RPR/"/>
+          <p:cNvPr id="147" name="RPR/"/>
           <p:cNvSpPr txBox="1"/>
           <p:nvPr/>
         </p:nvSpPr>
@@ -10976,7 +10980,7 @@
       </p:grpSpPr>
       <p:sp>
         <p:nvSpPr>
-          <p:cNvPr id="150" name="Summary"/>
+          <p:cNvPr id="149" name="Summary"/>
           <p:cNvSpPr txBox="1"/>
           <p:nvPr>
             <p:ph type="title"/>
@@ -11000,7 +11004,7 @@
       </p:sp>
       <p:sp>
         <p:nvSpPr>
-          <p:cNvPr id="151" name="Job Scheduling…"/>
+          <p:cNvPr id="150" name="Job Scheduling…"/>
           <p:cNvSpPr txBox="1"/>
           <p:nvPr>
             <p:ph type="body" idx="1"/>
@@ -11048,7 +11052,7 @@
       </p:sp>
       <p:sp>
         <p:nvSpPr>
-          <p:cNvPr id="152" name="Slide Number"/>
+          <p:cNvPr id="151" name="Slide Number"/>
           <p:cNvSpPr txBox="1"/>
           <p:nvPr>
             <p:ph type="sldNum" sz="quarter" idx="2"/>
@@ -11075,7 +11079,7 @@
       </p:sp>
       <p:sp>
         <p:nvSpPr>
-          <p:cNvPr id="153" name="DAA/Greedy Algorithms"/>
+          <p:cNvPr id="152" name="DAA/Greedy Algorithms"/>
           <p:cNvSpPr txBox="1"/>
           <p:nvPr/>
         </p:nvSpPr>
@@ -11115,7 +11119,7 @@
       </p:sp>
       <p:sp>
         <p:nvSpPr>
-          <p:cNvPr id="154" name="RPR/"/>
+          <p:cNvPr id="153" name="RPR/"/>
           <p:cNvSpPr txBox="1"/>
           <p:nvPr/>
         </p:nvSpPr>
@@ -12604,37 +12608,9 @@
           </a:p>
         </p:txBody>
       </p:sp>
-      <p:sp>
-        <p:nvSpPr>
-          <p:cNvPr id="60" name="Text"/>
-          <p:cNvSpPr txBox="1"/>
-          <p:nvPr/>
-        </p:nvSpPr>
-        <p:spPr>
-          <a:xfrm>
-            <a:off x="4868212" y="3667187"/>
-            <a:ext cx="423576" cy="285626"/>
-          </a:xfrm>
-          <a:prstGeom prst="rect">
-            <a:avLst/>
-          </a:prstGeom>
-          <a:ln w="12700">
-            <a:miter lim="400000"/>
-          </a:ln>
-        </p:spPr>
-        <p:txBody>
-          <a:bodyPr wrap="none" lIns="50800" tIns="50800" rIns="50800" bIns="50800" anchor="ctr">
-            <a:spAutoFit/>
-          </a:bodyPr>
-          <a:lstStyle/>
-          <a:p>
-            <a:pPr/>
-          </a:p>
-        </p:txBody>
-      </p:sp>
       <p:graphicFrame>
         <p:nvGraphicFramePr>
-          <p:cNvPr id="61" name="Table"/>
+          <p:cNvPr id="60" name="Table"/>
           <p:cNvGraphicFramePr/>
           <p:nvPr/>
         </p:nvGraphicFramePr>
@@ -13324,7 +13300,7 @@
                                       <p:cBhvr>
                                         <p:cTn id="28" fill="hold"/>
                                         <p:tgtEl>
-                                          <p:spTgt spid="61"/>
+                                          <p:spTgt spid="60"/>
                                         </p:tgtEl>
                                         <p:attrNameLst>
                                           <p:attrName>style.visibility</p:attrName>
@@ -13365,10 +13341,10 @@
       </p:par>
     </p:tnLst>
     <p:bldLst>
-      <p:bldP build="whole" bldLvl="1" animBg="1" rev="0" advAuto="0" spid="61" grpId="4"/>
       <p:bldP build="p" bldLvl="5" animBg="1" rev="0" advAuto="0" spid="54" grpId="1"/>
+      <p:bldP build="whole" bldLvl="1" animBg="1" rev="0" advAuto="0" spid="59" grpId="3"/>
+      <p:bldP build="whole" bldLvl="1" animBg="1" rev="0" advAuto="0" spid="60" grpId="4"/>
       <p:bldP build="whole" bldLvl="1" animBg="1" rev="0" advAuto="0" spid="58" grpId="2"/>
-      <p:bldP build="whole" bldLvl="1" animBg="1" rev="0" advAuto="0" spid="59" grpId="3"/>
     </p:bldLst>
   </p:timing>
 </p:sld>
@@ -13393,7 +13369,7 @@
       </p:grpSpPr>
       <p:sp>
         <p:nvSpPr>
-          <p:cNvPr id="63" name="Greedy Job Scheduling"/>
+          <p:cNvPr id="62" name="Greedy Job Scheduling"/>
           <p:cNvSpPr txBox="1"/>
           <p:nvPr>
             <p:ph type="title"/>
@@ -13417,7 +13393,7 @@
       </p:sp>
       <p:sp>
         <p:nvSpPr>
-          <p:cNvPr id="64" name="A set of n jobs to run on a computer…"/>
+          <p:cNvPr id="63" name="A set of n jobs to run on a computer…"/>
           <p:cNvSpPr txBox="1"/>
           <p:nvPr>
             <p:ph type="body" idx="1"/>
@@ -13629,7 +13605,7 @@
       </p:sp>
       <p:sp>
         <p:nvSpPr>
-          <p:cNvPr id="65" name="Slide Number"/>
+          <p:cNvPr id="64" name="Slide Number"/>
           <p:cNvSpPr txBox="1"/>
           <p:nvPr>
             <p:ph type="sldNum" sz="quarter" idx="2"/>
@@ -13656,7 +13632,7 @@
       </p:sp>
       <p:sp>
         <p:nvSpPr>
-          <p:cNvPr id="66" name="DAA/Greedy Algorithms"/>
+          <p:cNvPr id="65" name="DAA/Greedy Algorithms"/>
           <p:cNvSpPr txBox="1"/>
           <p:nvPr/>
         </p:nvSpPr>
@@ -13696,7 +13672,7 @@
       </p:sp>
       <p:sp>
         <p:nvSpPr>
-          <p:cNvPr id="67" name="RPR/"/>
+          <p:cNvPr id="66" name="RPR/"/>
           <p:cNvSpPr txBox="1"/>
           <p:nvPr/>
         </p:nvSpPr>
@@ -13773,7 +13749,7 @@
                                       <p:cBhvr>
                                         <p:cTn id="6" fill="hold"/>
                                         <p:tgtEl>
-                                          <p:spTgt spid="64">
+                                          <p:spTgt spid="63">
                                             <p:bg/>
                                           </p:spTgt>
                                         </p:tgtEl>
@@ -13801,7 +13777,7 @@
                                       <p:cBhvr>
                                         <p:cTn id="8" fill="hold"/>
                                         <p:tgtEl>
-                                          <p:spTgt spid="64">
+                                          <p:spTgt spid="63">
                                             <p:txEl>
                                               <p:pRg st="0" end="0"/>
                                             </p:txEl>
@@ -13849,7 +13825,7 @@
                                       <p:cBhvr>
                                         <p:cTn id="12" fill="hold"/>
                                         <p:tgtEl>
-                                          <p:spTgt spid="64">
+                                          <p:spTgt spid="63">
                                             <p:txEl>
                                               <p:pRg st="1" end="1"/>
                                             </p:txEl>
@@ -13897,7 +13873,7 @@
                                       <p:cBhvr>
                                         <p:cTn id="16" fill="hold"/>
                                         <p:tgtEl>
-                                          <p:spTgt spid="64">
+                                          <p:spTgt spid="63">
                                             <p:txEl>
                                               <p:pRg st="2" end="2"/>
                                             </p:txEl>
@@ -13945,7 +13921,7 @@
                                       <p:cBhvr>
                                         <p:cTn id="20" fill="hold"/>
                                         <p:tgtEl>
-                                          <p:spTgt spid="64">
+                                          <p:spTgt spid="63">
                                             <p:txEl>
                                               <p:pRg st="3" end="3"/>
                                             </p:txEl>
@@ -13993,7 +13969,7 @@
                                       <p:cBhvr>
                                         <p:cTn id="24" fill="hold"/>
                                         <p:tgtEl>
-                                          <p:spTgt spid="64">
+                                          <p:spTgt spid="63">
                                             <p:txEl>
                                               <p:pRg st="4" end="4"/>
                                             </p:txEl>
@@ -14041,7 +14017,7 @@
                                       <p:cBhvr>
                                         <p:cTn id="28" fill="hold"/>
                                         <p:tgtEl>
-                                          <p:spTgt spid="64">
+                                          <p:spTgt spid="63">
                                             <p:txEl>
                                               <p:pRg st="5" end="5"/>
                                             </p:txEl>
@@ -14089,7 +14065,7 @@
                                       <p:cBhvr>
                                         <p:cTn id="32" fill="hold"/>
                                         <p:tgtEl>
-                                          <p:spTgt spid="64">
+                                          <p:spTgt spid="63">
                                             <p:txEl>
                                               <p:pRg st="6" end="6"/>
                                             </p:txEl>
@@ -14137,7 +14113,7 @@
                                       <p:cBhvr>
                                         <p:cTn id="36" fill="hold"/>
                                         <p:tgtEl>
-                                          <p:spTgt spid="64">
+                                          <p:spTgt spid="63">
                                             <p:txEl>
                                               <p:pRg st="7" end="7"/>
                                             </p:txEl>
@@ -14182,7 +14158,7 @@
       </p:par>
     </p:tnLst>
     <p:bldLst>
-      <p:bldP build="p" bldLvl="5" animBg="1" rev="0" advAuto="0" spid="64" grpId="1"/>
+      <p:bldP build="p" bldLvl="5" animBg="1" rev="0" advAuto="0" spid="63" grpId="1"/>
     </p:bldLst>
   </p:timing>
 </p:sld>
@@ -14207,7 +14183,7 @@
       </p:grpSpPr>
       <p:sp>
         <p:nvSpPr>
-          <p:cNvPr id="69" name="Example: Job Scheduling"/>
+          <p:cNvPr id="68" name="Example: Job Scheduling"/>
           <p:cNvSpPr txBox="1"/>
           <p:nvPr>
             <p:ph type="title"/>
@@ -14231,7 +14207,7 @@
       </p:sp>
       <p:sp>
         <p:nvSpPr>
-          <p:cNvPr id="70" name="Slide Number"/>
+          <p:cNvPr id="69" name="Slide Number"/>
           <p:cNvSpPr txBox="1"/>
           <p:nvPr>
             <p:ph type="sldNum" sz="quarter" idx="2"/>
@@ -14258,7 +14234,7 @@
       </p:sp>
       <p:sp>
         <p:nvSpPr>
-          <p:cNvPr id="71" name="DAA/Greedy Algorithms"/>
+          <p:cNvPr id="70" name="DAA/Greedy Algorithms"/>
           <p:cNvSpPr txBox="1"/>
           <p:nvPr/>
         </p:nvSpPr>
@@ -14298,7 +14274,7 @@
       </p:sp>
       <p:sp>
         <p:nvSpPr>
-          <p:cNvPr id="72" name="RPR/"/>
+          <p:cNvPr id="71" name="RPR/"/>
           <p:cNvSpPr txBox="1"/>
           <p:nvPr/>
         </p:nvSpPr>
@@ -14338,7 +14314,7 @@
       </p:sp>
       <p:graphicFrame>
         <p:nvGraphicFramePr>
-          <p:cNvPr id="73" name="Table"/>
+          <p:cNvPr id="72" name="Table"/>
           <p:cNvGraphicFramePr/>
           <p:nvPr/>
         </p:nvGraphicFramePr>
@@ -15017,7 +14993,7 @@
       </p:graphicFrame>
       <p:graphicFrame>
         <p:nvGraphicFramePr>
-          <p:cNvPr id="74" name="Table"/>
+          <p:cNvPr id="73" name="Table"/>
           <p:cNvGraphicFramePr/>
           <p:nvPr/>
         </p:nvGraphicFramePr>
@@ -15953,7 +15929,7 @@
       </p:graphicFrame>
       <p:sp>
         <p:nvSpPr>
-          <p:cNvPr id="75" name="Optimal Solution: 1,4"/>
+          <p:cNvPr id="74" name="Optimal Solution: 1,4"/>
           <p:cNvSpPr txBox="1"/>
           <p:nvPr/>
         </p:nvSpPr>
@@ -16042,7 +16018,7 @@
                                       <p:cBhvr>
                                         <p:cTn id="6" fill="hold"/>
                                         <p:tgtEl>
-                                          <p:spTgt spid="73"/>
+                                          <p:spTgt spid="72"/>
                                         </p:tgtEl>
                                         <p:attrNameLst>
                                           <p:attrName>style.visibility</p:attrName>
@@ -16086,7 +16062,7 @@
                                       <p:cBhvr>
                                         <p:cTn id="10" fill="hold"/>
                                         <p:tgtEl>
-                                          <p:spTgt spid="74"/>
+                                          <p:spTgt spid="73"/>
                                         </p:tgtEl>
                                         <p:attrNameLst>
                                           <p:attrName>style.visibility</p:attrName>
@@ -16130,7 +16106,7 @@
                                       <p:cBhvr>
                                         <p:cTn id="14" fill="hold"/>
                                         <p:tgtEl>
-                                          <p:spTgt spid="75"/>
+                                          <p:spTgt spid="74"/>
                                         </p:tgtEl>
                                         <p:attrNameLst>
                                           <p:attrName>style.visibility</p:attrName>
@@ -16171,9 +16147,9 @@
       </p:par>
     </p:tnLst>
     <p:bldLst>
-      <p:bldP build="whole" bldLvl="1" animBg="1" rev="0" advAuto="0" spid="74" grpId="2"/>
-      <p:bldP build="whole" bldLvl="1" animBg="1" rev="0" advAuto="0" spid="73" grpId="1"/>
-      <p:bldP build="whole" bldLvl="1" animBg="1" rev="0" advAuto="0" spid="75" grpId="3"/>
+      <p:bldP build="whole" bldLvl="1" animBg="1" rev="0" advAuto="0" spid="73" grpId="2"/>
+      <p:bldP build="whole" bldLvl="1" animBg="1" rev="0" advAuto="0" spid="72" grpId="1"/>
+      <p:bldP build="whole" bldLvl="1" animBg="1" rev="0" advAuto="0" spid="74" grpId="3"/>
     </p:bldLst>
   </p:timing>
 </p:sld>
@@ -16198,7 +16174,7 @@
       </p:grpSpPr>
       <p:sp>
         <p:nvSpPr>
-          <p:cNvPr id="77" name="Job Scheduling: Greedy Approach"/>
+          <p:cNvPr id="76" name="Job Scheduling: Greedy Approach"/>
           <p:cNvSpPr txBox="1"/>
           <p:nvPr>
             <p:ph type="title"/>
@@ -16222,7 +16198,7 @@
       </p:sp>
       <p:sp>
         <p:nvSpPr>
-          <p:cNvPr id="78" name="What should be the optimization measure to schedule the next job?…"/>
+          <p:cNvPr id="77" name="What should be the optimization measure to schedule the next job?…"/>
           <p:cNvSpPr txBox="1"/>
           <p:nvPr>
             <p:ph type="body" idx="1"/>
@@ -16393,7 +16369,7 @@
       </p:sp>
       <p:sp>
         <p:nvSpPr>
-          <p:cNvPr id="79" name="Slide Number"/>
+          <p:cNvPr id="78" name="Slide Number"/>
           <p:cNvSpPr txBox="1"/>
           <p:nvPr>
             <p:ph type="sldNum" sz="quarter" idx="2"/>
@@ -16420,7 +16396,7 @@
       </p:sp>
       <p:sp>
         <p:nvSpPr>
-          <p:cNvPr id="80" name="DAA/Greedy Algorithms"/>
+          <p:cNvPr id="79" name="DAA/Greedy Algorithms"/>
           <p:cNvSpPr txBox="1"/>
           <p:nvPr/>
         </p:nvSpPr>
@@ -16460,7 +16436,7 @@
       </p:sp>
       <p:sp>
         <p:nvSpPr>
-          <p:cNvPr id="81" name="RPR/"/>
+          <p:cNvPr id="80" name="RPR/"/>
           <p:cNvSpPr txBox="1"/>
           <p:nvPr/>
         </p:nvSpPr>
@@ -16537,7 +16513,7 @@
                                       <p:cBhvr>
                                         <p:cTn id="6" fill="hold"/>
                                         <p:tgtEl>
-                                          <p:spTgt spid="78">
+                                          <p:spTgt spid="77">
                                             <p:bg/>
                                           </p:spTgt>
                                         </p:tgtEl>
@@ -16565,7 +16541,7 @@
                                       <p:cBhvr>
                                         <p:cTn id="8" fill="hold"/>
                                         <p:tgtEl>
-                                          <p:spTgt spid="78">
+                                          <p:spTgt spid="77">
                                             <p:txEl>
                                               <p:pRg st="0" end="0"/>
                                             </p:txEl>
@@ -16613,7 +16589,7 @@
                                       <p:cBhvr>
                                         <p:cTn id="12" fill="hold"/>
                                         <p:tgtEl>
-                                          <p:spTgt spid="78">
+                                          <p:spTgt spid="77">
                                             <p:txEl>
                                               <p:pRg st="1" end="1"/>
                                             </p:txEl>
@@ -16661,7 +16637,7 @@
                                       <p:cBhvr>
                                         <p:cTn id="16" fill="hold"/>
                                         <p:tgtEl>
-                                          <p:spTgt spid="78">
+                                          <p:spTgt spid="77">
                                             <p:txEl>
                                               <p:pRg st="2" end="2"/>
                                             </p:txEl>
@@ -16709,7 +16685,7 @@
                                       <p:cBhvr>
                                         <p:cTn id="20" fill="hold"/>
                                         <p:tgtEl>
-                                          <p:spTgt spid="78">
+                                          <p:spTgt spid="77">
                                             <p:txEl>
                                               <p:pRg st="3" end="3"/>
                                             </p:txEl>
@@ -16757,7 +16733,7 @@
                                       <p:cBhvr>
                                         <p:cTn id="24" fill="hold"/>
                                         <p:tgtEl>
-                                          <p:spTgt spid="78">
+                                          <p:spTgt spid="77">
                                             <p:txEl>
                                               <p:pRg st="4" end="4"/>
                                             </p:txEl>
@@ -16805,7 +16781,7 @@
                                       <p:cBhvr>
                                         <p:cTn id="28" fill="hold"/>
                                         <p:tgtEl>
-                                          <p:spTgt spid="78">
+                                          <p:spTgt spid="77">
                                             <p:txEl>
                                               <p:pRg st="5" end="5"/>
                                             </p:txEl>
@@ -16853,7 +16829,7 @@
                                       <p:cBhvr>
                                         <p:cTn id="32" fill="hold"/>
                                         <p:tgtEl>
-                                          <p:spTgt spid="78">
+                                          <p:spTgt spid="77">
                                             <p:txEl>
                                               <p:pRg st="6" end="6"/>
                                             </p:txEl>
@@ -16901,7 +16877,7 @@
                                       <p:cBhvr>
                                         <p:cTn id="36" fill="hold"/>
                                         <p:tgtEl>
-                                          <p:spTgt spid="78">
+                                          <p:spTgt spid="77">
                                             <p:txEl>
                                               <p:pRg st="7" end="7"/>
                                             </p:txEl>
@@ -16946,7 +16922,7 @@
       </p:par>
     </p:tnLst>
     <p:bldLst>
-      <p:bldP build="p" bldLvl="5" animBg="1" rev="0" advAuto="0" spid="78" grpId="1"/>
+      <p:bldP build="p" bldLvl="5" animBg="1" rev="0" advAuto="0" spid="77" grpId="1"/>
     </p:bldLst>
   </p:timing>
 </p:sld>
@@ -16971,7 +16947,7 @@
       </p:grpSpPr>
       <p:sp>
         <p:nvSpPr>
-          <p:cNvPr id="83" name="Job Scheduling: Greedy Approach"/>
+          <p:cNvPr id="82" name="Job Scheduling: Greedy Approach"/>
           <p:cNvSpPr txBox="1"/>
           <p:nvPr>
             <p:ph type="title"/>
@@ -16995,7 +16971,7 @@
       </p:sp>
       <p:sp>
         <p:nvSpPr>
-          <p:cNvPr id="84" name="Application of First Greedy approach…"/>
+          <p:cNvPr id="83" name="Application of First Greedy approach…"/>
           <p:cNvSpPr txBox="1"/>
           <p:nvPr>
             <p:ph type="body" idx="1"/>
@@ -17105,7 +17081,7 @@
               </a:spcBef>
             </a:pPr>
             <a:r>
-              <a:t>Yes if </a:t>
+              <a:t>Yes if schedule is </a:t>
             </a:r>
             <a:r>
               <a:rPr>
@@ -17182,7 +17158,7 @@
               <a:buNone/>
             </a:pPr>
             <a:r>
-              <a:rPr sz="2400">
+              <a:rPr sz="2200">
                 <a:latin typeface="Courier New"/>
                 <a:ea typeface="Courier New"/>
                 <a:cs typeface="Courier New"/>
@@ -17195,7 +17171,19 @@
               <a:t> </a:t>
             </a:r>
             <a:r>
-              <a:t>is infeasible, thus J remains </a:t>
+              <a:t>is infeasible, thus </a:t>
+            </a:r>
+            <a:r>
+              <a:rPr sz="2600">
+                <a:latin typeface="Courier New"/>
+                <a:ea typeface="Courier New"/>
+                <a:cs typeface="Courier New"/>
+                <a:sym typeface="Courier New"/>
+              </a:rPr>
+              <a:t>J</a:t>
+            </a:r>
+            <a:r>
+              <a:t> remains </a:t>
             </a:r>
             <a:r>
               <a:rPr sz="2400">
@@ -17238,23 +17226,35 @@
               <a:buNone/>
             </a:pPr>
             <a:r>
+              <a:rPr sz="2300">
+                <a:latin typeface="Courier New"/>
+                <a:ea typeface="Courier New"/>
+                <a:cs typeface="Courier New"/>
+                <a:sym typeface="Courier New"/>
+              </a:rPr>
+              <a:t>{1,4,2}</a:t>
+            </a:r>
+            <a:r>
+              <a:rPr sz="2400"/>
+              <a:t> </a:t>
+            </a:r>
+            <a:r>
+              <a:t>is infeasible thus </a:t>
+            </a:r>
+            <a:r>
               <a:rPr sz="2400">
                 <a:latin typeface="Courier New"/>
                 <a:ea typeface="Courier New"/>
                 <a:cs typeface="Courier New"/>
                 <a:sym typeface="Courier New"/>
               </a:rPr>
-              <a:t>{1,4,2}</a:t>
-            </a:r>
-            <a:r>
-              <a:rPr sz="2400"/>
-              <a:t> </a:t>
-            </a:r>
-            <a:r>
-              <a:t>is infeasible thus J remains </a:t>
-            </a:r>
-            <a:r>
-              <a:rPr sz="2400">
+              <a:t>J</a:t>
+            </a:r>
+            <a:r>
+              <a:t> remains </a:t>
+            </a:r>
+            <a:r>
+              <a:rPr sz="2300">
                 <a:latin typeface="Courier New"/>
                 <a:ea typeface="Courier New"/>
                 <a:cs typeface="Courier New"/>
@@ -17346,6 +17346,15 @@
             </a:pPr>
             <a:r>
               <a:rPr>
+                <a:latin typeface="Gill Sans MT"/>
+                <a:ea typeface="Gill Sans MT"/>
+                <a:cs typeface="Gill Sans MT"/>
+                <a:sym typeface="Gill Sans MT"/>
+              </a:rPr>
+              <a:t>Evaluate feasibility for a given set: </a:t>
+            </a:r>
+            <a:r>
+              <a:rPr>
                 <a:latin typeface="Courier New"/>
                 <a:ea typeface="Courier New"/>
                 <a:cs typeface="Courier New"/>
@@ -17360,14 +17369,14 @@
                 <a:cs typeface="Gill Sans MT"/>
                 <a:sym typeface="Gill Sans MT"/>
               </a:rPr>
-              <a:t> to evaluate feasibility for a given set</a:t>
+              <a:t> </a:t>
             </a:r>
           </a:p>
         </p:txBody>
       </p:sp>
       <p:sp>
         <p:nvSpPr>
-          <p:cNvPr id="85" name="Slide Number"/>
+          <p:cNvPr id="84" name="Slide Number"/>
           <p:cNvSpPr txBox="1"/>
           <p:nvPr>
             <p:ph type="sldNum" sz="quarter" idx="2"/>
@@ -17394,7 +17403,7 @@
       </p:sp>
       <p:sp>
         <p:nvSpPr>
-          <p:cNvPr id="86" name="DAA/Greedy Algorithms"/>
+          <p:cNvPr id="85" name="DAA/Greedy Algorithms"/>
           <p:cNvSpPr txBox="1"/>
           <p:nvPr/>
         </p:nvSpPr>
@@ -17434,7 +17443,7 @@
       </p:sp>
       <p:sp>
         <p:nvSpPr>
-          <p:cNvPr id="87" name="RPR/"/>
+          <p:cNvPr id="86" name="RPR/"/>
           <p:cNvSpPr txBox="1"/>
           <p:nvPr/>
         </p:nvSpPr>
@@ -17474,7 +17483,7 @@
       </p:sp>
       <p:graphicFrame>
         <p:nvGraphicFramePr>
-          <p:cNvPr id="88" name="Table"/>
+          <p:cNvPr id="87" name="Table"/>
           <p:cNvGraphicFramePr/>
           <p:nvPr/>
         </p:nvGraphicFramePr>
@@ -17779,7 +17788,7 @@
                           <a:cs typeface="Arial"/>
                           <a:sym typeface="Arial"/>
                         </a:rPr>
-                        <a:t>2</a:t>
+                        <a:t>4</a:t>
                       </a:r>
                     </a:p>
                   </a:txBody>
@@ -17823,7 +17832,7 @@
                           <a:cs typeface="Arial"/>
                           <a:sym typeface="Arial"/>
                         </a:rPr>
-                        <a:t>10</a:t>
+                        <a:t>27</a:t>
                       </a:r>
                     </a:p>
                   </a:txBody>
@@ -18033,7 +18042,7 @@
                           <a:cs typeface="Arial"/>
                           <a:sym typeface="Arial"/>
                         </a:rPr>
-                        <a:t>4</a:t>
+                        <a:t>2</a:t>
                       </a:r>
                     </a:p>
                   </a:txBody>
@@ -18083,7 +18092,7 @@
                           <a:cs typeface="Arial"/>
                           <a:sym typeface="Arial"/>
                         </a:rPr>
-                        <a:t>27</a:t>
+                        <a:t>10</a:t>
                       </a:r>
                     </a:p>
                   </a:txBody>
@@ -18190,7 +18199,7 @@
                                       <p:cBhvr>
                                         <p:cTn id="6" fill="hold"/>
                                         <p:tgtEl>
-                                          <p:spTgt spid="88"/>
+                                          <p:spTgt spid="87"/>
                                         </p:tgtEl>
                                         <p:attrNameLst>
                                           <p:attrName>style.visibility</p:attrName>
@@ -18234,7 +18243,7 @@
                                       <p:cBhvr>
                                         <p:cTn id="10" fill="hold"/>
                                         <p:tgtEl>
-                                          <p:spTgt spid="84">
+                                          <p:spTgt spid="83">
                                             <p:bg/>
                                           </p:spTgt>
                                         </p:tgtEl>
@@ -18262,7 +18271,7 @@
                                       <p:cBhvr>
                                         <p:cTn id="12" fill="hold"/>
                                         <p:tgtEl>
-                                          <p:spTgt spid="84">
+                                          <p:spTgt spid="83">
                                             <p:txEl>
                                               <p:pRg st="0" end="0"/>
                                             </p:txEl>
@@ -18310,7 +18319,7 @@
                                       <p:cBhvr>
                                         <p:cTn id="16" fill="hold"/>
                                         <p:tgtEl>
-                                          <p:spTgt spid="84">
+                                          <p:spTgt spid="83">
                                             <p:txEl>
                                               <p:pRg st="1" end="1"/>
                                             </p:txEl>
@@ -18358,7 +18367,7 @@
                                       <p:cBhvr>
                                         <p:cTn id="20" fill="hold"/>
                                         <p:tgtEl>
-                                          <p:spTgt spid="84">
+                                          <p:spTgt spid="83">
                                             <p:txEl>
                                               <p:pRg st="2" end="2"/>
                                             </p:txEl>
@@ -18406,7 +18415,7 @@
                                       <p:cBhvr>
                                         <p:cTn id="24" fill="hold"/>
                                         <p:tgtEl>
-                                          <p:spTgt spid="84">
+                                          <p:spTgt spid="83">
                                             <p:txEl>
                                               <p:pRg st="3" end="3"/>
                                             </p:txEl>
@@ -18454,7 +18463,7 @@
                                       <p:cBhvr>
                                         <p:cTn id="28" fill="hold"/>
                                         <p:tgtEl>
-                                          <p:spTgt spid="84">
+                                          <p:spTgt spid="83">
                                             <p:txEl>
                                               <p:pRg st="4" end="4"/>
                                             </p:txEl>
@@ -18502,7 +18511,7 @@
                                       <p:cBhvr>
                                         <p:cTn id="32" fill="hold"/>
                                         <p:tgtEl>
-                                          <p:spTgt spid="84">
+                                          <p:spTgt spid="83">
                                             <p:txEl>
                                               <p:pRg st="5" end="5"/>
                                             </p:txEl>
@@ -18550,7 +18559,7 @@
                                       <p:cBhvr>
                                         <p:cTn id="36" fill="hold"/>
                                         <p:tgtEl>
-                                          <p:spTgt spid="84">
+                                          <p:spTgt spid="83">
                                             <p:txEl>
                                               <p:pRg st="6" end="6"/>
                                             </p:txEl>
@@ -18598,7 +18607,7 @@
                                       <p:cBhvr>
                                         <p:cTn id="40" fill="hold"/>
                                         <p:tgtEl>
-                                          <p:spTgt spid="84">
+                                          <p:spTgt spid="83">
                                             <p:txEl>
                                               <p:pRg st="7" end="7"/>
                                             </p:txEl>
@@ -18646,7 +18655,7 @@
                                       <p:cBhvr>
                                         <p:cTn id="44" fill="hold"/>
                                         <p:tgtEl>
-                                          <p:spTgt spid="84">
+                                          <p:spTgt spid="83">
                                             <p:txEl>
                                               <p:pRg st="8" end="8"/>
                                             </p:txEl>
@@ -18694,7 +18703,7 @@
                                       <p:cBhvr>
                                         <p:cTn id="48" fill="hold"/>
                                         <p:tgtEl>
-                                          <p:spTgt spid="84">
+                                          <p:spTgt spid="83">
                                             <p:txEl>
                                               <p:pRg st="9" end="9"/>
                                             </p:txEl>
@@ -18742,7 +18751,7 @@
                                       <p:cBhvr>
                                         <p:cTn id="52" fill="hold"/>
                                         <p:tgtEl>
-                                          <p:spTgt spid="84">
+                                          <p:spTgt spid="83">
                                             <p:txEl>
                                               <p:pRg st="10" end="10"/>
                                             </p:txEl>
@@ -18790,7 +18799,7 @@
                                       <p:cBhvr>
                                         <p:cTn id="56" fill="hold"/>
                                         <p:tgtEl>
-                                          <p:spTgt spid="84">
+                                          <p:spTgt spid="83">
                                             <p:txEl>
                                               <p:pRg st="11" end="11"/>
                                             </p:txEl>
@@ -18838,7 +18847,7 @@
                                       <p:cBhvr>
                                         <p:cTn id="60" fill="hold"/>
                                         <p:tgtEl>
-                                          <p:spTgt spid="84">
+                                          <p:spTgt spid="83">
                                             <p:txEl>
                                               <p:pRg st="12" end="12"/>
                                             </p:txEl>
@@ -18883,8 +18892,8 @@
       </p:par>
     </p:tnLst>
     <p:bldLst>
-      <p:bldP build="whole" bldLvl="1" animBg="1" rev="0" advAuto="0" spid="88" grpId="1"/>
-      <p:bldP build="p" bldLvl="5" animBg="1" rev="0" advAuto="0" spid="84" grpId="2"/>
+      <p:bldP build="whole" bldLvl="1" animBg="1" rev="0" advAuto="0" spid="87" grpId="1"/>
+      <p:bldP build="p" bldLvl="5" animBg="1" rev="0" advAuto="0" spid="83" grpId="2"/>
     </p:bldLst>
   </p:timing>
 </p:sld>
@@ -18909,7 +18918,7 @@
       </p:grpSpPr>
       <p:sp>
         <p:nvSpPr>
-          <p:cNvPr id="90" name="Job Scheduling: Feasible Solution"/>
+          <p:cNvPr id="89" name="Job Scheduling: Feasible Solution"/>
           <p:cNvSpPr txBox="1"/>
           <p:nvPr>
             <p:ph type="title"/>
@@ -18933,7 +18942,7 @@
       </p:sp>
       <p:sp>
         <p:nvSpPr>
-          <p:cNvPr id="91" name="How to determine that a given set of jobs constitute feasible solution.…"/>
+          <p:cNvPr id="90" name="How to determine that a given set of jobs constitute feasible solution.…"/>
           <p:cNvSpPr txBox="1"/>
           <p:nvPr>
             <p:ph type="body" idx="1"/>
@@ -18964,7 +18973,16 @@
               </a:spcBef>
             </a:pPr>
             <a:r>
-              <a:t>Try out all possible permutations in jobs J</a:t>
+              <a:t>Try out all possible permutations in jobs </a:t>
+            </a:r>
+            <a:r>
+              <a:rPr>
+                <a:latin typeface="Courier New"/>
+                <a:ea typeface="Courier New"/>
+                <a:cs typeface="Courier New"/>
+                <a:sym typeface="Courier New"/>
+              </a:rPr>
+              <a:t>J</a:t>
             </a:r>
           </a:p>
           <a:p>
@@ -18985,7 +19003,7 @@
               <a:defRPr sz="3000"/>
             </a:pPr>
             <a:r>
-              <a:t>Easy to check or a given permutation </a:t>
+              <a:t>Easy to check for a given permutation </a:t>
             </a:r>
             <a:r>
               <a:rPr>
@@ -19328,7 +19346,7 @@
       </p:sp>
       <p:sp>
         <p:nvSpPr>
-          <p:cNvPr id="92" name="Slide Number"/>
+          <p:cNvPr id="91" name="Slide Number"/>
           <p:cNvSpPr txBox="1"/>
           <p:nvPr>
             <p:ph type="sldNum" sz="quarter" idx="2"/>
@@ -19355,7 +19373,7 @@
       </p:sp>
       <p:sp>
         <p:nvSpPr>
-          <p:cNvPr id="93" name="DAA/Greedy Algorithms"/>
+          <p:cNvPr id="92" name="DAA/Greedy Algorithms"/>
           <p:cNvSpPr txBox="1"/>
           <p:nvPr/>
         </p:nvSpPr>
@@ -19395,7 +19413,7 @@
       </p:sp>
       <p:sp>
         <p:nvSpPr>
-          <p:cNvPr id="94" name="RPR/"/>
+          <p:cNvPr id="93" name="RPR/"/>
           <p:cNvSpPr txBox="1"/>
           <p:nvPr/>
         </p:nvSpPr>
@@ -19472,7 +19490,7 @@
                                       <p:cBhvr>
                                         <p:cTn id="6" fill="hold"/>
                                         <p:tgtEl>
-                                          <p:spTgt spid="91">
+                                          <p:spTgt spid="90">
                                             <p:bg/>
                                           </p:spTgt>
                                         </p:tgtEl>
@@ -19500,7 +19518,7 @@
                                       <p:cBhvr>
                                         <p:cTn id="8" fill="hold"/>
                                         <p:tgtEl>
-                                          <p:spTgt spid="91">
+                                          <p:spTgt spid="90">
                                             <p:txEl>
                                               <p:pRg st="0" end="0"/>
                                             </p:txEl>
@@ -19548,7 +19566,7 @@
                                       <p:cBhvr>
                                         <p:cTn id="12" fill="hold"/>
                                         <p:tgtEl>
-                                          <p:spTgt spid="91">
+                                          <p:spTgt spid="90">
                                             <p:txEl>
                                               <p:pRg st="1" end="1"/>
                                             </p:txEl>
@@ -19596,7 +19614,7 @@
                                       <p:cBhvr>
                                         <p:cTn id="16" fill="hold"/>
                                         <p:tgtEl>
-                                          <p:spTgt spid="91">
+                                          <p:spTgt spid="90">
                                             <p:txEl>
                                               <p:pRg st="2" end="2"/>
                                             </p:txEl>
@@ -19644,7 +19662,7 @@
                                       <p:cBhvr>
                                         <p:cTn id="20" fill="hold"/>
                                         <p:tgtEl>
-                                          <p:spTgt spid="91">
+                                          <p:spTgt spid="90">
                                             <p:txEl>
                                               <p:pRg st="3" end="3"/>
                                             </p:txEl>
@@ -19692,7 +19710,7 @@
                                       <p:cBhvr>
                                         <p:cTn id="24" fill="hold"/>
                                         <p:tgtEl>
-                                          <p:spTgt spid="91">
+                                          <p:spTgt spid="90">
                                             <p:txEl>
                                               <p:pRg st="4" end="4"/>
                                             </p:txEl>
@@ -19740,7 +19758,7 @@
                                       <p:cBhvr>
                                         <p:cTn id="28" fill="hold"/>
                                         <p:tgtEl>
-                                          <p:spTgt spid="91">
+                                          <p:spTgt spid="90">
                                             <p:txEl>
                                               <p:pRg st="5" end="5"/>
                                             </p:txEl>
@@ -19788,7 +19806,7 @@
                                       <p:cBhvr>
                                         <p:cTn id="32" fill="hold"/>
                                         <p:tgtEl>
-                                          <p:spTgt spid="91">
+                                          <p:spTgt spid="90">
                                             <p:txEl>
                                               <p:pRg st="6" end="6"/>
                                             </p:txEl>
@@ -19836,7 +19854,7 @@
                                       <p:cBhvr>
                                         <p:cTn id="36" fill="hold"/>
                                         <p:tgtEl>
-                                          <p:spTgt spid="91">
+                                          <p:spTgt spid="90">
                                             <p:txEl>
                                               <p:pRg st="7" end="7"/>
                                             </p:txEl>
@@ -19884,7 +19902,7 @@
                                       <p:cBhvr>
                                         <p:cTn id="40" fill="hold"/>
                                         <p:tgtEl>
-                                          <p:spTgt spid="91">
+                                          <p:spTgt spid="90">
                                             <p:txEl>
                                               <p:pRg st="8" end="8"/>
                                             </p:txEl>
@@ -19929,7 +19947,7 @@
       </p:par>
     </p:tnLst>
     <p:bldLst>
-      <p:bldP build="p" bldLvl="5" animBg="1" rev="0" advAuto="0" spid="91" grpId="1"/>
+      <p:bldP build="p" bldLvl="5" animBg="1" rev="0" advAuto="0" spid="90" grpId="1"/>
     </p:bldLst>
   </p:timing>
 </p:sld>
@@ -19954,7 +19972,7 @@
       </p:grpSpPr>
       <p:sp>
         <p:nvSpPr>
-          <p:cNvPr id="96" name="Proof for Feasible Solution"/>
+          <p:cNvPr id="95" name="Proof for Feasible Solution"/>
           <p:cNvSpPr txBox="1"/>
           <p:nvPr>
             <p:ph type="title"/>
@@ -19978,7 +19996,7 @@
       </p:sp>
       <p:sp>
         <p:nvSpPr>
-          <p:cNvPr id="97" name="Theorem 1:…"/>
+          <p:cNvPr id="96" name="Theorem 1:…"/>
           <p:cNvSpPr txBox="1"/>
           <p:nvPr>
             <p:ph type="body" idx="1"/>
@@ -20025,7 +20043,19 @@
               <a:t>J</a:t>
             </a:r>
             <a:r>
-              <a:t> be the set of k jobs and </a:t>
+              <a:t> be the set of </a:t>
+            </a:r>
+            <a:r>
+              <a:rPr>
+                <a:latin typeface="Courier New"/>
+                <a:ea typeface="Courier New"/>
+                <a:cs typeface="Courier New"/>
+                <a:sym typeface="Courier New"/>
+              </a:rPr>
+              <a:t>k</a:t>
+            </a:r>
+            <a:r>
+              <a:t> jobs and </a:t>
             </a:r>
             <a:r>
               <a:rPr>
@@ -20307,14 +20337,14 @@
           <a:p>
             <a:pPr lvl="1"/>
             <a:r>
-              <a:t>The greedy method describes above always obtains an optimal solution to the job scheduling problem.</a:t>
+              <a:t>The greedy method (order jobs in non-increasing order of profit) always obtains an optimal solution to the job scheduling problem.</a:t>
             </a:r>
           </a:p>
         </p:txBody>
       </p:sp>
       <p:sp>
         <p:nvSpPr>
-          <p:cNvPr id="98" name="Slide Number"/>
+          <p:cNvPr id="97" name="Slide Number"/>
           <p:cNvSpPr txBox="1"/>
           <p:nvPr>
             <p:ph type="sldNum" sz="quarter" idx="2"/>
@@ -20341,7 +20371,7 @@
       </p:sp>
       <p:sp>
         <p:nvSpPr>
-          <p:cNvPr id="99" name="DAA/Greedy Algorithms"/>
+          <p:cNvPr id="98" name="DAA/Greedy Algorithms"/>
           <p:cNvSpPr txBox="1"/>
           <p:nvPr/>
         </p:nvSpPr>
@@ -20381,7 +20411,7 @@
       </p:sp>
       <p:sp>
         <p:nvSpPr>
-          <p:cNvPr id="100" name="RPR/"/>
+          <p:cNvPr id="99" name="RPR/"/>
           <p:cNvSpPr txBox="1"/>
           <p:nvPr/>
         </p:nvSpPr>
@@ -20458,7 +20488,7 @@
                                       <p:cBhvr>
                                         <p:cTn id="6" fill="hold"/>
                                         <p:tgtEl>
-                                          <p:spTgt spid="97">
+                                          <p:spTgt spid="96">
                                             <p:bg/>
                                           </p:spTgt>
                                         </p:tgtEl>
@@ -20486,7 +20516,7 @@
                                       <p:cBhvr>
                                         <p:cTn id="8" fill="hold"/>
                                         <p:tgtEl>
-                                          <p:spTgt spid="97">
+                                          <p:spTgt spid="96">
                                             <p:txEl>
                                               <p:pRg st="0" end="0"/>
                                             </p:txEl>
@@ -20534,7 +20564,7 @@
                                       <p:cBhvr>
                                         <p:cTn id="12" fill="hold"/>
                                         <p:tgtEl>
-                                          <p:spTgt spid="97">
+                                          <p:spTgt spid="96">
                                             <p:txEl>
                                               <p:pRg st="1" end="1"/>
                                             </p:txEl>
@@ -20582,7 +20612,7 @@
                                       <p:cBhvr>
                                         <p:cTn id="16" fill="hold"/>
                                         <p:tgtEl>
-                                          <p:spTgt spid="97">
+                                          <p:spTgt spid="96">
                                             <p:txEl>
                                               <p:pRg st="2" end="2"/>
                                             </p:txEl>
@@ -20630,7 +20660,7 @@
                                       <p:cBhvr>
                                         <p:cTn id="20" fill="hold"/>
                                         <p:tgtEl>
-                                          <p:spTgt spid="97">
+                                          <p:spTgt spid="96">
                                             <p:txEl>
                                               <p:pRg st="3" end="3"/>
                                             </p:txEl>
@@ -20675,7 +20705,7 @@
       </p:par>
     </p:tnLst>
     <p:bldLst>
-      <p:bldP build="p" bldLvl="5" animBg="1" rev="0" advAuto="0" spid="97" grpId="1"/>
+      <p:bldP build="p" bldLvl="5" animBg="1" rev="0" advAuto="0" spid="96" grpId="1"/>
     </p:bldLst>
   </p:timing>
 </p:sld>
